--- a/馬路分割_F112112136_林宸毅.pptx
+++ b/馬路分割_F112112136_林宸毅.pptx
@@ -5,7 +5,7 @@
     <p:sldMasterId id="2147483659" r:id="rId1"/>
   </p:sldMasterIdLst>
   <p:notesMasterIdLst>
-    <p:notesMasterId r:id="rId15"/>
+    <p:notesMasterId r:id="rId14"/>
   </p:notesMasterIdLst>
   <p:sldIdLst>
     <p:sldId id="256" r:id="rId2"/>
@@ -14,13 +14,12 @@
     <p:sldId id="261" r:id="rId5"/>
     <p:sldId id="264" r:id="rId6"/>
     <p:sldId id="295" r:id="rId7"/>
-    <p:sldId id="265" r:id="rId8"/>
-    <p:sldId id="267" r:id="rId9"/>
-    <p:sldId id="296" r:id="rId10"/>
-    <p:sldId id="297" r:id="rId11"/>
-    <p:sldId id="270" r:id="rId12"/>
-    <p:sldId id="271" r:id="rId13"/>
-    <p:sldId id="273" r:id="rId14"/>
+    <p:sldId id="267" r:id="rId8"/>
+    <p:sldId id="296" r:id="rId9"/>
+    <p:sldId id="297" r:id="rId10"/>
+    <p:sldId id="270" r:id="rId11"/>
+    <p:sldId id="271" r:id="rId12"/>
+    <p:sldId id="273" r:id="rId13"/>
   </p:sldIdLst>
   <p:sldSz cx="12192000" cy="6858000"/>
   <p:notesSz cx="6858000" cy="9144000"/>
@@ -280,7 +279,6 @@
           <p14:sldIdLst>
             <p14:sldId id="264"/>
             <p14:sldId id="295"/>
-            <p14:sldId id="265"/>
           </p14:sldIdLst>
         </p14:section>
         <p14:section name="API" id="{B3734C23-97B0-4179-9767-DB6E9978CDA2}">
@@ -860,115 +858,6 @@
   <p:cSld>
     <p:spTree>
       <p:nvGrpSpPr>
-        <p:cNvPr id="1" name="Shape 151"/>
-        <p:cNvGrpSpPr/>
-        <p:nvPr/>
-      </p:nvGrpSpPr>
-      <p:grpSpPr>
-        <a:xfrm>
-          <a:off x="0" y="0"/>
-          <a:ext cx="0" cy="0"/>
-          <a:chOff x="0" y="0"/>
-          <a:chExt cx="0" cy="0"/>
-        </a:xfrm>
-      </p:grpSpPr>
-      <p:sp>
-        <p:nvSpPr>
-          <p:cNvPr id="152" name="Google Shape;152;p12:notes"/>
-          <p:cNvSpPr txBox="1">
-            <a:spLocks noGrp="1"/>
-          </p:cNvSpPr>
-          <p:nvPr>
-            <p:ph type="body" idx="1"/>
-          </p:nvPr>
-        </p:nvSpPr>
-        <p:spPr>
-          <a:xfrm>
-            <a:off x="685800" y="4343400"/>
-            <a:ext cx="5486400" cy="4114800"/>
-          </a:xfrm>
-          <a:prstGeom prst="rect">
-            <a:avLst/>
-          </a:prstGeom>
-        </p:spPr>
-        <p:txBody>
-          <a:bodyPr spcFirstLastPara="1" wrap="square" lIns="91425" tIns="91425" rIns="91425" bIns="91425" anchor="t" anchorCtr="0">
-            <a:noAutofit/>
-          </a:bodyPr>
-          <a:lstStyle/>
-          <a:p>
-            <a:pPr marL="0" lvl="0" indent="0" algn="l" rtl="0">
-              <a:spcBef>
-                <a:spcPts val="0"/>
-              </a:spcBef>
-              <a:spcAft>
-                <a:spcPts val="0"/>
-              </a:spcAft>
-              <a:buNone/>
-            </a:pPr>
-            <a:endParaRPr/>
-          </a:p>
-        </p:txBody>
-      </p:sp>
-      <p:sp>
-        <p:nvSpPr>
-          <p:cNvPr id="153" name="Google Shape;153;p12:notes"/>
-          <p:cNvSpPr>
-            <a:spLocks noGrp="1" noRot="1" noChangeAspect="1"/>
-          </p:cNvSpPr>
-          <p:nvPr>
-            <p:ph type="sldImg" idx="2"/>
-          </p:nvPr>
-        </p:nvSpPr>
-        <p:spPr>
-          <a:xfrm>
-            <a:off x="381000" y="685800"/>
-            <a:ext cx="6096000" cy="3429000"/>
-          </a:xfrm>
-          <a:custGeom>
-            <a:avLst/>
-            <a:gdLst/>
-            <a:ahLst/>
-            <a:cxnLst/>
-            <a:rect l="l" t="t" r="r" b="b"/>
-            <a:pathLst>
-              <a:path w="120000" h="120000" extrusionOk="0">
-                <a:moveTo>
-                  <a:pt x="0" y="0"/>
-                </a:moveTo>
-                <a:lnTo>
-                  <a:pt x="120000" y="0"/>
-                </a:lnTo>
-                <a:lnTo>
-                  <a:pt x="120000" y="120000"/>
-                </a:lnTo>
-                <a:lnTo>
-                  <a:pt x="0" y="120000"/>
-                </a:lnTo>
-                <a:close/>
-              </a:path>
-            </a:pathLst>
-          </a:custGeom>
-        </p:spPr>
-      </p:sp>
-    </p:spTree>
-    <p:extLst>
-      <p:ext uri="{BB962C8B-B14F-4D97-AF65-F5344CB8AC3E}">
-        <p14:creationId xmlns:p14="http://schemas.microsoft.com/office/powerpoint/2010/main" val="2520427638"/>
-      </p:ext>
-    </p:extLst>
-  </p:cSld>
-  <p:clrMapOvr>
-    <a:masterClrMapping/>
-  </p:clrMapOvr>
-</p:notes>
-</file>
-
-<file path=ppt/notesSlides/notesSlide11.xml><?xml version="1.0" encoding="utf-8"?>
-<p:notes xmlns:a="http://schemas.openxmlformats.org/drawingml/2006/main" xmlns:r="http://schemas.openxmlformats.org/officeDocument/2006/relationships" xmlns:p="http://schemas.openxmlformats.org/presentationml/2006/main" showMasterSp="0" showMasterPhAnim="0">
-  <p:cSld>
-    <p:spTree>
-      <p:nvGrpSpPr>
         <p:cNvPr id="1" name="Shape 168"/>
         <p:cNvGrpSpPr/>
         <p:nvPr/>
@@ -1068,7 +957,7 @@
 </p:notes>
 </file>
 
-<file path=ppt/notesSlides/notesSlide12.xml><?xml version="1.0" encoding="utf-8"?>
+<file path=ppt/notesSlides/notesSlide11.xml><?xml version="1.0" encoding="utf-8"?>
 <p:notes xmlns:a="http://schemas.openxmlformats.org/drawingml/2006/main" xmlns:r="http://schemas.openxmlformats.org/officeDocument/2006/relationships" xmlns:p="http://schemas.openxmlformats.org/presentationml/2006/main" showMasterSp="0" showMasterPhAnim="0">
   <p:cSld>
     <p:spTree>
@@ -1172,7 +1061,7 @@
 </p:notes>
 </file>
 
-<file path=ppt/notesSlides/notesSlide13.xml><?xml version="1.0" encoding="utf-8"?>
+<file path=ppt/notesSlides/notesSlide12.xml><?xml version="1.0" encoding="utf-8"?>
 <p:notes xmlns:a="http://schemas.openxmlformats.org/drawingml/2006/main" xmlns:r="http://schemas.openxmlformats.org/officeDocument/2006/relationships" xmlns:p="http://schemas.openxmlformats.org/presentationml/2006/main" showMasterSp="0" showMasterPhAnim="0">
   <p:cSld>
     <p:spTree>
@@ -1806,7 +1695,7 @@
   <p:cSld>
     <p:spTree>
       <p:nvGrpSpPr>
-        <p:cNvPr id="1" name="Shape 141"/>
+        <p:cNvPr id="1" name="Shape 151"/>
         <p:cNvGrpSpPr/>
         <p:nvPr/>
       </p:nvGrpSpPr>
@@ -1820,7 +1709,7 @@
       </p:grpSpPr>
       <p:sp>
         <p:nvSpPr>
-          <p:cNvPr id="142" name="Google Shape;142;p10:notes"/>
+          <p:cNvPr id="152" name="Google Shape;152;p12:notes"/>
           <p:cNvSpPr txBox="1">
             <a:spLocks noGrp="1"/>
           </p:cNvSpPr>
@@ -1858,7 +1747,7 @@
       </p:sp>
       <p:sp>
         <p:nvSpPr>
-          <p:cNvPr id="143" name="Google Shape;143;p10:notes"/>
+          <p:cNvPr id="153" name="Google Shape;153;p12:notes"/>
           <p:cNvSpPr>
             <a:spLocks noGrp="1" noRot="1" noChangeAspect="1"/>
           </p:cNvSpPr>
@@ -2002,6 +1891,11 @@
         </p:spPr>
       </p:sp>
     </p:spTree>
+    <p:extLst>
+      <p:ext uri="{BB962C8B-B14F-4D97-AF65-F5344CB8AC3E}">
+        <p14:creationId xmlns:p14="http://schemas.microsoft.com/office/powerpoint/2010/main" val="2923157801"/>
+      </p:ext>
+    </p:extLst>
   </p:cSld>
   <p:clrMapOvr>
     <a:masterClrMapping/>
@@ -2108,7 +2002,7 @@
     </p:spTree>
     <p:extLst>
       <p:ext uri="{BB962C8B-B14F-4D97-AF65-F5344CB8AC3E}">
-        <p14:creationId xmlns:p14="http://schemas.microsoft.com/office/powerpoint/2010/main" val="2923157801"/>
+        <p14:creationId xmlns:p14="http://schemas.microsoft.com/office/powerpoint/2010/main" val="2520427638"/>
       </p:ext>
     </p:extLst>
   </p:cSld>
@@ -12703,825 +12597,6 @@
   <p:cSld>
     <p:spTree>
       <p:nvGrpSpPr>
-        <p:cNvPr id="1" name="Shape 154"/>
-        <p:cNvGrpSpPr/>
-        <p:nvPr/>
-      </p:nvGrpSpPr>
-      <p:grpSpPr>
-        <a:xfrm>
-          <a:off x="0" y="0"/>
-          <a:ext cx="0" cy="0"/>
-          <a:chOff x="0" y="0"/>
-          <a:chExt cx="0" cy="0"/>
-        </a:xfrm>
-      </p:grpSpPr>
-      <p:sp>
-        <p:nvSpPr>
-          <p:cNvPr id="155" name="Google Shape;155;p24"/>
-          <p:cNvSpPr txBox="1"/>
-          <p:nvPr/>
-        </p:nvSpPr>
-        <p:spPr>
-          <a:xfrm>
-            <a:off x="838200" y="365125"/>
-            <a:ext cx="10515600" cy="720000"/>
-          </a:xfrm>
-          <a:prstGeom prst="rect">
-            <a:avLst/>
-          </a:prstGeom>
-          <a:noFill/>
-          <a:ln>
-            <a:noFill/>
-          </a:ln>
-        </p:spPr>
-        <p:txBody>
-          <a:bodyPr spcFirstLastPara="1" wrap="square" lIns="91425" tIns="45700" rIns="91425" bIns="45700" anchor="ctr" anchorCtr="0">
-            <a:normAutofit/>
-          </a:bodyPr>
-          <a:lstStyle/>
-          <a:p>
-            <a:pPr marL="0" marR="0" lvl="0" indent="0" algn="ctr" rtl="0">
-              <a:lnSpc>
-                <a:spcPct val="90000"/>
-              </a:lnSpc>
-              <a:spcBef>
-                <a:spcPts val="0"/>
-              </a:spcBef>
-              <a:spcAft>
-                <a:spcPts val="0"/>
-              </a:spcAft>
-              <a:buClr>
-                <a:schemeClr val="dk1"/>
-              </a:buClr>
-              <a:buSzPts val="4000"/>
-              <a:buFont typeface="Times New Roman"/>
-              <a:buNone/>
-            </a:pPr>
-            <a:r>
-              <a:rPr lang="en-US" altLang="zh-TW" sz="4000" b="1" i="0" u="none" strike="noStrike" cap="none" dirty="0">
-                <a:solidFill>
-                  <a:schemeClr val="dk1"/>
-                </a:solidFill>
-                <a:latin typeface="Times New Roman" panose="02020603050405020304" pitchFamily="18" charset="0"/>
-                <a:ea typeface="DFKai-SB"/>
-                <a:cs typeface="Times New Roman" panose="02020603050405020304" pitchFamily="18" charset="0"/>
-                <a:sym typeface="DFKai-SB"/>
-              </a:rPr>
-              <a:t>API</a:t>
-            </a:r>
-            <a:endParaRPr sz="4000" b="1" i="0" u="none" strike="noStrike" cap="none" dirty="0">
-              <a:solidFill>
-                <a:schemeClr val="dk1"/>
-              </a:solidFill>
-              <a:latin typeface="Times New Roman" panose="02020603050405020304" pitchFamily="18" charset="0"/>
-              <a:ea typeface="DFKai-SB"/>
-              <a:cs typeface="Times New Roman" panose="02020603050405020304" pitchFamily="18" charset="0"/>
-              <a:sym typeface="DFKai-SB"/>
-            </a:endParaRPr>
-          </a:p>
-        </p:txBody>
-      </p:sp>
-      <p:sp>
-        <p:nvSpPr>
-          <p:cNvPr id="48" name="Google Shape;121;p18">
-            <a:extLst>
-              <a:ext uri="{FF2B5EF4-FFF2-40B4-BE49-F238E27FC236}">
-                <a16:creationId xmlns:a16="http://schemas.microsoft.com/office/drawing/2014/main" id="{F8F828CC-B0FE-424C-AECC-54D728B33A50}"/>
-              </a:ext>
-            </a:extLst>
-          </p:cNvPr>
-          <p:cNvSpPr txBox="1"/>
-          <p:nvPr/>
-        </p:nvSpPr>
-        <p:spPr>
-          <a:xfrm>
-            <a:off x="838200" y="1195544"/>
-            <a:ext cx="10515600" cy="5037776"/>
-          </a:xfrm>
-          <a:prstGeom prst="rect">
-            <a:avLst/>
-          </a:prstGeom>
-          <a:noFill/>
-          <a:ln>
-            <a:noFill/>
-          </a:ln>
-        </p:spPr>
-        <p:txBody>
-          <a:bodyPr spcFirstLastPara="1" wrap="square" lIns="91425" tIns="45700" rIns="91425" bIns="45700" anchor="t" anchorCtr="0">
-            <a:normAutofit/>
-          </a:bodyPr>
-          <a:lstStyle/>
-          <a:p>
-            <a:pPr rtl="0" fontAlgn="base">
-              <a:spcBef>
-                <a:spcPts val="0"/>
-              </a:spcBef>
-              <a:spcAft>
-                <a:spcPts val="0"/>
-              </a:spcAft>
-            </a:pPr>
-            <a:endParaRPr dirty="0">
-              <a:latin typeface="Times New Roman" panose="02020603050405020304" pitchFamily="18" charset="0"/>
-              <a:ea typeface="標楷體" panose="03000509000000000000" pitchFamily="65" charset="-120"/>
-              <a:cs typeface="Times New Roman" panose="02020603050405020304" pitchFamily="18" charset="0"/>
-            </a:endParaRPr>
-          </a:p>
-        </p:txBody>
-      </p:sp>
-      <p:graphicFrame>
-        <p:nvGraphicFramePr>
-          <p:cNvPr id="2" name="表格 2">
-            <a:extLst>
-              <a:ext uri="{FF2B5EF4-FFF2-40B4-BE49-F238E27FC236}">
-                <a16:creationId xmlns:a16="http://schemas.microsoft.com/office/drawing/2014/main" id="{5BDA175A-E99E-42BB-8DB6-6CA6E8447311}"/>
-              </a:ext>
-            </a:extLst>
-          </p:cNvPr>
-          <p:cNvGraphicFramePr>
-            <a:graphicFrameLocks noGrp="1"/>
-          </p:cNvGraphicFramePr>
-          <p:nvPr>
-            <p:extLst>
-              <p:ext uri="{D42A27DB-BD31-4B8C-83A1-F6EECF244321}">
-                <p14:modId xmlns:p14="http://schemas.microsoft.com/office/powerpoint/2010/main" val="2107187188"/>
-              </p:ext>
-            </p:extLst>
-          </p:nvPr>
-        </p:nvGraphicFramePr>
-        <p:xfrm>
-          <a:off x="838200" y="1322934"/>
-          <a:ext cx="10515600" cy="2106066"/>
-        </p:xfrm>
-        <a:graphic>
-          <a:graphicData uri="http://schemas.openxmlformats.org/drawingml/2006/table">
-            <a:tbl>
-              <a:tblPr firstRow="1" bandRow="1">
-                <a:tableStyleId>{5C22544A-7EE6-4342-B048-85BDC9FD1C3A}</a:tableStyleId>
-              </a:tblPr>
-              <a:tblGrid>
-                <a:gridCol w="5257800">
-                  <a:extLst>
-                    <a:ext uri="{9D8B030D-6E8A-4147-A177-3AD203B41FA5}">
-                      <a16:colId xmlns:a16="http://schemas.microsoft.com/office/drawing/2014/main" val="2144424883"/>
-                    </a:ext>
-                  </a:extLst>
-                </a:gridCol>
-                <a:gridCol w="5257800">
-                  <a:extLst>
-                    <a:ext uri="{9D8B030D-6E8A-4147-A177-3AD203B41FA5}">
-                      <a16:colId xmlns:a16="http://schemas.microsoft.com/office/drawing/2014/main" val="3707820108"/>
-                    </a:ext>
-                  </a:extLst>
-                </a:gridCol>
-              </a:tblGrid>
-              <a:tr h="351011">
-                <a:tc>
-                  <a:txBody>
-                    <a:bodyPr/>
-                    <a:lstStyle/>
-                    <a:p>
-                      <a:r>
-                        <a:rPr lang="en-US" altLang="zh-TW" dirty="0">
-                          <a:latin typeface="Times New Roman" panose="02020603050405020304" pitchFamily="18" charset="0"/>
-                          <a:ea typeface="標楷體" panose="03000509000000000000" pitchFamily="65" charset="-120"/>
-                          <a:cs typeface="Times New Roman" panose="02020603050405020304" pitchFamily="18" charset="0"/>
-                        </a:rPr>
-                        <a:t>Function</a:t>
-                      </a:r>
-                      <a:r>
-                        <a:rPr lang="zh-TW" altLang="en-US" dirty="0">
-                          <a:latin typeface="Times New Roman" panose="02020603050405020304" pitchFamily="18" charset="0"/>
-                          <a:ea typeface="標楷體" panose="03000509000000000000" pitchFamily="65" charset="-120"/>
-                          <a:cs typeface="Times New Roman" panose="02020603050405020304" pitchFamily="18" charset="0"/>
-                        </a:rPr>
-                        <a:t>：</a:t>
-                      </a:r>
-                    </a:p>
-                  </a:txBody>
-                  <a:tcPr/>
-                </a:tc>
-                <a:tc>
-                  <a:txBody>
-                    <a:bodyPr/>
-                    <a:lstStyle/>
-                    <a:p>
-                      <a:r>
-                        <a:rPr lang="en-US" altLang="zh-TW" dirty="0">
-                          <a:latin typeface="Times New Roman" panose="02020603050405020304" pitchFamily="18" charset="0"/>
-                          <a:ea typeface="標楷體" panose="03000509000000000000" pitchFamily="65" charset="-120"/>
-                          <a:cs typeface="Times New Roman" panose="02020603050405020304" pitchFamily="18" charset="0"/>
-                        </a:rPr>
-                        <a:t>Distance measure</a:t>
-                      </a:r>
-                      <a:endParaRPr lang="zh-TW" altLang="en-US" dirty="0">
-                        <a:latin typeface="Times New Roman" panose="02020603050405020304" pitchFamily="18" charset="0"/>
-                        <a:ea typeface="標楷體" panose="03000509000000000000" pitchFamily="65" charset="-120"/>
-                        <a:cs typeface="Times New Roman" panose="02020603050405020304" pitchFamily="18" charset="0"/>
-                      </a:endParaRPr>
-                    </a:p>
-                  </a:txBody>
-                  <a:tcPr/>
-                </a:tc>
-                <a:extLst>
-                  <a:ext uri="{0D108BD9-81ED-4DB2-BD59-A6C34878D82A}">
-                    <a16:rowId xmlns:a16="http://schemas.microsoft.com/office/drawing/2014/main" val="780994351"/>
-                  </a:ext>
-                </a:extLst>
-              </a:tr>
-              <a:tr h="351011">
-                <a:tc>
-                  <a:txBody>
-                    <a:bodyPr/>
-                    <a:lstStyle/>
-                    <a:p>
-                      <a:r>
-                        <a:rPr lang="en-US" altLang="zh-TW" dirty="0">
-                          <a:latin typeface="Times New Roman" panose="02020603050405020304" pitchFamily="18" charset="0"/>
-                          <a:ea typeface="標楷體" panose="03000509000000000000" pitchFamily="65" charset="-120"/>
-                          <a:cs typeface="Times New Roman" panose="02020603050405020304" pitchFamily="18" charset="0"/>
-                        </a:rPr>
-                        <a:t>Input</a:t>
-                      </a:r>
-                      <a:r>
-                        <a:rPr lang="zh-TW" altLang="en-US" dirty="0">
-                          <a:latin typeface="Times New Roman" panose="02020603050405020304" pitchFamily="18" charset="0"/>
-                          <a:ea typeface="標楷體" panose="03000509000000000000" pitchFamily="65" charset="-120"/>
-                          <a:cs typeface="Times New Roman" panose="02020603050405020304" pitchFamily="18" charset="0"/>
-                        </a:rPr>
-                        <a:t>：</a:t>
-                      </a:r>
-                    </a:p>
-                  </a:txBody>
-                  <a:tcPr/>
-                </a:tc>
-                <a:tc>
-                  <a:txBody>
-                    <a:bodyPr/>
-                    <a:lstStyle/>
-                    <a:p>
-                      <a:endParaRPr lang="zh-TW" altLang="en-US">
-                        <a:latin typeface="Times New Roman" panose="02020603050405020304" pitchFamily="18" charset="0"/>
-                        <a:ea typeface="標楷體" panose="03000509000000000000" pitchFamily="65" charset="-120"/>
-                        <a:cs typeface="Times New Roman" panose="02020603050405020304" pitchFamily="18" charset="0"/>
-                      </a:endParaRPr>
-                    </a:p>
-                  </a:txBody>
-                  <a:tcPr/>
-                </a:tc>
-                <a:extLst>
-                  <a:ext uri="{0D108BD9-81ED-4DB2-BD59-A6C34878D82A}">
-                    <a16:rowId xmlns:a16="http://schemas.microsoft.com/office/drawing/2014/main" val="2574774029"/>
-                  </a:ext>
-                </a:extLst>
-              </a:tr>
-              <a:tr h="351011">
-                <a:tc>
-                  <a:txBody>
-                    <a:bodyPr/>
-                    <a:lstStyle/>
-                    <a:p>
-                      <a:r>
-                        <a:rPr lang="en-US" altLang="zh-TW" dirty="0">
-                          <a:latin typeface="Times New Roman" panose="02020603050405020304" pitchFamily="18" charset="0"/>
-                          <a:ea typeface="標楷體" panose="03000509000000000000" pitchFamily="65" charset="-120"/>
-                          <a:cs typeface="Times New Roman" panose="02020603050405020304" pitchFamily="18" charset="0"/>
-                        </a:rPr>
-                        <a:t>Output</a:t>
-                      </a:r>
-                      <a:r>
-                        <a:rPr lang="zh-TW" altLang="en-US" dirty="0">
-                          <a:latin typeface="Times New Roman" panose="02020603050405020304" pitchFamily="18" charset="0"/>
-                          <a:ea typeface="標楷體" panose="03000509000000000000" pitchFamily="65" charset="-120"/>
-                          <a:cs typeface="Times New Roman" panose="02020603050405020304" pitchFamily="18" charset="0"/>
-                        </a:rPr>
-                        <a:t>：</a:t>
-                      </a:r>
-                    </a:p>
-                  </a:txBody>
-                  <a:tcPr/>
-                </a:tc>
-                <a:tc>
-                  <a:txBody>
-                    <a:bodyPr/>
-                    <a:lstStyle/>
-                    <a:p>
-                      <a:endParaRPr lang="zh-TW" altLang="en-US">
-                        <a:latin typeface="Times New Roman" panose="02020603050405020304" pitchFamily="18" charset="0"/>
-                        <a:ea typeface="標楷體" panose="03000509000000000000" pitchFamily="65" charset="-120"/>
-                        <a:cs typeface="Times New Roman" panose="02020603050405020304" pitchFamily="18" charset="0"/>
-                      </a:endParaRPr>
-                    </a:p>
-                  </a:txBody>
-                  <a:tcPr/>
-                </a:tc>
-                <a:extLst>
-                  <a:ext uri="{0D108BD9-81ED-4DB2-BD59-A6C34878D82A}">
-                    <a16:rowId xmlns:a16="http://schemas.microsoft.com/office/drawing/2014/main" val="1358840004"/>
-                  </a:ext>
-                </a:extLst>
-              </a:tr>
-              <a:tr h="351011">
-                <a:tc>
-                  <a:txBody>
-                    <a:bodyPr/>
-                    <a:lstStyle/>
-                    <a:p>
-                      <a:r>
-                        <a:rPr lang="en-US" altLang="zh-TW" dirty="0">
-                          <a:latin typeface="Times New Roman" panose="02020603050405020304" pitchFamily="18" charset="0"/>
-                          <a:ea typeface="標楷體" panose="03000509000000000000" pitchFamily="65" charset="-120"/>
-                          <a:cs typeface="Times New Roman" panose="02020603050405020304" pitchFamily="18" charset="0"/>
-                        </a:rPr>
-                        <a:t>Parameters</a:t>
-                      </a:r>
-                      <a:r>
-                        <a:rPr lang="zh-TW" altLang="en-US" dirty="0">
-                          <a:latin typeface="Times New Roman" panose="02020603050405020304" pitchFamily="18" charset="0"/>
-                          <a:ea typeface="標楷體" panose="03000509000000000000" pitchFamily="65" charset="-120"/>
-                          <a:cs typeface="Times New Roman" panose="02020603050405020304" pitchFamily="18" charset="0"/>
-                        </a:rPr>
-                        <a:t>：</a:t>
-                      </a:r>
-                    </a:p>
-                  </a:txBody>
-                  <a:tcPr/>
-                </a:tc>
-                <a:tc>
-                  <a:txBody>
-                    <a:bodyPr/>
-                    <a:lstStyle/>
-                    <a:p>
-                      <a:endParaRPr lang="zh-TW" altLang="en-US">
-                        <a:latin typeface="Times New Roman" panose="02020603050405020304" pitchFamily="18" charset="0"/>
-                        <a:ea typeface="標楷體" panose="03000509000000000000" pitchFamily="65" charset="-120"/>
-                        <a:cs typeface="Times New Roman" panose="02020603050405020304" pitchFamily="18" charset="0"/>
-                      </a:endParaRPr>
-                    </a:p>
-                  </a:txBody>
-                  <a:tcPr/>
-                </a:tc>
-                <a:extLst>
-                  <a:ext uri="{0D108BD9-81ED-4DB2-BD59-A6C34878D82A}">
-                    <a16:rowId xmlns:a16="http://schemas.microsoft.com/office/drawing/2014/main" val="74156603"/>
-                  </a:ext>
-                </a:extLst>
-              </a:tr>
-              <a:tr h="351011">
-                <a:tc>
-                  <a:txBody>
-                    <a:bodyPr/>
-                    <a:lstStyle/>
-                    <a:p>
-                      <a:r>
-                        <a:rPr lang="en-US" altLang="zh-TW" dirty="0">
-                          <a:latin typeface="Times New Roman" panose="02020603050405020304" pitchFamily="18" charset="0"/>
-                          <a:ea typeface="標楷體" panose="03000509000000000000" pitchFamily="65" charset="-120"/>
-                          <a:cs typeface="Times New Roman" panose="02020603050405020304" pitchFamily="18" charset="0"/>
-                        </a:rPr>
-                        <a:t>Method</a:t>
-                      </a:r>
-                      <a:r>
-                        <a:rPr lang="zh-TW" altLang="en-US" dirty="0">
-                          <a:latin typeface="Times New Roman" panose="02020603050405020304" pitchFamily="18" charset="0"/>
-                          <a:ea typeface="標楷體" panose="03000509000000000000" pitchFamily="65" charset="-120"/>
-                          <a:cs typeface="Times New Roman" panose="02020603050405020304" pitchFamily="18" charset="0"/>
-                        </a:rPr>
-                        <a:t>：</a:t>
-                      </a:r>
-                    </a:p>
-                  </a:txBody>
-                  <a:tcPr/>
-                </a:tc>
-                <a:tc>
-                  <a:txBody>
-                    <a:bodyPr/>
-                    <a:lstStyle/>
-                    <a:p>
-                      <a:endParaRPr lang="zh-TW" altLang="en-US">
-                        <a:latin typeface="Times New Roman" panose="02020603050405020304" pitchFamily="18" charset="0"/>
-                        <a:ea typeface="標楷體" panose="03000509000000000000" pitchFamily="65" charset="-120"/>
-                        <a:cs typeface="Times New Roman" panose="02020603050405020304" pitchFamily="18" charset="0"/>
-                      </a:endParaRPr>
-                    </a:p>
-                  </a:txBody>
-                  <a:tcPr/>
-                </a:tc>
-                <a:extLst>
-                  <a:ext uri="{0D108BD9-81ED-4DB2-BD59-A6C34878D82A}">
-                    <a16:rowId xmlns:a16="http://schemas.microsoft.com/office/drawing/2014/main" val="329397043"/>
-                  </a:ext>
-                </a:extLst>
-              </a:tr>
-              <a:tr h="351011">
-                <a:tc>
-                  <a:txBody>
-                    <a:bodyPr/>
-                    <a:lstStyle/>
-                    <a:p>
-                      <a:r>
-                        <a:rPr lang="en-US" altLang="zh-TW" dirty="0">
-                          <a:latin typeface="Times New Roman" panose="02020603050405020304" pitchFamily="18" charset="0"/>
-                          <a:ea typeface="標楷體" panose="03000509000000000000" pitchFamily="65" charset="-120"/>
-                          <a:cs typeface="Times New Roman" panose="02020603050405020304" pitchFamily="18" charset="0"/>
-                        </a:rPr>
-                        <a:t>Description</a:t>
-                      </a:r>
-                      <a:r>
-                        <a:rPr lang="zh-TW" altLang="en-US" dirty="0">
-                          <a:latin typeface="Times New Roman" panose="02020603050405020304" pitchFamily="18" charset="0"/>
-                          <a:ea typeface="標楷體" panose="03000509000000000000" pitchFamily="65" charset="-120"/>
-                          <a:cs typeface="Times New Roman" panose="02020603050405020304" pitchFamily="18" charset="0"/>
-                        </a:rPr>
-                        <a:t>：</a:t>
-                      </a:r>
-                    </a:p>
-                  </a:txBody>
-                  <a:tcPr/>
-                </a:tc>
-                <a:tc>
-                  <a:txBody>
-                    <a:bodyPr/>
-                    <a:lstStyle/>
-                    <a:p>
-                      <a:endParaRPr lang="zh-TW" altLang="en-US" dirty="0">
-                        <a:latin typeface="Times New Roman" panose="02020603050405020304" pitchFamily="18" charset="0"/>
-                        <a:ea typeface="標楷體" panose="03000509000000000000" pitchFamily="65" charset="-120"/>
-                        <a:cs typeface="Times New Roman" panose="02020603050405020304" pitchFamily="18" charset="0"/>
-                      </a:endParaRPr>
-                    </a:p>
-                  </a:txBody>
-                  <a:tcPr/>
-                </a:tc>
-                <a:extLst>
-                  <a:ext uri="{0D108BD9-81ED-4DB2-BD59-A6C34878D82A}">
-                    <a16:rowId xmlns:a16="http://schemas.microsoft.com/office/drawing/2014/main" val="1743228921"/>
-                  </a:ext>
-                </a:extLst>
-              </a:tr>
-            </a:tbl>
-          </a:graphicData>
-        </a:graphic>
-      </p:graphicFrame>
-      <p:graphicFrame>
-        <p:nvGraphicFramePr>
-          <p:cNvPr id="50" name="表格 2">
-            <a:extLst>
-              <a:ext uri="{FF2B5EF4-FFF2-40B4-BE49-F238E27FC236}">
-                <a16:creationId xmlns:a16="http://schemas.microsoft.com/office/drawing/2014/main" id="{431EC9A0-674E-4D1E-A257-FDE5EEB1DC17}"/>
-              </a:ext>
-            </a:extLst>
-          </p:cNvPr>
-          <p:cNvGraphicFramePr>
-            <a:graphicFrameLocks noGrp="1"/>
-          </p:cNvGraphicFramePr>
-          <p:nvPr>
-            <p:extLst>
-              <p:ext uri="{D42A27DB-BD31-4B8C-83A1-F6EECF244321}">
-                <p14:modId xmlns:p14="http://schemas.microsoft.com/office/powerpoint/2010/main" val="3305127467"/>
-              </p:ext>
-            </p:extLst>
-          </p:nvPr>
-        </p:nvGraphicFramePr>
-        <p:xfrm>
-          <a:off x="838200" y="3666113"/>
-          <a:ext cx="10515600" cy="2106066"/>
-        </p:xfrm>
-        <a:graphic>
-          <a:graphicData uri="http://schemas.openxmlformats.org/drawingml/2006/table">
-            <a:tbl>
-              <a:tblPr firstRow="1" bandRow="1">
-                <a:tableStyleId>{5C22544A-7EE6-4342-B048-85BDC9FD1C3A}</a:tableStyleId>
-              </a:tblPr>
-              <a:tblGrid>
-                <a:gridCol w="5257800">
-                  <a:extLst>
-                    <a:ext uri="{9D8B030D-6E8A-4147-A177-3AD203B41FA5}">
-                      <a16:colId xmlns:a16="http://schemas.microsoft.com/office/drawing/2014/main" val="2144424883"/>
-                    </a:ext>
-                  </a:extLst>
-                </a:gridCol>
-                <a:gridCol w="5257800">
-                  <a:extLst>
-                    <a:ext uri="{9D8B030D-6E8A-4147-A177-3AD203B41FA5}">
-                      <a16:colId xmlns:a16="http://schemas.microsoft.com/office/drawing/2014/main" val="3707820108"/>
-                    </a:ext>
-                  </a:extLst>
-                </a:gridCol>
-              </a:tblGrid>
-              <a:tr h="351011">
-                <a:tc>
-                  <a:txBody>
-                    <a:bodyPr/>
-                    <a:lstStyle/>
-                    <a:p>
-                      <a:r>
-                        <a:rPr lang="en-US" altLang="zh-TW" dirty="0">
-                          <a:latin typeface="Times New Roman" panose="02020603050405020304" pitchFamily="18" charset="0"/>
-                          <a:ea typeface="標楷體" panose="03000509000000000000" pitchFamily="65" charset="-120"/>
-                          <a:cs typeface="Times New Roman" panose="02020603050405020304" pitchFamily="18" charset="0"/>
-                        </a:rPr>
-                        <a:t>Function</a:t>
-                      </a:r>
-                      <a:r>
-                        <a:rPr lang="zh-TW" altLang="en-US" dirty="0">
-                          <a:latin typeface="Times New Roman" panose="02020603050405020304" pitchFamily="18" charset="0"/>
-                          <a:ea typeface="標楷體" panose="03000509000000000000" pitchFamily="65" charset="-120"/>
-                          <a:cs typeface="Times New Roman" panose="02020603050405020304" pitchFamily="18" charset="0"/>
-                        </a:rPr>
-                        <a:t>：</a:t>
-                      </a:r>
-                    </a:p>
-                  </a:txBody>
-                  <a:tcPr/>
-                </a:tc>
-                <a:tc>
-                  <a:txBody>
-                    <a:bodyPr/>
-                    <a:lstStyle/>
-                    <a:p>
-                      <a:r>
-                        <a:rPr lang="en-US" altLang="zh-TW" dirty="0" err="1">
-                          <a:latin typeface="Times New Roman" panose="02020603050405020304" pitchFamily="18" charset="0"/>
-                          <a:ea typeface="標楷體" panose="03000509000000000000" pitchFamily="65" charset="-120"/>
-                          <a:cs typeface="Times New Roman" panose="02020603050405020304" pitchFamily="18" charset="0"/>
-                        </a:rPr>
-                        <a:t>Lobeling</a:t>
-                      </a:r>
-                      <a:endParaRPr lang="zh-TW" altLang="en-US" dirty="0">
-                        <a:latin typeface="Times New Roman" panose="02020603050405020304" pitchFamily="18" charset="0"/>
-                        <a:ea typeface="標楷體" panose="03000509000000000000" pitchFamily="65" charset="-120"/>
-                        <a:cs typeface="Times New Roman" panose="02020603050405020304" pitchFamily="18" charset="0"/>
-                      </a:endParaRPr>
-                    </a:p>
-                  </a:txBody>
-                  <a:tcPr/>
-                </a:tc>
-                <a:extLst>
-                  <a:ext uri="{0D108BD9-81ED-4DB2-BD59-A6C34878D82A}">
-                    <a16:rowId xmlns:a16="http://schemas.microsoft.com/office/drawing/2014/main" val="780994351"/>
-                  </a:ext>
-                </a:extLst>
-              </a:tr>
-              <a:tr h="351011">
-                <a:tc>
-                  <a:txBody>
-                    <a:bodyPr/>
-                    <a:lstStyle/>
-                    <a:p>
-                      <a:r>
-                        <a:rPr lang="en-US" altLang="zh-TW" dirty="0">
-                          <a:latin typeface="Times New Roman" panose="02020603050405020304" pitchFamily="18" charset="0"/>
-                          <a:ea typeface="標楷體" panose="03000509000000000000" pitchFamily="65" charset="-120"/>
-                          <a:cs typeface="Times New Roman" panose="02020603050405020304" pitchFamily="18" charset="0"/>
-                        </a:rPr>
-                        <a:t>Input</a:t>
-                      </a:r>
-                      <a:r>
-                        <a:rPr lang="zh-TW" altLang="en-US" dirty="0">
-                          <a:latin typeface="Times New Roman" panose="02020603050405020304" pitchFamily="18" charset="0"/>
-                          <a:ea typeface="標楷體" panose="03000509000000000000" pitchFamily="65" charset="-120"/>
-                          <a:cs typeface="Times New Roman" panose="02020603050405020304" pitchFamily="18" charset="0"/>
-                        </a:rPr>
-                        <a:t>：</a:t>
-                      </a:r>
-                    </a:p>
-                  </a:txBody>
-                  <a:tcPr/>
-                </a:tc>
-                <a:tc>
-                  <a:txBody>
-                    <a:bodyPr/>
-                    <a:lstStyle/>
-                    <a:p>
-                      <a:endParaRPr lang="zh-TW" altLang="en-US">
-                        <a:latin typeface="Times New Roman" panose="02020603050405020304" pitchFamily="18" charset="0"/>
-                        <a:ea typeface="標楷體" panose="03000509000000000000" pitchFamily="65" charset="-120"/>
-                        <a:cs typeface="Times New Roman" panose="02020603050405020304" pitchFamily="18" charset="0"/>
-                      </a:endParaRPr>
-                    </a:p>
-                  </a:txBody>
-                  <a:tcPr/>
-                </a:tc>
-                <a:extLst>
-                  <a:ext uri="{0D108BD9-81ED-4DB2-BD59-A6C34878D82A}">
-                    <a16:rowId xmlns:a16="http://schemas.microsoft.com/office/drawing/2014/main" val="2574774029"/>
-                  </a:ext>
-                </a:extLst>
-              </a:tr>
-              <a:tr h="351011">
-                <a:tc>
-                  <a:txBody>
-                    <a:bodyPr/>
-                    <a:lstStyle/>
-                    <a:p>
-                      <a:r>
-                        <a:rPr lang="en-US" altLang="zh-TW" dirty="0">
-                          <a:latin typeface="Times New Roman" panose="02020603050405020304" pitchFamily="18" charset="0"/>
-                          <a:ea typeface="標楷體" panose="03000509000000000000" pitchFamily="65" charset="-120"/>
-                          <a:cs typeface="Times New Roman" panose="02020603050405020304" pitchFamily="18" charset="0"/>
-                        </a:rPr>
-                        <a:t>Output</a:t>
-                      </a:r>
-                      <a:r>
-                        <a:rPr lang="zh-TW" altLang="en-US" dirty="0">
-                          <a:latin typeface="Times New Roman" panose="02020603050405020304" pitchFamily="18" charset="0"/>
-                          <a:ea typeface="標楷體" panose="03000509000000000000" pitchFamily="65" charset="-120"/>
-                          <a:cs typeface="Times New Roman" panose="02020603050405020304" pitchFamily="18" charset="0"/>
-                        </a:rPr>
-                        <a:t>：</a:t>
-                      </a:r>
-                    </a:p>
-                  </a:txBody>
-                  <a:tcPr/>
-                </a:tc>
-                <a:tc>
-                  <a:txBody>
-                    <a:bodyPr/>
-                    <a:lstStyle/>
-                    <a:p>
-                      <a:r>
-                        <a:rPr lang="en-US" altLang="zh-TW" dirty="0">
-                          <a:latin typeface="Times New Roman" panose="02020603050405020304" pitchFamily="18" charset="0"/>
-                          <a:ea typeface="標楷體" panose="03000509000000000000" pitchFamily="65" charset="-120"/>
-                          <a:cs typeface="Times New Roman" panose="02020603050405020304" pitchFamily="18" charset="0"/>
-                        </a:rPr>
-                        <a:t>(.jpg)</a:t>
-                      </a:r>
-                      <a:endParaRPr lang="zh-TW" altLang="en-US" dirty="0">
-                        <a:latin typeface="Times New Roman" panose="02020603050405020304" pitchFamily="18" charset="0"/>
-                        <a:ea typeface="標楷體" panose="03000509000000000000" pitchFamily="65" charset="-120"/>
-                        <a:cs typeface="Times New Roman" panose="02020603050405020304" pitchFamily="18" charset="0"/>
-                      </a:endParaRPr>
-                    </a:p>
-                  </a:txBody>
-                  <a:tcPr/>
-                </a:tc>
-                <a:extLst>
-                  <a:ext uri="{0D108BD9-81ED-4DB2-BD59-A6C34878D82A}">
-                    <a16:rowId xmlns:a16="http://schemas.microsoft.com/office/drawing/2014/main" val="1358840004"/>
-                  </a:ext>
-                </a:extLst>
-              </a:tr>
-              <a:tr h="351011">
-                <a:tc>
-                  <a:txBody>
-                    <a:bodyPr/>
-                    <a:lstStyle/>
-                    <a:p>
-                      <a:r>
-                        <a:rPr lang="en-US" altLang="zh-TW" dirty="0">
-                          <a:latin typeface="Times New Roman" panose="02020603050405020304" pitchFamily="18" charset="0"/>
-                          <a:ea typeface="標楷體" panose="03000509000000000000" pitchFamily="65" charset="-120"/>
-                          <a:cs typeface="Times New Roman" panose="02020603050405020304" pitchFamily="18" charset="0"/>
-                        </a:rPr>
-                        <a:t>Parameters</a:t>
-                      </a:r>
-                      <a:r>
-                        <a:rPr lang="zh-TW" altLang="en-US" dirty="0">
-                          <a:latin typeface="Times New Roman" panose="02020603050405020304" pitchFamily="18" charset="0"/>
-                          <a:ea typeface="標楷體" panose="03000509000000000000" pitchFamily="65" charset="-120"/>
-                          <a:cs typeface="Times New Roman" panose="02020603050405020304" pitchFamily="18" charset="0"/>
-                        </a:rPr>
-                        <a:t>：</a:t>
-                      </a:r>
-                    </a:p>
-                  </a:txBody>
-                  <a:tcPr/>
-                </a:tc>
-                <a:tc>
-                  <a:txBody>
-                    <a:bodyPr/>
-                    <a:lstStyle/>
-                    <a:p>
-                      <a:endParaRPr lang="zh-TW" altLang="en-US">
-                        <a:latin typeface="Times New Roman" panose="02020603050405020304" pitchFamily="18" charset="0"/>
-                        <a:ea typeface="標楷體" panose="03000509000000000000" pitchFamily="65" charset="-120"/>
-                        <a:cs typeface="Times New Roman" panose="02020603050405020304" pitchFamily="18" charset="0"/>
-                      </a:endParaRPr>
-                    </a:p>
-                  </a:txBody>
-                  <a:tcPr/>
-                </a:tc>
-                <a:extLst>
-                  <a:ext uri="{0D108BD9-81ED-4DB2-BD59-A6C34878D82A}">
-                    <a16:rowId xmlns:a16="http://schemas.microsoft.com/office/drawing/2014/main" val="74156603"/>
-                  </a:ext>
-                </a:extLst>
-              </a:tr>
-              <a:tr h="351011">
-                <a:tc>
-                  <a:txBody>
-                    <a:bodyPr/>
-                    <a:lstStyle/>
-                    <a:p>
-                      <a:r>
-                        <a:rPr lang="en-US" altLang="zh-TW" dirty="0">
-                          <a:latin typeface="Times New Roman" panose="02020603050405020304" pitchFamily="18" charset="0"/>
-                          <a:ea typeface="標楷體" panose="03000509000000000000" pitchFamily="65" charset="-120"/>
-                          <a:cs typeface="Times New Roman" panose="02020603050405020304" pitchFamily="18" charset="0"/>
-                        </a:rPr>
-                        <a:t>Method</a:t>
-                      </a:r>
-                      <a:r>
-                        <a:rPr lang="zh-TW" altLang="en-US" dirty="0">
-                          <a:latin typeface="Times New Roman" panose="02020603050405020304" pitchFamily="18" charset="0"/>
-                          <a:ea typeface="標楷體" panose="03000509000000000000" pitchFamily="65" charset="-120"/>
-                          <a:cs typeface="Times New Roman" panose="02020603050405020304" pitchFamily="18" charset="0"/>
-                        </a:rPr>
-                        <a:t>：</a:t>
-                      </a:r>
-                    </a:p>
-                  </a:txBody>
-                  <a:tcPr/>
-                </a:tc>
-                <a:tc>
-                  <a:txBody>
-                    <a:bodyPr/>
-                    <a:lstStyle/>
-                    <a:p>
-                      <a:endParaRPr lang="zh-TW" altLang="en-US">
-                        <a:latin typeface="Times New Roman" panose="02020603050405020304" pitchFamily="18" charset="0"/>
-                        <a:ea typeface="標楷體" panose="03000509000000000000" pitchFamily="65" charset="-120"/>
-                        <a:cs typeface="Times New Roman" panose="02020603050405020304" pitchFamily="18" charset="0"/>
-                      </a:endParaRPr>
-                    </a:p>
-                  </a:txBody>
-                  <a:tcPr/>
-                </a:tc>
-                <a:extLst>
-                  <a:ext uri="{0D108BD9-81ED-4DB2-BD59-A6C34878D82A}">
-                    <a16:rowId xmlns:a16="http://schemas.microsoft.com/office/drawing/2014/main" val="329397043"/>
-                  </a:ext>
-                </a:extLst>
-              </a:tr>
-              <a:tr h="351011">
-                <a:tc>
-                  <a:txBody>
-                    <a:bodyPr/>
-                    <a:lstStyle/>
-                    <a:p>
-                      <a:r>
-                        <a:rPr lang="en-US" altLang="zh-TW" dirty="0">
-                          <a:latin typeface="Times New Roman" panose="02020603050405020304" pitchFamily="18" charset="0"/>
-                          <a:ea typeface="標楷體" panose="03000509000000000000" pitchFamily="65" charset="-120"/>
-                          <a:cs typeface="Times New Roman" panose="02020603050405020304" pitchFamily="18" charset="0"/>
-                        </a:rPr>
-                        <a:t>Description</a:t>
-                      </a:r>
-                      <a:r>
-                        <a:rPr lang="zh-TW" altLang="en-US" dirty="0">
-                          <a:latin typeface="Times New Roman" panose="02020603050405020304" pitchFamily="18" charset="0"/>
-                          <a:ea typeface="標楷體" panose="03000509000000000000" pitchFamily="65" charset="-120"/>
-                          <a:cs typeface="Times New Roman" panose="02020603050405020304" pitchFamily="18" charset="0"/>
-                        </a:rPr>
-                        <a:t>：</a:t>
-                      </a:r>
-                    </a:p>
-                  </a:txBody>
-                  <a:tcPr/>
-                </a:tc>
-                <a:tc>
-                  <a:txBody>
-                    <a:bodyPr/>
-                    <a:lstStyle/>
-                    <a:p>
-                      <a:endParaRPr lang="zh-TW" altLang="en-US" dirty="0">
-                        <a:latin typeface="Times New Roman" panose="02020603050405020304" pitchFamily="18" charset="0"/>
-                        <a:ea typeface="標楷體" panose="03000509000000000000" pitchFamily="65" charset="-120"/>
-                        <a:cs typeface="Times New Roman" panose="02020603050405020304" pitchFamily="18" charset="0"/>
-                      </a:endParaRPr>
-                    </a:p>
-                  </a:txBody>
-                  <a:tcPr/>
-                </a:tc>
-                <a:extLst>
-                  <a:ext uri="{0D108BD9-81ED-4DB2-BD59-A6C34878D82A}">
-                    <a16:rowId xmlns:a16="http://schemas.microsoft.com/office/drawing/2014/main" val="1743228921"/>
-                  </a:ext>
-                </a:extLst>
-              </a:tr>
-            </a:tbl>
-          </a:graphicData>
-        </a:graphic>
-      </p:graphicFrame>
-    </p:spTree>
-    <p:extLst>
-      <p:ext uri="{BB962C8B-B14F-4D97-AF65-F5344CB8AC3E}">
-        <p14:creationId xmlns:p14="http://schemas.microsoft.com/office/powerpoint/2010/main" val="4230327232"/>
-      </p:ext>
-    </p:extLst>
-  </p:cSld>
-  <p:clrMapOvr>
-    <a:masterClrMapping/>
-  </p:clrMapOvr>
-</p:sld>
-</file>
-
-<file path=ppt/slides/slide11.xml><?xml version="1.0" encoding="utf-8"?>
-<p:sld xmlns:a="http://schemas.openxmlformats.org/drawingml/2006/main" xmlns:r="http://schemas.openxmlformats.org/officeDocument/2006/relationships" xmlns:p="http://schemas.openxmlformats.org/presentationml/2006/main">
-  <p:cSld>
-    <p:spTree>
-      <p:nvGrpSpPr>
         <p:cNvPr id="1" name="Shape 171"/>
         <p:cNvGrpSpPr/>
         <p:nvPr/>
@@ -13671,7 +12746,7 @@
 </p:sld>
 </file>
 
-<file path=ppt/slides/slide12.xml><?xml version="1.0" encoding="utf-8"?>
+<file path=ppt/slides/slide11.xml><?xml version="1.0" encoding="utf-8"?>
 <p:sld xmlns:a="http://schemas.openxmlformats.org/drawingml/2006/main" xmlns:r="http://schemas.openxmlformats.org/officeDocument/2006/relationships" xmlns:p="http://schemas.openxmlformats.org/presentationml/2006/main">
   <p:cSld>
     <p:spTree>
@@ -13840,7 +12915,7 @@
 </p:sld>
 </file>
 
-<file path=ppt/slides/slide13.xml><?xml version="1.0" encoding="utf-8"?>
+<file path=ppt/slides/slide12.xml><?xml version="1.0" encoding="utf-8"?>
 <p:sld xmlns:a="http://schemas.openxmlformats.org/drawingml/2006/main" xmlns:r="http://schemas.openxmlformats.org/officeDocument/2006/relationships" xmlns:p="http://schemas.openxmlformats.org/presentationml/2006/main">
   <p:cSld>
     <p:spTree>
@@ -14150,6 +13225,36 @@
           </a:p>
         </p:txBody>
       </p:sp>
+      <p:pic>
+        <p:nvPicPr>
+          <p:cNvPr id="5" name="圖片 4">
+            <a:extLst>
+              <a:ext uri="{FF2B5EF4-FFF2-40B4-BE49-F238E27FC236}">
+                <a16:creationId xmlns:a16="http://schemas.microsoft.com/office/drawing/2014/main" id="{947CEC9C-AFE6-48F2-B0E3-DF134E244287}"/>
+              </a:ext>
+            </a:extLst>
+          </p:cNvPr>
+          <p:cNvPicPr>
+            <a:picLocks noChangeAspect="1"/>
+          </p:cNvPicPr>
+          <p:nvPr/>
+        </p:nvPicPr>
+        <p:blipFill>
+          <a:blip r:embed="rId4"/>
+          <a:stretch>
+            <a:fillRect/>
+          </a:stretch>
+        </p:blipFill>
+        <p:spPr>
+          <a:xfrm>
+            <a:off x="838201" y="1593388"/>
+            <a:ext cx="10515600" cy="4638196"/>
+          </a:xfrm>
+          <a:prstGeom prst="rect">
+            <a:avLst/>
+          </a:prstGeom>
+        </p:spPr>
+      </p:pic>
     </p:spTree>
   </p:cSld>
   <p:clrMapOvr>
@@ -15109,146 +14214,6 @@
   <p:cSld>
     <p:spTree>
       <p:nvGrpSpPr>
-        <p:cNvPr id="1" name="Shape 144"/>
-        <p:cNvGrpSpPr/>
-        <p:nvPr/>
-      </p:nvGrpSpPr>
-      <p:grpSpPr>
-        <a:xfrm>
-          <a:off x="0" y="0"/>
-          <a:ext cx="0" cy="0"/>
-          <a:chOff x="0" y="0"/>
-          <a:chExt cx="0" cy="0"/>
-        </a:xfrm>
-      </p:grpSpPr>
-      <p:sp>
-        <p:nvSpPr>
-          <p:cNvPr id="145" name="Google Shape;145;p22"/>
-          <p:cNvSpPr txBox="1">
-            <a:spLocks noGrp="1"/>
-          </p:cNvSpPr>
-          <p:nvPr>
-            <p:ph type="title"/>
-          </p:nvPr>
-        </p:nvSpPr>
-        <p:spPr>
-          <a:xfrm>
-            <a:off x="838200" y="365125"/>
-            <a:ext cx="10515600" cy="720000"/>
-          </a:xfrm>
-          <a:prstGeom prst="rect">
-            <a:avLst/>
-          </a:prstGeom>
-          <a:noFill/>
-          <a:ln>
-            <a:noFill/>
-          </a:ln>
-        </p:spPr>
-        <p:txBody>
-          <a:bodyPr spcFirstLastPara="1" wrap="square" lIns="91425" tIns="45700" rIns="91425" bIns="45700" anchor="ctr" anchorCtr="0">
-            <a:normAutofit/>
-          </a:bodyPr>
-          <a:lstStyle/>
-          <a:p>
-            <a:pPr marL="0" lvl="0" indent="0" algn="ctr" rtl="0">
-              <a:lnSpc>
-                <a:spcPct val="90000"/>
-              </a:lnSpc>
-              <a:spcBef>
-                <a:spcPts val="0"/>
-              </a:spcBef>
-              <a:spcAft>
-                <a:spcPts val="0"/>
-              </a:spcAft>
-              <a:buClr>
-                <a:schemeClr val="dk1"/>
-              </a:buClr>
-              <a:buSzPts val="4400"/>
-              <a:buFont typeface="Times New Roman"/>
-              <a:buNone/>
-            </a:pPr>
-            <a:r>
-              <a:rPr lang="zh-TW" sz="4000" b="1" dirty="0">
-                <a:latin typeface="DFKai-SB"/>
-                <a:ea typeface="DFKai-SB"/>
-                <a:cs typeface="DFKai-SB"/>
-                <a:sym typeface="DFKai-SB"/>
-              </a:rPr>
-              <a:t>系統分析 – 時序圖</a:t>
-            </a:r>
-            <a:r>
-              <a:rPr lang="en-US" altLang="zh-TW" sz="4000" b="1" dirty="0">
-                <a:latin typeface="DFKai-SB"/>
-                <a:ea typeface="DFKai-SB"/>
-                <a:cs typeface="DFKai-SB"/>
-                <a:sym typeface="DFKai-SB"/>
-              </a:rPr>
-              <a:t>MSC</a:t>
-            </a:r>
-            <a:endParaRPr b="1" dirty="0"/>
-          </a:p>
-        </p:txBody>
-      </p:sp>
-      <p:sp>
-        <p:nvSpPr>
-          <p:cNvPr id="3" name="Google Shape;121;p18">
-            <a:extLst>
-              <a:ext uri="{FF2B5EF4-FFF2-40B4-BE49-F238E27FC236}">
-                <a16:creationId xmlns:a16="http://schemas.microsoft.com/office/drawing/2014/main" id="{227258FB-70FD-4BC3-8DDD-CFE0BE1B6580}"/>
-              </a:ext>
-            </a:extLst>
-          </p:cNvPr>
-          <p:cNvSpPr txBox="1"/>
-          <p:nvPr/>
-        </p:nvSpPr>
-        <p:spPr>
-          <a:xfrm>
-            <a:off x="838200" y="1195544"/>
-            <a:ext cx="10515600" cy="5037776"/>
-          </a:xfrm>
-          <a:prstGeom prst="rect">
-            <a:avLst/>
-          </a:prstGeom>
-          <a:noFill/>
-          <a:ln>
-            <a:noFill/>
-          </a:ln>
-        </p:spPr>
-        <p:txBody>
-          <a:bodyPr spcFirstLastPara="1" wrap="square" lIns="91425" tIns="45700" rIns="91425" bIns="45700" anchor="t" anchorCtr="0">
-            <a:normAutofit/>
-          </a:bodyPr>
-          <a:lstStyle/>
-          <a:p>
-            <a:pPr rtl="0" fontAlgn="base">
-              <a:spcBef>
-                <a:spcPts val="0"/>
-              </a:spcBef>
-              <a:spcAft>
-                <a:spcPts val="0"/>
-              </a:spcAft>
-            </a:pPr>
-            <a:endParaRPr dirty="0">
-              <a:latin typeface="Times New Roman" panose="02020603050405020304" pitchFamily="18" charset="0"/>
-              <a:ea typeface="標楷體" panose="03000509000000000000" pitchFamily="65" charset="-120"/>
-              <a:cs typeface="Times New Roman" panose="02020603050405020304" pitchFamily="18" charset="0"/>
-            </a:endParaRPr>
-          </a:p>
-        </p:txBody>
-      </p:sp>
-    </p:spTree>
-  </p:cSld>
-  <p:clrMapOvr>
-    <a:masterClrMapping/>
-  </p:clrMapOvr>
-</p:sld>
-</file>
-
-<file path=ppt/slides/slide8.xml><?xml version="1.0" encoding="utf-8"?>
-<p:sld xmlns:a="http://schemas.openxmlformats.org/drawingml/2006/main" xmlns:r="http://schemas.openxmlformats.org/officeDocument/2006/relationships" xmlns:p="http://schemas.openxmlformats.org/presentationml/2006/main">
-  <p:cSld>
-    <p:spTree>
-      <p:nvGrpSpPr>
         <p:cNvPr id="1" name="Shape 154"/>
         <p:cNvGrpSpPr/>
         <p:nvPr/>
@@ -15389,13 +14354,13 @@
           <p:nvPr>
             <p:extLst>
               <p:ext uri="{D42A27DB-BD31-4B8C-83A1-F6EECF244321}">
-                <p14:modId xmlns:p14="http://schemas.microsoft.com/office/powerpoint/2010/main" val="2270508378"/>
+                <p14:modId xmlns:p14="http://schemas.microsoft.com/office/powerpoint/2010/main" val="232892549"/>
               </p:ext>
             </p:extLst>
           </p:nvPr>
         </p:nvGraphicFramePr>
         <p:xfrm>
-          <a:off x="838200" y="1322934"/>
+          <a:off x="838200" y="1195544"/>
           <a:ext cx="10515600" cy="2106066"/>
         </p:xfrm>
         <a:graphic>
@@ -15405,14 +14370,14 @@
                 <a:tableStyleId>{5C22544A-7EE6-4342-B048-85BDC9FD1C3A}</a:tableStyleId>
               </a:tblPr>
               <a:tblGrid>
-                <a:gridCol w="5257800">
+                <a:gridCol w="2094186">
                   <a:extLst>
                     <a:ext uri="{9D8B030D-6E8A-4147-A177-3AD203B41FA5}">
                       <a16:colId xmlns:a16="http://schemas.microsoft.com/office/drawing/2014/main" val="2144424883"/>
                     </a:ext>
                   </a:extLst>
                 </a:gridCol>
-                <a:gridCol w="5257800">
+                <a:gridCol w="8421414">
                   <a:extLst>
                     <a:ext uri="{9D8B030D-6E8A-4147-A177-3AD203B41FA5}">
                       <a16:colId xmlns:a16="http://schemas.microsoft.com/office/drawing/2014/main" val="3707820108"/>
@@ -15452,13 +14417,50 @@
                     <a:lstStyle/>
                     <a:p>
                       <a:r>
+                        <a:rPr lang="en-US" altLang="zh-TW" dirty="0">
+                          <a:latin typeface="Times New Roman" panose="02020603050405020304" pitchFamily="18" charset="0"/>
+                          <a:ea typeface="標楷體" panose="03000509000000000000" pitchFamily="65" charset="-120"/>
+                          <a:cs typeface="Times New Roman" panose="02020603050405020304" pitchFamily="18" charset="0"/>
+                        </a:rPr>
+                        <a:t>cv2.cvtColor</a:t>
+                      </a:r>
+                      <a:r>
                         <a:rPr lang="zh-TW" altLang="en-US" dirty="0">
                           <a:latin typeface="Times New Roman" panose="02020603050405020304" pitchFamily="18" charset="0"/>
                           <a:ea typeface="標楷體" panose="03000509000000000000" pitchFamily="65" charset="-120"/>
                           <a:cs typeface="Times New Roman" panose="02020603050405020304" pitchFamily="18" charset="0"/>
                         </a:rPr>
+                        <a:t> </a:t>
+                      </a:r>
+                      <a:r>
+                        <a:rPr lang="en-US" altLang="zh-TW" dirty="0">
+                          <a:latin typeface="Times New Roman" panose="02020603050405020304" pitchFamily="18" charset="0"/>
+                          <a:ea typeface="標楷體" panose="03000509000000000000" pitchFamily="65" charset="-120"/>
+                          <a:cs typeface="Times New Roman" panose="02020603050405020304" pitchFamily="18" charset="0"/>
+                        </a:rPr>
+                        <a:t>(</a:t>
+                      </a:r>
+                      <a:r>
+                        <a:rPr lang="zh-TW" altLang="en-US" dirty="0">
+                          <a:latin typeface="Times New Roman" panose="02020603050405020304" pitchFamily="18" charset="0"/>
+                          <a:ea typeface="標楷體" panose="03000509000000000000" pitchFamily="65" charset="-120"/>
+                          <a:cs typeface="Times New Roman" panose="02020603050405020304" pitchFamily="18" charset="0"/>
+                        </a:rPr>
                         <a:t>灰階</a:t>
                       </a:r>
+                      <a:r>
+                        <a:rPr lang="en-US" altLang="zh-TW" dirty="0">
+                          <a:latin typeface="Times New Roman" panose="02020603050405020304" pitchFamily="18" charset="0"/>
+                          <a:ea typeface="標楷體" panose="03000509000000000000" pitchFamily="65" charset="-120"/>
+                          <a:cs typeface="Times New Roman" panose="02020603050405020304" pitchFamily="18" charset="0"/>
+                        </a:rPr>
+                        <a:t>)</a:t>
+                      </a:r>
+                      <a:endParaRPr lang="zh-TW" altLang="en-US" dirty="0">
+                        <a:latin typeface="Times New Roman" panose="02020603050405020304" pitchFamily="18" charset="0"/>
+                        <a:ea typeface="標楷體" panose="03000509000000000000" pitchFamily="65" charset="-120"/>
+                        <a:cs typeface="Times New Roman" panose="02020603050405020304" pitchFamily="18" charset="0"/>
+                      </a:endParaRPr>
                     </a:p>
                   </a:txBody>
                   <a:tcPr/>
@@ -15501,20 +14503,20 @@
                     <a:lstStyle/>
                     <a:p>
                       <a:r>
+                        <a:rPr lang="en-US" altLang="zh-TW" dirty="0" err="1">
+                          <a:latin typeface="Times New Roman" panose="02020603050405020304" pitchFamily="18" charset="0"/>
+                          <a:ea typeface="標楷體" panose="03000509000000000000" pitchFamily="65" charset="-120"/>
+                          <a:cs typeface="Times New Roman" panose="02020603050405020304" pitchFamily="18" charset="0"/>
+                        </a:rPr>
+                        <a:t>input_image</a:t>
+                      </a:r>
+                      <a:r>
                         <a:rPr lang="zh-TW" altLang="en-US" dirty="0">
                           <a:latin typeface="Times New Roman" panose="02020603050405020304" pitchFamily="18" charset="0"/>
                           <a:ea typeface="標楷體" panose="03000509000000000000" pitchFamily="65" charset="-120"/>
                           <a:cs typeface="Times New Roman" panose="02020603050405020304" pitchFamily="18" charset="0"/>
                         </a:rPr>
-                        <a:t>原</a:t>
-                      </a:r>
-                      <a:r>
-                        <a:rPr lang="en-US" altLang="zh-TW" dirty="0" err="1">
-                          <a:latin typeface="Times New Roman" panose="02020603050405020304" pitchFamily="18" charset="0"/>
-                          <a:ea typeface="標楷體" panose="03000509000000000000" pitchFamily="65" charset="-120"/>
-                          <a:cs typeface="Times New Roman" panose="02020603050405020304" pitchFamily="18" charset="0"/>
-                        </a:rPr>
-                        <a:t>img</a:t>
+                        <a:t> </a:t>
                       </a:r>
                       <a:r>
                         <a:rPr lang="en-US" altLang="zh-TW" dirty="0">
@@ -15522,7 +14524,23 @@
                           <a:ea typeface="標楷體" panose="03000509000000000000" pitchFamily="65" charset="-120"/>
                           <a:cs typeface="Times New Roman" panose="02020603050405020304" pitchFamily="18" charset="0"/>
                         </a:rPr>
-                        <a:t>(.jpg)</a:t>
+                        <a:t>(</a:t>
+                      </a:r>
+                      <a:r>
+                        <a:rPr lang="zh-TW" altLang="en-US" dirty="0">
+                          <a:latin typeface="Times New Roman" panose="02020603050405020304" pitchFamily="18" charset="0"/>
+                          <a:ea typeface="標楷體" panose="03000509000000000000" pitchFamily="65" charset="-120"/>
+                          <a:cs typeface="Times New Roman" panose="02020603050405020304" pitchFamily="18" charset="0"/>
+                        </a:rPr>
+                        <a:t>原始彩色影像</a:t>
+                      </a:r>
+                      <a:r>
+                        <a:rPr lang="en-US" altLang="zh-TW" dirty="0">
+                          <a:latin typeface="Times New Roman" panose="02020603050405020304" pitchFamily="18" charset="0"/>
+                          <a:ea typeface="標楷體" panose="03000509000000000000" pitchFamily="65" charset="-120"/>
+                          <a:cs typeface="Times New Roman" panose="02020603050405020304" pitchFamily="18" charset="0"/>
+                        </a:rPr>
+                        <a:t>)</a:t>
                       </a:r>
                       <a:endParaRPr lang="zh-TW" altLang="en-US" dirty="0">
                         <a:latin typeface="Times New Roman" panose="02020603050405020304" pitchFamily="18" charset="0"/>
@@ -15571,20 +14589,20 @@
                     <a:lstStyle/>
                     <a:p>
                       <a:r>
+                        <a:rPr lang="en-US" altLang="zh-TW" dirty="0" err="1">
+                          <a:latin typeface="Times New Roman" panose="02020603050405020304" pitchFamily="18" charset="0"/>
+                          <a:ea typeface="標楷體" panose="03000509000000000000" pitchFamily="65" charset="-120"/>
+                          <a:cs typeface="Times New Roman" panose="02020603050405020304" pitchFamily="18" charset="0"/>
+                        </a:rPr>
+                        <a:t>gray_img</a:t>
+                      </a:r>
+                      <a:r>
                         <a:rPr lang="zh-TW" altLang="en-US" dirty="0">
                           <a:latin typeface="Times New Roman" panose="02020603050405020304" pitchFamily="18" charset="0"/>
                           <a:ea typeface="標楷體" panose="03000509000000000000" pitchFamily="65" charset="-120"/>
                           <a:cs typeface="Times New Roman" panose="02020603050405020304" pitchFamily="18" charset="0"/>
                         </a:rPr>
-                        <a:t>灰階</a:t>
-                      </a:r>
-                      <a:r>
-                        <a:rPr lang="en-US" altLang="zh-TW" dirty="0" err="1">
-                          <a:latin typeface="Times New Roman" panose="02020603050405020304" pitchFamily="18" charset="0"/>
-                          <a:ea typeface="標楷體" panose="03000509000000000000" pitchFamily="65" charset="-120"/>
-                          <a:cs typeface="Times New Roman" panose="02020603050405020304" pitchFamily="18" charset="0"/>
-                        </a:rPr>
-                        <a:t>img</a:t>
+                        <a:t> </a:t>
                       </a:r>
                       <a:r>
                         <a:rPr lang="en-US" altLang="zh-TW" dirty="0">
@@ -15592,7 +14610,23 @@
                           <a:ea typeface="標楷體" panose="03000509000000000000" pitchFamily="65" charset="-120"/>
                           <a:cs typeface="Times New Roman" panose="02020603050405020304" pitchFamily="18" charset="0"/>
                         </a:rPr>
-                        <a:t>(.jpg)</a:t>
+                        <a:t>(</a:t>
+                      </a:r>
+                      <a:r>
+                        <a:rPr lang="zh-TW" altLang="en-US" dirty="0">
+                          <a:latin typeface="Times New Roman" panose="02020603050405020304" pitchFamily="18" charset="0"/>
+                          <a:ea typeface="標楷體" panose="03000509000000000000" pitchFamily="65" charset="-120"/>
+                          <a:cs typeface="Times New Roman" panose="02020603050405020304" pitchFamily="18" charset="0"/>
+                        </a:rPr>
+                        <a:t>灰階影像</a:t>
+                      </a:r>
+                      <a:r>
+                        <a:rPr lang="en-US" altLang="zh-TW" dirty="0">
+                          <a:latin typeface="Times New Roman" panose="02020603050405020304" pitchFamily="18" charset="0"/>
+                          <a:ea typeface="標楷體" panose="03000509000000000000" pitchFamily="65" charset="-120"/>
+                          <a:cs typeface="Times New Roman" panose="02020603050405020304" pitchFamily="18" charset="0"/>
+                        </a:rPr>
+                        <a:t>)</a:t>
                       </a:r>
                       <a:endParaRPr lang="zh-TW" altLang="en-US" dirty="0">
                         <a:latin typeface="Times New Roman" panose="02020603050405020304" pitchFamily="18" charset="0"/>
@@ -15640,7 +14674,31 @@
                     <a:bodyPr/>
                     <a:lstStyle/>
                     <a:p>
-                      <a:endParaRPr lang="zh-TW" altLang="en-US" dirty="0">
+                      <a:r>
+                        <a:rPr lang="en-US" altLang="zh-TW" dirty="0" err="1">
+                          <a:latin typeface="Times New Roman" panose="02020603050405020304" pitchFamily="18" charset="0"/>
+                          <a:ea typeface="標楷體" panose="03000509000000000000" pitchFamily="65" charset="-120"/>
+                          <a:cs typeface="Times New Roman" panose="02020603050405020304" pitchFamily="18" charset="0"/>
+                        </a:rPr>
+                        <a:t>src</a:t>
+                      </a:r>
+                      <a:r>
+                        <a:rPr lang="en-US" altLang="zh-TW" dirty="0">
+                          <a:latin typeface="Times New Roman" panose="02020603050405020304" pitchFamily="18" charset="0"/>
+                          <a:ea typeface="標楷體" panose="03000509000000000000" pitchFamily="65" charset="-120"/>
+                          <a:cs typeface="Times New Roman" panose="02020603050405020304" pitchFamily="18" charset="0"/>
+                        </a:rPr>
+                        <a:t>: </a:t>
+                      </a:r>
+                      <a:r>
+                        <a:rPr lang="zh-TW" altLang="en-US" dirty="0">
+                          <a:latin typeface="Times New Roman" panose="02020603050405020304" pitchFamily="18" charset="0"/>
+                          <a:ea typeface="標楷體" panose="03000509000000000000" pitchFamily="65" charset="-120"/>
+                          <a:cs typeface="Times New Roman" panose="02020603050405020304" pitchFamily="18" charset="0"/>
+                        </a:rPr>
+                        <a:t>要轉換的圖像</a:t>
+                      </a:r>
+                      <a:endParaRPr lang="en-US" altLang="zh-TW" dirty="0">
                         <a:latin typeface="Times New Roman" panose="02020603050405020304" pitchFamily="18" charset="0"/>
                         <a:ea typeface="標楷體" panose="03000509000000000000" pitchFamily="65" charset="-120"/>
                         <a:cs typeface="Times New Roman" panose="02020603050405020304" pitchFamily="18" charset="0"/>
@@ -15686,11 +14744,22 @@
                     <a:bodyPr/>
                     <a:lstStyle/>
                     <a:p>
-                      <a:endParaRPr lang="zh-TW" altLang="en-US">
-                        <a:latin typeface="Times New Roman" panose="02020603050405020304" pitchFamily="18" charset="0"/>
-                        <a:ea typeface="標楷體" panose="03000509000000000000" pitchFamily="65" charset="-120"/>
-                        <a:cs typeface="Times New Roman" panose="02020603050405020304" pitchFamily="18" charset="0"/>
-                      </a:endParaRPr>
+                      <a:r>
+                        <a:rPr lang="en-US" altLang="zh-TW" dirty="0">
+                          <a:latin typeface="Times New Roman" panose="02020603050405020304" pitchFamily="18" charset="0"/>
+                          <a:ea typeface="標楷體" panose="03000509000000000000" pitchFamily="65" charset="-120"/>
+                          <a:cs typeface="Times New Roman" panose="02020603050405020304" pitchFamily="18" charset="0"/>
+                        </a:rPr>
+                        <a:t>OpenCV </a:t>
+                      </a:r>
+                      <a:r>
+                        <a:rPr lang="zh-TW" altLang="en-US" dirty="0">
+                          <a:latin typeface="Times New Roman" panose="02020603050405020304" pitchFamily="18" charset="0"/>
+                          <a:ea typeface="標楷體" panose="03000509000000000000" pitchFamily="65" charset="-120"/>
+                          <a:cs typeface="Times New Roman" panose="02020603050405020304" pitchFamily="18" charset="0"/>
+                        </a:rPr>
+                        <a:t>顏色轉換</a:t>
+                      </a:r>
                     </a:p>
                   </a:txBody>
                   <a:tcPr/>
@@ -15732,11 +14801,30 @@
                     <a:bodyPr/>
                     <a:lstStyle/>
                     <a:p>
-                      <a:endParaRPr lang="zh-TW" altLang="en-US" dirty="0">
-                        <a:latin typeface="Times New Roman" panose="02020603050405020304" pitchFamily="18" charset="0"/>
-                        <a:ea typeface="標楷體" panose="03000509000000000000" pitchFamily="65" charset="-120"/>
-                        <a:cs typeface="Times New Roman" panose="02020603050405020304" pitchFamily="18" charset="0"/>
-                      </a:endParaRPr>
+                      <a:r>
+                        <a:rPr lang="zh-TW" altLang="en-US" dirty="0">
+                          <a:latin typeface="Times New Roman" panose="02020603050405020304" pitchFamily="18" charset="0"/>
+                          <a:ea typeface="標楷體" panose="03000509000000000000" pitchFamily="65" charset="-120"/>
+                          <a:cs typeface="Times New Roman" panose="02020603050405020304" pitchFamily="18" charset="0"/>
+                        </a:rPr>
+                        <a:t>此函數將彩色影像轉換為灰階影像。適用於將多通道影像（例如 </a:t>
+                      </a:r>
+                      <a:r>
+                        <a:rPr lang="en-US" altLang="zh-TW" dirty="0">
+                          <a:latin typeface="Times New Roman" panose="02020603050405020304" pitchFamily="18" charset="0"/>
+                          <a:ea typeface="標楷體" panose="03000509000000000000" pitchFamily="65" charset="-120"/>
+                          <a:cs typeface="Times New Roman" panose="02020603050405020304" pitchFamily="18" charset="0"/>
+                        </a:rPr>
+                        <a:t>RGB</a:t>
+                      </a:r>
+                      <a:r>
+                        <a:rPr lang="zh-TW" altLang="en-US" dirty="0">
+                          <a:latin typeface="Times New Roman" panose="02020603050405020304" pitchFamily="18" charset="0"/>
+                          <a:ea typeface="標楷體" panose="03000509000000000000" pitchFamily="65" charset="-120"/>
+                          <a:cs typeface="Times New Roman" panose="02020603050405020304" pitchFamily="18" charset="0"/>
+                        </a:rPr>
+                        <a:t>）轉換為單通道的灰度圖像。</a:t>
+                      </a:r>
                     </a:p>
                   </a:txBody>
                   <a:tcPr/>
@@ -15766,14 +14854,14 @@
           <p:nvPr>
             <p:extLst>
               <p:ext uri="{D42A27DB-BD31-4B8C-83A1-F6EECF244321}">
-                <p14:modId xmlns:p14="http://schemas.microsoft.com/office/powerpoint/2010/main" val="3835146973"/>
+                <p14:modId xmlns:p14="http://schemas.microsoft.com/office/powerpoint/2010/main" val="3863977488"/>
               </p:ext>
             </p:extLst>
           </p:nvPr>
         </p:nvGraphicFramePr>
         <p:xfrm>
-          <a:off x="838200" y="3666113"/>
-          <a:ext cx="10515600" cy="2106066"/>
+          <a:off x="838200" y="3960105"/>
+          <a:ext cx="10515600" cy="2273215"/>
         </p:xfrm>
         <a:graphic>
           <a:graphicData uri="http://schemas.openxmlformats.org/drawingml/2006/table">
@@ -15782,14 +14870,14 @@
                 <a:tableStyleId>{5C22544A-7EE6-4342-B048-85BDC9FD1C3A}</a:tableStyleId>
               </a:tblPr>
               <a:tblGrid>
-                <a:gridCol w="5257800">
+                <a:gridCol w="2094186">
                   <a:extLst>
                     <a:ext uri="{9D8B030D-6E8A-4147-A177-3AD203B41FA5}">
                       <a16:colId xmlns:a16="http://schemas.microsoft.com/office/drawing/2014/main" val="2144424883"/>
                     </a:ext>
                   </a:extLst>
                 </a:gridCol>
-                <a:gridCol w="5257800">
+                <a:gridCol w="8421414">
                   <a:extLst>
                     <a:ext uri="{9D8B030D-6E8A-4147-A177-3AD203B41FA5}">
                       <a16:colId xmlns:a16="http://schemas.microsoft.com/office/drawing/2014/main" val="3707820108"/>
@@ -15831,10 +14919,47 @@
                       <a:r>
                         <a:rPr lang="en-US" altLang="zh-TW" dirty="0">
                           <a:latin typeface="Times New Roman" panose="02020603050405020304" pitchFamily="18" charset="0"/>
+                          <a:cs typeface="Times New Roman" panose="02020603050405020304" pitchFamily="18" charset="0"/>
+                        </a:rPr>
+                        <a:t>cv2.Sobel</a:t>
+                      </a:r>
+                      <a:r>
+                        <a:rPr lang="zh-TW" altLang="en-US" dirty="0">
+                          <a:latin typeface="Times New Roman" panose="02020603050405020304" pitchFamily="18" charset="0"/>
+                          <a:cs typeface="Times New Roman" panose="02020603050405020304" pitchFamily="18" charset="0"/>
+                        </a:rPr>
+                        <a:t> </a:t>
+                      </a:r>
+                      <a:r>
+                        <a:rPr lang="en-US" altLang="zh-TW" dirty="0">
+                          <a:latin typeface="Times New Roman" panose="02020603050405020304" pitchFamily="18" charset="0"/>
+                          <a:cs typeface="Times New Roman" panose="02020603050405020304" pitchFamily="18" charset="0"/>
+                        </a:rPr>
+                        <a:t>(</a:t>
+                      </a:r>
+                      <a:r>
+                        <a:rPr lang="en-US" altLang="zh-TW" dirty="0">
+                          <a:latin typeface="Times New Roman" panose="02020603050405020304" pitchFamily="18" charset="0"/>
                           <a:ea typeface="標楷體" panose="03000509000000000000" pitchFamily="65" charset="-120"/>
                           <a:cs typeface="Times New Roman" panose="02020603050405020304" pitchFamily="18" charset="0"/>
                         </a:rPr>
                         <a:t>Sobel</a:t>
+                      </a:r>
+                      <a:r>
+                        <a:rPr lang="zh-TW" altLang="en-US" dirty="0">
+                          <a:latin typeface="Times New Roman" panose="02020603050405020304" pitchFamily="18" charset="0"/>
+                          <a:ea typeface="標楷體" panose="03000509000000000000" pitchFamily="65" charset="-120"/>
+                          <a:cs typeface="Times New Roman" panose="02020603050405020304" pitchFamily="18" charset="0"/>
+                        </a:rPr>
+                        <a:t>邊緣檢測</a:t>
+                      </a:r>
+                      <a:r>
+                        <a:rPr lang="en-US" altLang="zh-TW" dirty="0">
+                          <a:latin typeface="Times New Roman" panose="02020603050405020304" pitchFamily="18" charset="0"/>
+                          <a:ea typeface="標楷體" panose="03000509000000000000" pitchFamily="65" charset="-120"/>
+                          <a:cs typeface="Times New Roman" panose="02020603050405020304" pitchFamily="18" charset="0"/>
+                        </a:rPr>
+                        <a:t>)</a:t>
                       </a:r>
                       <a:endParaRPr lang="zh-TW" altLang="en-US" dirty="0">
                         <a:latin typeface="Times New Roman" panose="02020603050405020304" pitchFamily="18" charset="0"/>
@@ -15883,20 +15008,20 @@
                     <a:lstStyle/>
                     <a:p>
                       <a:r>
+                        <a:rPr lang="en-US" altLang="zh-TW" dirty="0" err="1">
+                          <a:latin typeface="Times New Roman" panose="02020603050405020304" pitchFamily="18" charset="0"/>
+                          <a:ea typeface="標楷體" panose="03000509000000000000" pitchFamily="65" charset="-120"/>
+                          <a:cs typeface="Times New Roman" panose="02020603050405020304" pitchFamily="18" charset="0"/>
+                        </a:rPr>
+                        <a:t>gray_img</a:t>
+                      </a:r>
+                      <a:r>
                         <a:rPr lang="zh-TW" altLang="en-US" dirty="0">
                           <a:latin typeface="Times New Roman" panose="02020603050405020304" pitchFamily="18" charset="0"/>
                           <a:ea typeface="標楷體" panose="03000509000000000000" pitchFamily="65" charset="-120"/>
                           <a:cs typeface="Times New Roman" panose="02020603050405020304" pitchFamily="18" charset="0"/>
                         </a:rPr>
-                        <a:t>灰階</a:t>
-                      </a:r>
-                      <a:r>
-                        <a:rPr lang="en-US" altLang="zh-TW" dirty="0" err="1">
-                          <a:latin typeface="Times New Roman" panose="02020603050405020304" pitchFamily="18" charset="0"/>
-                          <a:ea typeface="標楷體" panose="03000509000000000000" pitchFamily="65" charset="-120"/>
-                          <a:cs typeface="Times New Roman" panose="02020603050405020304" pitchFamily="18" charset="0"/>
-                        </a:rPr>
-                        <a:t>img</a:t>
+                        <a:t> </a:t>
                       </a:r>
                       <a:r>
                         <a:rPr lang="en-US" altLang="zh-TW" dirty="0">
@@ -15904,7 +15029,23 @@
                           <a:ea typeface="標楷體" panose="03000509000000000000" pitchFamily="65" charset="-120"/>
                           <a:cs typeface="Times New Roman" panose="02020603050405020304" pitchFamily="18" charset="0"/>
                         </a:rPr>
-                        <a:t>(.jpg)</a:t>
+                        <a:t>(</a:t>
+                      </a:r>
+                      <a:r>
+                        <a:rPr lang="zh-TW" altLang="en-US" dirty="0">
+                          <a:latin typeface="Times New Roman" panose="02020603050405020304" pitchFamily="18" charset="0"/>
+                          <a:ea typeface="標楷體" panose="03000509000000000000" pitchFamily="65" charset="-120"/>
+                          <a:cs typeface="Times New Roman" panose="02020603050405020304" pitchFamily="18" charset="0"/>
+                        </a:rPr>
+                        <a:t>灰階影像</a:t>
+                      </a:r>
+                      <a:r>
+                        <a:rPr lang="en-US" altLang="zh-TW" dirty="0">
+                          <a:latin typeface="Times New Roman" panose="02020603050405020304" pitchFamily="18" charset="0"/>
+                          <a:ea typeface="標楷體" panose="03000509000000000000" pitchFamily="65" charset="-120"/>
+                          <a:cs typeface="Times New Roman" panose="02020603050405020304" pitchFamily="18" charset="0"/>
+                        </a:rPr>
+                        <a:t>)</a:t>
                       </a:r>
                       <a:endParaRPr lang="zh-TW" altLang="en-US" dirty="0">
                         <a:latin typeface="Times New Roman" panose="02020603050405020304" pitchFamily="18" charset="0"/>
@@ -15952,6 +15093,78 @@
                     <a:bodyPr/>
                     <a:lstStyle/>
                     <a:p>
+                      <a:r>
+                        <a:rPr lang="en-US" altLang="zh-TW" dirty="0" err="1">
+                          <a:latin typeface="Times New Roman" panose="02020603050405020304" pitchFamily="18" charset="0"/>
+                          <a:ea typeface="標楷體" panose="03000509000000000000" pitchFamily="65" charset="-120"/>
+                          <a:cs typeface="Times New Roman" panose="02020603050405020304" pitchFamily="18" charset="0"/>
+                        </a:rPr>
+                        <a:t>sobel_img</a:t>
+                      </a:r>
+                      <a:r>
+                        <a:rPr lang="zh-TW" altLang="en-US" dirty="0">
+                          <a:latin typeface="Times New Roman" panose="02020603050405020304" pitchFamily="18" charset="0"/>
+                          <a:ea typeface="標楷體" panose="03000509000000000000" pitchFamily="65" charset="-120"/>
+                          <a:cs typeface="Times New Roman" panose="02020603050405020304" pitchFamily="18" charset="0"/>
+                        </a:rPr>
+                        <a:t> </a:t>
+                      </a:r>
+                      <a:r>
+                        <a:rPr lang="en-US" altLang="zh-TW" dirty="0">
+                          <a:latin typeface="Times New Roman" panose="02020603050405020304" pitchFamily="18" charset="0"/>
+                          <a:ea typeface="標楷體" panose="03000509000000000000" pitchFamily="65" charset="-120"/>
+                          <a:cs typeface="Times New Roman" panose="02020603050405020304" pitchFamily="18" charset="0"/>
+                        </a:rPr>
+                        <a:t>(Sobel </a:t>
+                      </a:r>
+                      <a:r>
+                        <a:rPr lang="zh-TW" altLang="en-US" dirty="0">
+                          <a:latin typeface="Times New Roman" panose="02020603050405020304" pitchFamily="18" charset="0"/>
+                          <a:ea typeface="標楷體" panose="03000509000000000000" pitchFamily="65" charset="-120"/>
+                          <a:cs typeface="Times New Roman" panose="02020603050405020304" pitchFamily="18" charset="0"/>
+                        </a:rPr>
+                        <a:t>邊緣檢測結果 </a:t>
+                      </a:r>
+                      <a:r>
+                        <a:rPr lang="en-US" altLang="zh-TW" dirty="0">
+                          <a:latin typeface="Times New Roman" panose="02020603050405020304" pitchFamily="18" charset="0"/>
+                          <a:ea typeface="標楷體" panose="03000509000000000000" pitchFamily="65" charset="-120"/>
+                          <a:cs typeface="Times New Roman" panose="02020603050405020304" pitchFamily="18" charset="0"/>
+                        </a:rPr>
+                        <a:t>(X </a:t>
+                      </a:r>
+                      <a:r>
+                        <a:rPr lang="zh-TW" altLang="en-US" dirty="0">
+                          <a:latin typeface="Times New Roman" panose="02020603050405020304" pitchFamily="18" charset="0"/>
+                          <a:ea typeface="標楷體" panose="03000509000000000000" pitchFamily="65" charset="-120"/>
+                          <a:cs typeface="Times New Roman" panose="02020603050405020304" pitchFamily="18" charset="0"/>
+                        </a:rPr>
+                        <a:t>和 </a:t>
+                      </a:r>
+                      <a:r>
+                        <a:rPr lang="en-US" altLang="zh-TW" dirty="0">
+                          <a:latin typeface="Times New Roman" panose="02020603050405020304" pitchFamily="18" charset="0"/>
+                          <a:ea typeface="標楷體" panose="03000509000000000000" pitchFamily="65" charset="-120"/>
+                          <a:cs typeface="Times New Roman" panose="02020603050405020304" pitchFamily="18" charset="0"/>
+                        </a:rPr>
+                        <a:t>Y </a:t>
+                      </a:r>
+                      <a:r>
+                        <a:rPr lang="zh-TW" altLang="en-US" dirty="0">
+                          <a:latin typeface="Times New Roman" panose="02020603050405020304" pitchFamily="18" charset="0"/>
+                          <a:ea typeface="標楷體" panose="03000509000000000000" pitchFamily="65" charset="-120"/>
+                          <a:cs typeface="Times New Roman" panose="02020603050405020304" pitchFamily="18" charset="0"/>
+                        </a:rPr>
+                        <a:t>方向的邊緣強度</a:t>
+                      </a:r>
+                      <a:r>
+                        <a:rPr lang="en-US" altLang="zh-TW" dirty="0">
+                          <a:latin typeface="Times New Roman" panose="02020603050405020304" pitchFamily="18" charset="0"/>
+                          <a:ea typeface="標楷體" panose="03000509000000000000" pitchFamily="65" charset="-120"/>
+                          <a:cs typeface="Times New Roman" panose="02020603050405020304" pitchFamily="18" charset="0"/>
+                        </a:rPr>
+                        <a:t>))</a:t>
+                      </a:r>
                       <a:endParaRPr lang="zh-TW" altLang="en-US" dirty="0">
                         <a:latin typeface="Times New Roman" panose="02020603050405020304" pitchFamily="18" charset="0"/>
                         <a:ea typeface="標楷體" panose="03000509000000000000" pitchFamily="65" charset="-120"/>
@@ -15998,11 +15211,77 @@
                     <a:bodyPr/>
                     <a:lstStyle/>
                     <a:p>
-                      <a:endParaRPr lang="zh-TW" altLang="en-US">
+                      <a:r>
+                        <a:rPr lang="en-US" altLang="zh-TW" dirty="0" err="1">
+                          <a:latin typeface="Times New Roman" panose="02020603050405020304" pitchFamily="18" charset="0"/>
+                          <a:ea typeface="標楷體" panose="03000509000000000000" pitchFamily="65" charset="-120"/>
+                          <a:cs typeface="Times New Roman" panose="02020603050405020304" pitchFamily="18" charset="0"/>
+                        </a:rPr>
+                        <a:t>src</a:t>
+                      </a:r>
+                      <a:r>
+                        <a:rPr lang="en-US" altLang="zh-TW" dirty="0">
+                          <a:latin typeface="Times New Roman" panose="02020603050405020304" pitchFamily="18" charset="0"/>
+                          <a:ea typeface="標楷體" panose="03000509000000000000" pitchFamily="65" charset="-120"/>
+                          <a:cs typeface="Times New Roman" panose="02020603050405020304" pitchFamily="18" charset="0"/>
+                        </a:rPr>
+                        <a:t>: </a:t>
+                      </a:r>
+                      <a:r>
+                        <a:rPr lang="zh-TW" altLang="en-US" dirty="0">
+                          <a:latin typeface="Times New Roman" panose="02020603050405020304" pitchFamily="18" charset="0"/>
+                          <a:ea typeface="標楷體" panose="03000509000000000000" pitchFamily="65" charset="-120"/>
+                          <a:cs typeface="Times New Roman" panose="02020603050405020304" pitchFamily="18" charset="0"/>
+                        </a:rPr>
+                        <a:t>輸入影像（灰階影像）</a:t>
+                      </a:r>
+                      <a:endParaRPr lang="en-US" altLang="zh-TW" dirty="0">
                         <a:latin typeface="Times New Roman" panose="02020603050405020304" pitchFamily="18" charset="0"/>
                         <a:ea typeface="標楷體" panose="03000509000000000000" pitchFamily="65" charset="-120"/>
                         <a:cs typeface="Times New Roman" panose="02020603050405020304" pitchFamily="18" charset="0"/>
                       </a:endParaRPr>
+                    </a:p>
+                    <a:p>
+                      <a:r>
+                        <a:rPr lang="en-US" altLang="zh-TW" dirty="0" err="1">
+                          <a:latin typeface="Times New Roman" panose="02020603050405020304" pitchFamily="18" charset="0"/>
+                          <a:ea typeface="標楷體" panose="03000509000000000000" pitchFamily="65" charset="-120"/>
+                          <a:cs typeface="Times New Roman" panose="02020603050405020304" pitchFamily="18" charset="0"/>
+                        </a:rPr>
+                        <a:t>ksize</a:t>
+                      </a:r>
+                      <a:r>
+                        <a:rPr lang="en-US" altLang="zh-TW" dirty="0">
+                          <a:latin typeface="Times New Roman" panose="02020603050405020304" pitchFamily="18" charset="0"/>
+                          <a:ea typeface="標楷體" panose="03000509000000000000" pitchFamily="65" charset="-120"/>
+                          <a:cs typeface="Times New Roman" panose="02020603050405020304" pitchFamily="18" charset="0"/>
+                        </a:rPr>
+                        <a:t>: </a:t>
+                      </a:r>
+                      <a:r>
+                        <a:rPr lang="zh-TW" altLang="en-US" dirty="0">
+                          <a:latin typeface="Times New Roman" panose="02020603050405020304" pitchFamily="18" charset="0"/>
+                          <a:ea typeface="標楷體" panose="03000509000000000000" pitchFamily="65" charset="-120"/>
+                          <a:cs typeface="Times New Roman" panose="02020603050405020304" pitchFamily="18" charset="0"/>
+                        </a:rPr>
+                        <a:t>輸入影像卷積核的大小（通常設為 </a:t>
+                      </a:r>
+                      <a:r>
+                        <a:rPr lang="en-US" altLang="zh-TW" dirty="0">
+                          <a:latin typeface="Times New Roman" panose="02020603050405020304" pitchFamily="18" charset="0"/>
+                          <a:ea typeface="標楷體" panose="03000509000000000000" pitchFamily="65" charset="-120"/>
+                          <a:cs typeface="Times New Roman" panose="02020603050405020304" pitchFamily="18" charset="0"/>
+                        </a:rPr>
+                        <a:t>3</a:t>
+                      </a:r>
+                      <a:r>
+                        <a:rPr lang="zh-TW" altLang="en-US" dirty="0">
+                          <a:latin typeface="Times New Roman" panose="02020603050405020304" pitchFamily="18" charset="0"/>
+                          <a:ea typeface="標楷體" panose="03000509000000000000" pitchFamily="65" charset="-120"/>
+                          <a:cs typeface="Times New Roman" panose="02020603050405020304" pitchFamily="18" charset="0"/>
+                        </a:rPr>
+                        <a:t>）</a:t>
+                      </a:r>
                     </a:p>
                   </a:txBody>
                   <a:tcPr/>
@@ -16044,11 +15323,30 @@
                     <a:bodyPr/>
                     <a:lstStyle/>
                     <a:p>
-                      <a:endParaRPr lang="zh-TW" altLang="en-US">
-                        <a:latin typeface="Times New Roman" panose="02020603050405020304" pitchFamily="18" charset="0"/>
-                        <a:ea typeface="標楷體" panose="03000509000000000000" pitchFamily="65" charset="-120"/>
-                        <a:cs typeface="Times New Roman" panose="02020603050405020304" pitchFamily="18" charset="0"/>
-                      </a:endParaRPr>
+                      <a:r>
+                        <a:rPr lang="zh-TW" altLang="en-US" dirty="0">
+                          <a:latin typeface="Times New Roman" panose="02020603050405020304" pitchFamily="18" charset="0"/>
+                          <a:ea typeface="標楷體" panose="03000509000000000000" pitchFamily="65" charset="-120"/>
+                          <a:cs typeface="Times New Roman" panose="02020603050405020304" pitchFamily="18" charset="0"/>
+                        </a:rPr>
+                        <a:t>使用 </a:t>
+                      </a:r>
+                      <a:r>
+                        <a:rPr lang="en-US" altLang="zh-TW" dirty="0">
+                          <a:latin typeface="Times New Roman" panose="02020603050405020304" pitchFamily="18" charset="0"/>
+                          <a:ea typeface="標楷體" panose="03000509000000000000" pitchFamily="65" charset="-120"/>
+                          <a:cs typeface="Times New Roman" panose="02020603050405020304" pitchFamily="18" charset="0"/>
+                        </a:rPr>
+                        <a:t>Sobel </a:t>
+                      </a:r>
+                      <a:r>
+                        <a:rPr lang="zh-TW" altLang="en-US" dirty="0">
+                          <a:latin typeface="Times New Roman" panose="02020603050405020304" pitchFamily="18" charset="0"/>
+                          <a:ea typeface="標楷體" panose="03000509000000000000" pitchFamily="65" charset="-120"/>
+                          <a:cs typeface="Times New Roman" panose="02020603050405020304" pitchFamily="18" charset="0"/>
+                        </a:rPr>
+                        <a:t>算法進行邊緣檢測</a:t>
+                      </a:r>
                     </a:p>
                   </a:txBody>
                   <a:tcPr/>
@@ -16090,11 +15388,22 @@
                     <a:bodyPr/>
                     <a:lstStyle/>
                     <a:p>
-                      <a:endParaRPr lang="zh-TW" altLang="en-US" dirty="0">
-                        <a:latin typeface="Times New Roman" panose="02020603050405020304" pitchFamily="18" charset="0"/>
-                        <a:ea typeface="標楷體" panose="03000509000000000000" pitchFamily="65" charset="-120"/>
-                        <a:cs typeface="Times New Roman" panose="02020603050405020304" pitchFamily="18" charset="0"/>
-                      </a:endParaRPr>
+                      <a:r>
+                        <a:rPr lang="en-US" altLang="zh-TW" dirty="0">
+                          <a:latin typeface="Times New Roman" panose="02020603050405020304" pitchFamily="18" charset="0"/>
+                          <a:ea typeface="標楷體" panose="03000509000000000000" pitchFamily="65" charset="-120"/>
+                          <a:cs typeface="Times New Roman" panose="02020603050405020304" pitchFamily="18" charset="0"/>
+                        </a:rPr>
+                        <a:t>Sobel </a:t>
+                      </a:r>
+                      <a:r>
+                        <a:rPr lang="zh-TW" altLang="en-US" dirty="0">
+                          <a:latin typeface="Times New Roman" panose="02020603050405020304" pitchFamily="18" charset="0"/>
+                          <a:ea typeface="標楷體" panose="03000509000000000000" pitchFamily="65" charset="-120"/>
+                          <a:cs typeface="Times New Roman" panose="02020603050405020304" pitchFamily="18" charset="0"/>
+                        </a:rPr>
+                        <a:t>算法用來檢測影像中的邊緣，通過計算水平與垂直方向的變化來檢測邊緣。</a:t>
+                      </a:r>
                     </a:p>
                   </a:txBody>
                   <a:tcPr/>
@@ -16117,7 +15426,7 @@
 </p:sld>
 </file>
 
-<file path=ppt/slides/slide9.xml><?xml version="1.0" encoding="utf-8"?>
+<file path=ppt/slides/slide8.xml><?xml version="1.0" encoding="utf-8"?>
 <p:sld xmlns:a="http://schemas.openxmlformats.org/drawingml/2006/main" xmlns:r="http://schemas.openxmlformats.org/officeDocument/2006/relationships" xmlns:p="http://schemas.openxmlformats.org/presentationml/2006/main">
   <p:cSld>
     <p:spTree>
@@ -16262,14 +15571,14 @@
           <p:nvPr>
             <p:extLst>
               <p:ext uri="{D42A27DB-BD31-4B8C-83A1-F6EECF244321}">
-                <p14:modId xmlns:p14="http://schemas.microsoft.com/office/powerpoint/2010/main" val="2723055347"/>
+                <p14:modId xmlns:p14="http://schemas.microsoft.com/office/powerpoint/2010/main" val="3952453403"/>
               </p:ext>
             </p:extLst>
           </p:nvPr>
         </p:nvGraphicFramePr>
         <p:xfrm>
-          <a:off x="838200" y="1322934"/>
-          <a:ext cx="10515600" cy="2106066"/>
+          <a:off x="838200" y="1195946"/>
+          <a:ext cx="10515600" cy="2273215"/>
         </p:xfrm>
         <a:graphic>
           <a:graphicData uri="http://schemas.openxmlformats.org/drawingml/2006/table">
@@ -16278,14 +15587,14 @@
                 <a:tableStyleId>{5C22544A-7EE6-4342-B048-85BDC9FD1C3A}</a:tableStyleId>
               </a:tblPr>
               <a:tblGrid>
-                <a:gridCol w="5257800">
+                <a:gridCol w="2094186">
                   <a:extLst>
                     <a:ext uri="{9D8B030D-6E8A-4147-A177-3AD203B41FA5}">
                       <a16:colId xmlns:a16="http://schemas.microsoft.com/office/drawing/2014/main" val="2144424883"/>
                     </a:ext>
                   </a:extLst>
                 </a:gridCol>
-                <a:gridCol w="5257800">
+                <a:gridCol w="8421414">
                   <a:extLst>
                     <a:ext uri="{9D8B030D-6E8A-4147-A177-3AD203B41FA5}">
                       <a16:colId xmlns:a16="http://schemas.microsoft.com/office/drawing/2014/main" val="3707820108"/>
@@ -16325,6 +15634,24 @@
                     <a:lstStyle/>
                     <a:p>
                       <a:r>
+                        <a:rPr lang="en-US" altLang="zh-TW" dirty="0" err="1">
+                          <a:latin typeface="Times New Roman" panose="02020603050405020304" pitchFamily="18" charset="0"/>
+                          <a:cs typeface="Times New Roman" panose="02020603050405020304" pitchFamily="18" charset="0"/>
+                        </a:rPr>
+                        <a:t>skimage.feature.local_binary_pattern</a:t>
+                      </a:r>
+                      <a:r>
+                        <a:rPr lang="zh-TW" altLang="en-US" dirty="0">
+                          <a:latin typeface="Times New Roman" panose="02020603050405020304" pitchFamily="18" charset="0"/>
+                          <a:cs typeface="Times New Roman" panose="02020603050405020304" pitchFamily="18" charset="0"/>
+                        </a:rPr>
+                        <a:t> </a:t>
+                      </a:r>
+                      <a:r>
+                        <a:rPr lang="en-US" altLang="zh-TW" dirty="0"/>
+                        <a:t>(</a:t>
+                      </a:r>
+                      <a:r>
                         <a:rPr lang="en-US" altLang="zh-TW" dirty="0">
                           <a:latin typeface="Times New Roman" panose="02020603050405020304" pitchFamily="18" charset="0"/>
                           <a:ea typeface="標楷體" panose="03000509000000000000" pitchFamily="65" charset="-120"/>
@@ -16340,6 +15667,19 @@
                         </a:rPr>
                         <a:t>編碼</a:t>
                       </a:r>
+                      <a:r>
+                        <a:rPr lang="en-US" altLang="zh-TW" dirty="0">
+                          <a:latin typeface="Times New Roman" panose="02020603050405020304" pitchFamily="18" charset="0"/>
+                          <a:ea typeface="標楷體" panose="03000509000000000000" pitchFamily="65" charset="-120"/>
+                          <a:cs typeface="Times New Roman" panose="02020603050405020304" pitchFamily="18" charset="0"/>
+                        </a:rPr>
+                        <a:t>)</a:t>
+                      </a:r>
+                      <a:endParaRPr lang="zh-TW" altLang="en-US" dirty="0">
+                        <a:latin typeface="Times New Roman" panose="02020603050405020304" pitchFamily="18" charset="0"/>
+                        <a:ea typeface="標楷體" panose="03000509000000000000" pitchFamily="65" charset="-120"/>
+                        <a:cs typeface="Times New Roman" panose="02020603050405020304" pitchFamily="18" charset="0"/>
+                      </a:endParaRPr>
                     </a:p>
                   </a:txBody>
                   <a:tcPr/>
@@ -16381,7 +15721,63 @@
                     <a:bodyPr/>
                     <a:lstStyle/>
                     <a:p>
-                      <a:endParaRPr lang="zh-TW" altLang="en-US">
+                      <a:r>
+                        <a:rPr lang="en-US" altLang="zh-TW" dirty="0" err="1">
+                          <a:latin typeface="Times New Roman" panose="02020603050405020304" pitchFamily="18" charset="0"/>
+                          <a:ea typeface="標楷體" panose="03000509000000000000" pitchFamily="65" charset="-120"/>
+                          <a:cs typeface="Times New Roman" panose="02020603050405020304" pitchFamily="18" charset="0"/>
+                        </a:rPr>
+                        <a:t>sobel_img</a:t>
+                      </a:r>
+                      <a:r>
+                        <a:rPr lang="zh-TW" altLang="en-US" dirty="0">
+                          <a:latin typeface="Times New Roman" panose="02020603050405020304" pitchFamily="18" charset="0"/>
+                          <a:ea typeface="標楷體" panose="03000509000000000000" pitchFamily="65" charset="-120"/>
+                          <a:cs typeface="Times New Roman" panose="02020603050405020304" pitchFamily="18" charset="0"/>
+                        </a:rPr>
+                        <a:t> </a:t>
+                      </a:r>
+                      <a:r>
+                        <a:rPr lang="en-US" altLang="zh-TW" dirty="0">
+                          <a:latin typeface="Times New Roman" panose="02020603050405020304" pitchFamily="18" charset="0"/>
+                          <a:ea typeface="標楷體" panose="03000509000000000000" pitchFamily="65" charset="-120"/>
+                          <a:cs typeface="Times New Roman" panose="02020603050405020304" pitchFamily="18" charset="0"/>
+                        </a:rPr>
+                        <a:t>(Sobel </a:t>
+                      </a:r>
+                      <a:r>
+                        <a:rPr lang="zh-TW" altLang="en-US" dirty="0">
+                          <a:latin typeface="Times New Roman" panose="02020603050405020304" pitchFamily="18" charset="0"/>
+                          <a:ea typeface="標楷體" panose="03000509000000000000" pitchFamily="65" charset="-120"/>
+                          <a:cs typeface="Times New Roman" panose="02020603050405020304" pitchFamily="18" charset="0"/>
+                        </a:rPr>
+                        <a:t>邊緣檢測結果 </a:t>
+                      </a:r>
+                      <a:r>
+                        <a:rPr lang="en-US" altLang="zh-TW" dirty="0">
+                          <a:latin typeface="Times New Roman" panose="02020603050405020304" pitchFamily="18" charset="0"/>
+                          <a:ea typeface="標楷體" panose="03000509000000000000" pitchFamily="65" charset="-120"/>
+                          <a:cs typeface="Times New Roman" panose="02020603050405020304" pitchFamily="18" charset="0"/>
+                        </a:rPr>
+                        <a:t>(</a:t>
+                      </a:r>
+                      <a:r>
+                        <a:rPr lang="zh-TW" altLang="en-US" dirty="0">
+                          <a:latin typeface="Times New Roman" panose="02020603050405020304" pitchFamily="18" charset="0"/>
+                          <a:ea typeface="標楷體" panose="03000509000000000000" pitchFamily="65" charset="-120"/>
+                          <a:cs typeface="Times New Roman" panose="02020603050405020304" pitchFamily="18" charset="0"/>
+                        </a:rPr>
+                        <a:t>通常為邊緣圖像</a:t>
+                      </a:r>
+                      <a:r>
+                        <a:rPr lang="en-US" altLang="zh-TW" dirty="0">
+                          <a:latin typeface="Times New Roman" panose="02020603050405020304" pitchFamily="18" charset="0"/>
+                          <a:ea typeface="標楷體" panose="03000509000000000000" pitchFamily="65" charset="-120"/>
+                          <a:cs typeface="Times New Roman" panose="02020603050405020304" pitchFamily="18" charset="0"/>
+                        </a:rPr>
+                        <a:t>))</a:t>
+                      </a:r>
+                      <a:endParaRPr lang="zh-TW" altLang="en-US" dirty="0">
                         <a:latin typeface="Times New Roman" panose="02020603050405020304" pitchFamily="18" charset="0"/>
                         <a:ea typeface="標楷體" panose="03000509000000000000" pitchFamily="65" charset="-120"/>
                         <a:cs typeface="Times New Roman" panose="02020603050405020304" pitchFamily="18" charset="0"/>
@@ -16427,7 +15823,47 @@
                     <a:bodyPr/>
                     <a:lstStyle/>
                     <a:p>
-                      <a:endParaRPr lang="zh-TW" altLang="en-US">
+                      <a:r>
+                        <a:rPr lang="en-US" altLang="zh-TW" dirty="0" err="1">
+                          <a:latin typeface="Times New Roman" panose="02020603050405020304" pitchFamily="18" charset="0"/>
+                          <a:ea typeface="標楷體" panose="03000509000000000000" pitchFamily="65" charset="-120"/>
+                          <a:cs typeface="Times New Roman" panose="02020603050405020304" pitchFamily="18" charset="0"/>
+                        </a:rPr>
+                        <a:t>lbp_img</a:t>
+                      </a:r>
+                      <a:r>
+                        <a:rPr lang="zh-TW" altLang="en-US" dirty="0">
+                          <a:latin typeface="Times New Roman" panose="02020603050405020304" pitchFamily="18" charset="0"/>
+                          <a:ea typeface="標楷體" panose="03000509000000000000" pitchFamily="65" charset="-120"/>
+                          <a:cs typeface="Times New Roman" panose="02020603050405020304" pitchFamily="18" charset="0"/>
+                        </a:rPr>
+                        <a:t> </a:t>
+                      </a:r>
+                      <a:r>
+                        <a:rPr lang="en-US" altLang="zh-TW" dirty="0">
+                          <a:latin typeface="Times New Roman" panose="02020603050405020304" pitchFamily="18" charset="0"/>
+                          <a:ea typeface="標楷體" panose="03000509000000000000" pitchFamily="65" charset="-120"/>
+                          <a:cs typeface="Times New Roman" panose="02020603050405020304" pitchFamily="18" charset="0"/>
+                        </a:rPr>
+                        <a:t>(LBP </a:t>
+                      </a:r>
+                      <a:r>
+                        <a:rPr lang="zh-TW" altLang="en-US" dirty="0">
+                          <a:latin typeface="Times New Roman" panose="02020603050405020304" pitchFamily="18" charset="0"/>
+                          <a:ea typeface="標楷體" panose="03000509000000000000" pitchFamily="65" charset="-120"/>
+                          <a:cs typeface="Times New Roman" panose="02020603050405020304" pitchFamily="18" charset="0"/>
+                        </a:rPr>
+                        <a:t>編碼影像</a:t>
+                      </a:r>
+                      <a:r>
+                        <a:rPr lang="en-US" altLang="zh-TW" dirty="0">
+                          <a:latin typeface="Times New Roman" panose="02020603050405020304" pitchFamily="18" charset="0"/>
+                          <a:ea typeface="標楷體" panose="03000509000000000000" pitchFamily="65" charset="-120"/>
+                          <a:cs typeface="Times New Roman" panose="02020603050405020304" pitchFamily="18" charset="0"/>
+                        </a:rPr>
+                        <a:t>)</a:t>
+                      </a:r>
+                      <a:endParaRPr lang="zh-TW" altLang="en-US" dirty="0">
                         <a:latin typeface="Times New Roman" panose="02020603050405020304" pitchFamily="18" charset="0"/>
                         <a:ea typeface="標楷體" panose="03000509000000000000" pitchFamily="65" charset="-120"/>
                         <a:cs typeface="Times New Roman" panose="02020603050405020304" pitchFamily="18" charset="0"/>
@@ -16473,7 +15909,81 @@
                     <a:bodyPr/>
                     <a:lstStyle/>
                     <a:p>
-                      <a:endParaRPr lang="zh-TW" altLang="en-US">
+                      <a:r>
+                        <a:rPr lang="en-US" altLang="zh-TW" dirty="0">
+                          <a:latin typeface="Times New Roman" panose="02020603050405020304" pitchFamily="18" charset="0"/>
+                          <a:ea typeface="標楷體" panose="03000509000000000000" pitchFamily="65" charset="-120"/>
+                          <a:cs typeface="Times New Roman" panose="02020603050405020304" pitchFamily="18" charset="0"/>
+                        </a:rPr>
+                        <a:t>P: LBP </a:t>
+                      </a:r>
+                      <a:r>
+                        <a:rPr lang="zh-TW" altLang="en-US" dirty="0">
+                          <a:latin typeface="Times New Roman" panose="02020603050405020304" pitchFamily="18" charset="0"/>
+                          <a:ea typeface="標楷體" panose="03000509000000000000" pitchFamily="65" charset="-120"/>
+                          <a:cs typeface="Times New Roman" panose="02020603050405020304" pitchFamily="18" charset="0"/>
+                        </a:rPr>
+                        <a:t>編碼的點數 </a:t>
+                      </a:r>
+                      <a:r>
+                        <a:rPr lang="en-US" altLang="zh-TW" dirty="0">
+                          <a:latin typeface="Times New Roman" panose="02020603050405020304" pitchFamily="18" charset="0"/>
+                          <a:ea typeface="標楷體" panose="03000509000000000000" pitchFamily="65" charset="-120"/>
+                          <a:cs typeface="Times New Roman" panose="02020603050405020304" pitchFamily="18" charset="0"/>
+                        </a:rPr>
+                        <a:t>(</a:t>
+                      </a:r>
+                      <a:r>
+                        <a:rPr lang="zh-TW" altLang="en-US" dirty="0">
+                          <a:latin typeface="Times New Roman" panose="02020603050405020304" pitchFamily="18" charset="0"/>
+                          <a:ea typeface="標楷體" panose="03000509000000000000" pitchFamily="65" charset="-120"/>
+                          <a:cs typeface="Times New Roman" panose="02020603050405020304" pitchFamily="18" charset="0"/>
+                        </a:rPr>
+                        <a:t>例如，</a:t>
+                      </a:r>
+                      <a:r>
+                        <a:rPr lang="en-US" altLang="zh-TW" dirty="0">
+                          <a:latin typeface="Times New Roman" panose="02020603050405020304" pitchFamily="18" charset="0"/>
+                          <a:ea typeface="標楷體" panose="03000509000000000000" pitchFamily="65" charset="-120"/>
+                          <a:cs typeface="Times New Roman" panose="02020603050405020304" pitchFamily="18" charset="0"/>
+                        </a:rPr>
+                        <a:t>8 * radius)</a:t>
+                      </a:r>
+                    </a:p>
+                    <a:p>
+                      <a:r>
+                        <a:rPr lang="en-US" altLang="zh-TW" dirty="0">
+                          <a:latin typeface="Times New Roman" panose="02020603050405020304" pitchFamily="18" charset="0"/>
+                          <a:ea typeface="標楷體" panose="03000509000000000000" pitchFamily="65" charset="-120"/>
+                          <a:cs typeface="Times New Roman" panose="02020603050405020304" pitchFamily="18" charset="0"/>
+                        </a:rPr>
+                        <a:t>R: LBP </a:t>
+                      </a:r>
+                      <a:r>
+                        <a:rPr lang="zh-TW" altLang="en-US" dirty="0">
+                          <a:latin typeface="Times New Roman" panose="02020603050405020304" pitchFamily="18" charset="0"/>
+                          <a:ea typeface="標楷體" panose="03000509000000000000" pitchFamily="65" charset="-120"/>
+                          <a:cs typeface="Times New Roman" panose="02020603050405020304" pitchFamily="18" charset="0"/>
+                        </a:rPr>
+                        <a:t>編碼的半徑（例如，</a:t>
+                      </a:r>
+                      <a:r>
+                        <a:rPr lang="en-US" altLang="zh-TW" dirty="0">
+                          <a:latin typeface="Times New Roman" panose="02020603050405020304" pitchFamily="18" charset="0"/>
+                          <a:ea typeface="標楷體" panose="03000509000000000000" pitchFamily="65" charset="-120"/>
+                          <a:cs typeface="Times New Roman" panose="02020603050405020304" pitchFamily="18" charset="0"/>
+                        </a:rPr>
+                        <a:t>1</a:t>
+                      </a:r>
+                      <a:r>
+                        <a:rPr lang="zh-TW" altLang="en-US" dirty="0">
+                          <a:latin typeface="Times New Roman" panose="02020603050405020304" pitchFamily="18" charset="0"/>
+                          <a:ea typeface="標楷體" panose="03000509000000000000" pitchFamily="65" charset="-120"/>
+                          <a:cs typeface="Times New Roman" panose="02020603050405020304" pitchFamily="18" charset="0"/>
+                        </a:rPr>
+                        <a:t>）</a:t>
+                      </a:r>
+                      <a:endParaRPr lang="en-US" altLang="zh-TW" dirty="0">
                         <a:latin typeface="Times New Roman" panose="02020603050405020304" pitchFamily="18" charset="0"/>
                         <a:ea typeface="標楷體" panose="03000509000000000000" pitchFamily="65" charset="-120"/>
                         <a:cs typeface="Times New Roman" panose="02020603050405020304" pitchFamily="18" charset="0"/>
@@ -16519,11 +16029,22 @@
                     <a:bodyPr/>
                     <a:lstStyle/>
                     <a:p>
-                      <a:endParaRPr lang="zh-TW" altLang="en-US">
-                        <a:latin typeface="Times New Roman" panose="02020603050405020304" pitchFamily="18" charset="0"/>
-                        <a:ea typeface="標楷體" panose="03000509000000000000" pitchFamily="65" charset="-120"/>
-                        <a:cs typeface="Times New Roman" panose="02020603050405020304" pitchFamily="18" charset="0"/>
-                      </a:endParaRPr>
+                      <a:r>
+                        <a:rPr lang="en-US" altLang="zh-TW" dirty="0">
+                          <a:latin typeface="Times New Roman" panose="02020603050405020304" pitchFamily="18" charset="0"/>
+                          <a:ea typeface="標楷體" panose="03000509000000000000" pitchFamily="65" charset="-120"/>
+                          <a:cs typeface="Times New Roman" panose="02020603050405020304" pitchFamily="18" charset="0"/>
+                        </a:rPr>
+                        <a:t>LBP </a:t>
+                      </a:r>
+                      <a:r>
+                        <a:rPr lang="zh-TW" altLang="en-US" dirty="0">
+                          <a:latin typeface="Times New Roman" panose="02020603050405020304" pitchFamily="18" charset="0"/>
+                          <a:ea typeface="標楷體" panose="03000509000000000000" pitchFamily="65" charset="-120"/>
+                          <a:cs typeface="Times New Roman" panose="02020603050405020304" pitchFamily="18" charset="0"/>
+                        </a:rPr>
+                        <a:t>特徵提取，生成一個由二進位編碼組成的圖像</a:t>
+                      </a:r>
                     </a:p>
                   </a:txBody>
                   <a:tcPr/>
@@ -16565,11 +16086,22 @@
                     <a:bodyPr/>
                     <a:lstStyle/>
                     <a:p>
-                      <a:endParaRPr lang="zh-TW" altLang="en-US" dirty="0">
-                        <a:latin typeface="Times New Roman" panose="02020603050405020304" pitchFamily="18" charset="0"/>
-                        <a:ea typeface="標楷體" panose="03000509000000000000" pitchFamily="65" charset="-120"/>
-                        <a:cs typeface="Times New Roman" panose="02020603050405020304" pitchFamily="18" charset="0"/>
-                      </a:endParaRPr>
+                      <a:r>
+                        <a:rPr lang="en-US" altLang="zh-TW" dirty="0">
+                          <a:latin typeface="Times New Roman" panose="02020603050405020304" pitchFamily="18" charset="0"/>
+                          <a:ea typeface="標楷體" panose="03000509000000000000" pitchFamily="65" charset="-120"/>
+                          <a:cs typeface="Times New Roman" panose="02020603050405020304" pitchFamily="18" charset="0"/>
+                        </a:rPr>
+                        <a:t>LBP </a:t>
+                      </a:r>
+                      <a:r>
+                        <a:rPr lang="zh-TW" altLang="en-US" dirty="0">
+                          <a:latin typeface="Times New Roman" panose="02020603050405020304" pitchFamily="18" charset="0"/>
+                          <a:ea typeface="標楷體" panose="03000509000000000000" pitchFamily="65" charset="-120"/>
+                          <a:cs typeface="Times New Roman" panose="02020603050405020304" pitchFamily="18" charset="0"/>
+                        </a:rPr>
+                        <a:t>是一種有效的紋理描述符，通過比較每個像素與其周圍像素的強度，來計算出二進位編碼。</a:t>
+                      </a:r>
                     </a:p>
                   </a:txBody>
                   <a:tcPr/>
@@ -16599,14 +16131,14 @@
           <p:nvPr>
             <p:extLst>
               <p:ext uri="{D42A27DB-BD31-4B8C-83A1-F6EECF244321}">
-                <p14:modId xmlns:p14="http://schemas.microsoft.com/office/powerpoint/2010/main" val="3088584778"/>
+                <p14:modId xmlns:p14="http://schemas.microsoft.com/office/powerpoint/2010/main" val="2133997555"/>
               </p:ext>
             </p:extLst>
           </p:nvPr>
         </p:nvGraphicFramePr>
         <p:xfrm>
-          <a:off x="838200" y="3666113"/>
-          <a:ext cx="10515600" cy="2106066"/>
+          <a:off x="838200" y="3960105"/>
+          <a:ext cx="10515600" cy="2273215"/>
         </p:xfrm>
         <a:graphic>
           <a:graphicData uri="http://schemas.openxmlformats.org/drawingml/2006/table">
@@ -16615,14 +16147,14 @@
                 <a:tableStyleId>{5C22544A-7EE6-4342-B048-85BDC9FD1C3A}</a:tableStyleId>
               </a:tblPr>
               <a:tblGrid>
-                <a:gridCol w="5257800">
+                <a:gridCol w="2094186">
                   <a:extLst>
                     <a:ext uri="{9D8B030D-6E8A-4147-A177-3AD203B41FA5}">
                       <a16:colId xmlns:a16="http://schemas.microsoft.com/office/drawing/2014/main" val="2144424883"/>
                     </a:ext>
                   </a:extLst>
                 </a:gridCol>
-                <a:gridCol w="5257800">
+                <a:gridCol w="8421414">
                   <a:extLst>
                     <a:ext uri="{9D8B030D-6E8A-4147-A177-3AD203B41FA5}">
                       <a16:colId xmlns:a16="http://schemas.microsoft.com/office/drawing/2014/main" val="3707820108"/>
@@ -16662,12 +16194,30 @@
                     <a:lstStyle/>
                     <a:p>
                       <a:r>
+                        <a:rPr lang="en-US" altLang="zh-TW" dirty="0" err="1">
+                          <a:latin typeface="Times New Roman" panose="02020603050405020304" pitchFamily="18" charset="0"/>
+                          <a:cs typeface="Times New Roman" panose="02020603050405020304" pitchFamily="18" charset="0"/>
+                        </a:rPr>
+                        <a:t>numpy.histogram</a:t>
+                      </a:r>
+                      <a:r>
+                        <a:rPr lang="zh-TW" altLang="en-US" dirty="0">
+                          <a:latin typeface="Times New Roman" panose="02020603050405020304" pitchFamily="18" charset="0"/>
+                          <a:cs typeface="Times New Roman" panose="02020603050405020304" pitchFamily="18" charset="0"/>
+                        </a:rPr>
+                        <a:t> </a:t>
+                      </a:r>
+                      <a:r>
+                        <a:rPr lang="en-US" altLang="zh-TW" dirty="0"/>
+                        <a:t>(</a:t>
+                      </a:r>
+                      <a:r>
                         <a:rPr lang="en-US" altLang="zh-TW" dirty="0">
                           <a:latin typeface="Times New Roman" panose="02020603050405020304" pitchFamily="18" charset="0"/>
                           <a:ea typeface="標楷體" panose="03000509000000000000" pitchFamily="65" charset="-120"/>
                           <a:cs typeface="Times New Roman" panose="02020603050405020304" pitchFamily="18" charset="0"/>
                         </a:rPr>
-                        <a:t>histogram</a:t>
+                        <a:t>histogram)</a:t>
                       </a:r>
                       <a:endParaRPr lang="zh-TW" altLang="en-US" dirty="0">
                         <a:latin typeface="Times New Roman" panose="02020603050405020304" pitchFamily="18" charset="0"/>
@@ -16715,7 +16265,47 @@
                     <a:bodyPr/>
                     <a:lstStyle/>
                     <a:p>
-                      <a:endParaRPr lang="zh-TW" altLang="en-US">
+                      <a:r>
+                        <a:rPr lang="en-US" altLang="zh-TW" dirty="0" err="1">
+                          <a:latin typeface="Times New Roman" panose="02020603050405020304" pitchFamily="18" charset="0"/>
+                          <a:ea typeface="標楷體" panose="03000509000000000000" pitchFamily="65" charset="-120"/>
+                          <a:cs typeface="Times New Roman" panose="02020603050405020304" pitchFamily="18" charset="0"/>
+                        </a:rPr>
+                        <a:t>lbp_img</a:t>
+                      </a:r>
+                      <a:r>
+                        <a:rPr lang="zh-TW" altLang="en-US" dirty="0">
+                          <a:latin typeface="Times New Roman" panose="02020603050405020304" pitchFamily="18" charset="0"/>
+                          <a:ea typeface="標楷體" panose="03000509000000000000" pitchFamily="65" charset="-120"/>
+                          <a:cs typeface="Times New Roman" panose="02020603050405020304" pitchFamily="18" charset="0"/>
+                        </a:rPr>
+                        <a:t> </a:t>
+                      </a:r>
+                      <a:r>
+                        <a:rPr lang="en-US" altLang="zh-TW" dirty="0">
+                          <a:latin typeface="Times New Roman" panose="02020603050405020304" pitchFamily="18" charset="0"/>
+                          <a:ea typeface="標楷體" panose="03000509000000000000" pitchFamily="65" charset="-120"/>
+                          <a:cs typeface="Times New Roman" panose="02020603050405020304" pitchFamily="18" charset="0"/>
+                        </a:rPr>
+                        <a:t>(LBP </a:t>
+                      </a:r>
+                      <a:r>
+                        <a:rPr lang="zh-TW" altLang="en-US" dirty="0">
+                          <a:latin typeface="Times New Roman" panose="02020603050405020304" pitchFamily="18" charset="0"/>
+                          <a:ea typeface="標楷體" panose="03000509000000000000" pitchFamily="65" charset="-120"/>
+                          <a:cs typeface="Times New Roman" panose="02020603050405020304" pitchFamily="18" charset="0"/>
+                        </a:rPr>
+                        <a:t>編碼影像</a:t>
+                      </a:r>
+                      <a:r>
+                        <a:rPr lang="en-US" altLang="zh-TW" dirty="0">
+                          <a:latin typeface="Times New Roman" panose="02020603050405020304" pitchFamily="18" charset="0"/>
+                          <a:ea typeface="標楷體" panose="03000509000000000000" pitchFamily="65" charset="-120"/>
+                          <a:cs typeface="Times New Roman" panose="02020603050405020304" pitchFamily="18" charset="0"/>
+                        </a:rPr>
+                        <a:t>)</a:t>
+                      </a:r>
+                      <a:endParaRPr lang="zh-TW" altLang="en-US" dirty="0">
                         <a:latin typeface="Times New Roman" panose="02020603050405020304" pitchFamily="18" charset="0"/>
                         <a:ea typeface="標楷體" panose="03000509000000000000" pitchFamily="65" charset="-120"/>
                         <a:cs typeface="Times New Roman" panose="02020603050405020304" pitchFamily="18" charset="0"/>
@@ -16761,11 +16351,22 @@
                     <a:bodyPr/>
                     <a:lstStyle/>
                     <a:p>
-                      <a:endParaRPr lang="zh-TW" altLang="en-US">
-                        <a:latin typeface="Times New Roman" panose="02020603050405020304" pitchFamily="18" charset="0"/>
-                        <a:ea typeface="標楷體" panose="03000509000000000000" pitchFamily="65" charset="-120"/>
-                        <a:cs typeface="Times New Roman" panose="02020603050405020304" pitchFamily="18" charset="0"/>
-                      </a:endParaRPr>
+                      <a:r>
+                        <a:rPr lang="en-US" altLang="zh-TW" dirty="0">
+                          <a:latin typeface="Times New Roman" panose="02020603050405020304" pitchFamily="18" charset="0"/>
+                          <a:ea typeface="標楷體" panose="03000509000000000000" pitchFamily="65" charset="-120"/>
+                          <a:cs typeface="Times New Roman" panose="02020603050405020304" pitchFamily="18" charset="0"/>
+                        </a:rPr>
+                        <a:t>histogram</a:t>
+                      </a:r>
+                      <a:r>
+                        <a:rPr lang="zh-TW" altLang="en-US" dirty="0">
+                          <a:latin typeface="Times New Roman" panose="02020603050405020304" pitchFamily="18" charset="0"/>
+                          <a:ea typeface="標楷體" panose="03000509000000000000" pitchFamily="65" charset="-120"/>
+                          <a:cs typeface="Times New Roman" panose="02020603050405020304" pitchFamily="18" charset="0"/>
+                        </a:rPr>
+                        <a:t>直方圖</a:t>
+                      </a:r>
                     </a:p>
                   </a:txBody>
                   <a:tcPr/>
@@ -16807,11 +16408,88 @@
                     <a:bodyPr/>
                     <a:lstStyle/>
                     <a:p>
-                      <a:endParaRPr lang="zh-TW" altLang="en-US">
-                        <a:latin typeface="Times New Roman" panose="02020603050405020304" pitchFamily="18" charset="0"/>
-                        <a:ea typeface="標楷體" panose="03000509000000000000" pitchFamily="65" charset="-120"/>
-                        <a:cs typeface="Times New Roman" panose="02020603050405020304" pitchFamily="18" charset="0"/>
-                      </a:endParaRPr>
+                      <a:r>
+                        <a:rPr lang="en-US" altLang="zh-TW" dirty="0">
+                          <a:latin typeface="Times New Roman" panose="02020603050405020304" pitchFamily="18" charset="0"/>
+                          <a:ea typeface="標楷體" panose="03000509000000000000" pitchFamily="65" charset="-120"/>
+                          <a:cs typeface="Times New Roman" panose="02020603050405020304" pitchFamily="18" charset="0"/>
+                        </a:rPr>
+                        <a:t>bins:</a:t>
+                      </a:r>
+                      <a:r>
+                        <a:rPr lang="zh-TW" altLang="en-US" dirty="0">
+                          <a:latin typeface="Times New Roman" panose="02020603050405020304" pitchFamily="18" charset="0"/>
+                          <a:ea typeface="標楷體" panose="03000509000000000000" pitchFamily="65" charset="-120"/>
+                          <a:cs typeface="Times New Roman" panose="02020603050405020304" pitchFamily="18" charset="0"/>
+                        </a:rPr>
+                        <a:t>直方圖的數量，這裡為 </a:t>
+                      </a:r>
+                      <a:r>
+                        <a:rPr lang="en-US" altLang="zh-TW" dirty="0">
+                          <a:latin typeface="Times New Roman" panose="02020603050405020304" pitchFamily="18" charset="0"/>
+                          <a:ea typeface="標楷體" panose="03000509000000000000" pitchFamily="65" charset="-120"/>
+                          <a:cs typeface="Times New Roman" panose="02020603050405020304" pitchFamily="18" charset="0"/>
+                        </a:rPr>
+                        <a:t>LBP </a:t>
+                      </a:r>
+                      <a:r>
+                        <a:rPr lang="zh-TW" altLang="en-US" dirty="0">
+                          <a:latin typeface="Times New Roman" panose="02020603050405020304" pitchFamily="18" charset="0"/>
+                          <a:ea typeface="標楷體" panose="03000509000000000000" pitchFamily="65" charset="-120"/>
+                          <a:cs typeface="Times New Roman" panose="02020603050405020304" pitchFamily="18" charset="0"/>
+                        </a:rPr>
+                        <a:t>編碼的點數 </a:t>
+                      </a:r>
+                      <a:r>
+                        <a:rPr lang="en-US" altLang="zh-TW" dirty="0">
+                          <a:latin typeface="Times New Roman" panose="02020603050405020304" pitchFamily="18" charset="0"/>
+                          <a:ea typeface="標楷體" panose="03000509000000000000" pitchFamily="65" charset="-120"/>
+                          <a:cs typeface="Times New Roman" panose="02020603050405020304" pitchFamily="18" charset="0"/>
+                        </a:rPr>
+                        <a:t>(</a:t>
+                      </a:r>
+                      <a:r>
+                        <a:rPr lang="zh-TW" altLang="en-US" dirty="0">
+                          <a:latin typeface="Times New Roman" panose="02020603050405020304" pitchFamily="18" charset="0"/>
+                          <a:ea typeface="標楷體" panose="03000509000000000000" pitchFamily="65" charset="-120"/>
+                          <a:cs typeface="Times New Roman" panose="02020603050405020304" pitchFamily="18" charset="0"/>
+                        </a:rPr>
+                        <a:t>例如 </a:t>
+                      </a:r>
+                      <a:r>
+                        <a:rPr lang="en-US" altLang="zh-TW" dirty="0" err="1">
+                          <a:latin typeface="Times New Roman" panose="02020603050405020304" pitchFamily="18" charset="0"/>
+                          <a:ea typeface="標楷體" panose="03000509000000000000" pitchFamily="65" charset="-120"/>
+                          <a:cs typeface="Times New Roman" panose="02020603050405020304" pitchFamily="18" charset="0"/>
+                        </a:rPr>
+                        <a:t>n_points</a:t>
+                      </a:r>
+                      <a:r>
+                        <a:rPr lang="en-US" altLang="zh-TW" dirty="0">
+                          <a:latin typeface="Times New Roman" panose="02020603050405020304" pitchFamily="18" charset="0"/>
+                          <a:ea typeface="標楷體" panose="03000509000000000000" pitchFamily="65" charset="-120"/>
+                          <a:cs typeface="Times New Roman" panose="02020603050405020304" pitchFamily="18" charset="0"/>
+                        </a:rPr>
+                        <a:t> + 3)</a:t>
+                      </a:r>
+                    </a:p>
+                    <a:p>
+                      <a:r>
+                        <a:rPr lang="en-US" altLang="zh-TW" dirty="0">
+                          <a:latin typeface="Times New Roman" panose="02020603050405020304" pitchFamily="18" charset="0"/>
+                          <a:ea typeface="標楷體" panose="03000509000000000000" pitchFamily="65" charset="-120"/>
+                          <a:cs typeface="Times New Roman" panose="02020603050405020304" pitchFamily="18" charset="0"/>
+                        </a:rPr>
+                        <a:t>range: </a:t>
+                      </a:r>
+                      <a:r>
+                        <a:rPr lang="zh-TW" altLang="en-US" dirty="0">
+                          <a:latin typeface="Times New Roman" panose="02020603050405020304" pitchFamily="18" charset="0"/>
+                          <a:ea typeface="標楷體" panose="03000509000000000000" pitchFamily="65" charset="-120"/>
+                          <a:cs typeface="Times New Roman" panose="02020603050405020304" pitchFamily="18" charset="0"/>
+                        </a:rPr>
+                        <a:t>直方圖的數據範圍</a:t>
+                      </a:r>
                     </a:p>
                   </a:txBody>
                   <a:tcPr/>
@@ -16853,11 +16531,30 @@
                     <a:bodyPr/>
                     <a:lstStyle/>
                     <a:p>
-                      <a:endParaRPr lang="zh-TW" altLang="en-US">
-                        <a:latin typeface="Times New Roman" panose="02020603050405020304" pitchFamily="18" charset="0"/>
-                        <a:ea typeface="標楷體" panose="03000509000000000000" pitchFamily="65" charset="-120"/>
-                        <a:cs typeface="Times New Roman" panose="02020603050405020304" pitchFamily="18" charset="0"/>
-                      </a:endParaRPr>
+                      <a:r>
+                        <a:rPr lang="zh-TW" altLang="en-US" dirty="0">
+                          <a:latin typeface="Times New Roman" panose="02020603050405020304" pitchFamily="18" charset="0"/>
+                          <a:ea typeface="標楷體" panose="03000509000000000000" pitchFamily="65" charset="-120"/>
+                          <a:cs typeface="Times New Roman" panose="02020603050405020304" pitchFamily="18" charset="0"/>
+                        </a:rPr>
+                        <a:t>使用 </a:t>
+                      </a:r>
+                      <a:r>
+                        <a:rPr lang="en-US" altLang="zh-TW" dirty="0">
+                          <a:latin typeface="Times New Roman" panose="02020603050405020304" pitchFamily="18" charset="0"/>
+                          <a:ea typeface="標楷體" panose="03000509000000000000" pitchFamily="65" charset="-120"/>
+                          <a:cs typeface="Times New Roman" panose="02020603050405020304" pitchFamily="18" charset="0"/>
+                        </a:rPr>
+                        <a:t>NumPy </a:t>
+                      </a:r>
+                      <a:r>
+                        <a:rPr lang="zh-TW" altLang="en-US" dirty="0">
+                          <a:latin typeface="Times New Roman" panose="02020603050405020304" pitchFamily="18" charset="0"/>
+                          <a:ea typeface="標楷體" panose="03000509000000000000" pitchFamily="65" charset="-120"/>
+                          <a:cs typeface="Times New Roman" panose="02020603050405020304" pitchFamily="18" charset="0"/>
+                        </a:rPr>
+                        <a:t>函數計算數據的直方圖</a:t>
+                      </a:r>
                     </a:p>
                   </a:txBody>
                   <a:tcPr/>
@@ -16899,11 +16596,30 @@
                     <a:bodyPr/>
                     <a:lstStyle/>
                     <a:p>
-                      <a:endParaRPr lang="zh-TW" altLang="en-US" dirty="0">
-                        <a:latin typeface="Times New Roman" panose="02020603050405020304" pitchFamily="18" charset="0"/>
-                        <a:ea typeface="標楷體" panose="03000509000000000000" pitchFamily="65" charset="-120"/>
-                        <a:cs typeface="Times New Roman" panose="02020603050405020304" pitchFamily="18" charset="0"/>
-                      </a:endParaRPr>
+                      <a:r>
+                        <a:rPr lang="zh-TW" altLang="en-US" dirty="0">
+                          <a:latin typeface="Times New Roman" panose="02020603050405020304" pitchFamily="18" charset="0"/>
+                          <a:ea typeface="標楷體" panose="03000509000000000000" pitchFamily="65" charset="-120"/>
+                          <a:cs typeface="Times New Roman" panose="02020603050405020304" pitchFamily="18" charset="0"/>
+                        </a:rPr>
+                        <a:t>計算影像中特徵值的分佈。這裡計算的是 </a:t>
+                      </a:r>
+                      <a:r>
+                        <a:rPr lang="en-US" altLang="zh-TW" dirty="0">
+                          <a:latin typeface="Times New Roman" panose="02020603050405020304" pitchFamily="18" charset="0"/>
+                          <a:ea typeface="標楷體" panose="03000509000000000000" pitchFamily="65" charset="-120"/>
+                          <a:cs typeface="Times New Roman" panose="02020603050405020304" pitchFamily="18" charset="0"/>
+                        </a:rPr>
+                        <a:t>LBP </a:t>
+                      </a:r>
+                      <a:r>
+                        <a:rPr lang="zh-TW" altLang="en-US" dirty="0">
+                          <a:latin typeface="Times New Roman" panose="02020603050405020304" pitchFamily="18" charset="0"/>
+                          <a:ea typeface="標楷體" panose="03000509000000000000" pitchFamily="65" charset="-120"/>
+                          <a:cs typeface="Times New Roman" panose="02020603050405020304" pitchFamily="18" charset="0"/>
+                        </a:rPr>
+                        <a:t>特徵的直方圖。</a:t>
+                      </a:r>
                     </a:p>
                   </a:txBody>
                   <a:tcPr/>
@@ -16922,6 +16638,963 @@
     <p:extLst>
       <p:ext uri="{BB962C8B-B14F-4D97-AF65-F5344CB8AC3E}">
         <p14:creationId xmlns:p14="http://schemas.microsoft.com/office/powerpoint/2010/main" val="1099273527"/>
+      </p:ext>
+    </p:extLst>
+  </p:cSld>
+  <p:clrMapOvr>
+    <a:masterClrMapping/>
+  </p:clrMapOvr>
+</p:sld>
+</file>
+
+<file path=ppt/slides/slide9.xml><?xml version="1.0" encoding="utf-8"?>
+<p:sld xmlns:a="http://schemas.openxmlformats.org/drawingml/2006/main" xmlns:r="http://schemas.openxmlformats.org/officeDocument/2006/relationships" xmlns:p="http://schemas.openxmlformats.org/presentationml/2006/main">
+  <p:cSld>
+    <p:spTree>
+      <p:nvGrpSpPr>
+        <p:cNvPr id="1" name="Shape 154"/>
+        <p:cNvGrpSpPr/>
+        <p:nvPr/>
+      </p:nvGrpSpPr>
+      <p:grpSpPr>
+        <a:xfrm>
+          <a:off x="0" y="0"/>
+          <a:ext cx="0" cy="0"/>
+          <a:chOff x="0" y="0"/>
+          <a:chExt cx="0" cy="0"/>
+        </a:xfrm>
+      </p:grpSpPr>
+      <p:sp>
+        <p:nvSpPr>
+          <p:cNvPr id="155" name="Google Shape;155;p24"/>
+          <p:cNvSpPr txBox="1"/>
+          <p:nvPr/>
+        </p:nvSpPr>
+        <p:spPr>
+          <a:xfrm>
+            <a:off x="838200" y="365125"/>
+            <a:ext cx="10515600" cy="720000"/>
+          </a:xfrm>
+          <a:prstGeom prst="rect">
+            <a:avLst/>
+          </a:prstGeom>
+          <a:noFill/>
+          <a:ln>
+            <a:noFill/>
+          </a:ln>
+        </p:spPr>
+        <p:txBody>
+          <a:bodyPr spcFirstLastPara="1" wrap="square" lIns="91425" tIns="45700" rIns="91425" bIns="45700" anchor="ctr" anchorCtr="0">
+            <a:normAutofit/>
+          </a:bodyPr>
+          <a:lstStyle/>
+          <a:p>
+            <a:pPr marL="0" marR="0" lvl="0" indent="0" algn="ctr" rtl="0">
+              <a:lnSpc>
+                <a:spcPct val="90000"/>
+              </a:lnSpc>
+              <a:spcBef>
+                <a:spcPts val="0"/>
+              </a:spcBef>
+              <a:spcAft>
+                <a:spcPts val="0"/>
+              </a:spcAft>
+              <a:buClr>
+                <a:schemeClr val="dk1"/>
+              </a:buClr>
+              <a:buSzPts val="4000"/>
+              <a:buFont typeface="Times New Roman"/>
+              <a:buNone/>
+            </a:pPr>
+            <a:r>
+              <a:rPr lang="en-US" altLang="zh-TW" sz="4000" b="1" i="0" u="none" strike="noStrike" cap="none" dirty="0">
+                <a:solidFill>
+                  <a:schemeClr val="dk1"/>
+                </a:solidFill>
+                <a:latin typeface="Times New Roman" panose="02020603050405020304" pitchFamily="18" charset="0"/>
+                <a:ea typeface="DFKai-SB"/>
+                <a:cs typeface="Times New Roman" panose="02020603050405020304" pitchFamily="18" charset="0"/>
+                <a:sym typeface="DFKai-SB"/>
+              </a:rPr>
+              <a:t>API</a:t>
+            </a:r>
+            <a:endParaRPr sz="4000" b="1" i="0" u="none" strike="noStrike" cap="none" dirty="0">
+              <a:solidFill>
+                <a:schemeClr val="dk1"/>
+              </a:solidFill>
+              <a:latin typeface="Times New Roman" panose="02020603050405020304" pitchFamily="18" charset="0"/>
+              <a:ea typeface="DFKai-SB"/>
+              <a:cs typeface="Times New Roman" panose="02020603050405020304" pitchFamily="18" charset="0"/>
+              <a:sym typeface="DFKai-SB"/>
+            </a:endParaRPr>
+          </a:p>
+        </p:txBody>
+      </p:sp>
+      <p:sp>
+        <p:nvSpPr>
+          <p:cNvPr id="48" name="Google Shape;121;p18">
+            <a:extLst>
+              <a:ext uri="{FF2B5EF4-FFF2-40B4-BE49-F238E27FC236}">
+                <a16:creationId xmlns:a16="http://schemas.microsoft.com/office/drawing/2014/main" id="{F8F828CC-B0FE-424C-AECC-54D728B33A50}"/>
+              </a:ext>
+            </a:extLst>
+          </p:cNvPr>
+          <p:cNvSpPr txBox="1"/>
+          <p:nvPr/>
+        </p:nvSpPr>
+        <p:spPr>
+          <a:xfrm>
+            <a:off x="838200" y="1195544"/>
+            <a:ext cx="10515600" cy="5037776"/>
+          </a:xfrm>
+          <a:prstGeom prst="rect">
+            <a:avLst/>
+          </a:prstGeom>
+          <a:noFill/>
+          <a:ln>
+            <a:noFill/>
+          </a:ln>
+        </p:spPr>
+        <p:txBody>
+          <a:bodyPr spcFirstLastPara="1" wrap="square" lIns="91425" tIns="45700" rIns="91425" bIns="45700" anchor="t" anchorCtr="0">
+            <a:normAutofit/>
+          </a:bodyPr>
+          <a:lstStyle/>
+          <a:p>
+            <a:pPr rtl="0" fontAlgn="base">
+              <a:spcBef>
+                <a:spcPts val="0"/>
+              </a:spcBef>
+              <a:spcAft>
+                <a:spcPts val="0"/>
+              </a:spcAft>
+            </a:pPr>
+            <a:endParaRPr dirty="0">
+              <a:latin typeface="Times New Roman" panose="02020603050405020304" pitchFamily="18" charset="0"/>
+              <a:ea typeface="標楷體" panose="03000509000000000000" pitchFamily="65" charset="-120"/>
+              <a:cs typeface="Times New Roman" panose="02020603050405020304" pitchFamily="18" charset="0"/>
+            </a:endParaRPr>
+          </a:p>
+        </p:txBody>
+      </p:sp>
+      <p:graphicFrame>
+        <p:nvGraphicFramePr>
+          <p:cNvPr id="2" name="表格 2">
+            <a:extLst>
+              <a:ext uri="{FF2B5EF4-FFF2-40B4-BE49-F238E27FC236}">
+                <a16:creationId xmlns:a16="http://schemas.microsoft.com/office/drawing/2014/main" id="{5BDA175A-E99E-42BB-8DB6-6CA6E8447311}"/>
+              </a:ext>
+            </a:extLst>
+          </p:cNvPr>
+          <p:cNvGraphicFramePr>
+            <a:graphicFrameLocks noGrp="1"/>
+          </p:cNvGraphicFramePr>
+          <p:nvPr>
+            <p:extLst>
+              <p:ext uri="{D42A27DB-BD31-4B8C-83A1-F6EECF244321}">
+                <p14:modId xmlns:p14="http://schemas.microsoft.com/office/powerpoint/2010/main" val="2705171970"/>
+              </p:ext>
+            </p:extLst>
+          </p:nvPr>
+        </p:nvGraphicFramePr>
+        <p:xfrm>
+          <a:off x="838200" y="1195544"/>
+          <a:ext cx="10515600" cy="2273215"/>
+        </p:xfrm>
+        <a:graphic>
+          <a:graphicData uri="http://schemas.openxmlformats.org/drawingml/2006/table">
+            <a:tbl>
+              <a:tblPr firstRow="1" bandRow="1">
+                <a:tableStyleId>{5C22544A-7EE6-4342-B048-85BDC9FD1C3A}</a:tableStyleId>
+              </a:tblPr>
+              <a:tblGrid>
+                <a:gridCol w="2094186">
+                  <a:extLst>
+                    <a:ext uri="{9D8B030D-6E8A-4147-A177-3AD203B41FA5}">
+                      <a16:colId xmlns:a16="http://schemas.microsoft.com/office/drawing/2014/main" val="2144424883"/>
+                    </a:ext>
+                  </a:extLst>
+                </a:gridCol>
+                <a:gridCol w="8421414">
+                  <a:extLst>
+                    <a:ext uri="{9D8B030D-6E8A-4147-A177-3AD203B41FA5}">
+                      <a16:colId xmlns:a16="http://schemas.microsoft.com/office/drawing/2014/main" val="3707820108"/>
+                    </a:ext>
+                  </a:extLst>
+                </a:gridCol>
+              </a:tblGrid>
+              <a:tr h="351011">
+                <a:tc>
+                  <a:txBody>
+                    <a:bodyPr/>
+                    <a:lstStyle/>
+                    <a:p>
+                      <a:r>
+                        <a:rPr lang="en-US" altLang="zh-TW" dirty="0">
+                          <a:latin typeface="Times New Roman" panose="02020603050405020304" pitchFamily="18" charset="0"/>
+                          <a:ea typeface="標楷體" panose="03000509000000000000" pitchFamily="65" charset="-120"/>
+                          <a:cs typeface="Times New Roman" panose="02020603050405020304" pitchFamily="18" charset="0"/>
+                        </a:rPr>
+                        <a:t>Function</a:t>
+                      </a:r>
+                      <a:r>
+                        <a:rPr lang="zh-TW" altLang="en-US" dirty="0">
+                          <a:latin typeface="Times New Roman" panose="02020603050405020304" pitchFamily="18" charset="0"/>
+                          <a:ea typeface="標楷體" panose="03000509000000000000" pitchFamily="65" charset="-120"/>
+                          <a:cs typeface="Times New Roman" panose="02020603050405020304" pitchFamily="18" charset="0"/>
+                        </a:rPr>
+                        <a:t>：</a:t>
+                      </a:r>
+                    </a:p>
+                  </a:txBody>
+                  <a:tcPr/>
+                </a:tc>
+                <a:tc>
+                  <a:txBody>
+                    <a:bodyPr/>
+                    <a:lstStyle/>
+                    <a:p>
+                      <a:r>
+                        <a:rPr lang="en-US" altLang="zh-TW" dirty="0" err="1">
+                          <a:latin typeface="Times New Roman" panose="02020603050405020304" pitchFamily="18" charset="0"/>
+                          <a:ea typeface="標楷體" panose="03000509000000000000" pitchFamily="65" charset="-120"/>
+                          <a:cs typeface="Times New Roman" panose="02020603050405020304" pitchFamily="18" charset="0"/>
+                        </a:rPr>
+                        <a:t>numpy.linalg.norm</a:t>
+                      </a:r>
+                      <a:r>
+                        <a:rPr lang="zh-TW" altLang="en-US" dirty="0">
+                          <a:latin typeface="Times New Roman" panose="02020603050405020304" pitchFamily="18" charset="0"/>
+                          <a:ea typeface="標楷體" panose="03000509000000000000" pitchFamily="65" charset="-120"/>
+                          <a:cs typeface="Times New Roman" panose="02020603050405020304" pitchFamily="18" charset="0"/>
+                        </a:rPr>
+                        <a:t> </a:t>
+                      </a:r>
+                      <a:r>
+                        <a:rPr lang="en-US" altLang="zh-TW" dirty="0">
+                          <a:latin typeface="Times New Roman" panose="02020603050405020304" pitchFamily="18" charset="0"/>
+                          <a:ea typeface="標楷體" panose="03000509000000000000" pitchFamily="65" charset="-120"/>
+                          <a:cs typeface="Times New Roman" panose="02020603050405020304" pitchFamily="18" charset="0"/>
+                        </a:rPr>
+                        <a:t>(Distance measure)</a:t>
+                      </a:r>
+                      <a:endParaRPr lang="zh-TW" altLang="en-US" dirty="0">
+                        <a:latin typeface="Times New Roman" panose="02020603050405020304" pitchFamily="18" charset="0"/>
+                        <a:ea typeface="標楷體" panose="03000509000000000000" pitchFamily="65" charset="-120"/>
+                        <a:cs typeface="Times New Roman" panose="02020603050405020304" pitchFamily="18" charset="0"/>
+                      </a:endParaRPr>
+                    </a:p>
+                  </a:txBody>
+                  <a:tcPr/>
+                </a:tc>
+                <a:extLst>
+                  <a:ext uri="{0D108BD9-81ED-4DB2-BD59-A6C34878D82A}">
+                    <a16:rowId xmlns:a16="http://schemas.microsoft.com/office/drawing/2014/main" val="780994351"/>
+                  </a:ext>
+                </a:extLst>
+              </a:tr>
+              <a:tr h="351011">
+                <a:tc>
+                  <a:txBody>
+                    <a:bodyPr/>
+                    <a:lstStyle/>
+                    <a:p>
+                      <a:r>
+                        <a:rPr lang="en-US" altLang="zh-TW" dirty="0">
+                          <a:latin typeface="Times New Roman" panose="02020603050405020304" pitchFamily="18" charset="0"/>
+                          <a:ea typeface="標楷體" panose="03000509000000000000" pitchFamily="65" charset="-120"/>
+                          <a:cs typeface="Times New Roman" panose="02020603050405020304" pitchFamily="18" charset="0"/>
+                        </a:rPr>
+                        <a:t>Input</a:t>
+                      </a:r>
+                      <a:r>
+                        <a:rPr lang="zh-TW" altLang="en-US" dirty="0">
+                          <a:latin typeface="Times New Roman" panose="02020603050405020304" pitchFamily="18" charset="0"/>
+                          <a:ea typeface="標楷體" panose="03000509000000000000" pitchFamily="65" charset="-120"/>
+                          <a:cs typeface="Times New Roman" panose="02020603050405020304" pitchFamily="18" charset="0"/>
+                        </a:rPr>
+                        <a:t>：</a:t>
+                      </a:r>
+                    </a:p>
+                  </a:txBody>
+                  <a:tcPr/>
+                </a:tc>
+                <a:tc>
+                  <a:txBody>
+                    <a:bodyPr/>
+                    <a:lstStyle/>
+                    <a:p>
+                      <a:r>
+                        <a:rPr lang="zh-TW" altLang="en-US" dirty="0">
+                          <a:latin typeface="Times New Roman" panose="02020603050405020304" pitchFamily="18" charset="0"/>
+                          <a:ea typeface="標楷體" panose="03000509000000000000" pitchFamily="65" charset="-120"/>
+                          <a:cs typeface="Times New Roman" panose="02020603050405020304" pitchFamily="18" charset="0"/>
+                        </a:rPr>
+                        <a:t>兩個直方圖（全圖的直方圖和區域的直方圖）</a:t>
+                      </a:r>
+                    </a:p>
+                  </a:txBody>
+                  <a:tcPr/>
+                </a:tc>
+                <a:extLst>
+                  <a:ext uri="{0D108BD9-81ED-4DB2-BD59-A6C34878D82A}">
+                    <a16:rowId xmlns:a16="http://schemas.microsoft.com/office/drawing/2014/main" val="2574774029"/>
+                  </a:ext>
+                </a:extLst>
+              </a:tr>
+              <a:tr h="351011">
+                <a:tc>
+                  <a:txBody>
+                    <a:bodyPr/>
+                    <a:lstStyle/>
+                    <a:p>
+                      <a:r>
+                        <a:rPr lang="en-US" altLang="zh-TW" dirty="0">
+                          <a:latin typeface="Times New Roman" panose="02020603050405020304" pitchFamily="18" charset="0"/>
+                          <a:ea typeface="標楷體" panose="03000509000000000000" pitchFamily="65" charset="-120"/>
+                          <a:cs typeface="Times New Roman" panose="02020603050405020304" pitchFamily="18" charset="0"/>
+                        </a:rPr>
+                        <a:t>Output</a:t>
+                      </a:r>
+                      <a:r>
+                        <a:rPr lang="zh-TW" altLang="en-US" dirty="0">
+                          <a:latin typeface="Times New Roman" panose="02020603050405020304" pitchFamily="18" charset="0"/>
+                          <a:ea typeface="標楷體" panose="03000509000000000000" pitchFamily="65" charset="-120"/>
+                          <a:cs typeface="Times New Roman" panose="02020603050405020304" pitchFamily="18" charset="0"/>
+                        </a:rPr>
+                        <a:t>：</a:t>
+                      </a:r>
+                    </a:p>
+                  </a:txBody>
+                  <a:tcPr/>
+                </a:tc>
+                <a:tc>
+                  <a:txBody>
+                    <a:bodyPr/>
+                    <a:lstStyle/>
+                    <a:p>
+                      <a:r>
+                        <a:rPr lang="zh-TW" altLang="en-US" dirty="0">
+                          <a:latin typeface="Times New Roman" panose="02020603050405020304" pitchFamily="18" charset="0"/>
+                          <a:ea typeface="標楷體" panose="03000509000000000000" pitchFamily="65" charset="-120"/>
+                          <a:cs typeface="Times New Roman" panose="02020603050405020304" pitchFamily="18" charset="0"/>
+                        </a:rPr>
+                        <a:t>兩個直方圖之間的歐氏距離</a:t>
+                      </a:r>
+                    </a:p>
+                  </a:txBody>
+                  <a:tcPr/>
+                </a:tc>
+                <a:extLst>
+                  <a:ext uri="{0D108BD9-81ED-4DB2-BD59-A6C34878D82A}">
+                    <a16:rowId xmlns:a16="http://schemas.microsoft.com/office/drawing/2014/main" val="1358840004"/>
+                  </a:ext>
+                </a:extLst>
+              </a:tr>
+              <a:tr h="351011">
+                <a:tc>
+                  <a:txBody>
+                    <a:bodyPr/>
+                    <a:lstStyle/>
+                    <a:p>
+                      <a:r>
+                        <a:rPr lang="en-US" altLang="zh-TW" dirty="0">
+                          <a:latin typeface="Times New Roman" panose="02020603050405020304" pitchFamily="18" charset="0"/>
+                          <a:ea typeface="標楷體" panose="03000509000000000000" pitchFamily="65" charset="-120"/>
+                          <a:cs typeface="Times New Roman" panose="02020603050405020304" pitchFamily="18" charset="0"/>
+                        </a:rPr>
+                        <a:t>Parameters</a:t>
+                      </a:r>
+                      <a:r>
+                        <a:rPr lang="zh-TW" altLang="en-US" dirty="0">
+                          <a:latin typeface="Times New Roman" panose="02020603050405020304" pitchFamily="18" charset="0"/>
+                          <a:ea typeface="標楷體" panose="03000509000000000000" pitchFamily="65" charset="-120"/>
+                          <a:cs typeface="Times New Roman" panose="02020603050405020304" pitchFamily="18" charset="0"/>
+                        </a:rPr>
+                        <a:t>：</a:t>
+                      </a:r>
+                    </a:p>
+                  </a:txBody>
+                  <a:tcPr/>
+                </a:tc>
+                <a:tc>
+                  <a:txBody>
+                    <a:bodyPr/>
+                    <a:lstStyle/>
+                    <a:p>
+                      <a:r>
+                        <a:rPr lang="en-US" altLang="zh-TW" dirty="0">
+                          <a:latin typeface="Times New Roman" panose="02020603050405020304" pitchFamily="18" charset="0"/>
+                          <a:ea typeface="標楷體" panose="03000509000000000000" pitchFamily="65" charset="-120"/>
+                          <a:cs typeface="Times New Roman" panose="02020603050405020304" pitchFamily="18" charset="0"/>
+                        </a:rPr>
+                        <a:t>x: </a:t>
+                      </a:r>
+                      <a:r>
+                        <a:rPr lang="zh-TW" altLang="en-US" dirty="0">
+                          <a:latin typeface="Times New Roman" panose="02020603050405020304" pitchFamily="18" charset="0"/>
+                          <a:ea typeface="標楷體" panose="03000509000000000000" pitchFamily="65" charset="-120"/>
+                          <a:cs typeface="Times New Roman" panose="02020603050405020304" pitchFamily="18" charset="0"/>
+                        </a:rPr>
+                        <a:t>第一個直方圖</a:t>
+                      </a:r>
+                      <a:endParaRPr lang="en-US" altLang="zh-TW" dirty="0">
+                        <a:latin typeface="Times New Roman" panose="02020603050405020304" pitchFamily="18" charset="0"/>
+                        <a:ea typeface="標楷體" panose="03000509000000000000" pitchFamily="65" charset="-120"/>
+                        <a:cs typeface="Times New Roman" panose="02020603050405020304" pitchFamily="18" charset="0"/>
+                      </a:endParaRPr>
+                    </a:p>
+                    <a:p>
+                      <a:r>
+                        <a:rPr lang="en-US" altLang="zh-TW" dirty="0">
+                          <a:latin typeface="Times New Roman" panose="02020603050405020304" pitchFamily="18" charset="0"/>
+                          <a:ea typeface="標楷體" panose="03000509000000000000" pitchFamily="65" charset="-120"/>
+                          <a:cs typeface="Times New Roman" panose="02020603050405020304" pitchFamily="18" charset="0"/>
+                        </a:rPr>
+                        <a:t>y: </a:t>
+                      </a:r>
+                      <a:r>
+                        <a:rPr lang="zh-TW" altLang="en-US" dirty="0">
+                          <a:latin typeface="Times New Roman" panose="02020603050405020304" pitchFamily="18" charset="0"/>
+                          <a:ea typeface="標楷體" panose="03000509000000000000" pitchFamily="65" charset="-120"/>
+                          <a:cs typeface="Times New Roman" panose="02020603050405020304" pitchFamily="18" charset="0"/>
+                        </a:rPr>
+                        <a:t>第二個直方圖</a:t>
+                      </a:r>
+                    </a:p>
+                  </a:txBody>
+                  <a:tcPr/>
+                </a:tc>
+                <a:extLst>
+                  <a:ext uri="{0D108BD9-81ED-4DB2-BD59-A6C34878D82A}">
+                    <a16:rowId xmlns:a16="http://schemas.microsoft.com/office/drawing/2014/main" val="74156603"/>
+                  </a:ext>
+                </a:extLst>
+              </a:tr>
+              <a:tr h="351011">
+                <a:tc>
+                  <a:txBody>
+                    <a:bodyPr/>
+                    <a:lstStyle/>
+                    <a:p>
+                      <a:r>
+                        <a:rPr lang="en-US" altLang="zh-TW" dirty="0">
+                          <a:latin typeface="Times New Roman" panose="02020603050405020304" pitchFamily="18" charset="0"/>
+                          <a:ea typeface="標楷體" panose="03000509000000000000" pitchFamily="65" charset="-120"/>
+                          <a:cs typeface="Times New Roman" panose="02020603050405020304" pitchFamily="18" charset="0"/>
+                        </a:rPr>
+                        <a:t>Method</a:t>
+                      </a:r>
+                      <a:r>
+                        <a:rPr lang="zh-TW" altLang="en-US" dirty="0">
+                          <a:latin typeface="Times New Roman" panose="02020603050405020304" pitchFamily="18" charset="0"/>
+                          <a:ea typeface="標楷體" panose="03000509000000000000" pitchFamily="65" charset="-120"/>
+                          <a:cs typeface="Times New Roman" panose="02020603050405020304" pitchFamily="18" charset="0"/>
+                        </a:rPr>
+                        <a:t>：</a:t>
+                      </a:r>
+                    </a:p>
+                  </a:txBody>
+                  <a:tcPr/>
+                </a:tc>
+                <a:tc>
+                  <a:txBody>
+                    <a:bodyPr/>
+                    <a:lstStyle/>
+                    <a:p>
+                      <a:r>
+                        <a:rPr lang="zh-TW" altLang="en-US" dirty="0">
+                          <a:latin typeface="Times New Roman" panose="02020603050405020304" pitchFamily="18" charset="0"/>
+                          <a:ea typeface="標楷體" panose="03000509000000000000" pitchFamily="65" charset="-120"/>
+                          <a:cs typeface="Times New Roman" panose="02020603050405020304" pitchFamily="18" charset="0"/>
+                        </a:rPr>
+                        <a:t>使用歐氏距離計算兩個向量之間的相似度</a:t>
+                      </a:r>
+                    </a:p>
+                  </a:txBody>
+                  <a:tcPr/>
+                </a:tc>
+                <a:extLst>
+                  <a:ext uri="{0D108BD9-81ED-4DB2-BD59-A6C34878D82A}">
+                    <a16:rowId xmlns:a16="http://schemas.microsoft.com/office/drawing/2014/main" val="329397043"/>
+                  </a:ext>
+                </a:extLst>
+              </a:tr>
+              <a:tr h="351011">
+                <a:tc>
+                  <a:txBody>
+                    <a:bodyPr/>
+                    <a:lstStyle/>
+                    <a:p>
+                      <a:r>
+                        <a:rPr lang="en-US" altLang="zh-TW" dirty="0">
+                          <a:latin typeface="Times New Roman" panose="02020603050405020304" pitchFamily="18" charset="0"/>
+                          <a:ea typeface="標楷體" panose="03000509000000000000" pitchFamily="65" charset="-120"/>
+                          <a:cs typeface="Times New Roman" panose="02020603050405020304" pitchFamily="18" charset="0"/>
+                        </a:rPr>
+                        <a:t>Description</a:t>
+                      </a:r>
+                      <a:r>
+                        <a:rPr lang="zh-TW" altLang="en-US" dirty="0">
+                          <a:latin typeface="Times New Roman" panose="02020603050405020304" pitchFamily="18" charset="0"/>
+                          <a:ea typeface="標楷體" panose="03000509000000000000" pitchFamily="65" charset="-120"/>
+                          <a:cs typeface="Times New Roman" panose="02020603050405020304" pitchFamily="18" charset="0"/>
+                        </a:rPr>
+                        <a:t>：</a:t>
+                      </a:r>
+                    </a:p>
+                  </a:txBody>
+                  <a:tcPr/>
+                </a:tc>
+                <a:tc>
+                  <a:txBody>
+                    <a:bodyPr/>
+                    <a:lstStyle/>
+                    <a:p>
+                      <a:r>
+                        <a:rPr lang="zh-TW" altLang="en-US" dirty="0">
+                          <a:latin typeface="Times New Roman" panose="02020603050405020304" pitchFamily="18" charset="0"/>
+                          <a:ea typeface="標楷體" panose="03000509000000000000" pitchFamily="65" charset="-120"/>
+                          <a:cs typeface="Times New Roman" panose="02020603050405020304" pitchFamily="18" charset="0"/>
+                        </a:rPr>
+                        <a:t>歐氏距離用來衡量兩個直方圖之間的差異，用於比較區域與全圖的相似性。</a:t>
+                      </a:r>
+                    </a:p>
+                  </a:txBody>
+                  <a:tcPr/>
+                </a:tc>
+                <a:extLst>
+                  <a:ext uri="{0D108BD9-81ED-4DB2-BD59-A6C34878D82A}">
+                    <a16:rowId xmlns:a16="http://schemas.microsoft.com/office/drawing/2014/main" val="1743228921"/>
+                  </a:ext>
+                </a:extLst>
+              </a:tr>
+            </a:tbl>
+          </a:graphicData>
+        </a:graphic>
+      </p:graphicFrame>
+      <p:graphicFrame>
+        <p:nvGraphicFramePr>
+          <p:cNvPr id="50" name="表格 2">
+            <a:extLst>
+              <a:ext uri="{FF2B5EF4-FFF2-40B4-BE49-F238E27FC236}">
+                <a16:creationId xmlns:a16="http://schemas.microsoft.com/office/drawing/2014/main" id="{431EC9A0-674E-4D1E-A257-FDE5EEB1DC17}"/>
+              </a:ext>
+            </a:extLst>
+          </p:cNvPr>
+          <p:cNvGraphicFramePr>
+            <a:graphicFrameLocks noGrp="1"/>
+          </p:cNvGraphicFramePr>
+          <p:nvPr>
+            <p:extLst>
+              <p:ext uri="{D42A27DB-BD31-4B8C-83A1-F6EECF244321}">
+                <p14:modId xmlns:p14="http://schemas.microsoft.com/office/powerpoint/2010/main" val="1523714320"/>
+              </p:ext>
+            </p:extLst>
+          </p:nvPr>
+        </p:nvGraphicFramePr>
+        <p:xfrm>
+          <a:off x="838200" y="4127254"/>
+          <a:ext cx="10515600" cy="2106066"/>
+        </p:xfrm>
+        <a:graphic>
+          <a:graphicData uri="http://schemas.openxmlformats.org/drawingml/2006/table">
+            <a:tbl>
+              <a:tblPr firstRow="1" bandRow="1">
+                <a:tableStyleId>{5C22544A-7EE6-4342-B048-85BDC9FD1C3A}</a:tableStyleId>
+              </a:tblPr>
+              <a:tblGrid>
+                <a:gridCol w="2087880">
+                  <a:extLst>
+                    <a:ext uri="{9D8B030D-6E8A-4147-A177-3AD203B41FA5}">
+                      <a16:colId xmlns:a16="http://schemas.microsoft.com/office/drawing/2014/main" val="2144424883"/>
+                    </a:ext>
+                  </a:extLst>
+                </a:gridCol>
+                <a:gridCol w="8427720">
+                  <a:extLst>
+                    <a:ext uri="{9D8B030D-6E8A-4147-A177-3AD203B41FA5}">
+                      <a16:colId xmlns:a16="http://schemas.microsoft.com/office/drawing/2014/main" val="3707820108"/>
+                    </a:ext>
+                  </a:extLst>
+                </a:gridCol>
+              </a:tblGrid>
+              <a:tr h="351011">
+                <a:tc>
+                  <a:txBody>
+                    <a:bodyPr/>
+                    <a:lstStyle/>
+                    <a:p>
+                      <a:r>
+                        <a:rPr lang="en-US" altLang="zh-TW" dirty="0">
+                          <a:latin typeface="Times New Roman" panose="02020603050405020304" pitchFamily="18" charset="0"/>
+                          <a:ea typeface="標楷體" panose="03000509000000000000" pitchFamily="65" charset="-120"/>
+                          <a:cs typeface="Times New Roman" panose="02020603050405020304" pitchFamily="18" charset="0"/>
+                        </a:rPr>
+                        <a:t>Function</a:t>
+                      </a:r>
+                      <a:r>
+                        <a:rPr lang="zh-TW" altLang="en-US" dirty="0">
+                          <a:latin typeface="Times New Roman" panose="02020603050405020304" pitchFamily="18" charset="0"/>
+                          <a:ea typeface="標楷體" panose="03000509000000000000" pitchFamily="65" charset="-120"/>
+                          <a:cs typeface="Times New Roman" panose="02020603050405020304" pitchFamily="18" charset="0"/>
+                        </a:rPr>
+                        <a:t>：</a:t>
+                      </a:r>
+                    </a:p>
+                  </a:txBody>
+                  <a:tcPr/>
+                </a:tc>
+                <a:tc>
+                  <a:txBody>
+                    <a:bodyPr/>
+                    <a:lstStyle/>
+                    <a:p>
+                      <a:r>
+                        <a:rPr lang="en-US" altLang="zh-TW" dirty="0" err="1">
+                          <a:latin typeface="Times New Roman" panose="02020603050405020304" pitchFamily="18" charset="0"/>
+                          <a:ea typeface="標楷體" panose="03000509000000000000" pitchFamily="65" charset="-120"/>
+                          <a:cs typeface="Times New Roman" panose="02020603050405020304" pitchFamily="18" charset="0"/>
+                        </a:rPr>
+                        <a:t>skimage.measure.label</a:t>
+                      </a:r>
+                      <a:r>
+                        <a:rPr lang="zh-TW" altLang="en-US" dirty="0">
+                          <a:latin typeface="Times New Roman" panose="02020603050405020304" pitchFamily="18" charset="0"/>
+                          <a:ea typeface="標楷體" panose="03000509000000000000" pitchFamily="65" charset="-120"/>
+                          <a:cs typeface="Times New Roman" panose="02020603050405020304" pitchFamily="18" charset="0"/>
+                        </a:rPr>
+                        <a:t> </a:t>
+                      </a:r>
+                      <a:r>
+                        <a:rPr lang="en-US" altLang="zh-TW" dirty="0">
+                          <a:latin typeface="Times New Roman" panose="02020603050405020304" pitchFamily="18" charset="0"/>
+                          <a:ea typeface="標楷體" panose="03000509000000000000" pitchFamily="65" charset="-120"/>
+                          <a:cs typeface="Times New Roman" panose="02020603050405020304" pitchFamily="18" charset="0"/>
+                        </a:rPr>
+                        <a:t>(</a:t>
+                      </a:r>
+                      <a:r>
+                        <a:rPr lang="en-US" altLang="zh-TW" dirty="0" err="1">
+                          <a:latin typeface="Times New Roman" panose="02020603050405020304" pitchFamily="18" charset="0"/>
+                          <a:ea typeface="標楷體" panose="03000509000000000000" pitchFamily="65" charset="-120"/>
+                          <a:cs typeface="Times New Roman" panose="02020603050405020304" pitchFamily="18" charset="0"/>
+                        </a:rPr>
+                        <a:t>Lobeling</a:t>
+                      </a:r>
+                      <a:r>
+                        <a:rPr lang="en-US" altLang="zh-TW" dirty="0">
+                          <a:latin typeface="Times New Roman" panose="02020603050405020304" pitchFamily="18" charset="0"/>
+                          <a:ea typeface="標楷體" panose="03000509000000000000" pitchFamily="65" charset="-120"/>
+                          <a:cs typeface="Times New Roman" panose="02020603050405020304" pitchFamily="18" charset="0"/>
+                        </a:rPr>
+                        <a:t>)</a:t>
+                      </a:r>
+                      <a:endParaRPr lang="zh-TW" altLang="en-US" dirty="0">
+                        <a:latin typeface="Times New Roman" panose="02020603050405020304" pitchFamily="18" charset="0"/>
+                        <a:ea typeface="標楷體" panose="03000509000000000000" pitchFamily="65" charset="-120"/>
+                        <a:cs typeface="Times New Roman" panose="02020603050405020304" pitchFamily="18" charset="0"/>
+                      </a:endParaRPr>
+                    </a:p>
+                  </a:txBody>
+                  <a:tcPr/>
+                </a:tc>
+                <a:extLst>
+                  <a:ext uri="{0D108BD9-81ED-4DB2-BD59-A6C34878D82A}">
+                    <a16:rowId xmlns:a16="http://schemas.microsoft.com/office/drawing/2014/main" val="780994351"/>
+                  </a:ext>
+                </a:extLst>
+              </a:tr>
+              <a:tr h="351011">
+                <a:tc>
+                  <a:txBody>
+                    <a:bodyPr/>
+                    <a:lstStyle/>
+                    <a:p>
+                      <a:r>
+                        <a:rPr lang="en-US" altLang="zh-TW" dirty="0">
+                          <a:latin typeface="Times New Roman" panose="02020603050405020304" pitchFamily="18" charset="0"/>
+                          <a:ea typeface="標楷體" panose="03000509000000000000" pitchFamily="65" charset="-120"/>
+                          <a:cs typeface="Times New Roman" panose="02020603050405020304" pitchFamily="18" charset="0"/>
+                        </a:rPr>
+                        <a:t>Input</a:t>
+                      </a:r>
+                      <a:r>
+                        <a:rPr lang="zh-TW" altLang="en-US" dirty="0">
+                          <a:latin typeface="Times New Roman" panose="02020603050405020304" pitchFamily="18" charset="0"/>
+                          <a:ea typeface="標楷體" panose="03000509000000000000" pitchFamily="65" charset="-120"/>
+                          <a:cs typeface="Times New Roman" panose="02020603050405020304" pitchFamily="18" charset="0"/>
+                        </a:rPr>
+                        <a:t>：</a:t>
+                      </a:r>
+                    </a:p>
+                  </a:txBody>
+                  <a:tcPr/>
+                </a:tc>
+                <a:tc>
+                  <a:txBody>
+                    <a:bodyPr/>
+                    <a:lstStyle/>
+                    <a:p>
+                      <a:r>
+                        <a:rPr lang="zh-TW" altLang="en-US" dirty="0">
+                          <a:latin typeface="Times New Roman" panose="02020603050405020304" pitchFamily="18" charset="0"/>
+                          <a:ea typeface="標楷體" panose="03000509000000000000" pitchFamily="65" charset="-120"/>
+                          <a:cs typeface="Times New Roman" panose="02020603050405020304" pitchFamily="18" charset="0"/>
+                        </a:rPr>
+                        <a:t>搜尋結果 </a:t>
+                      </a:r>
+                      <a:r>
+                        <a:rPr lang="en-US" altLang="zh-TW" dirty="0">
+                          <a:latin typeface="Times New Roman" panose="02020603050405020304" pitchFamily="18" charset="0"/>
+                          <a:ea typeface="標楷體" panose="03000509000000000000" pitchFamily="65" charset="-120"/>
+                          <a:cs typeface="Times New Roman" panose="02020603050405020304" pitchFamily="18" charset="0"/>
+                        </a:rPr>
+                        <a:t>(</a:t>
+                      </a:r>
+                      <a:r>
+                        <a:rPr lang="zh-TW" altLang="en-US" dirty="0">
+                          <a:latin typeface="Times New Roman" panose="02020603050405020304" pitchFamily="18" charset="0"/>
+                          <a:ea typeface="標楷體" panose="03000509000000000000" pitchFamily="65" charset="-120"/>
+                          <a:cs typeface="Times New Roman" panose="02020603050405020304" pitchFamily="18" charset="0"/>
+                        </a:rPr>
+                        <a:t>二值化圖像，顯示相似區域</a:t>
+                      </a:r>
+                      <a:r>
+                        <a:rPr lang="en-US" altLang="zh-TW" dirty="0">
+                          <a:latin typeface="Times New Roman" panose="02020603050405020304" pitchFamily="18" charset="0"/>
+                          <a:ea typeface="標楷體" panose="03000509000000000000" pitchFamily="65" charset="-120"/>
+                          <a:cs typeface="Times New Roman" panose="02020603050405020304" pitchFamily="18" charset="0"/>
+                        </a:rPr>
+                        <a:t>)</a:t>
+                      </a:r>
+                      <a:endParaRPr lang="zh-TW" altLang="en-US" dirty="0">
+                        <a:latin typeface="Times New Roman" panose="02020603050405020304" pitchFamily="18" charset="0"/>
+                        <a:ea typeface="標楷體" panose="03000509000000000000" pitchFamily="65" charset="-120"/>
+                        <a:cs typeface="Times New Roman" panose="02020603050405020304" pitchFamily="18" charset="0"/>
+                      </a:endParaRPr>
+                    </a:p>
+                  </a:txBody>
+                  <a:tcPr/>
+                </a:tc>
+                <a:extLst>
+                  <a:ext uri="{0D108BD9-81ED-4DB2-BD59-A6C34878D82A}">
+                    <a16:rowId xmlns:a16="http://schemas.microsoft.com/office/drawing/2014/main" val="2574774029"/>
+                  </a:ext>
+                </a:extLst>
+              </a:tr>
+              <a:tr h="351011">
+                <a:tc>
+                  <a:txBody>
+                    <a:bodyPr/>
+                    <a:lstStyle/>
+                    <a:p>
+                      <a:r>
+                        <a:rPr lang="en-US" altLang="zh-TW" dirty="0">
+                          <a:latin typeface="Times New Roman" panose="02020603050405020304" pitchFamily="18" charset="0"/>
+                          <a:ea typeface="標楷體" panose="03000509000000000000" pitchFamily="65" charset="-120"/>
+                          <a:cs typeface="Times New Roman" panose="02020603050405020304" pitchFamily="18" charset="0"/>
+                        </a:rPr>
+                        <a:t>Output</a:t>
+                      </a:r>
+                      <a:r>
+                        <a:rPr lang="zh-TW" altLang="en-US" dirty="0">
+                          <a:latin typeface="Times New Roman" panose="02020603050405020304" pitchFamily="18" charset="0"/>
+                          <a:ea typeface="標楷體" panose="03000509000000000000" pitchFamily="65" charset="-120"/>
+                          <a:cs typeface="Times New Roman" panose="02020603050405020304" pitchFamily="18" charset="0"/>
+                        </a:rPr>
+                        <a:t>：</a:t>
+                      </a:r>
+                    </a:p>
+                  </a:txBody>
+                  <a:tcPr/>
+                </a:tc>
+                <a:tc>
+                  <a:txBody>
+                    <a:bodyPr/>
+                    <a:lstStyle/>
+                    <a:p>
+                      <a:r>
+                        <a:rPr lang="zh-TW" altLang="en-US" dirty="0">
+                          <a:latin typeface="Times New Roman" panose="02020603050405020304" pitchFamily="18" charset="0"/>
+                          <a:ea typeface="標楷體" panose="03000509000000000000" pitchFamily="65" charset="-120"/>
+                          <a:cs typeface="Times New Roman" panose="02020603050405020304" pitchFamily="18" charset="0"/>
+                        </a:rPr>
+                        <a:t>標註的影像（將相似區域標註為不同的標籤）</a:t>
+                      </a:r>
+                    </a:p>
+                  </a:txBody>
+                  <a:tcPr/>
+                </a:tc>
+                <a:extLst>
+                  <a:ext uri="{0D108BD9-81ED-4DB2-BD59-A6C34878D82A}">
+                    <a16:rowId xmlns:a16="http://schemas.microsoft.com/office/drawing/2014/main" val="1358840004"/>
+                  </a:ext>
+                </a:extLst>
+              </a:tr>
+              <a:tr h="351011">
+                <a:tc>
+                  <a:txBody>
+                    <a:bodyPr/>
+                    <a:lstStyle/>
+                    <a:p>
+                      <a:r>
+                        <a:rPr lang="en-US" altLang="zh-TW" dirty="0">
+                          <a:latin typeface="Times New Roman" panose="02020603050405020304" pitchFamily="18" charset="0"/>
+                          <a:ea typeface="標楷體" panose="03000509000000000000" pitchFamily="65" charset="-120"/>
+                          <a:cs typeface="Times New Roman" panose="02020603050405020304" pitchFamily="18" charset="0"/>
+                        </a:rPr>
+                        <a:t>Parameters</a:t>
+                      </a:r>
+                      <a:r>
+                        <a:rPr lang="zh-TW" altLang="en-US" dirty="0">
+                          <a:latin typeface="Times New Roman" panose="02020603050405020304" pitchFamily="18" charset="0"/>
+                          <a:ea typeface="標楷體" panose="03000509000000000000" pitchFamily="65" charset="-120"/>
+                          <a:cs typeface="Times New Roman" panose="02020603050405020304" pitchFamily="18" charset="0"/>
+                        </a:rPr>
+                        <a:t>：</a:t>
+                      </a:r>
+                    </a:p>
+                  </a:txBody>
+                  <a:tcPr/>
+                </a:tc>
+                <a:tc>
+                  <a:txBody>
+                    <a:bodyPr/>
+                    <a:lstStyle/>
+                    <a:p>
+                      <a:r>
+                        <a:rPr lang="en-US" altLang="zh-TW" dirty="0">
+                          <a:latin typeface="Times New Roman" panose="02020603050405020304" pitchFamily="18" charset="0"/>
+                          <a:ea typeface="標楷體" panose="03000509000000000000" pitchFamily="65" charset="-120"/>
+                          <a:cs typeface="Times New Roman" panose="02020603050405020304" pitchFamily="18" charset="0"/>
+                        </a:rPr>
+                        <a:t>image: </a:t>
+                      </a:r>
+                      <a:r>
+                        <a:rPr lang="zh-TW" altLang="en-US" dirty="0">
+                          <a:latin typeface="Times New Roman" panose="02020603050405020304" pitchFamily="18" charset="0"/>
+                          <a:ea typeface="標楷體" panose="03000509000000000000" pitchFamily="65" charset="-120"/>
+                          <a:cs typeface="Times New Roman" panose="02020603050405020304" pitchFamily="18" charset="0"/>
+                        </a:rPr>
+                        <a:t>輸入的二值圖像</a:t>
+                      </a:r>
+                    </a:p>
+                  </a:txBody>
+                  <a:tcPr/>
+                </a:tc>
+                <a:extLst>
+                  <a:ext uri="{0D108BD9-81ED-4DB2-BD59-A6C34878D82A}">
+                    <a16:rowId xmlns:a16="http://schemas.microsoft.com/office/drawing/2014/main" val="74156603"/>
+                  </a:ext>
+                </a:extLst>
+              </a:tr>
+              <a:tr h="351011">
+                <a:tc>
+                  <a:txBody>
+                    <a:bodyPr/>
+                    <a:lstStyle/>
+                    <a:p>
+                      <a:r>
+                        <a:rPr lang="en-US" altLang="zh-TW" dirty="0">
+                          <a:latin typeface="Times New Roman" panose="02020603050405020304" pitchFamily="18" charset="0"/>
+                          <a:ea typeface="標楷體" panose="03000509000000000000" pitchFamily="65" charset="-120"/>
+                          <a:cs typeface="Times New Roman" panose="02020603050405020304" pitchFamily="18" charset="0"/>
+                        </a:rPr>
+                        <a:t>Method</a:t>
+                      </a:r>
+                      <a:r>
+                        <a:rPr lang="zh-TW" altLang="en-US" dirty="0">
+                          <a:latin typeface="Times New Roman" panose="02020603050405020304" pitchFamily="18" charset="0"/>
+                          <a:ea typeface="標楷體" panose="03000509000000000000" pitchFamily="65" charset="-120"/>
+                          <a:cs typeface="Times New Roman" panose="02020603050405020304" pitchFamily="18" charset="0"/>
+                        </a:rPr>
+                        <a:t>：</a:t>
+                      </a:r>
+                    </a:p>
+                  </a:txBody>
+                  <a:tcPr/>
+                </a:tc>
+                <a:tc>
+                  <a:txBody>
+                    <a:bodyPr/>
+                    <a:lstStyle/>
+                    <a:p>
+                      <a:r>
+                        <a:rPr lang="zh-TW" altLang="en-US" dirty="0">
+                          <a:latin typeface="Times New Roman" panose="02020603050405020304" pitchFamily="18" charset="0"/>
+                          <a:ea typeface="標楷體" panose="03000509000000000000" pitchFamily="65" charset="-120"/>
+                          <a:cs typeface="Times New Roman" panose="02020603050405020304" pitchFamily="18" charset="0"/>
+                        </a:rPr>
+                        <a:t>使用連通元件分析進行標註</a:t>
+                      </a:r>
+                    </a:p>
+                  </a:txBody>
+                  <a:tcPr/>
+                </a:tc>
+                <a:extLst>
+                  <a:ext uri="{0D108BD9-81ED-4DB2-BD59-A6C34878D82A}">
+                    <a16:rowId xmlns:a16="http://schemas.microsoft.com/office/drawing/2014/main" val="329397043"/>
+                  </a:ext>
+                </a:extLst>
+              </a:tr>
+              <a:tr h="351011">
+                <a:tc>
+                  <a:txBody>
+                    <a:bodyPr/>
+                    <a:lstStyle/>
+                    <a:p>
+                      <a:r>
+                        <a:rPr lang="en-US" altLang="zh-TW" dirty="0">
+                          <a:latin typeface="Times New Roman" panose="02020603050405020304" pitchFamily="18" charset="0"/>
+                          <a:ea typeface="標楷體" panose="03000509000000000000" pitchFamily="65" charset="-120"/>
+                          <a:cs typeface="Times New Roman" panose="02020603050405020304" pitchFamily="18" charset="0"/>
+                        </a:rPr>
+                        <a:t>Description</a:t>
+                      </a:r>
+                      <a:r>
+                        <a:rPr lang="zh-TW" altLang="en-US" dirty="0">
+                          <a:latin typeface="Times New Roman" panose="02020603050405020304" pitchFamily="18" charset="0"/>
+                          <a:ea typeface="標楷體" panose="03000509000000000000" pitchFamily="65" charset="-120"/>
+                          <a:cs typeface="Times New Roman" panose="02020603050405020304" pitchFamily="18" charset="0"/>
+                        </a:rPr>
+                        <a:t>：</a:t>
+                      </a:r>
+                    </a:p>
+                  </a:txBody>
+                  <a:tcPr/>
+                </a:tc>
+                <a:tc>
+                  <a:txBody>
+                    <a:bodyPr/>
+                    <a:lstStyle/>
+                    <a:p>
+                      <a:r>
+                        <a:rPr lang="zh-TW" altLang="en-US" dirty="0">
+                          <a:latin typeface="Times New Roman" panose="02020603050405020304" pitchFamily="18" charset="0"/>
+                          <a:ea typeface="標楷體" panose="03000509000000000000" pitchFamily="65" charset="-120"/>
+                          <a:cs typeface="Times New Roman" panose="02020603050405020304" pitchFamily="18" charset="0"/>
+                        </a:rPr>
+                        <a:t>對圖像中的連通區域進行標註，將每個區域標上唯一的標籤。</a:t>
+                      </a:r>
+                    </a:p>
+                  </a:txBody>
+                  <a:tcPr/>
+                </a:tc>
+                <a:extLst>
+                  <a:ext uri="{0D108BD9-81ED-4DB2-BD59-A6C34878D82A}">
+                    <a16:rowId xmlns:a16="http://schemas.microsoft.com/office/drawing/2014/main" val="1743228921"/>
+                  </a:ext>
+                </a:extLst>
+              </a:tr>
+            </a:tbl>
+          </a:graphicData>
+        </a:graphic>
+      </p:graphicFrame>
+    </p:spTree>
+    <p:extLst>
+      <p:ext uri="{BB962C8B-B14F-4D97-AF65-F5344CB8AC3E}">
+        <p14:creationId xmlns:p14="http://schemas.microsoft.com/office/powerpoint/2010/main" val="4230327232"/>
       </p:ext>
     </p:extLst>
   </p:cSld>

--- a/馬路分割_F112112136_林宸毅.pptx
+++ b/馬路分割_F112112136_林宸毅.pptx
@@ -13070,6 +13070,36 @@
           <a:chExt cx="0" cy="0"/>
         </a:xfrm>
       </p:grpSpPr>
+      <p:pic>
+        <p:nvPicPr>
+          <p:cNvPr id="5" name="圖片 4">
+            <a:extLst>
+              <a:ext uri="{FF2B5EF4-FFF2-40B4-BE49-F238E27FC236}">
+                <a16:creationId xmlns:a16="http://schemas.microsoft.com/office/drawing/2014/main" id="{947CEC9C-AFE6-48F2-B0E3-DF134E244287}"/>
+              </a:ext>
+            </a:extLst>
+          </p:cNvPr>
+          <p:cNvPicPr>
+            <a:picLocks noChangeAspect="1"/>
+          </p:cNvPicPr>
+          <p:nvPr/>
+        </p:nvPicPr>
+        <p:blipFill>
+          <a:blip r:embed="rId3"/>
+          <a:stretch>
+            <a:fillRect/>
+          </a:stretch>
+        </p:blipFill>
+        <p:spPr>
+          <a:xfrm>
+            <a:off x="838201" y="1593388"/>
+            <a:ext cx="10515600" cy="4638196"/>
+          </a:xfrm>
+          <a:prstGeom prst="rect">
+            <a:avLst/>
+          </a:prstGeom>
+        </p:spPr>
+      </p:pic>
       <p:sp>
         <p:nvSpPr>
           <p:cNvPr id="107" name="Google Shape;107;p16"/>
@@ -13166,7 +13196,7 @@
                 <a:latin typeface="Times New Roman" panose="02020603050405020304" pitchFamily="18" charset="0"/>
                 <a:ea typeface="標楷體" panose="03000509000000000000" pitchFamily="65" charset="-120"/>
                 <a:cs typeface="Times New Roman" panose="02020603050405020304" pitchFamily="18" charset="0"/>
-                <a:hlinkClick r:id="rId3"/>
+                <a:hlinkClick r:id="rId4"/>
               </a:rPr>
               <a:t>https://github.com/xup6tp6u4/Image-processing</a:t>
             </a:r>
@@ -13225,36 +13255,6 @@
           </a:p>
         </p:txBody>
       </p:sp>
-      <p:pic>
-        <p:nvPicPr>
-          <p:cNvPr id="5" name="圖片 4">
-            <a:extLst>
-              <a:ext uri="{FF2B5EF4-FFF2-40B4-BE49-F238E27FC236}">
-                <a16:creationId xmlns:a16="http://schemas.microsoft.com/office/drawing/2014/main" id="{947CEC9C-AFE6-48F2-B0E3-DF134E244287}"/>
-              </a:ext>
-            </a:extLst>
-          </p:cNvPr>
-          <p:cNvPicPr>
-            <a:picLocks noChangeAspect="1"/>
-          </p:cNvPicPr>
-          <p:nvPr/>
-        </p:nvPicPr>
-        <p:blipFill>
-          <a:blip r:embed="rId4"/>
-          <a:stretch>
-            <a:fillRect/>
-          </a:stretch>
-        </p:blipFill>
-        <p:spPr>
-          <a:xfrm>
-            <a:off x="838201" y="1593388"/>
-            <a:ext cx="10515600" cy="4638196"/>
-          </a:xfrm>
-          <a:prstGeom prst="rect">
-            <a:avLst/>
-          </a:prstGeom>
-        </p:spPr>
-      </p:pic>
     </p:spTree>
   </p:cSld>
   <p:clrMapOvr>
@@ -14354,7 +14354,7 @@
           <p:nvPr>
             <p:extLst>
               <p:ext uri="{D42A27DB-BD31-4B8C-83A1-F6EECF244321}">
-                <p14:modId xmlns:p14="http://schemas.microsoft.com/office/powerpoint/2010/main" val="232892549"/>
+                <p14:modId xmlns:p14="http://schemas.microsoft.com/office/powerpoint/2010/main" val="3630473308"/>
               </p:ext>
             </p:extLst>
           </p:nvPr>
@@ -14688,7 +14688,7 @@
                           <a:ea typeface="標楷體" panose="03000509000000000000" pitchFamily="65" charset="-120"/>
                           <a:cs typeface="Times New Roman" panose="02020603050405020304" pitchFamily="18" charset="0"/>
                         </a:rPr>
-                        <a:t>: </a:t>
+                        <a:t>:</a:t>
                       </a:r>
                       <a:r>
                         <a:rPr lang="zh-TW" altLang="en-US" dirty="0">
@@ -14696,13 +14696,16 @@
                           <a:ea typeface="標楷體" panose="03000509000000000000" pitchFamily="65" charset="-120"/>
                           <a:cs typeface="Times New Roman" panose="02020603050405020304" pitchFamily="18" charset="0"/>
                         </a:rPr>
-                        <a:t>要轉換的圖像</a:t>
-                      </a:r>
-                      <a:endParaRPr lang="en-US" altLang="zh-TW" dirty="0">
-                        <a:latin typeface="Times New Roman" panose="02020603050405020304" pitchFamily="18" charset="0"/>
-                        <a:ea typeface="標楷體" panose="03000509000000000000" pitchFamily="65" charset="-120"/>
-                        <a:cs typeface="Times New Roman" panose="02020603050405020304" pitchFamily="18" charset="0"/>
-                      </a:endParaRPr>
+                        <a:t>輸入影像（原始彩色影像</a:t>
+                      </a:r>
+                      <a:r>
+                        <a:rPr lang="en-US" altLang="zh-TW" dirty="0">
+                          <a:latin typeface="Times New Roman" panose="02020603050405020304" pitchFamily="18" charset="0"/>
+                          <a:ea typeface="標楷體" panose="03000509000000000000" pitchFamily="65" charset="-120"/>
+                          <a:cs typeface="Times New Roman" panose="02020603050405020304" pitchFamily="18" charset="0"/>
+                        </a:rPr>
+                        <a:t>)</a:t>
+                      </a:r>
                     </a:p>
                   </a:txBody>
                   <a:tcPr/>
@@ -14807,23 +14810,7 @@
                           <a:ea typeface="標楷體" panose="03000509000000000000" pitchFamily="65" charset="-120"/>
                           <a:cs typeface="Times New Roman" panose="02020603050405020304" pitchFamily="18" charset="0"/>
                         </a:rPr>
-                        <a:t>此函數將彩色影像轉換為灰階影像。適用於將多通道影像（例如 </a:t>
-                      </a:r>
-                      <a:r>
-                        <a:rPr lang="en-US" altLang="zh-TW" dirty="0">
-                          <a:latin typeface="Times New Roman" panose="02020603050405020304" pitchFamily="18" charset="0"/>
-                          <a:ea typeface="標楷體" panose="03000509000000000000" pitchFamily="65" charset="-120"/>
-                          <a:cs typeface="Times New Roman" panose="02020603050405020304" pitchFamily="18" charset="0"/>
-                        </a:rPr>
-                        <a:t>RGB</a:t>
-                      </a:r>
-                      <a:r>
-                        <a:rPr lang="zh-TW" altLang="en-US" dirty="0">
-                          <a:latin typeface="Times New Roman" panose="02020603050405020304" pitchFamily="18" charset="0"/>
-                          <a:ea typeface="標楷體" panose="03000509000000000000" pitchFamily="65" charset="-120"/>
-                          <a:cs typeface="Times New Roman" panose="02020603050405020304" pitchFamily="18" charset="0"/>
-                        </a:rPr>
-                        <a:t>）轉換為單通道的灰度圖像。</a:t>
+                        <a:t>此函數將彩色影像轉換為灰階影像。</a:t>
                       </a:r>
                     </a:p>
                   </a:txBody>
@@ -15571,7 +15558,7 @@
           <p:nvPr>
             <p:extLst>
               <p:ext uri="{D42A27DB-BD31-4B8C-83A1-F6EECF244321}">
-                <p14:modId xmlns:p14="http://schemas.microsoft.com/office/powerpoint/2010/main" val="3952453403"/>
+                <p14:modId xmlns:p14="http://schemas.microsoft.com/office/powerpoint/2010/main" val="860795703"/>
               </p:ext>
             </p:extLst>
           </p:nvPr>
@@ -16087,20 +16074,12 @@
                     <a:lstStyle/>
                     <a:p>
                       <a:r>
-                        <a:rPr lang="en-US" altLang="zh-TW" dirty="0">
-                          <a:latin typeface="Times New Roman" panose="02020603050405020304" pitchFamily="18" charset="0"/>
-                          <a:ea typeface="標楷體" panose="03000509000000000000" pitchFamily="65" charset="-120"/>
-                          <a:cs typeface="Times New Roman" panose="02020603050405020304" pitchFamily="18" charset="0"/>
-                        </a:rPr>
-                        <a:t>LBP </a:t>
-                      </a:r>
-                      <a:r>
                         <a:rPr lang="zh-TW" altLang="en-US" dirty="0">
                           <a:latin typeface="Times New Roman" panose="02020603050405020304" pitchFamily="18" charset="0"/>
                           <a:ea typeface="標楷體" panose="03000509000000000000" pitchFamily="65" charset="-120"/>
                           <a:cs typeface="Times New Roman" panose="02020603050405020304" pitchFamily="18" charset="0"/>
                         </a:rPr>
-                        <a:t>是一種有效的紋理描述符，通過比較每個像素與其周圍像素的強度，來計算出二進位編碼。</a:t>
+                        <a:t>通過比較每個像素與其周圍像素的強度，來計算出二進位編碼。</a:t>
                       </a:r>
                     </a:p>
                   </a:txBody>
@@ -16131,14 +16110,14 @@
           <p:nvPr>
             <p:extLst>
               <p:ext uri="{D42A27DB-BD31-4B8C-83A1-F6EECF244321}">
-                <p14:modId xmlns:p14="http://schemas.microsoft.com/office/powerpoint/2010/main" val="2133997555"/>
+                <p14:modId xmlns:p14="http://schemas.microsoft.com/office/powerpoint/2010/main" val="3759387106"/>
               </p:ext>
             </p:extLst>
           </p:nvPr>
         </p:nvGraphicFramePr>
         <p:xfrm>
           <a:off x="838200" y="3960105"/>
-          <a:ext cx="10515600" cy="2273215"/>
+          <a:ext cx="10515600" cy="2106066"/>
         </p:xfrm>
         <a:graphic>
           <a:graphicData uri="http://schemas.openxmlformats.org/drawingml/2006/table">
@@ -16414,7 +16393,7 @@
                           <a:ea typeface="標楷體" panose="03000509000000000000" pitchFamily="65" charset="-120"/>
                           <a:cs typeface="Times New Roman" panose="02020603050405020304" pitchFamily="18" charset="0"/>
                         </a:rPr>
-                        <a:t>bins:</a:t>
+                        <a:t>range: </a:t>
                       </a:r>
                       <a:r>
                         <a:rPr lang="zh-TW" altLang="en-US" dirty="0">
@@ -16422,7 +16401,7 @@
                           <a:ea typeface="標楷體" panose="03000509000000000000" pitchFamily="65" charset="-120"/>
                           <a:cs typeface="Times New Roman" panose="02020603050405020304" pitchFamily="18" charset="0"/>
                         </a:rPr>
-                        <a:t>直方圖的數量，這裡為 </a:t>
+                        <a:t>直方圖的數據範圍</a:t>
                       </a:r>
                       <a:r>
                         <a:rPr lang="en-US" altLang="zh-TW" dirty="0">
@@ -16430,66 +16409,13 @@
                           <a:ea typeface="標楷體" panose="03000509000000000000" pitchFamily="65" charset="-120"/>
                           <a:cs typeface="Times New Roman" panose="02020603050405020304" pitchFamily="18" charset="0"/>
                         </a:rPr>
-                        <a:t>LBP </a:t>
-                      </a:r>
-                      <a:r>
-                        <a:rPr lang="zh-TW" altLang="en-US" dirty="0">
-                          <a:latin typeface="Times New Roman" panose="02020603050405020304" pitchFamily="18" charset="0"/>
-                          <a:ea typeface="標楷體" panose="03000509000000000000" pitchFamily="65" charset="-120"/>
-                          <a:cs typeface="Times New Roman" panose="02020603050405020304" pitchFamily="18" charset="0"/>
-                        </a:rPr>
-                        <a:t>編碼的點數 </a:t>
-                      </a:r>
-                      <a:r>
-                        <a:rPr lang="en-US" altLang="zh-TW" dirty="0">
-                          <a:latin typeface="Times New Roman" panose="02020603050405020304" pitchFamily="18" charset="0"/>
-                          <a:ea typeface="標楷體" panose="03000509000000000000" pitchFamily="65" charset="-120"/>
-                          <a:cs typeface="Times New Roman" panose="02020603050405020304" pitchFamily="18" charset="0"/>
-                        </a:rPr>
-                        <a:t>(</a:t>
-                      </a:r>
-                      <a:r>
-                        <a:rPr lang="zh-TW" altLang="en-US" dirty="0">
-                          <a:latin typeface="Times New Roman" panose="02020603050405020304" pitchFamily="18" charset="0"/>
-                          <a:ea typeface="標楷體" panose="03000509000000000000" pitchFamily="65" charset="-120"/>
-                          <a:cs typeface="Times New Roman" panose="02020603050405020304" pitchFamily="18" charset="0"/>
-                        </a:rPr>
-                        <a:t>例如 </a:t>
-                      </a:r>
-                      <a:r>
-                        <a:rPr lang="en-US" altLang="zh-TW" dirty="0" err="1">
-                          <a:latin typeface="Times New Roman" panose="02020603050405020304" pitchFamily="18" charset="0"/>
-                          <a:ea typeface="標楷體" panose="03000509000000000000" pitchFamily="65" charset="-120"/>
-                          <a:cs typeface="Times New Roman" panose="02020603050405020304" pitchFamily="18" charset="0"/>
-                        </a:rPr>
-                        <a:t>n_points</a:t>
-                      </a:r>
-                      <a:r>
-                        <a:rPr lang="en-US" altLang="zh-TW" dirty="0">
-                          <a:latin typeface="Times New Roman" panose="02020603050405020304" pitchFamily="18" charset="0"/>
-                          <a:ea typeface="標楷體" panose="03000509000000000000" pitchFamily="65" charset="-120"/>
-                          <a:cs typeface="Times New Roman" panose="02020603050405020304" pitchFamily="18" charset="0"/>
-                        </a:rPr>
-                        <a:t> + 3)</a:t>
-                      </a:r>
-                    </a:p>
-                    <a:p>
-                      <a:r>
-                        <a:rPr lang="en-US" altLang="zh-TW" dirty="0">
-                          <a:latin typeface="Times New Roman" panose="02020603050405020304" pitchFamily="18" charset="0"/>
-                          <a:ea typeface="標楷體" panose="03000509000000000000" pitchFamily="65" charset="-120"/>
-                          <a:cs typeface="Times New Roman" panose="02020603050405020304" pitchFamily="18" charset="0"/>
-                        </a:rPr>
-                        <a:t>range: </a:t>
-                      </a:r>
-                      <a:r>
-                        <a:rPr lang="zh-TW" altLang="en-US" dirty="0">
-                          <a:latin typeface="Times New Roman" panose="02020603050405020304" pitchFamily="18" charset="0"/>
-                          <a:ea typeface="標楷體" panose="03000509000000000000" pitchFamily="65" charset="-120"/>
-                          <a:cs typeface="Times New Roman" panose="02020603050405020304" pitchFamily="18" charset="0"/>
-                        </a:rPr>
-                        <a:t>直方圖的數據範圍</a:t>
-                      </a:r>
+                        <a:t>(float[0, 256])</a:t>
+                      </a:r>
+                      <a:endParaRPr lang="zh-TW" altLang="en-US" dirty="0">
+                        <a:latin typeface="Times New Roman" panose="02020603050405020304" pitchFamily="18" charset="0"/>
+                        <a:ea typeface="標楷體" panose="03000509000000000000" pitchFamily="65" charset="-120"/>
+                        <a:cs typeface="Times New Roman" panose="02020603050405020304" pitchFamily="18" charset="0"/>
+                      </a:endParaRPr>
                     </a:p>
                   </a:txBody>
                   <a:tcPr/>
@@ -16602,7 +16528,7 @@
                           <a:ea typeface="標楷體" panose="03000509000000000000" pitchFamily="65" charset="-120"/>
                           <a:cs typeface="Times New Roman" panose="02020603050405020304" pitchFamily="18" charset="0"/>
                         </a:rPr>
-                        <a:t>計算影像中特徵值的分佈。這裡計算的是 </a:t>
+                        <a:t>計算 </a:t>
                       </a:r>
                       <a:r>
                         <a:rPr lang="en-US" altLang="zh-TW" dirty="0">
@@ -16792,7 +16718,7 @@
           <p:nvPr>
             <p:extLst>
               <p:ext uri="{D42A27DB-BD31-4B8C-83A1-F6EECF244321}">
-                <p14:modId xmlns:p14="http://schemas.microsoft.com/office/powerpoint/2010/main" val="2705171970"/>
+                <p14:modId xmlns:p14="http://schemas.microsoft.com/office/powerpoint/2010/main" val="3124223485"/>
               </p:ext>
             </p:extLst>
           </p:nvPr>
@@ -16930,7 +16856,7 @@
                           <a:ea typeface="標楷體" panose="03000509000000000000" pitchFamily="65" charset="-120"/>
                           <a:cs typeface="Times New Roman" panose="02020603050405020304" pitchFamily="18" charset="0"/>
                         </a:rPr>
-                        <a:t>兩個直方圖（全圖的直方圖和區域的直方圖）</a:t>
+                        <a:t>兩個直方圖</a:t>
                       </a:r>
                     </a:p>
                   </a:txBody>
@@ -17157,7 +17083,7 @@
                           <a:ea typeface="標楷體" panose="03000509000000000000" pitchFamily="65" charset="-120"/>
                           <a:cs typeface="Times New Roman" panose="02020603050405020304" pitchFamily="18" charset="0"/>
                         </a:rPr>
-                        <a:t>歐氏距離用來衡量兩個直方圖之間的差異，用於比較區域與全圖的相似性。</a:t>
+                        <a:t>歐氏距離用來衡量兩個直方圖之間的差異。</a:t>
                       </a:r>
                     </a:p>
                   </a:txBody>
@@ -17188,7 +17114,7 @@
           <p:nvPr>
             <p:extLst>
               <p:ext uri="{D42A27DB-BD31-4B8C-83A1-F6EECF244321}">
-                <p14:modId xmlns:p14="http://schemas.microsoft.com/office/powerpoint/2010/main" val="1523714320"/>
+                <p14:modId xmlns:p14="http://schemas.microsoft.com/office/powerpoint/2010/main" val="2825151583"/>
               </p:ext>
             </p:extLst>
           </p:nvPr>
@@ -17272,23 +17198,7 @@
                           <a:ea typeface="標楷體" panose="03000509000000000000" pitchFamily="65" charset="-120"/>
                           <a:cs typeface="Times New Roman" panose="02020603050405020304" pitchFamily="18" charset="0"/>
                         </a:rPr>
-                        <a:t>(</a:t>
-                      </a:r>
-                      <a:r>
-                        <a:rPr lang="en-US" altLang="zh-TW" dirty="0" err="1">
-                          <a:latin typeface="Times New Roman" panose="02020603050405020304" pitchFamily="18" charset="0"/>
-                          <a:ea typeface="標楷體" panose="03000509000000000000" pitchFamily="65" charset="-120"/>
-                          <a:cs typeface="Times New Roman" panose="02020603050405020304" pitchFamily="18" charset="0"/>
-                        </a:rPr>
-                        <a:t>Lobeling</a:t>
-                      </a:r>
-                      <a:r>
-                        <a:rPr lang="en-US" altLang="zh-TW" dirty="0">
-                          <a:latin typeface="Times New Roman" panose="02020603050405020304" pitchFamily="18" charset="0"/>
-                          <a:ea typeface="標楷體" panose="03000509000000000000" pitchFamily="65" charset="-120"/>
-                          <a:cs typeface="Times New Roman" panose="02020603050405020304" pitchFamily="18" charset="0"/>
-                        </a:rPr>
-                        <a:t>)</a:t>
+                        <a:t>(Labeling)</a:t>
                       </a:r>
                       <a:endParaRPr lang="zh-TW" altLang="en-US" dirty="0">
                         <a:latin typeface="Times New Roman" panose="02020603050405020304" pitchFamily="18" charset="0"/>
@@ -17420,7 +17330,7 @@
                           <a:ea typeface="標楷體" panose="03000509000000000000" pitchFamily="65" charset="-120"/>
                           <a:cs typeface="Times New Roman" panose="02020603050405020304" pitchFamily="18" charset="0"/>
                         </a:rPr>
-                        <a:t>標註的影像（將相似區域標註為不同的標籤）</a:t>
+                        <a:t>標註的影像</a:t>
                       </a:r>
                     </a:p>
                   </a:txBody>

--- a/馬路分割_F112112136_林宸毅.pptx
+++ b/馬路分割_F112112136_林宸毅.pptx
@@ -5,21 +5,17 @@
     <p:sldMasterId id="2147483659" r:id="rId1"/>
   </p:sldMasterIdLst>
   <p:notesMasterIdLst>
-    <p:notesMasterId r:id="rId14"/>
+    <p:notesMasterId r:id="rId10"/>
   </p:notesMasterIdLst>
   <p:sldIdLst>
     <p:sldId id="256" r:id="rId2"/>
-    <p:sldId id="259" r:id="rId3"/>
-    <p:sldId id="260" r:id="rId4"/>
-    <p:sldId id="261" r:id="rId5"/>
-    <p:sldId id="264" r:id="rId6"/>
-    <p:sldId id="295" r:id="rId7"/>
-    <p:sldId id="267" r:id="rId8"/>
-    <p:sldId id="296" r:id="rId9"/>
-    <p:sldId id="297" r:id="rId10"/>
-    <p:sldId id="270" r:id="rId11"/>
-    <p:sldId id="271" r:id="rId12"/>
-    <p:sldId id="273" r:id="rId13"/>
+    <p:sldId id="261" r:id="rId3"/>
+    <p:sldId id="264" r:id="rId4"/>
+    <p:sldId id="295" r:id="rId5"/>
+    <p:sldId id="267" r:id="rId6"/>
+    <p:sldId id="296" r:id="rId7"/>
+    <p:sldId id="297" r:id="rId8"/>
+    <p:sldId id="273" r:id="rId9"/>
   </p:sldIdLst>
   <p:sldSz cx="12192000" cy="6858000"/>
   <p:notesSz cx="6858000" cy="9144000"/>
@@ -260,16 +256,6 @@
             <p14:sldId id="256"/>
           </p14:sldIdLst>
         </p14:section>
-        <p14:section name="控管紀錄(Git)" id="{CF3D9822-A4B9-4666-8B6B-EAF5F9AE6E9A}">
-          <p14:sldIdLst>
-            <p14:sldId id="259"/>
-          </p14:sldIdLst>
-        </p14:section>
-        <p14:section name="進度統整" id="{C0C2370B-3C61-454D-9628-052A9CE3839A}">
-          <p14:sldIdLst>
-            <p14:sldId id="260"/>
-          </p14:sldIdLst>
-        </p14:section>
         <p14:section name="需求列表" id="{EB6A1F45-521F-4E84-984D-350F4C8A100C}">
           <p14:sldIdLst>
             <p14:sldId id="261"/>
@@ -286,12 +272,6 @@
             <p14:sldId id="267"/>
             <p14:sldId id="296"/>
             <p14:sldId id="297"/>
-          </p14:sldIdLst>
-        </p14:section>
-        <p14:section name="問題紀錄" id="{55AD6E08-AD39-43BF-8547-58AD7C8F64EB}">
-          <p14:sldIdLst>
-            <p14:sldId id="270"/>
-            <p14:sldId id="271"/>
           </p14:sldIdLst>
         </p14:section>
         <p14:section name="參考資料" id="{27119C38-4F22-4EDC-8E47-011C563D26CA}">
@@ -853,527 +833,7 @@
 </p:notes>
 </file>
 
-<file path=ppt/notesSlides/notesSlide10.xml><?xml version="1.0" encoding="utf-8"?>
-<p:notes xmlns:a="http://schemas.openxmlformats.org/drawingml/2006/main" xmlns:r="http://schemas.openxmlformats.org/officeDocument/2006/relationships" xmlns:p="http://schemas.openxmlformats.org/presentationml/2006/main" showMasterSp="0" showMasterPhAnim="0">
-  <p:cSld>
-    <p:spTree>
-      <p:nvGrpSpPr>
-        <p:cNvPr id="1" name="Shape 168"/>
-        <p:cNvGrpSpPr/>
-        <p:nvPr/>
-      </p:nvGrpSpPr>
-      <p:grpSpPr>
-        <a:xfrm>
-          <a:off x="0" y="0"/>
-          <a:ext cx="0" cy="0"/>
-          <a:chOff x="0" y="0"/>
-          <a:chExt cx="0" cy="0"/>
-        </a:xfrm>
-      </p:grpSpPr>
-      <p:sp>
-        <p:nvSpPr>
-          <p:cNvPr id="169" name="Google Shape;169;p15:notes"/>
-          <p:cNvSpPr txBox="1">
-            <a:spLocks noGrp="1"/>
-          </p:cNvSpPr>
-          <p:nvPr>
-            <p:ph type="body" idx="1"/>
-          </p:nvPr>
-        </p:nvSpPr>
-        <p:spPr>
-          <a:xfrm>
-            <a:off x="685800" y="4343400"/>
-            <a:ext cx="5486400" cy="4114800"/>
-          </a:xfrm>
-          <a:prstGeom prst="rect">
-            <a:avLst/>
-          </a:prstGeom>
-        </p:spPr>
-        <p:txBody>
-          <a:bodyPr spcFirstLastPara="1" wrap="square" lIns="91425" tIns="91425" rIns="91425" bIns="91425" anchor="t" anchorCtr="0">
-            <a:noAutofit/>
-          </a:bodyPr>
-          <a:lstStyle/>
-          <a:p>
-            <a:pPr marL="0" lvl="0" indent="0" algn="l" rtl="0">
-              <a:spcBef>
-                <a:spcPts val="0"/>
-              </a:spcBef>
-              <a:spcAft>
-                <a:spcPts val="0"/>
-              </a:spcAft>
-              <a:buNone/>
-            </a:pPr>
-            <a:endParaRPr/>
-          </a:p>
-        </p:txBody>
-      </p:sp>
-      <p:sp>
-        <p:nvSpPr>
-          <p:cNvPr id="170" name="Google Shape;170;p15:notes"/>
-          <p:cNvSpPr>
-            <a:spLocks noGrp="1" noRot="1" noChangeAspect="1"/>
-          </p:cNvSpPr>
-          <p:nvPr>
-            <p:ph type="sldImg" idx="2"/>
-          </p:nvPr>
-        </p:nvSpPr>
-        <p:spPr>
-          <a:xfrm>
-            <a:off x="381000" y="685800"/>
-            <a:ext cx="6096000" cy="3429000"/>
-          </a:xfrm>
-          <a:custGeom>
-            <a:avLst/>
-            <a:gdLst/>
-            <a:ahLst/>
-            <a:cxnLst/>
-            <a:rect l="l" t="t" r="r" b="b"/>
-            <a:pathLst>
-              <a:path w="120000" h="120000" extrusionOk="0">
-                <a:moveTo>
-                  <a:pt x="0" y="0"/>
-                </a:moveTo>
-                <a:lnTo>
-                  <a:pt x="120000" y="0"/>
-                </a:lnTo>
-                <a:lnTo>
-                  <a:pt x="120000" y="120000"/>
-                </a:lnTo>
-                <a:lnTo>
-                  <a:pt x="0" y="120000"/>
-                </a:lnTo>
-                <a:close/>
-              </a:path>
-            </a:pathLst>
-          </a:custGeom>
-        </p:spPr>
-      </p:sp>
-    </p:spTree>
-  </p:cSld>
-  <p:clrMapOvr>
-    <a:masterClrMapping/>
-  </p:clrMapOvr>
-</p:notes>
-</file>
-
-<file path=ppt/notesSlides/notesSlide11.xml><?xml version="1.0" encoding="utf-8"?>
-<p:notes xmlns:a="http://schemas.openxmlformats.org/drawingml/2006/main" xmlns:r="http://schemas.openxmlformats.org/officeDocument/2006/relationships" xmlns:p="http://schemas.openxmlformats.org/presentationml/2006/main" showMasterSp="0" showMasterPhAnim="0">
-  <p:cSld>
-    <p:spTree>
-      <p:nvGrpSpPr>
-        <p:cNvPr id="1" name="Shape 175"/>
-        <p:cNvGrpSpPr/>
-        <p:nvPr/>
-      </p:nvGrpSpPr>
-      <p:grpSpPr>
-        <a:xfrm>
-          <a:off x="0" y="0"/>
-          <a:ext cx="0" cy="0"/>
-          <a:chOff x="0" y="0"/>
-          <a:chExt cx="0" cy="0"/>
-        </a:xfrm>
-      </p:grpSpPr>
-      <p:sp>
-        <p:nvSpPr>
-          <p:cNvPr id="176" name="Google Shape;176;p16:notes"/>
-          <p:cNvSpPr txBox="1">
-            <a:spLocks noGrp="1"/>
-          </p:cNvSpPr>
-          <p:nvPr>
-            <p:ph type="body" idx="1"/>
-          </p:nvPr>
-        </p:nvSpPr>
-        <p:spPr>
-          <a:xfrm>
-            <a:off x="685800" y="4343400"/>
-            <a:ext cx="5486400" cy="4114800"/>
-          </a:xfrm>
-          <a:prstGeom prst="rect">
-            <a:avLst/>
-          </a:prstGeom>
-        </p:spPr>
-        <p:txBody>
-          <a:bodyPr spcFirstLastPara="1" wrap="square" lIns="91425" tIns="91425" rIns="91425" bIns="91425" anchor="t" anchorCtr="0">
-            <a:noAutofit/>
-          </a:bodyPr>
-          <a:lstStyle/>
-          <a:p>
-            <a:pPr marL="0" lvl="0" indent="0" algn="l" rtl="0">
-              <a:spcBef>
-                <a:spcPts val="0"/>
-              </a:spcBef>
-              <a:spcAft>
-                <a:spcPts val="0"/>
-              </a:spcAft>
-              <a:buNone/>
-            </a:pPr>
-            <a:endParaRPr/>
-          </a:p>
-        </p:txBody>
-      </p:sp>
-      <p:sp>
-        <p:nvSpPr>
-          <p:cNvPr id="177" name="Google Shape;177;p16:notes"/>
-          <p:cNvSpPr>
-            <a:spLocks noGrp="1" noRot="1" noChangeAspect="1"/>
-          </p:cNvSpPr>
-          <p:nvPr>
-            <p:ph type="sldImg" idx="2"/>
-          </p:nvPr>
-        </p:nvSpPr>
-        <p:spPr>
-          <a:xfrm>
-            <a:off x="381000" y="685800"/>
-            <a:ext cx="6096000" cy="3429000"/>
-          </a:xfrm>
-          <a:custGeom>
-            <a:avLst/>
-            <a:gdLst/>
-            <a:ahLst/>
-            <a:cxnLst/>
-            <a:rect l="l" t="t" r="r" b="b"/>
-            <a:pathLst>
-              <a:path w="120000" h="120000" extrusionOk="0">
-                <a:moveTo>
-                  <a:pt x="0" y="0"/>
-                </a:moveTo>
-                <a:lnTo>
-                  <a:pt x="120000" y="0"/>
-                </a:lnTo>
-                <a:lnTo>
-                  <a:pt x="120000" y="120000"/>
-                </a:lnTo>
-                <a:lnTo>
-                  <a:pt x="0" y="120000"/>
-                </a:lnTo>
-                <a:close/>
-              </a:path>
-            </a:pathLst>
-          </a:custGeom>
-        </p:spPr>
-      </p:sp>
-    </p:spTree>
-  </p:cSld>
-  <p:clrMapOvr>
-    <a:masterClrMapping/>
-  </p:clrMapOvr>
-</p:notes>
-</file>
-
-<file path=ppt/notesSlides/notesSlide12.xml><?xml version="1.0" encoding="utf-8"?>
-<p:notes xmlns:a="http://schemas.openxmlformats.org/drawingml/2006/main" xmlns:r="http://schemas.openxmlformats.org/officeDocument/2006/relationships" xmlns:p="http://schemas.openxmlformats.org/presentationml/2006/main" showMasterSp="0" showMasterPhAnim="0">
-  <p:cSld>
-    <p:spTree>
-      <p:nvGrpSpPr>
-        <p:cNvPr id="1" name="Shape 186"/>
-        <p:cNvGrpSpPr/>
-        <p:nvPr/>
-      </p:nvGrpSpPr>
-      <p:grpSpPr>
-        <a:xfrm>
-          <a:off x="0" y="0"/>
-          <a:ext cx="0" cy="0"/>
-          <a:chOff x="0" y="0"/>
-          <a:chExt cx="0" cy="0"/>
-        </a:xfrm>
-      </p:grpSpPr>
-      <p:sp>
-        <p:nvSpPr>
-          <p:cNvPr id="187" name="Google Shape;187;p18:notes"/>
-          <p:cNvSpPr txBox="1">
-            <a:spLocks noGrp="1"/>
-          </p:cNvSpPr>
-          <p:nvPr>
-            <p:ph type="body" idx="1"/>
-          </p:nvPr>
-        </p:nvSpPr>
-        <p:spPr>
-          <a:xfrm>
-            <a:off x="685800" y="4343400"/>
-            <a:ext cx="5486400" cy="4114800"/>
-          </a:xfrm>
-          <a:prstGeom prst="rect">
-            <a:avLst/>
-          </a:prstGeom>
-        </p:spPr>
-        <p:txBody>
-          <a:bodyPr spcFirstLastPara="1" wrap="square" lIns="91425" tIns="91425" rIns="91425" bIns="91425" anchor="t" anchorCtr="0">
-            <a:noAutofit/>
-          </a:bodyPr>
-          <a:lstStyle/>
-          <a:p>
-            <a:pPr marL="0" lvl="0" indent="0" algn="l" rtl="0">
-              <a:spcBef>
-                <a:spcPts val="0"/>
-              </a:spcBef>
-              <a:spcAft>
-                <a:spcPts val="0"/>
-              </a:spcAft>
-              <a:buNone/>
-            </a:pPr>
-            <a:endParaRPr/>
-          </a:p>
-        </p:txBody>
-      </p:sp>
-      <p:sp>
-        <p:nvSpPr>
-          <p:cNvPr id="188" name="Google Shape;188;p18:notes"/>
-          <p:cNvSpPr>
-            <a:spLocks noGrp="1" noRot="1" noChangeAspect="1"/>
-          </p:cNvSpPr>
-          <p:nvPr>
-            <p:ph type="sldImg" idx="2"/>
-          </p:nvPr>
-        </p:nvSpPr>
-        <p:spPr>
-          <a:xfrm>
-            <a:off x="381000" y="685800"/>
-            <a:ext cx="6096000" cy="3429000"/>
-          </a:xfrm>
-          <a:custGeom>
-            <a:avLst/>
-            <a:gdLst/>
-            <a:ahLst/>
-            <a:cxnLst/>
-            <a:rect l="l" t="t" r="r" b="b"/>
-            <a:pathLst>
-              <a:path w="120000" h="120000" extrusionOk="0">
-                <a:moveTo>
-                  <a:pt x="0" y="0"/>
-                </a:moveTo>
-                <a:lnTo>
-                  <a:pt x="120000" y="0"/>
-                </a:lnTo>
-                <a:lnTo>
-                  <a:pt x="120000" y="120000"/>
-                </a:lnTo>
-                <a:lnTo>
-                  <a:pt x="0" y="120000"/>
-                </a:lnTo>
-                <a:close/>
-              </a:path>
-            </a:pathLst>
-          </a:custGeom>
-        </p:spPr>
-      </p:sp>
-    </p:spTree>
-  </p:cSld>
-  <p:clrMapOvr>
-    <a:masterClrMapping/>
-  </p:clrMapOvr>
-</p:notes>
-</file>
-
 <file path=ppt/notesSlides/notesSlide2.xml><?xml version="1.0" encoding="utf-8"?>
-<p:notes xmlns:a="http://schemas.openxmlformats.org/drawingml/2006/main" xmlns:r="http://schemas.openxmlformats.org/officeDocument/2006/relationships" xmlns:p="http://schemas.openxmlformats.org/presentationml/2006/main" showMasterSp="0" showMasterPhAnim="0">
-  <p:cSld>
-    <p:spTree>
-      <p:nvGrpSpPr>
-        <p:cNvPr id="1" name="Shape 103"/>
-        <p:cNvGrpSpPr/>
-        <p:nvPr/>
-      </p:nvGrpSpPr>
-      <p:grpSpPr>
-        <a:xfrm>
-          <a:off x="0" y="0"/>
-          <a:ext cx="0" cy="0"/>
-          <a:chOff x="0" y="0"/>
-          <a:chExt cx="0" cy="0"/>
-        </a:xfrm>
-      </p:grpSpPr>
-      <p:sp>
-        <p:nvSpPr>
-          <p:cNvPr id="104" name="Google Shape;104;p4:notes"/>
-          <p:cNvSpPr txBox="1">
-            <a:spLocks noGrp="1"/>
-          </p:cNvSpPr>
-          <p:nvPr>
-            <p:ph type="body" idx="1"/>
-          </p:nvPr>
-        </p:nvSpPr>
-        <p:spPr>
-          <a:xfrm>
-            <a:off x="685800" y="4343400"/>
-            <a:ext cx="5486400" cy="4114800"/>
-          </a:xfrm>
-          <a:prstGeom prst="rect">
-            <a:avLst/>
-          </a:prstGeom>
-        </p:spPr>
-        <p:txBody>
-          <a:bodyPr spcFirstLastPara="1" wrap="square" lIns="91425" tIns="91425" rIns="91425" bIns="91425" anchor="t" anchorCtr="0">
-            <a:noAutofit/>
-          </a:bodyPr>
-          <a:lstStyle/>
-          <a:p>
-            <a:pPr marL="0" lvl="0" indent="0" algn="l" rtl="0">
-              <a:spcBef>
-                <a:spcPts val="0"/>
-              </a:spcBef>
-              <a:spcAft>
-                <a:spcPts val="0"/>
-              </a:spcAft>
-              <a:buNone/>
-            </a:pPr>
-            <a:endParaRPr/>
-          </a:p>
-        </p:txBody>
-      </p:sp>
-      <p:sp>
-        <p:nvSpPr>
-          <p:cNvPr id="105" name="Google Shape;105;p4:notes"/>
-          <p:cNvSpPr>
-            <a:spLocks noGrp="1" noRot="1" noChangeAspect="1"/>
-          </p:cNvSpPr>
-          <p:nvPr>
-            <p:ph type="sldImg" idx="2"/>
-          </p:nvPr>
-        </p:nvSpPr>
-        <p:spPr>
-          <a:xfrm>
-            <a:off x="381000" y="685800"/>
-            <a:ext cx="6096000" cy="3429000"/>
-          </a:xfrm>
-          <a:custGeom>
-            <a:avLst/>
-            <a:gdLst/>
-            <a:ahLst/>
-            <a:cxnLst/>
-            <a:rect l="l" t="t" r="r" b="b"/>
-            <a:pathLst>
-              <a:path w="120000" h="120000" extrusionOk="0">
-                <a:moveTo>
-                  <a:pt x="0" y="0"/>
-                </a:moveTo>
-                <a:lnTo>
-                  <a:pt x="120000" y="0"/>
-                </a:lnTo>
-                <a:lnTo>
-                  <a:pt x="120000" y="120000"/>
-                </a:lnTo>
-                <a:lnTo>
-                  <a:pt x="0" y="120000"/>
-                </a:lnTo>
-                <a:close/>
-              </a:path>
-            </a:pathLst>
-          </a:custGeom>
-        </p:spPr>
-      </p:sp>
-    </p:spTree>
-  </p:cSld>
-  <p:clrMapOvr>
-    <a:masterClrMapping/>
-  </p:clrMapOvr>
-</p:notes>
-</file>
-
-<file path=ppt/notesSlides/notesSlide3.xml><?xml version="1.0" encoding="utf-8"?>
-<p:notes xmlns:a="http://schemas.openxmlformats.org/drawingml/2006/main" xmlns:r="http://schemas.openxmlformats.org/officeDocument/2006/relationships" xmlns:p="http://schemas.openxmlformats.org/presentationml/2006/main" showMasterSp="0" showMasterPhAnim="0">
-  <p:cSld>
-    <p:spTree>
-      <p:nvGrpSpPr>
-        <p:cNvPr id="1" name="Shape 110"/>
-        <p:cNvGrpSpPr/>
-        <p:nvPr/>
-      </p:nvGrpSpPr>
-      <p:grpSpPr>
-        <a:xfrm>
-          <a:off x="0" y="0"/>
-          <a:ext cx="0" cy="0"/>
-          <a:chOff x="0" y="0"/>
-          <a:chExt cx="0" cy="0"/>
-        </a:xfrm>
-      </p:grpSpPr>
-      <p:sp>
-        <p:nvSpPr>
-          <p:cNvPr id="111" name="Google Shape;111;p5:notes"/>
-          <p:cNvSpPr txBox="1">
-            <a:spLocks noGrp="1"/>
-          </p:cNvSpPr>
-          <p:nvPr>
-            <p:ph type="body" idx="1"/>
-          </p:nvPr>
-        </p:nvSpPr>
-        <p:spPr>
-          <a:xfrm>
-            <a:off x="685800" y="4343400"/>
-            <a:ext cx="5486400" cy="4114800"/>
-          </a:xfrm>
-          <a:prstGeom prst="rect">
-            <a:avLst/>
-          </a:prstGeom>
-        </p:spPr>
-        <p:txBody>
-          <a:bodyPr spcFirstLastPara="1" wrap="square" lIns="91425" tIns="91425" rIns="91425" bIns="91425" anchor="t" anchorCtr="0">
-            <a:noAutofit/>
-          </a:bodyPr>
-          <a:lstStyle/>
-          <a:p>
-            <a:pPr marL="0" lvl="0" indent="0" algn="l" rtl="0">
-              <a:spcBef>
-                <a:spcPts val="0"/>
-              </a:spcBef>
-              <a:spcAft>
-                <a:spcPts val="0"/>
-              </a:spcAft>
-              <a:buNone/>
-            </a:pPr>
-            <a:endParaRPr/>
-          </a:p>
-        </p:txBody>
-      </p:sp>
-      <p:sp>
-        <p:nvSpPr>
-          <p:cNvPr id="112" name="Google Shape;112;p5:notes"/>
-          <p:cNvSpPr>
-            <a:spLocks noGrp="1" noRot="1" noChangeAspect="1"/>
-          </p:cNvSpPr>
-          <p:nvPr>
-            <p:ph type="sldImg" idx="2"/>
-          </p:nvPr>
-        </p:nvSpPr>
-        <p:spPr>
-          <a:xfrm>
-            <a:off x="381000" y="685800"/>
-            <a:ext cx="6096000" cy="3429000"/>
-          </a:xfrm>
-          <a:custGeom>
-            <a:avLst/>
-            <a:gdLst/>
-            <a:ahLst/>
-            <a:cxnLst/>
-            <a:rect l="l" t="t" r="r" b="b"/>
-            <a:pathLst>
-              <a:path w="120000" h="120000" extrusionOk="0">
-                <a:moveTo>
-                  <a:pt x="0" y="0"/>
-                </a:moveTo>
-                <a:lnTo>
-                  <a:pt x="120000" y="0"/>
-                </a:lnTo>
-                <a:lnTo>
-                  <a:pt x="120000" y="120000"/>
-                </a:lnTo>
-                <a:lnTo>
-                  <a:pt x="0" y="120000"/>
-                </a:lnTo>
-                <a:close/>
-              </a:path>
-            </a:pathLst>
-          </a:custGeom>
-        </p:spPr>
-      </p:sp>
-    </p:spTree>
-  </p:cSld>
-  <p:clrMapOvr>
-    <a:masterClrMapping/>
-  </p:clrMapOvr>
-</p:notes>
-</file>
-
-<file path=ppt/notesSlides/notesSlide4.xml><?xml version="1.0" encoding="utf-8"?>
 <p:notes xmlns:a="http://schemas.openxmlformats.org/drawingml/2006/main" xmlns:r="http://schemas.openxmlformats.org/officeDocument/2006/relationships" xmlns:p="http://schemas.openxmlformats.org/presentationml/2006/main" showMasterSp="0" showMasterPhAnim="0">
   <p:cSld>
     <p:spTree>
@@ -1477,7 +937,7 @@
 </p:notes>
 </file>
 
-<file path=ppt/notesSlides/notesSlide5.xml><?xml version="1.0" encoding="utf-8"?>
+<file path=ppt/notesSlides/notesSlide3.xml><?xml version="1.0" encoding="utf-8"?>
 <p:notes xmlns:a="http://schemas.openxmlformats.org/drawingml/2006/main" xmlns:r="http://schemas.openxmlformats.org/officeDocument/2006/relationships" xmlns:p="http://schemas.openxmlformats.org/presentationml/2006/main" showMasterSp="0" showMasterPhAnim="0">
   <p:cSld>
     <p:spTree>
@@ -1581,7 +1041,7 @@
 </p:notes>
 </file>
 
-<file path=ppt/notesSlides/notesSlide6.xml><?xml version="1.0" encoding="utf-8"?>
+<file path=ppt/notesSlides/notesSlide4.xml><?xml version="1.0" encoding="utf-8"?>
 <p:notes xmlns:a="http://schemas.openxmlformats.org/drawingml/2006/main" xmlns:r="http://schemas.openxmlformats.org/officeDocument/2006/relationships" xmlns:p="http://schemas.openxmlformats.org/presentationml/2006/main" showMasterSp="0" showMasterPhAnim="0">
   <p:cSld>
     <p:spTree>
@@ -1690,7 +1150,7 @@
 </p:notes>
 </file>
 
-<file path=ppt/notesSlides/notesSlide7.xml><?xml version="1.0" encoding="utf-8"?>
+<file path=ppt/notesSlides/notesSlide5.xml><?xml version="1.0" encoding="utf-8"?>
 <p:notes xmlns:a="http://schemas.openxmlformats.org/drawingml/2006/main" xmlns:r="http://schemas.openxmlformats.org/officeDocument/2006/relationships" xmlns:p="http://schemas.openxmlformats.org/presentationml/2006/main" showMasterSp="0" showMasterPhAnim="0">
   <p:cSld>
     <p:spTree>
@@ -1794,7 +1254,7 @@
 </p:notes>
 </file>
 
-<file path=ppt/notesSlides/notesSlide8.xml><?xml version="1.0" encoding="utf-8"?>
+<file path=ppt/notesSlides/notesSlide6.xml><?xml version="1.0" encoding="utf-8"?>
 <p:notes xmlns:a="http://schemas.openxmlformats.org/drawingml/2006/main" xmlns:r="http://schemas.openxmlformats.org/officeDocument/2006/relationships" xmlns:p="http://schemas.openxmlformats.org/presentationml/2006/main" showMasterSp="0" showMasterPhAnim="0">
   <p:cSld>
     <p:spTree>
@@ -1903,7 +1363,7 @@
 </p:notes>
 </file>
 
-<file path=ppt/notesSlides/notesSlide9.xml><?xml version="1.0" encoding="utf-8"?>
+<file path=ppt/notesSlides/notesSlide7.xml><?xml version="1.0" encoding="utf-8"?>
 <p:notes xmlns:a="http://schemas.openxmlformats.org/drawingml/2006/main" xmlns:r="http://schemas.openxmlformats.org/officeDocument/2006/relationships" xmlns:p="http://schemas.openxmlformats.org/presentationml/2006/main" showMasterSp="0" showMasterPhAnim="0">
   <p:cSld>
     <p:spTree>
@@ -2005,6 +1465,110 @@
         <p14:creationId xmlns:p14="http://schemas.microsoft.com/office/powerpoint/2010/main" val="2520427638"/>
       </p:ext>
     </p:extLst>
+  </p:cSld>
+  <p:clrMapOvr>
+    <a:masterClrMapping/>
+  </p:clrMapOvr>
+</p:notes>
+</file>
+
+<file path=ppt/notesSlides/notesSlide8.xml><?xml version="1.0" encoding="utf-8"?>
+<p:notes xmlns:a="http://schemas.openxmlformats.org/drawingml/2006/main" xmlns:r="http://schemas.openxmlformats.org/officeDocument/2006/relationships" xmlns:p="http://schemas.openxmlformats.org/presentationml/2006/main" showMasterSp="0" showMasterPhAnim="0">
+  <p:cSld>
+    <p:spTree>
+      <p:nvGrpSpPr>
+        <p:cNvPr id="1" name="Shape 186"/>
+        <p:cNvGrpSpPr/>
+        <p:nvPr/>
+      </p:nvGrpSpPr>
+      <p:grpSpPr>
+        <a:xfrm>
+          <a:off x="0" y="0"/>
+          <a:ext cx="0" cy="0"/>
+          <a:chOff x="0" y="0"/>
+          <a:chExt cx="0" cy="0"/>
+        </a:xfrm>
+      </p:grpSpPr>
+      <p:sp>
+        <p:nvSpPr>
+          <p:cNvPr id="187" name="Google Shape;187;p18:notes"/>
+          <p:cNvSpPr txBox="1">
+            <a:spLocks noGrp="1"/>
+          </p:cNvSpPr>
+          <p:nvPr>
+            <p:ph type="body" idx="1"/>
+          </p:nvPr>
+        </p:nvSpPr>
+        <p:spPr>
+          <a:xfrm>
+            <a:off x="685800" y="4343400"/>
+            <a:ext cx="5486400" cy="4114800"/>
+          </a:xfrm>
+          <a:prstGeom prst="rect">
+            <a:avLst/>
+          </a:prstGeom>
+        </p:spPr>
+        <p:txBody>
+          <a:bodyPr spcFirstLastPara="1" wrap="square" lIns="91425" tIns="91425" rIns="91425" bIns="91425" anchor="t" anchorCtr="0">
+            <a:noAutofit/>
+          </a:bodyPr>
+          <a:lstStyle/>
+          <a:p>
+            <a:pPr marL="0" lvl="0" indent="0" algn="l" rtl="0">
+              <a:spcBef>
+                <a:spcPts val="0"/>
+              </a:spcBef>
+              <a:spcAft>
+                <a:spcPts val="0"/>
+              </a:spcAft>
+              <a:buNone/>
+            </a:pPr>
+            <a:endParaRPr/>
+          </a:p>
+        </p:txBody>
+      </p:sp>
+      <p:sp>
+        <p:nvSpPr>
+          <p:cNvPr id="188" name="Google Shape;188;p18:notes"/>
+          <p:cNvSpPr>
+            <a:spLocks noGrp="1" noRot="1" noChangeAspect="1"/>
+          </p:cNvSpPr>
+          <p:nvPr>
+            <p:ph type="sldImg" idx="2"/>
+          </p:nvPr>
+        </p:nvSpPr>
+        <p:spPr>
+          <a:xfrm>
+            <a:off x="381000" y="685800"/>
+            <a:ext cx="6096000" cy="3429000"/>
+          </a:xfrm>
+          <a:custGeom>
+            <a:avLst/>
+            <a:gdLst/>
+            <a:ahLst/>
+            <a:cxnLst/>
+            <a:rect l="l" t="t" r="r" b="b"/>
+            <a:pathLst>
+              <a:path w="120000" h="120000" extrusionOk="0">
+                <a:moveTo>
+                  <a:pt x="0" y="0"/>
+                </a:moveTo>
+                <a:lnTo>
+                  <a:pt x="120000" y="0"/>
+                </a:lnTo>
+                <a:lnTo>
+                  <a:pt x="120000" y="120000"/>
+                </a:lnTo>
+                <a:lnTo>
+                  <a:pt x="0" y="120000"/>
+                </a:lnTo>
+                <a:close/>
+              </a:path>
+            </a:pathLst>
+          </a:custGeom>
+        </p:spPr>
+      </p:sp>
+    </p:spTree>
   </p:cSld>
   <p:clrMapOvr>
     <a:masterClrMapping/>
@@ -12575,7 +12139,7 @@
                 <a:latin typeface="Times New Roman" panose="02020603050405020304" pitchFamily="18" charset="0"/>
                 <a:cs typeface="Times New Roman" panose="02020603050405020304" pitchFamily="18" charset="0"/>
               </a:rPr>
-              <a:t>11/07</a:t>
+              <a:t>11/14</a:t>
             </a:r>
             <a:endParaRPr dirty="0">
               <a:latin typeface="Times New Roman" panose="02020603050405020304" pitchFamily="18" charset="0"/>
@@ -12592,844 +12156,7 @@
 </p:sld>
 </file>
 
-<file path=ppt/slides/slide10.xml><?xml version="1.0" encoding="utf-8"?>
-<p:sld xmlns:a="http://schemas.openxmlformats.org/drawingml/2006/main" xmlns:r="http://schemas.openxmlformats.org/officeDocument/2006/relationships" xmlns:p="http://schemas.openxmlformats.org/presentationml/2006/main">
-  <p:cSld>
-    <p:spTree>
-      <p:nvGrpSpPr>
-        <p:cNvPr id="1" name="Shape 171"/>
-        <p:cNvGrpSpPr/>
-        <p:nvPr/>
-      </p:nvGrpSpPr>
-      <p:grpSpPr>
-        <a:xfrm>
-          <a:off x="0" y="0"/>
-          <a:ext cx="0" cy="0"/>
-          <a:chOff x="0" y="0"/>
-          <a:chExt cx="0" cy="0"/>
-        </a:xfrm>
-      </p:grpSpPr>
-      <p:sp>
-        <p:nvSpPr>
-          <p:cNvPr id="173" name="Google Shape;173;p27"/>
-          <p:cNvSpPr txBox="1">
-            <a:spLocks noGrp="1"/>
-          </p:cNvSpPr>
-          <p:nvPr>
-            <p:ph type="title"/>
-          </p:nvPr>
-        </p:nvSpPr>
-        <p:spPr>
-          <a:xfrm>
-            <a:off x="838200" y="365125"/>
-            <a:ext cx="10515600" cy="720000"/>
-          </a:xfrm>
-          <a:prstGeom prst="rect">
-            <a:avLst/>
-          </a:prstGeom>
-          <a:noFill/>
-          <a:ln>
-            <a:noFill/>
-          </a:ln>
-        </p:spPr>
-        <p:txBody>
-          <a:bodyPr spcFirstLastPara="1" wrap="square" lIns="91425" tIns="45700" rIns="91425" bIns="45700" anchor="ctr" anchorCtr="0">
-            <a:normAutofit/>
-          </a:bodyPr>
-          <a:lstStyle/>
-          <a:p>
-            <a:pPr marL="0" lvl="0" indent="0" algn="ctr" rtl="0">
-              <a:lnSpc>
-                <a:spcPct val="90000"/>
-              </a:lnSpc>
-              <a:spcBef>
-                <a:spcPts val="0"/>
-              </a:spcBef>
-              <a:spcAft>
-                <a:spcPts val="0"/>
-              </a:spcAft>
-              <a:buClr>
-                <a:schemeClr val="dk1"/>
-              </a:buClr>
-              <a:buSzPts val="4400"/>
-              <a:buFont typeface="Times New Roman"/>
-              <a:buNone/>
-            </a:pPr>
-            <a:r>
-              <a:rPr lang="zh-TW" b="1" dirty="0">
-                <a:latin typeface="DFKai-SB"/>
-                <a:ea typeface="DFKai-SB"/>
-                <a:cs typeface="DFKai-SB"/>
-                <a:sym typeface="DFKai-SB"/>
-              </a:rPr>
-              <a:t>問題記錄</a:t>
-            </a:r>
-            <a:r>
-              <a:rPr lang="zh-TW" b="1" dirty="0"/>
-              <a:t> (</a:t>
-            </a:r>
-            <a:r>
-              <a:rPr lang="zh-TW" b="1" dirty="0">
-                <a:solidFill>
-                  <a:srgbClr val="FF0000"/>
-                </a:solidFill>
-                <a:highlight>
-                  <a:srgbClr val="FFFF00"/>
-                </a:highlight>
-                <a:latin typeface="DFKai-SB"/>
-                <a:ea typeface="DFKai-SB"/>
-                <a:cs typeface="DFKai-SB"/>
-                <a:sym typeface="DFKai-SB"/>
-              </a:rPr>
-              <a:t>軟體問題</a:t>
-            </a:r>
-            <a:r>
-              <a:rPr lang="zh-TW" b="1" dirty="0"/>
-              <a:t>)</a:t>
-            </a:r>
-            <a:endParaRPr b="1" dirty="0"/>
-          </a:p>
-        </p:txBody>
-      </p:sp>
-      <p:sp>
-        <p:nvSpPr>
-          <p:cNvPr id="3" name="Google Shape;121;p18">
-            <a:extLst>
-              <a:ext uri="{FF2B5EF4-FFF2-40B4-BE49-F238E27FC236}">
-                <a16:creationId xmlns:a16="http://schemas.microsoft.com/office/drawing/2014/main" id="{58A7D45F-CE4B-4F76-92A6-8A56D25BDE2B}"/>
-              </a:ext>
-            </a:extLst>
-          </p:cNvPr>
-          <p:cNvSpPr txBox="1"/>
-          <p:nvPr/>
-        </p:nvSpPr>
-        <p:spPr>
-          <a:xfrm>
-            <a:off x="838200" y="1195544"/>
-            <a:ext cx="10515600" cy="5037776"/>
-          </a:xfrm>
-          <a:prstGeom prst="rect">
-            <a:avLst/>
-          </a:prstGeom>
-          <a:noFill/>
-          <a:ln>
-            <a:noFill/>
-          </a:ln>
-        </p:spPr>
-        <p:txBody>
-          <a:bodyPr spcFirstLastPara="1" wrap="square" lIns="91425" tIns="45700" rIns="91425" bIns="45700" anchor="t" anchorCtr="0">
-            <a:normAutofit/>
-          </a:bodyPr>
-          <a:lstStyle/>
-          <a:p>
-            <a:pPr rtl="0" fontAlgn="base">
-              <a:spcBef>
-                <a:spcPts val="0"/>
-              </a:spcBef>
-              <a:spcAft>
-                <a:spcPts val="0"/>
-              </a:spcAft>
-            </a:pPr>
-            <a:endParaRPr dirty="0">
-              <a:latin typeface="Times New Roman" panose="02020603050405020304" pitchFamily="18" charset="0"/>
-              <a:ea typeface="標楷體" panose="03000509000000000000" pitchFamily="65" charset="-120"/>
-              <a:cs typeface="Times New Roman" panose="02020603050405020304" pitchFamily="18" charset="0"/>
-            </a:endParaRPr>
-          </a:p>
-        </p:txBody>
-      </p:sp>
-    </p:spTree>
-  </p:cSld>
-  <p:clrMapOvr>
-    <a:masterClrMapping/>
-  </p:clrMapOvr>
-</p:sld>
-</file>
-
-<file path=ppt/slides/slide11.xml><?xml version="1.0" encoding="utf-8"?>
-<p:sld xmlns:a="http://schemas.openxmlformats.org/drawingml/2006/main" xmlns:r="http://schemas.openxmlformats.org/officeDocument/2006/relationships" xmlns:p="http://schemas.openxmlformats.org/presentationml/2006/main">
-  <p:cSld>
-    <p:spTree>
-      <p:nvGrpSpPr>
-        <p:cNvPr id="1" name="Shape 178"/>
-        <p:cNvGrpSpPr/>
-        <p:nvPr/>
-      </p:nvGrpSpPr>
-      <p:grpSpPr>
-        <a:xfrm>
-          <a:off x="0" y="0"/>
-          <a:ext cx="0" cy="0"/>
-          <a:chOff x="0" y="0"/>
-          <a:chExt cx="0" cy="0"/>
-        </a:xfrm>
-      </p:grpSpPr>
-      <p:sp>
-        <p:nvSpPr>
-          <p:cNvPr id="179" name="Google Shape;179;p28"/>
-          <p:cNvSpPr txBox="1">
-            <a:spLocks noGrp="1"/>
-          </p:cNvSpPr>
-          <p:nvPr>
-            <p:ph type="title"/>
-          </p:nvPr>
-        </p:nvSpPr>
-        <p:spPr>
-          <a:xfrm>
-            <a:off x="838200" y="365125"/>
-            <a:ext cx="10515600" cy="720000"/>
-          </a:xfrm>
-          <a:prstGeom prst="rect">
-            <a:avLst/>
-          </a:prstGeom>
-          <a:noFill/>
-          <a:ln>
-            <a:noFill/>
-          </a:ln>
-        </p:spPr>
-        <p:txBody>
-          <a:bodyPr spcFirstLastPara="1" wrap="square" lIns="91425" tIns="45700" rIns="91425" bIns="45700" anchor="ctr" anchorCtr="0">
-            <a:normAutofit/>
-          </a:bodyPr>
-          <a:lstStyle/>
-          <a:p>
-            <a:pPr marL="0" lvl="0" indent="0" algn="ctr" rtl="0">
-              <a:lnSpc>
-                <a:spcPct val="90000"/>
-              </a:lnSpc>
-              <a:spcBef>
-                <a:spcPts val="0"/>
-              </a:spcBef>
-              <a:spcAft>
-                <a:spcPts val="0"/>
-              </a:spcAft>
-              <a:buClr>
-                <a:schemeClr val="dk1"/>
-              </a:buClr>
-              <a:buSzPts val="4400"/>
-              <a:buFont typeface="Times New Roman"/>
-              <a:buNone/>
-            </a:pPr>
-            <a:r>
-              <a:rPr lang="zh-TW" b="1">
-                <a:latin typeface="DFKai-SB"/>
-                <a:ea typeface="DFKai-SB"/>
-                <a:cs typeface="DFKai-SB"/>
-                <a:sym typeface="DFKai-SB"/>
-              </a:rPr>
-              <a:t>問題記錄</a:t>
-            </a:r>
-            <a:r>
-              <a:rPr lang="zh-TW">
-                <a:latin typeface="DFKai-SB"/>
-                <a:ea typeface="DFKai-SB"/>
-                <a:cs typeface="DFKai-SB"/>
-                <a:sym typeface="DFKai-SB"/>
-              </a:rPr>
-              <a:t> (</a:t>
-            </a:r>
-            <a:r>
-              <a:rPr lang="zh-TW" b="1">
-                <a:solidFill>
-                  <a:srgbClr val="FF0000"/>
-                </a:solidFill>
-                <a:highlight>
-                  <a:srgbClr val="FFFF00"/>
-                </a:highlight>
-                <a:latin typeface="DFKai-SB"/>
-                <a:ea typeface="DFKai-SB"/>
-                <a:cs typeface="DFKai-SB"/>
-                <a:sym typeface="DFKai-SB"/>
-              </a:rPr>
-              <a:t>系統環境問題</a:t>
-            </a:r>
-            <a:r>
-              <a:rPr lang="zh-TW">
-                <a:latin typeface="DFKai-SB"/>
-                <a:ea typeface="DFKai-SB"/>
-                <a:cs typeface="DFKai-SB"/>
-                <a:sym typeface="DFKai-SB"/>
-              </a:rPr>
-              <a:t>)</a:t>
-            </a:r>
-            <a:endParaRPr>
-              <a:latin typeface="DFKai-SB"/>
-              <a:ea typeface="DFKai-SB"/>
-              <a:cs typeface="DFKai-SB"/>
-              <a:sym typeface="DFKai-SB"/>
-            </a:endParaRPr>
-          </a:p>
-        </p:txBody>
-      </p:sp>
-      <p:sp>
-        <p:nvSpPr>
-          <p:cNvPr id="3" name="Google Shape;121;p18">
-            <a:extLst>
-              <a:ext uri="{FF2B5EF4-FFF2-40B4-BE49-F238E27FC236}">
-                <a16:creationId xmlns:a16="http://schemas.microsoft.com/office/drawing/2014/main" id="{AD7AB84A-5BF4-45B7-9586-D1D91A881BEF}"/>
-              </a:ext>
-            </a:extLst>
-          </p:cNvPr>
-          <p:cNvSpPr txBox="1"/>
-          <p:nvPr/>
-        </p:nvSpPr>
-        <p:spPr>
-          <a:xfrm>
-            <a:off x="838200" y="1195544"/>
-            <a:ext cx="10515600" cy="5037776"/>
-          </a:xfrm>
-          <a:prstGeom prst="rect">
-            <a:avLst/>
-          </a:prstGeom>
-          <a:noFill/>
-          <a:ln>
-            <a:noFill/>
-          </a:ln>
-        </p:spPr>
-        <p:txBody>
-          <a:bodyPr spcFirstLastPara="1" wrap="square" lIns="91425" tIns="45700" rIns="91425" bIns="45700" anchor="t" anchorCtr="0">
-            <a:normAutofit/>
-          </a:bodyPr>
-          <a:lstStyle/>
-          <a:p>
-            <a:pPr rtl="0" fontAlgn="base">
-              <a:spcBef>
-                <a:spcPts val="0"/>
-              </a:spcBef>
-              <a:spcAft>
-                <a:spcPts val="0"/>
-              </a:spcAft>
-            </a:pPr>
-            <a:endParaRPr dirty="0">
-              <a:latin typeface="Times New Roman" panose="02020603050405020304" pitchFamily="18" charset="0"/>
-              <a:ea typeface="標楷體" panose="03000509000000000000" pitchFamily="65" charset="-120"/>
-              <a:cs typeface="Times New Roman" panose="02020603050405020304" pitchFamily="18" charset="0"/>
-            </a:endParaRPr>
-          </a:p>
-        </p:txBody>
-      </p:sp>
-    </p:spTree>
-  </p:cSld>
-  <p:clrMapOvr>
-    <a:masterClrMapping/>
-  </p:clrMapOvr>
-</p:sld>
-</file>
-
-<file path=ppt/slides/slide12.xml><?xml version="1.0" encoding="utf-8"?>
-<p:sld xmlns:a="http://schemas.openxmlformats.org/drawingml/2006/main" xmlns:r="http://schemas.openxmlformats.org/officeDocument/2006/relationships" xmlns:p="http://schemas.openxmlformats.org/presentationml/2006/main">
-  <p:cSld>
-    <p:spTree>
-      <p:nvGrpSpPr>
-        <p:cNvPr id="1" name="Shape 189"/>
-        <p:cNvGrpSpPr/>
-        <p:nvPr/>
-      </p:nvGrpSpPr>
-      <p:grpSpPr>
-        <a:xfrm>
-          <a:off x="0" y="0"/>
-          <a:ext cx="0" cy="0"/>
-          <a:chOff x="0" y="0"/>
-          <a:chExt cx="0" cy="0"/>
-        </a:xfrm>
-      </p:grpSpPr>
-      <p:sp>
-        <p:nvSpPr>
-          <p:cNvPr id="190" name="Google Shape;190;p30"/>
-          <p:cNvSpPr txBox="1"/>
-          <p:nvPr/>
-        </p:nvSpPr>
-        <p:spPr>
-          <a:xfrm>
-            <a:off x="838200" y="1204421"/>
-            <a:ext cx="10515600" cy="5037776"/>
-          </a:xfrm>
-          <a:prstGeom prst="rect">
-            <a:avLst/>
-          </a:prstGeom>
-          <a:noFill/>
-          <a:ln>
-            <a:noFill/>
-          </a:ln>
-        </p:spPr>
-        <p:txBody>
-          <a:bodyPr spcFirstLastPara="1" wrap="square" lIns="91425" tIns="45700" rIns="91425" bIns="45700" anchor="t" anchorCtr="0">
-            <a:normAutofit/>
-          </a:bodyPr>
-          <a:lstStyle/>
-          <a:p>
-            <a:pPr marL="144000" marR="0" lvl="0" indent="-42400" algn="l" rtl="0">
-              <a:lnSpc>
-                <a:spcPct val="90000"/>
-              </a:lnSpc>
-              <a:spcBef>
-                <a:spcPts val="0"/>
-              </a:spcBef>
-              <a:spcAft>
-                <a:spcPts val="0"/>
-              </a:spcAft>
-              <a:buClr>
-                <a:schemeClr val="dk1"/>
-              </a:buClr>
-              <a:buSzPts val="1600"/>
-              <a:buFont typeface="Arial"/>
-              <a:buNone/>
-            </a:pPr>
-            <a:endParaRPr sz="1600" b="0" i="0" u="none" strike="noStrike" cap="none" dirty="0">
-              <a:solidFill>
-                <a:schemeClr val="dk1"/>
-              </a:solidFill>
-              <a:latin typeface="Times New Roman" panose="02020603050405020304" pitchFamily="18" charset="0"/>
-              <a:ea typeface="標楷體" panose="03000509000000000000" pitchFamily="65" charset="-120"/>
-              <a:cs typeface="Times New Roman" panose="02020603050405020304" pitchFamily="18" charset="0"/>
-              <a:sym typeface="Times New Roman"/>
-            </a:endParaRPr>
-          </a:p>
-        </p:txBody>
-      </p:sp>
-      <p:sp>
-        <p:nvSpPr>
-          <p:cNvPr id="191" name="Google Shape;191;p30"/>
-          <p:cNvSpPr txBox="1">
-            <a:spLocks noGrp="1"/>
-          </p:cNvSpPr>
-          <p:nvPr>
-            <p:ph type="title"/>
-          </p:nvPr>
-        </p:nvSpPr>
-        <p:spPr>
-          <a:xfrm>
-            <a:off x="838200" y="339900"/>
-            <a:ext cx="10515600" cy="720000"/>
-          </a:xfrm>
-          <a:prstGeom prst="rect">
-            <a:avLst/>
-          </a:prstGeom>
-          <a:noFill/>
-          <a:ln>
-            <a:noFill/>
-          </a:ln>
-        </p:spPr>
-        <p:txBody>
-          <a:bodyPr spcFirstLastPara="1" wrap="square" lIns="91425" tIns="45700" rIns="91425" bIns="45700" anchor="ctr" anchorCtr="0">
-            <a:normAutofit/>
-          </a:bodyPr>
-          <a:lstStyle/>
-          <a:p>
-            <a:pPr marL="0" lvl="0" indent="0" algn="ctr" rtl="0">
-              <a:lnSpc>
-                <a:spcPct val="90000"/>
-              </a:lnSpc>
-              <a:spcBef>
-                <a:spcPts val="0"/>
-              </a:spcBef>
-              <a:spcAft>
-                <a:spcPts val="0"/>
-              </a:spcAft>
-              <a:buClr>
-                <a:schemeClr val="dk1"/>
-              </a:buClr>
-              <a:buSzPts val="4400"/>
-              <a:buFont typeface="Times New Roman"/>
-              <a:buNone/>
-            </a:pPr>
-            <a:r>
-              <a:rPr lang="zh-TW" b="1">
-                <a:latin typeface="DFKai-SB"/>
-                <a:ea typeface="DFKai-SB"/>
-                <a:cs typeface="DFKai-SB"/>
-                <a:sym typeface="DFKai-SB"/>
-              </a:rPr>
-              <a:t>參考資料</a:t>
-            </a:r>
-            <a:endParaRPr b="1"/>
-          </a:p>
-        </p:txBody>
-      </p:sp>
-    </p:spTree>
-  </p:cSld>
-  <p:clrMapOvr>
-    <a:masterClrMapping/>
-  </p:clrMapOvr>
-</p:sld>
-</file>
-
 <file path=ppt/slides/slide2.xml><?xml version="1.0" encoding="utf-8"?>
-<p:sld xmlns:a="http://schemas.openxmlformats.org/drawingml/2006/main" xmlns:r="http://schemas.openxmlformats.org/officeDocument/2006/relationships" xmlns:p="http://schemas.openxmlformats.org/presentationml/2006/main">
-  <p:cSld>
-    <p:spTree>
-      <p:nvGrpSpPr>
-        <p:cNvPr id="1" name="Shape 106"/>
-        <p:cNvGrpSpPr/>
-        <p:nvPr/>
-      </p:nvGrpSpPr>
-      <p:grpSpPr>
-        <a:xfrm>
-          <a:off x="0" y="0"/>
-          <a:ext cx="0" cy="0"/>
-          <a:chOff x="0" y="0"/>
-          <a:chExt cx="0" cy="0"/>
-        </a:xfrm>
-      </p:grpSpPr>
-      <p:pic>
-        <p:nvPicPr>
-          <p:cNvPr id="5" name="圖片 4">
-            <a:extLst>
-              <a:ext uri="{FF2B5EF4-FFF2-40B4-BE49-F238E27FC236}">
-                <a16:creationId xmlns:a16="http://schemas.microsoft.com/office/drawing/2014/main" id="{947CEC9C-AFE6-48F2-B0E3-DF134E244287}"/>
-              </a:ext>
-            </a:extLst>
-          </p:cNvPr>
-          <p:cNvPicPr>
-            <a:picLocks noChangeAspect="1"/>
-          </p:cNvPicPr>
-          <p:nvPr/>
-        </p:nvPicPr>
-        <p:blipFill>
-          <a:blip r:embed="rId3"/>
-          <a:stretch>
-            <a:fillRect/>
-          </a:stretch>
-        </p:blipFill>
-        <p:spPr>
-          <a:xfrm>
-            <a:off x="838201" y="1593388"/>
-            <a:ext cx="10515600" cy="4638196"/>
-          </a:xfrm>
-          <a:prstGeom prst="rect">
-            <a:avLst/>
-          </a:prstGeom>
-        </p:spPr>
-      </p:pic>
-      <p:sp>
-        <p:nvSpPr>
-          <p:cNvPr id="107" name="Google Shape;107;p16"/>
-          <p:cNvSpPr txBox="1">
-            <a:spLocks noGrp="1"/>
-          </p:cNvSpPr>
-          <p:nvPr>
-            <p:ph type="title"/>
-          </p:nvPr>
-        </p:nvSpPr>
-        <p:spPr>
-          <a:xfrm>
-            <a:off x="838200" y="365125"/>
-            <a:ext cx="10515600" cy="720000"/>
-          </a:xfrm>
-          <a:prstGeom prst="rect">
-            <a:avLst/>
-          </a:prstGeom>
-          <a:noFill/>
-          <a:ln>
-            <a:noFill/>
-          </a:ln>
-        </p:spPr>
-        <p:txBody>
-          <a:bodyPr spcFirstLastPara="1" wrap="square" lIns="91425" tIns="45700" rIns="91425" bIns="45700" anchor="ctr" anchorCtr="0">
-            <a:normAutofit/>
-          </a:bodyPr>
-          <a:lstStyle/>
-          <a:p>
-            <a:pPr marL="0" lvl="0" indent="0" algn="ctr" rtl="0">
-              <a:lnSpc>
-                <a:spcPct val="90000"/>
-              </a:lnSpc>
-              <a:spcBef>
-                <a:spcPts val="0"/>
-              </a:spcBef>
-              <a:spcAft>
-                <a:spcPts val="0"/>
-              </a:spcAft>
-              <a:buClr>
-                <a:schemeClr val="dk1"/>
-              </a:buClr>
-              <a:buSzPts val="4400"/>
-              <a:buFont typeface="Times New Roman"/>
-              <a:buNone/>
-            </a:pPr>
-            <a:r>
-              <a:rPr lang="zh-TW" b="1" dirty="0">
-                <a:latin typeface="DFKai-SB"/>
-                <a:ea typeface="DFKai-SB"/>
-                <a:cs typeface="DFKai-SB"/>
-                <a:sym typeface="DFKai-SB"/>
-              </a:rPr>
-              <a:t>控管記錄</a:t>
-            </a:r>
-            <a:r>
-              <a:rPr lang="zh-TW" b="1" dirty="0"/>
-              <a:t> - Git</a:t>
-            </a:r>
-            <a:endParaRPr b="1" dirty="0"/>
-          </a:p>
-        </p:txBody>
-      </p:sp>
-      <p:sp>
-        <p:nvSpPr>
-          <p:cNvPr id="2" name="文字方塊 1">
-            <a:extLst>
-              <a:ext uri="{FF2B5EF4-FFF2-40B4-BE49-F238E27FC236}">
-                <a16:creationId xmlns:a16="http://schemas.microsoft.com/office/drawing/2014/main" id="{64FB61A5-A88B-4F92-8968-2CCE5B9791C2}"/>
-              </a:ext>
-            </a:extLst>
-          </p:cNvPr>
-          <p:cNvSpPr txBox="1"/>
-          <p:nvPr/>
-        </p:nvSpPr>
-        <p:spPr>
-          <a:xfrm>
-            <a:off x="838200" y="1198486"/>
-            <a:ext cx="5109091" cy="400110"/>
-          </a:xfrm>
-          <a:prstGeom prst="rect">
-            <a:avLst/>
-          </a:prstGeom>
-          <a:noFill/>
-        </p:spPr>
-        <p:txBody>
-          <a:bodyPr wrap="none" rtlCol="0">
-            <a:spAutoFit/>
-          </a:bodyPr>
-          <a:lstStyle/>
-          <a:p>
-            <a:r>
-              <a:rPr lang="en-US" altLang="zh-TW" sz="2000" dirty="0">
-                <a:latin typeface="Times New Roman" panose="02020603050405020304" pitchFamily="18" charset="0"/>
-                <a:ea typeface="標楷體" panose="03000509000000000000" pitchFamily="65" charset="-120"/>
-                <a:cs typeface="Times New Roman" panose="02020603050405020304" pitchFamily="18" charset="0"/>
-                <a:hlinkClick r:id="rId4"/>
-              </a:rPr>
-              <a:t>https://github.com/xup6tp6u4/Image-processing</a:t>
-            </a:r>
-            <a:endParaRPr lang="zh-TW" altLang="en-US" sz="2000" dirty="0">
-              <a:latin typeface="Times New Roman" panose="02020603050405020304" pitchFamily="18" charset="0"/>
-              <a:ea typeface="標楷體" panose="03000509000000000000" pitchFamily="65" charset="-120"/>
-              <a:cs typeface="Times New Roman" panose="02020603050405020304" pitchFamily="18" charset="0"/>
-            </a:endParaRPr>
-          </a:p>
-        </p:txBody>
-      </p:sp>
-      <p:sp>
-        <p:nvSpPr>
-          <p:cNvPr id="6" name="Google Shape;121;p18">
-            <a:extLst>
-              <a:ext uri="{FF2B5EF4-FFF2-40B4-BE49-F238E27FC236}">
-                <a16:creationId xmlns:a16="http://schemas.microsoft.com/office/drawing/2014/main" id="{10CCA739-0BA7-43E7-97A0-06A8FC9AC75C}"/>
-              </a:ext>
-            </a:extLst>
-          </p:cNvPr>
-          <p:cNvSpPr txBox="1"/>
-          <p:nvPr/>
-        </p:nvSpPr>
-        <p:spPr>
-          <a:xfrm>
-            <a:off x="838200" y="1195544"/>
-            <a:ext cx="10515600" cy="5037776"/>
-          </a:xfrm>
-          <a:prstGeom prst="rect">
-            <a:avLst/>
-          </a:prstGeom>
-          <a:noFill/>
-          <a:ln>
-            <a:noFill/>
-          </a:ln>
-        </p:spPr>
-        <p:txBody>
-          <a:bodyPr spcFirstLastPara="1" wrap="square" lIns="91425" tIns="45700" rIns="91425" bIns="45700" anchor="t" anchorCtr="0">
-            <a:normAutofit/>
-          </a:bodyPr>
-          <a:lstStyle/>
-          <a:p>
-            <a:pPr rtl="0" fontAlgn="base">
-              <a:spcBef>
-                <a:spcPts val="0"/>
-              </a:spcBef>
-              <a:spcAft>
-                <a:spcPts val="0"/>
-              </a:spcAft>
-            </a:pPr>
-            <a:endParaRPr dirty="0">
-              <a:latin typeface="Times New Roman" panose="02020603050405020304" pitchFamily="18" charset="0"/>
-              <a:ea typeface="標楷體" panose="03000509000000000000" pitchFamily="65" charset="-120"/>
-              <a:cs typeface="Times New Roman" panose="02020603050405020304" pitchFamily="18" charset="0"/>
-            </a:endParaRPr>
-          </a:p>
-        </p:txBody>
-      </p:sp>
-    </p:spTree>
-  </p:cSld>
-  <p:clrMapOvr>
-    <a:masterClrMapping/>
-  </p:clrMapOvr>
-</p:sld>
-</file>
-
-<file path=ppt/slides/slide3.xml><?xml version="1.0" encoding="utf-8"?>
-<p:sld xmlns:a="http://schemas.openxmlformats.org/drawingml/2006/main" xmlns:r="http://schemas.openxmlformats.org/officeDocument/2006/relationships" xmlns:p="http://schemas.openxmlformats.org/presentationml/2006/main">
-  <p:cSld>
-    <p:spTree>
-      <p:nvGrpSpPr>
-        <p:cNvPr id="1" name="Shape 113"/>
-        <p:cNvGrpSpPr/>
-        <p:nvPr/>
-      </p:nvGrpSpPr>
-      <p:grpSpPr>
-        <a:xfrm>
-          <a:off x="0" y="0"/>
-          <a:ext cx="0" cy="0"/>
-          <a:chOff x="0" y="0"/>
-          <a:chExt cx="0" cy="0"/>
-        </a:xfrm>
-      </p:grpSpPr>
-      <p:sp>
-        <p:nvSpPr>
-          <p:cNvPr id="114" name="Google Shape;114;p17"/>
-          <p:cNvSpPr txBox="1">
-            <a:spLocks noGrp="1"/>
-          </p:cNvSpPr>
-          <p:nvPr>
-            <p:ph type="title"/>
-          </p:nvPr>
-        </p:nvSpPr>
-        <p:spPr>
-          <a:xfrm>
-            <a:off x="838200" y="365125"/>
-            <a:ext cx="10515600" cy="720000"/>
-          </a:xfrm>
-          <a:prstGeom prst="rect">
-            <a:avLst/>
-          </a:prstGeom>
-          <a:noFill/>
-          <a:ln>
-            <a:noFill/>
-          </a:ln>
-        </p:spPr>
-        <p:txBody>
-          <a:bodyPr spcFirstLastPara="1" wrap="square" lIns="91425" tIns="45700" rIns="91425" bIns="45700" anchor="ctr" anchorCtr="0">
-            <a:normAutofit/>
-          </a:bodyPr>
-          <a:lstStyle/>
-          <a:p>
-            <a:pPr marL="0" lvl="0" indent="0" algn="ctr" rtl="0">
-              <a:lnSpc>
-                <a:spcPct val="90000"/>
-              </a:lnSpc>
-              <a:spcBef>
-                <a:spcPts val="0"/>
-              </a:spcBef>
-              <a:spcAft>
-                <a:spcPts val="0"/>
-              </a:spcAft>
-              <a:buClr>
-                <a:schemeClr val="dk1"/>
-              </a:buClr>
-              <a:buSzPts val="4400"/>
-              <a:buFont typeface="Times New Roman"/>
-              <a:buNone/>
-            </a:pPr>
-            <a:r>
-              <a:rPr lang="zh-TW" b="1" dirty="0">
-                <a:latin typeface="DFKai-SB"/>
-                <a:ea typeface="DFKai-SB"/>
-                <a:cs typeface="DFKai-SB"/>
-                <a:sym typeface="DFKai-SB"/>
-              </a:rPr>
-              <a:t>進度統整</a:t>
-            </a:r>
-            <a:endParaRPr b="1" dirty="0"/>
-          </a:p>
-        </p:txBody>
-      </p:sp>
-      <p:sp>
-        <p:nvSpPr>
-          <p:cNvPr id="7" name="Google Shape;121;p18">
-            <a:extLst>
-              <a:ext uri="{FF2B5EF4-FFF2-40B4-BE49-F238E27FC236}">
-                <a16:creationId xmlns:a16="http://schemas.microsoft.com/office/drawing/2014/main" id="{2C5779D6-F91E-40F4-BC9C-4CC239B45BB9}"/>
-              </a:ext>
-            </a:extLst>
-          </p:cNvPr>
-          <p:cNvSpPr txBox="1"/>
-          <p:nvPr/>
-        </p:nvSpPr>
-        <p:spPr>
-          <a:xfrm>
-            <a:off x="838200" y="1195544"/>
-            <a:ext cx="10515600" cy="5037776"/>
-          </a:xfrm>
-          <a:prstGeom prst="rect">
-            <a:avLst/>
-          </a:prstGeom>
-          <a:noFill/>
-          <a:ln>
-            <a:noFill/>
-          </a:ln>
-        </p:spPr>
-        <p:txBody>
-          <a:bodyPr spcFirstLastPara="1" wrap="square" lIns="91425" tIns="45700" rIns="91425" bIns="45700" anchor="t" anchorCtr="0">
-            <a:normAutofit/>
-          </a:bodyPr>
-          <a:lstStyle/>
-          <a:p>
-            <a:pPr marL="342900" indent="-342900" rtl="0" fontAlgn="base">
-              <a:spcBef>
-                <a:spcPts val="0"/>
-              </a:spcBef>
-              <a:spcAft>
-                <a:spcPts val="0"/>
-              </a:spcAft>
-              <a:buFont typeface="+mj-lt"/>
-              <a:buAutoNum type="arabicPeriod"/>
-            </a:pPr>
-            <a:r>
-              <a:rPr lang="zh-TW" altLang="en-US" sz="2800" dirty="0">
-                <a:latin typeface="Times New Roman" panose="02020603050405020304" pitchFamily="18" charset="0"/>
-                <a:ea typeface="標楷體" panose="03000509000000000000" pitchFamily="65" charset="-120"/>
-                <a:cs typeface="Times New Roman" panose="02020603050405020304" pitchFamily="18" charset="0"/>
-              </a:rPr>
-              <a:t>流程架構圖</a:t>
-            </a:r>
-            <a:endParaRPr lang="en-US" altLang="zh-TW" sz="2800" dirty="0">
-              <a:latin typeface="Times New Roman" panose="02020603050405020304" pitchFamily="18" charset="0"/>
-              <a:ea typeface="標楷體" panose="03000509000000000000" pitchFamily="65" charset="-120"/>
-              <a:cs typeface="Times New Roman" panose="02020603050405020304" pitchFamily="18" charset="0"/>
-            </a:endParaRPr>
-          </a:p>
-          <a:p>
-            <a:pPr marL="342900" indent="-342900" rtl="0" fontAlgn="base">
-              <a:spcBef>
-                <a:spcPts val="0"/>
-              </a:spcBef>
-              <a:spcAft>
-                <a:spcPts val="0"/>
-              </a:spcAft>
-              <a:buFont typeface="+mj-lt"/>
-              <a:buAutoNum type="arabicPeriod"/>
-            </a:pPr>
-            <a:r>
-              <a:rPr lang="en-US" altLang="zh-TW" sz="2800" dirty="0">
-                <a:latin typeface="Times New Roman" panose="02020603050405020304" pitchFamily="18" charset="0"/>
-                <a:ea typeface="標楷體" panose="03000509000000000000" pitchFamily="65" charset="-120"/>
-                <a:cs typeface="Times New Roman" panose="02020603050405020304" pitchFamily="18" charset="0"/>
-              </a:rPr>
-              <a:t>API</a:t>
-            </a:r>
-            <a:endParaRPr sz="2800" dirty="0">
-              <a:latin typeface="Times New Roman" panose="02020603050405020304" pitchFamily="18" charset="0"/>
-              <a:ea typeface="標楷體" panose="03000509000000000000" pitchFamily="65" charset="-120"/>
-              <a:cs typeface="Times New Roman" panose="02020603050405020304" pitchFamily="18" charset="0"/>
-            </a:endParaRPr>
-          </a:p>
-        </p:txBody>
-      </p:sp>
-    </p:spTree>
-  </p:cSld>
-  <p:clrMapOvr>
-    <a:masterClrMapping/>
-  </p:clrMapOvr>
-</p:sld>
-</file>
-
-<file path=ppt/slides/slide4.xml><?xml version="1.0" encoding="utf-8"?>
 <p:sld xmlns:a="http://schemas.openxmlformats.org/drawingml/2006/main" xmlns:r="http://schemas.openxmlformats.org/officeDocument/2006/relationships" xmlns:p="http://schemas.openxmlformats.org/presentationml/2006/main">
   <p:cSld>
     <p:spTree>
@@ -13877,7 +12604,7 @@
 </p:sld>
 </file>
 
-<file path=ppt/slides/slide5.xml><?xml version="1.0" encoding="utf-8"?>
+<file path=ppt/slides/slide3.xml><?xml version="1.0" encoding="utf-8"?>
 <p:sld xmlns:a="http://schemas.openxmlformats.org/drawingml/2006/main" xmlns:r="http://schemas.openxmlformats.org/officeDocument/2006/relationships" xmlns:p="http://schemas.openxmlformats.org/presentationml/2006/main">
   <p:cSld>
     <p:spTree>
@@ -14044,7 +12771,7 @@
 </p:sld>
 </file>
 
-<file path=ppt/slides/slide6.xml><?xml version="1.0" encoding="utf-8"?>
+<file path=ppt/slides/slide4.xml><?xml version="1.0" encoding="utf-8"?>
 <p:sld xmlns:a="http://schemas.openxmlformats.org/drawingml/2006/main" xmlns:r="http://schemas.openxmlformats.org/officeDocument/2006/relationships" xmlns:p="http://schemas.openxmlformats.org/presentationml/2006/main">
   <p:cSld>
     <p:spTree>
@@ -14209,7 +12936,7 @@
 </p:sld>
 </file>
 
-<file path=ppt/slides/slide7.xml><?xml version="1.0" encoding="utf-8"?>
+<file path=ppt/slides/slide5.xml><?xml version="1.0" encoding="utf-8"?>
 <p:sld xmlns:a="http://schemas.openxmlformats.org/drawingml/2006/main" xmlns:r="http://schemas.openxmlformats.org/officeDocument/2006/relationships" xmlns:p="http://schemas.openxmlformats.org/presentationml/2006/main">
   <p:cSld>
     <p:spTree>
@@ -14354,14 +13081,14 @@
           <p:nvPr>
             <p:extLst>
               <p:ext uri="{D42A27DB-BD31-4B8C-83A1-F6EECF244321}">
-                <p14:modId xmlns:p14="http://schemas.microsoft.com/office/powerpoint/2010/main" val="3630473308"/>
+                <p14:modId xmlns:p14="http://schemas.microsoft.com/office/powerpoint/2010/main" val="866968545"/>
               </p:ext>
             </p:extLst>
           </p:nvPr>
         </p:nvGraphicFramePr>
         <p:xfrm>
           <a:off x="838200" y="1195544"/>
-          <a:ext cx="10515600" cy="2106066"/>
+          <a:ext cx="10515600" cy="2273215"/>
         </p:xfrm>
         <a:graphic>
           <a:graphicData uri="http://schemas.openxmlformats.org/drawingml/2006/table">
@@ -14417,30 +13144,6 @@
                     <a:lstStyle/>
                     <a:p>
                       <a:r>
-                        <a:rPr lang="en-US" altLang="zh-TW" dirty="0">
-                          <a:latin typeface="Times New Roman" panose="02020603050405020304" pitchFamily="18" charset="0"/>
-                          <a:ea typeface="標楷體" panose="03000509000000000000" pitchFamily="65" charset="-120"/>
-                          <a:cs typeface="Times New Roman" panose="02020603050405020304" pitchFamily="18" charset="0"/>
-                        </a:rPr>
-                        <a:t>cv2.cvtColor</a:t>
-                      </a:r>
-                      <a:r>
-                        <a:rPr lang="zh-TW" altLang="en-US" dirty="0">
-                          <a:latin typeface="Times New Roman" panose="02020603050405020304" pitchFamily="18" charset="0"/>
-                          <a:ea typeface="標楷體" panose="03000509000000000000" pitchFamily="65" charset="-120"/>
-                          <a:cs typeface="Times New Roman" panose="02020603050405020304" pitchFamily="18" charset="0"/>
-                        </a:rPr>
-                        <a:t> </a:t>
-                      </a:r>
-                      <a:r>
-                        <a:rPr lang="en-US" altLang="zh-TW" dirty="0">
-                          <a:latin typeface="Times New Roman" panose="02020603050405020304" pitchFamily="18" charset="0"/>
-                          <a:ea typeface="標楷體" panose="03000509000000000000" pitchFamily="65" charset="-120"/>
-                          <a:cs typeface="Times New Roman" panose="02020603050405020304" pitchFamily="18" charset="0"/>
-                        </a:rPr>
-                        <a:t>(</a:t>
-                      </a:r>
-                      <a:r>
                         <a:rPr lang="zh-TW" altLang="en-US" dirty="0">
                           <a:latin typeface="Times New Roman" panose="02020603050405020304" pitchFamily="18" charset="0"/>
                           <a:ea typeface="標楷體" panose="03000509000000000000" pitchFamily="65" charset="-120"/>
@@ -14448,19 +13151,6 @@
                         </a:rPr>
                         <a:t>灰階</a:t>
                       </a:r>
-                      <a:r>
-                        <a:rPr lang="en-US" altLang="zh-TW" dirty="0">
-                          <a:latin typeface="Times New Roman" panose="02020603050405020304" pitchFamily="18" charset="0"/>
-                          <a:ea typeface="標楷體" panose="03000509000000000000" pitchFamily="65" charset="-120"/>
-                          <a:cs typeface="Times New Roman" panose="02020603050405020304" pitchFamily="18" charset="0"/>
-                        </a:rPr>
-                        <a:t>)</a:t>
-                      </a:r>
-                      <a:endParaRPr lang="zh-TW" altLang="en-US" dirty="0">
-                        <a:latin typeface="Times New Roman" panose="02020603050405020304" pitchFamily="18" charset="0"/>
-                        <a:ea typeface="標楷體" panose="03000509000000000000" pitchFamily="65" charset="-120"/>
-                        <a:cs typeface="Times New Roman" panose="02020603050405020304" pitchFamily="18" charset="0"/>
-                      </a:endParaRPr>
                     </a:p>
                   </a:txBody>
                   <a:tcPr/>
@@ -14524,23 +13214,7 @@
                           <a:ea typeface="標楷體" panose="03000509000000000000" pitchFamily="65" charset="-120"/>
                           <a:cs typeface="Times New Roman" panose="02020603050405020304" pitchFamily="18" charset="0"/>
                         </a:rPr>
-                        <a:t>(</a:t>
-                      </a:r>
-                      <a:r>
-                        <a:rPr lang="zh-TW" altLang="en-US" dirty="0">
-                          <a:latin typeface="Times New Roman" panose="02020603050405020304" pitchFamily="18" charset="0"/>
-                          <a:ea typeface="標楷體" panose="03000509000000000000" pitchFamily="65" charset="-120"/>
-                          <a:cs typeface="Times New Roman" panose="02020603050405020304" pitchFamily="18" charset="0"/>
-                        </a:rPr>
-                        <a:t>原始彩色影像</a:t>
-                      </a:r>
-                      <a:r>
-                        <a:rPr lang="en-US" altLang="zh-TW" dirty="0">
-                          <a:latin typeface="Times New Roman" panose="02020603050405020304" pitchFamily="18" charset="0"/>
-                          <a:ea typeface="標楷體" panose="03000509000000000000" pitchFamily="65" charset="-120"/>
-                          <a:cs typeface="Times New Roman" panose="02020603050405020304" pitchFamily="18" charset="0"/>
-                        </a:rPr>
-                        <a:t>)</a:t>
+                        <a:t>(jpg, 490x350)</a:t>
                       </a:r>
                       <a:endParaRPr lang="zh-TW" altLang="en-US" dirty="0">
                         <a:latin typeface="Times New Roman" panose="02020603050405020304" pitchFamily="18" charset="0"/>
@@ -14610,23 +13284,7 @@
                           <a:ea typeface="標楷體" panose="03000509000000000000" pitchFamily="65" charset="-120"/>
                           <a:cs typeface="Times New Roman" panose="02020603050405020304" pitchFamily="18" charset="0"/>
                         </a:rPr>
-                        <a:t>(</a:t>
-                      </a:r>
-                      <a:r>
-                        <a:rPr lang="zh-TW" altLang="en-US" dirty="0">
-                          <a:latin typeface="Times New Roman" panose="02020603050405020304" pitchFamily="18" charset="0"/>
-                          <a:ea typeface="標楷體" panose="03000509000000000000" pitchFamily="65" charset="-120"/>
-                          <a:cs typeface="Times New Roman" panose="02020603050405020304" pitchFamily="18" charset="0"/>
-                        </a:rPr>
-                        <a:t>灰階影像</a:t>
-                      </a:r>
-                      <a:r>
-                        <a:rPr lang="en-US" altLang="zh-TW" dirty="0">
-                          <a:latin typeface="Times New Roman" panose="02020603050405020304" pitchFamily="18" charset="0"/>
-                          <a:ea typeface="標楷體" panose="03000509000000000000" pitchFamily="65" charset="-120"/>
-                          <a:cs typeface="Times New Roman" panose="02020603050405020304" pitchFamily="18" charset="0"/>
-                        </a:rPr>
-                        <a:t>)</a:t>
+                        <a:t>(jpg, 490x350)</a:t>
                       </a:r>
                       <a:endParaRPr lang="zh-TW" altLang="en-US" dirty="0">
                         <a:latin typeface="Times New Roman" panose="02020603050405020304" pitchFamily="18" charset="0"/>
@@ -14675,36 +13333,12 @@
                     <a:lstStyle/>
                     <a:p>
                       <a:r>
-                        <a:rPr lang="en-US" altLang="zh-TW" dirty="0" err="1">
-                          <a:latin typeface="Times New Roman" panose="02020603050405020304" pitchFamily="18" charset="0"/>
-                          <a:ea typeface="標楷體" panose="03000509000000000000" pitchFamily="65" charset="-120"/>
-                          <a:cs typeface="Times New Roman" panose="02020603050405020304" pitchFamily="18" charset="0"/>
-                        </a:rPr>
-                        <a:t>src</a:t>
-                      </a:r>
-                      <a:r>
                         <a:rPr lang="en-US" altLang="zh-TW" dirty="0">
                           <a:latin typeface="Times New Roman" panose="02020603050405020304" pitchFamily="18" charset="0"/>
                           <a:ea typeface="標楷體" panose="03000509000000000000" pitchFamily="65" charset="-120"/>
                           <a:cs typeface="Times New Roman" panose="02020603050405020304" pitchFamily="18" charset="0"/>
                         </a:rPr>
-                        <a:t>:</a:t>
-                      </a:r>
-                      <a:r>
-                        <a:rPr lang="zh-TW" altLang="en-US" dirty="0">
-                          <a:latin typeface="Times New Roman" panose="02020603050405020304" pitchFamily="18" charset="0"/>
-                          <a:ea typeface="標楷體" panose="03000509000000000000" pitchFamily="65" charset="-120"/>
-                          <a:cs typeface="Times New Roman" panose="02020603050405020304" pitchFamily="18" charset="0"/>
-                        </a:rPr>
-                        <a:t>輸入影像（原始彩色影像</a:t>
-                      </a:r>
-                      <a:r>
-                        <a:rPr lang="en-US" altLang="zh-TW" dirty="0">
-                          <a:latin typeface="Times New Roman" panose="02020603050405020304" pitchFamily="18" charset="0"/>
-                          <a:ea typeface="標楷體" panose="03000509000000000000" pitchFamily="65" charset="-120"/>
-                          <a:cs typeface="Times New Roman" panose="02020603050405020304" pitchFamily="18" charset="0"/>
-                        </a:rPr>
-                        <a:t>)</a:t>
+                        <a:t>None</a:t>
                       </a:r>
                     </a:p>
                   </a:txBody>
@@ -14713,63 +13347,6 @@
                 <a:extLst>
                   <a:ext uri="{0D108BD9-81ED-4DB2-BD59-A6C34878D82A}">
                     <a16:rowId xmlns:a16="http://schemas.microsoft.com/office/drawing/2014/main" val="74156603"/>
-                  </a:ext>
-                </a:extLst>
-              </a:tr>
-              <a:tr h="351011">
-                <a:tc>
-                  <a:txBody>
-                    <a:bodyPr/>
-                    <a:lstStyle/>
-                    <a:p>
-                      <a:r>
-                        <a:rPr lang="en-US" altLang="zh-TW" dirty="0">
-                          <a:latin typeface="Times New Roman" panose="02020603050405020304" pitchFamily="18" charset="0"/>
-                          <a:ea typeface="標楷體" panose="03000509000000000000" pitchFamily="65" charset="-120"/>
-                          <a:cs typeface="Times New Roman" panose="02020603050405020304" pitchFamily="18" charset="0"/>
-                        </a:rPr>
-                        <a:t>Method</a:t>
-                      </a:r>
-                      <a:r>
-                        <a:rPr lang="zh-TW" altLang="en-US" dirty="0">
-                          <a:latin typeface="Times New Roman" panose="02020603050405020304" pitchFamily="18" charset="0"/>
-                          <a:ea typeface="標楷體" panose="03000509000000000000" pitchFamily="65" charset="-120"/>
-                          <a:cs typeface="Times New Roman" panose="02020603050405020304" pitchFamily="18" charset="0"/>
-                        </a:rPr>
-                        <a:t>：</a:t>
-                      </a:r>
-                    </a:p>
-                  </a:txBody>
-                  <a:tcPr/>
-                </a:tc>
-                <a:tc>
-                  <a:txBody>
-                    <a:bodyPr/>
-                    <a:lstStyle/>
-                    <a:p>
-                      <a:r>
-                        <a:rPr lang="en-US" altLang="zh-TW" dirty="0">
-                          <a:latin typeface="Times New Roman" panose="02020603050405020304" pitchFamily="18" charset="0"/>
-                          <a:ea typeface="標楷體" panose="03000509000000000000" pitchFamily="65" charset="-120"/>
-                          <a:cs typeface="Times New Roman" panose="02020603050405020304" pitchFamily="18" charset="0"/>
-                        </a:rPr>
-                        <a:t>OpenCV </a:t>
-                      </a:r>
-                      <a:r>
-                        <a:rPr lang="zh-TW" altLang="en-US" dirty="0">
-                          <a:latin typeface="Times New Roman" panose="02020603050405020304" pitchFamily="18" charset="0"/>
-                          <a:ea typeface="標楷體" panose="03000509000000000000" pitchFamily="65" charset="-120"/>
-                          <a:cs typeface="Times New Roman" panose="02020603050405020304" pitchFamily="18" charset="0"/>
-                        </a:rPr>
-                        <a:t>顏色轉換</a:t>
-                      </a:r>
-                    </a:p>
-                  </a:txBody>
-                  <a:tcPr/>
-                </a:tc>
-                <a:extLst>
-                  <a:ext uri="{0D108BD9-81ED-4DB2-BD59-A6C34878D82A}">
-                    <a16:rowId xmlns:a16="http://schemas.microsoft.com/office/drawing/2014/main" val="329397043"/>
                   </a:ext>
                 </a:extLst>
               </a:tr>
@@ -14804,13 +13381,32 @@
                     <a:bodyPr/>
                     <a:lstStyle/>
                     <a:p>
+                      <a:pPr marL="0" marR="0" lvl="0" indent="0" algn="l" defTabSz="914400" rtl="0" eaLnBrk="1" fontAlgn="auto" latinLnBrk="0" hangingPunct="1">
+                        <a:lnSpc>
+                          <a:spcPct val="100000"/>
+                        </a:lnSpc>
+                        <a:spcBef>
+                          <a:spcPts val="0"/>
+                        </a:spcBef>
+                        <a:spcAft>
+                          <a:spcPts val="0"/>
+                        </a:spcAft>
+                        <a:buClr>
+                          <a:srgbClr val="000000"/>
+                        </a:buClr>
+                        <a:buSzTx/>
+                        <a:buFont typeface="Arial"/>
+                        <a:buNone/>
+                        <a:tabLst/>
+                        <a:defRPr/>
+                      </a:pPr>
                       <a:r>
                         <a:rPr lang="zh-TW" altLang="en-US" dirty="0">
                           <a:latin typeface="Times New Roman" panose="02020603050405020304" pitchFamily="18" charset="0"/>
                           <a:ea typeface="標楷體" panose="03000509000000000000" pitchFamily="65" charset="-120"/>
                           <a:cs typeface="Times New Roman" panose="02020603050405020304" pitchFamily="18" charset="0"/>
                         </a:rPr>
-                        <a:t>此函數將彩色影像轉換為灰階影像。</a:t>
+                        <a:t>將影像轉換為灰階</a:t>
                       </a:r>
                     </a:p>
                   </a:txBody>
@@ -14818,7 +13414,130 @@
                 </a:tc>
                 <a:extLst>
                   <a:ext uri="{0D108BD9-81ED-4DB2-BD59-A6C34878D82A}">
-                    <a16:rowId xmlns:a16="http://schemas.microsoft.com/office/drawing/2014/main" val="1743228921"/>
+                    <a16:rowId xmlns:a16="http://schemas.microsoft.com/office/drawing/2014/main" val="329397043"/>
+                  </a:ext>
+                </a:extLst>
+              </a:tr>
+              <a:tr h="351011">
+                <a:tc>
+                  <a:txBody>
+                    <a:bodyPr/>
+                    <a:lstStyle/>
+                    <a:p>
+                      <a:pPr marL="0" marR="0" lvl="0" indent="0" algn="l" defTabSz="914400" rtl="0" eaLnBrk="1" fontAlgn="auto" latinLnBrk="0" hangingPunct="1">
+                        <a:lnSpc>
+                          <a:spcPct val="100000"/>
+                        </a:lnSpc>
+                        <a:spcBef>
+                          <a:spcPts val="0"/>
+                        </a:spcBef>
+                        <a:spcAft>
+                          <a:spcPts val="0"/>
+                        </a:spcAft>
+                        <a:buClr>
+                          <a:srgbClr val="000000"/>
+                        </a:buClr>
+                        <a:buSzTx/>
+                        <a:buFont typeface="Arial"/>
+                        <a:buNone/>
+                        <a:tabLst/>
+                        <a:defRPr/>
+                      </a:pPr>
+                      <a:r>
+                        <a:rPr lang="en-US" altLang="zh-TW" dirty="0">
+                          <a:latin typeface="Times New Roman" panose="02020603050405020304" pitchFamily="18" charset="0"/>
+                          <a:ea typeface="標楷體" panose="03000509000000000000" pitchFamily="65" charset="-120"/>
+                          <a:cs typeface="Times New Roman" panose="02020603050405020304" pitchFamily="18" charset="0"/>
+                        </a:rPr>
+                        <a:t>Method</a:t>
+                      </a:r>
+                      <a:r>
+                        <a:rPr lang="zh-TW" altLang="en-US" dirty="0">
+                          <a:latin typeface="Times New Roman" panose="02020603050405020304" pitchFamily="18" charset="0"/>
+                          <a:ea typeface="標楷體" panose="03000509000000000000" pitchFamily="65" charset="-120"/>
+                          <a:cs typeface="Times New Roman" panose="02020603050405020304" pitchFamily="18" charset="0"/>
+                        </a:rPr>
+                        <a:t>：</a:t>
+                      </a:r>
+                    </a:p>
+                  </a:txBody>
+                  <a:tcPr/>
+                </a:tc>
+                <a:tc>
+                  <a:txBody>
+                    <a:bodyPr/>
+                    <a:lstStyle/>
+                    <a:p>
+                      <a:r>
+                        <a:rPr lang="en-US" altLang="zh-TW" dirty="0" err="1">
+                          <a:latin typeface="Times New Roman" panose="02020603050405020304" pitchFamily="18" charset="0"/>
+                          <a:ea typeface="標楷體" panose="03000509000000000000" pitchFamily="65" charset="-120"/>
+                          <a:cs typeface="Times New Roman" panose="02020603050405020304" pitchFamily="18" charset="0"/>
+                        </a:rPr>
+                        <a:t>img</a:t>
+                      </a:r>
+                      <a:r>
+                        <a:rPr lang="en-US" altLang="zh-TW" dirty="0">
+                          <a:latin typeface="Times New Roman" panose="02020603050405020304" pitchFamily="18" charset="0"/>
+                          <a:ea typeface="標楷體" panose="03000509000000000000" pitchFamily="65" charset="-120"/>
+                          <a:cs typeface="Times New Roman" panose="02020603050405020304" pitchFamily="18" charset="0"/>
+                        </a:rPr>
+                        <a:t> = cv2.imread('D:/input_image.jpg’)</a:t>
+                      </a:r>
+                    </a:p>
+                    <a:p>
+                      <a:r>
+                        <a:rPr lang="en-US" altLang="zh-TW" dirty="0" err="1">
+                          <a:latin typeface="Times New Roman" panose="02020603050405020304" pitchFamily="18" charset="0"/>
+                          <a:ea typeface="標楷體" panose="03000509000000000000" pitchFamily="65" charset="-120"/>
+                          <a:cs typeface="Times New Roman" panose="02020603050405020304" pitchFamily="18" charset="0"/>
+                        </a:rPr>
+                        <a:t>gray_img</a:t>
+                      </a:r>
+                      <a:r>
+                        <a:rPr lang="en-US" altLang="zh-TW" dirty="0">
+                          <a:latin typeface="Times New Roman" panose="02020603050405020304" pitchFamily="18" charset="0"/>
+                          <a:ea typeface="標楷體" panose="03000509000000000000" pitchFamily="65" charset="-120"/>
+                          <a:cs typeface="Times New Roman" panose="02020603050405020304" pitchFamily="18" charset="0"/>
+                        </a:rPr>
+                        <a:t> = cv2.cvtColor(</a:t>
+                      </a:r>
+                      <a:r>
+                        <a:rPr lang="en-US" altLang="zh-TW" dirty="0" err="1">
+                          <a:latin typeface="Times New Roman" panose="02020603050405020304" pitchFamily="18" charset="0"/>
+                          <a:ea typeface="標楷體" panose="03000509000000000000" pitchFamily="65" charset="-120"/>
+                          <a:cs typeface="Times New Roman" panose="02020603050405020304" pitchFamily="18" charset="0"/>
+                        </a:rPr>
+                        <a:t>img</a:t>
+                      </a:r>
+                      <a:r>
+                        <a:rPr lang="en-US" altLang="zh-TW" dirty="0">
+                          <a:latin typeface="Times New Roman" panose="02020603050405020304" pitchFamily="18" charset="0"/>
+                          <a:ea typeface="標楷體" panose="03000509000000000000" pitchFamily="65" charset="-120"/>
+                          <a:cs typeface="Times New Roman" panose="02020603050405020304" pitchFamily="18" charset="0"/>
+                        </a:rPr>
+                        <a:t>, cv2.COLOR_BGR2GRAY)  # </a:t>
+                      </a:r>
+                      <a:r>
+                        <a:rPr lang="zh-TW" altLang="en-US" dirty="0">
+                          <a:latin typeface="Times New Roman" panose="02020603050405020304" pitchFamily="18" charset="0"/>
+                          <a:ea typeface="標楷體" panose="03000509000000000000" pitchFamily="65" charset="-120"/>
+                          <a:cs typeface="Times New Roman" panose="02020603050405020304" pitchFamily="18" charset="0"/>
+                        </a:rPr>
+                        <a:t>轉換為灰階影像</a:t>
+                      </a:r>
+                      <a:endParaRPr lang="en-US" altLang="zh-TW" dirty="0">
+                        <a:latin typeface="Times New Roman" panose="02020603050405020304" pitchFamily="18" charset="0"/>
+                        <a:ea typeface="標楷體" panose="03000509000000000000" pitchFamily="65" charset="-120"/>
+                        <a:cs typeface="Times New Roman" panose="02020603050405020304" pitchFamily="18" charset="0"/>
+                      </a:endParaRPr>
+                    </a:p>
+                  </a:txBody>
+                  <a:tcPr/>
+                </a:tc>
+                <a:extLst>
+                  <a:ext uri="{0D108BD9-81ED-4DB2-BD59-A6C34878D82A}">
+                    <a16:rowId xmlns:a16="http://schemas.microsoft.com/office/drawing/2014/main" val="3505090747"/>
                   </a:ext>
                 </a:extLst>
               </a:tr>
@@ -14828,10 +13547,10 @@
       </p:graphicFrame>
       <p:graphicFrame>
         <p:nvGraphicFramePr>
-          <p:cNvPr id="50" name="表格 2">
+          <p:cNvPr id="8" name="表格 2">
             <a:extLst>
               <a:ext uri="{FF2B5EF4-FFF2-40B4-BE49-F238E27FC236}">
-                <a16:creationId xmlns:a16="http://schemas.microsoft.com/office/drawing/2014/main" id="{431EC9A0-674E-4D1E-A257-FDE5EEB1DC17}"/>
+                <a16:creationId xmlns:a16="http://schemas.microsoft.com/office/drawing/2014/main" id="{1D36C57A-1AFF-4BD6-B9CE-DE0498CA270A}"/>
               </a:ext>
             </a:extLst>
           </p:cNvPr>
@@ -14841,14 +13560,14 @@
           <p:nvPr>
             <p:extLst>
               <p:ext uri="{D42A27DB-BD31-4B8C-83A1-F6EECF244321}">
-                <p14:modId xmlns:p14="http://schemas.microsoft.com/office/powerpoint/2010/main" val="3863977488"/>
+                <p14:modId xmlns:p14="http://schemas.microsoft.com/office/powerpoint/2010/main" val="13766492"/>
               </p:ext>
             </p:extLst>
           </p:nvPr>
         </p:nvGraphicFramePr>
         <p:xfrm>
-          <a:off x="838200" y="3960105"/>
-          <a:ext cx="10515600" cy="2273215"/>
+          <a:off x="838200" y="3533385"/>
+          <a:ext cx="10515600" cy="2699935"/>
         </p:xfrm>
         <a:graphic>
           <a:graphicData uri="http://schemas.openxmlformats.org/drawingml/2006/table">
@@ -14906,47 +13625,10 @@
                       <a:r>
                         <a:rPr lang="en-US" altLang="zh-TW" dirty="0">
                           <a:latin typeface="Times New Roman" panose="02020603050405020304" pitchFamily="18" charset="0"/>
-                          <a:cs typeface="Times New Roman" panose="02020603050405020304" pitchFamily="18" charset="0"/>
-                        </a:rPr>
-                        <a:t>cv2.Sobel</a:t>
-                      </a:r>
-                      <a:r>
-                        <a:rPr lang="zh-TW" altLang="en-US" dirty="0">
-                          <a:latin typeface="Times New Roman" panose="02020603050405020304" pitchFamily="18" charset="0"/>
-                          <a:cs typeface="Times New Roman" panose="02020603050405020304" pitchFamily="18" charset="0"/>
-                        </a:rPr>
-                        <a:t> </a:t>
-                      </a:r>
-                      <a:r>
-                        <a:rPr lang="en-US" altLang="zh-TW" dirty="0">
-                          <a:latin typeface="Times New Roman" panose="02020603050405020304" pitchFamily="18" charset="0"/>
-                          <a:cs typeface="Times New Roman" panose="02020603050405020304" pitchFamily="18" charset="0"/>
-                        </a:rPr>
-                        <a:t>(</a:t>
-                      </a:r>
-                      <a:r>
-                        <a:rPr lang="en-US" altLang="zh-TW" dirty="0">
-                          <a:latin typeface="Times New Roman" panose="02020603050405020304" pitchFamily="18" charset="0"/>
                           <a:ea typeface="標楷體" panose="03000509000000000000" pitchFamily="65" charset="-120"/>
                           <a:cs typeface="Times New Roman" panose="02020603050405020304" pitchFamily="18" charset="0"/>
                         </a:rPr>
                         <a:t>Sobel</a:t>
-                      </a:r>
-                      <a:r>
-                        <a:rPr lang="zh-TW" altLang="en-US" dirty="0">
-                          <a:latin typeface="Times New Roman" panose="02020603050405020304" pitchFamily="18" charset="0"/>
-                          <a:ea typeface="標楷體" panose="03000509000000000000" pitchFamily="65" charset="-120"/>
-                          <a:cs typeface="Times New Roman" panose="02020603050405020304" pitchFamily="18" charset="0"/>
-                        </a:rPr>
-                        <a:t>邊緣檢測</a:t>
-                      </a:r>
-                      <a:r>
-                        <a:rPr lang="en-US" altLang="zh-TW" dirty="0">
-                          <a:latin typeface="Times New Roman" panose="02020603050405020304" pitchFamily="18" charset="0"/>
-                          <a:ea typeface="標楷體" panose="03000509000000000000" pitchFamily="65" charset="-120"/>
-                          <a:cs typeface="Times New Roman" panose="02020603050405020304" pitchFamily="18" charset="0"/>
-                        </a:rPr>
-                        <a:t>)</a:t>
                       </a:r>
                       <a:endParaRPr lang="zh-TW" altLang="en-US" dirty="0">
                         <a:latin typeface="Times New Roman" panose="02020603050405020304" pitchFamily="18" charset="0"/>
@@ -15016,23 +13698,7 @@
                           <a:ea typeface="標楷體" panose="03000509000000000000" pitchFamily="65" charset="-120"/>
                           <a:cs typeface="Times New Roman" panose="02020603050405020304" pitchFamily="18" charset="0"/>
                         </a:rPr>
-                        <a:t>(</a:t>
-                      </a:r>
-                      <a:r>
-                        <a:rPr lang="zh-TW" altLang="en-US" dirty="0">
-                          <a:latin typeface="Times New Roman" panose="02020603050405020304" pitchFamily="18" charset="0"/>
-                          <a:ea typeface="標楷體" panose="03000509000000000000" pitchFamily="65" charset="-120"/>
-                          <a:cs typeface="Times New Roman" panose="02020603050405020304" pitchFamily="18" charset="0"/>
-                        </a:rPr>
-                        <a:t>灰階影像</a:t>
-                      </a:r>
-                      <a:r>
-                        <a:rPr lang="en-US" altLang="zh-TW" dirty="0">
-                          <a:latin typeface="Times New Roman" panose="02020603050405020304" pitchFamily="18" charset="0"/>
-                          <a:ea typeface="標楷體" panose="03000509000000000000" pitchFamily="65" charset="-120"/>
-                          <a:cs typeface="Times New Roman" panose="02020603050405020304" pitchFamily="18" charset="0"/>
-                        </a:rPr>
-                        <a:t>)</a:t>
+                        <a:t>(jpg, 490x350)</a:t>
                       </a:r>
                       <a:endParaRPr lang="zh-TW" altLang="en-US" dirty="0">
                         <a:latin typeface="Times New Roman" panose="02020603050405020304" pitchFamily="18" charset="0"/>
@@ -15086,7 +13752,7 @@
                           <a:ea typeface="標楷體" panose="03000509000000000000" pitchFamily="65" charset="-120"/>
                           <a:cs typeface="Times New Roman" panose="02020603050405020304" pitchFamily="18" charset="0"/>
                         </a:rPr>
-                        <a:t>sobel_img</a:t>
+                        <a:t>sobel_image</a:t>
                       </a:r>
                       <a:r>
                         <a:rPr lang="zh-TW" altLang="en-US" dirty="0">
@@ -15102,55 +13768,7 @@
                           <a:ea typeface="標楷體" panose="03000509000000000000" pitchFamily="65" charset="-120"/>
                           <a:cs typeface="Times New Roman" panose="02020603050405020304" pitchFamily="18" charset="0"/>
                         </a:rPr>
-                        <a:t>(Sobel </a:t>
-                      </a:r>
-                      <a:r>
-                        <a:rPr lang="zh-TW" altLang="en-US" dirty="0">
-                          <a:latin typeface="Times New Roman" panose="02020603050405020304" pitchFamily="18" charset="0"/>
-                          <a:ea typeface="標楷體" panose="03000509000000000000" pitchFamily="65" charset="-120"/>
-                          <a:cs typeface="Times New Roman" panose="02020603050405020304" pitchFamily="18" charset="0"/>
-                        </a:rPr>
-                        <a:t>邊緣檢測結果 </a:t>
-                      </a:r>
-                      <a:r>
-                        <a:rPr lang="en-US" altLang="zh-TW" dirty="0">
-                          <a:latin typeface="Times New Roman" panose="02020603050405020304" pitchFamily="18" charset="0"/>
-                          <a:ea typeface="標楷體" panose="03000509000000000000" pitchFamily="65" charset="-120"/>
-                          <a:cs typeface="Times New Roman" panose="02020603050405020304" pitchFamily="18" charset="0"/>
-                        </a:rPr>
-                        <a:t>(X </a:t>
-                      </a:r>
-                      <a:r>
-                        <a:rPr lang="zh-TW" altLang="en-US" dirty="0">
-                          <a:latin typeface="Times New Roman" panose="02020603050405020304" pitchFamily="18" charset="0"/>
-                          <a:ea typeface="標楷體" panose="03000509000000000000" pitchFamily="65" charset="-120"/>
-                          <a:cs typeface="Times New Roman" panose="02020603050405020304" pitchFamily="18" charset="0"/>
-                        </a:rPr>
-                        <a:t>和 </a:t>
-                      </a:r>
-                      <a:r>
-                        <a:rPr lang="en-US" altLang="zh-TW" dirty="0">
-                          <a:latin typeface="Times New Roman" panose="02020603050405020304" pitchFamily="18" charset="0"/>
-                          <a:ea typeface="標楷體" panose="03000509000000000000" pitchFamily="65" charset="-120"/>
-                          <a:cs typeface="Times New Roman" panose="02020603050405020304" pitchFamily="18" charset="0"/>
-                        </a:rPr>
-                        <a:t>Y </a:t>
-                      </a:r>
-                      <a:r>
-                        <a:rPr lang="zh-TW" altLang="en-US" dirty="0">
-                          <a:latin typeface="Times New Roman" panose="02020603050405020304" pitchFamily="18" charset="0"/>
-                          <a:ea typeface="標楷體" panose="03000509000000000000" pitchFamily="65" charset="-120"/>
-                          <a:cs typeface="Times New Roman" panose="02020603050405020304" pitchFamily="18" charset="0"/>
-                        </a:rPr>
-                        <a:t>方向的邊緣強度</a:t>
-                      </a:r>
-                      <a:r>
-                        <a:rPr lang="en-US" altLang="zh-TW" dirty="0">
-                          <a:latin typeface="Times New Roman" panose="02020603050405020304" pitchFamily="18" charset="0"/>
-                          <a:ea typeface="標楷體" panose="03000509000000000000" pitchFamily="65" charset="-120"/>
-                          <a:cs typeface="Times New Roman" panose="02020603050405020304" pitchFamily="18" charset="0"/>
-                        </a:rPr>
-                        <a:t>))</a:t>
+                        <a:t>(jpg, 490x350)</a:t>
                       </a:r>
                       <a:endParaRPr lang="zh-TW" altLang="en-US" dirty="0">
                         <a:latin typeface="Times New Roman" panose="02020603050405020304" pitchFamily="18" charset="0"/>
@@ -15199,12 +13817,20 @@
                     <a:lstStyle/>
                     <a:p>
                       <a:r>
-                        <a:rPr lang="en-US" altLang="zh-TW" dirty="0" err="1">
+                        <a:rPr lang="en-US" altLang="zh-TW" dirty="0">
                           <a:latin typeface="Times New Roman" panose="02020603050405020304" pitchFamily="18" charset="0"/>
                           <a:ea typeface="標楷體" panose="03000509000000000000" pitchFamily="65" charset="-120"/>
                           <a:cs typeface="Times New Roman" panose="02020603050405020304" pitchFamily="18" charset="0"/>
                         </a:rPr>
-                        <a:t>src</a:t>
+                        <a:t>kernel: </a:t>
+                      </a:r>
+                      <a:r>
+                        <a:rPr lang="zh-TW" altLang="en-US" dirty="0">
+                          <a:latin typeface="Times New Roman" panose="02020603050405020304" pitchFamily="18" charset="0"/>
+                          <a:ea typeface="標楷體" panose="03000509000000000000" pitchFamily="65" charset="-120"/>
+                          <a:cs typeface="Times New Roman" panose="02020603050405020304" pitchFamily="18" charset="0"/>
+                        </a:rPr>
+                        <a:t>輸入影像卷積核的大小（設為 </a:t>
                       </a:r>
                       <a:r>
                         <a:rPr lang="en-US" altLang="zh-TW" dirty="0">
@@ -15212,54 +13838,7 @@
                           <a:ea typeface="標楷體" panose="03000509000000000000" pitchFamily="65" charset="-120"/>
                           <a:cs typeface="Times New Roman" panose="02020603050405020304" pitchFamily="18" charset="0"/>
                         </a:rPr>
-                        <a:t>: </a:t>
-                      </a:r>
-                      <a:r>
-                        <a:rPr lang="zh-TW" altLang="en-US" dirty="0">
-                          <a:latin typeface="Times New Roman" panose="02020603050405020304" pitchFamily="18" charset="0"/>
-                          <a:ea typeface="標楷體" panose="03000509000000000000" pitchFamily="65" charset="-120"/>
-                          <a:cs typeface="Times New Roman" panose="02020603050405020304" pitchFamily="18" charset="0"/>
-                        </a:rPr>
-                        <a:t>輸入影像（灰階影像）</a:t>
-                      </a:r>
-                      <a:endParaRPr lang="en-US" altLang="zh-TW" dirty="0">
-                        <a:latin typeface="Times New Roman" panose="02020603050405020304" pitchFamily="18" charset="0"/>
-                        <a:ea typeface="標楷體" panose="03000509000000000000" pitchFamily="65" charset="-120"/>
-                        <a:cs typeface="Times New Roman" panose="02020603050405020304" pitchFamily="18" charset="0"/>
-                      </a:endParaRPr>
-                    </a:p>
-                    <a:p>
-                      <a:r>
-                        <a:rPr lang="en-US" altLang="zh-TW" dirty="0" err="1">
-                          <a:latin typeface="Times New Roman" panose="02020603050405020304" pitchFamily="18" charset="0"/>
-                          <a:ea typeface="標楷體" panose="03000509000000000000" pitchFamily="65" charset="-120"/>
-                          <a:cs typeface="Times New Roman" panose="02020603050405020304" pitchFamily="18" charset="0"/>
-                        </a:rPr>
-                        <a:t>ksize</a:t>
-                      </a:r>
-                      <a:r>
-                        <a:rPr lang="en-US" altLang="zh-TW" dirty="0">
-                          <a:latin typeface="Times New Roman" panose="02020603050405020304" pitchFamily="18" charset="0"/>
-                          <a:ea typeface="標楷體" panose="03000509000000000000" pitchFamily="65" charset="-120"/>
-                          <a:cs typeface="Times New Roman" panose="02020603050405020304" pitchFamily="18" charset="0"/>
-                        </a:rPr>
-                        <a:t>: </a:t>
-                      </a:r>
-                      <a:r>
-                        <a:rPr lang="zh-TW" altLang="en-US" dirty="0">
-                          <a:latin typeface="Times New Roman" panose="02020603050405020304" pitchFamily="18" charset="0"/>
-                          <a:ea typeface="標楷體" panose="03000509000000000000" pitchFamily="65" charset="-120"/>
-                          <a:cs typeface="Times New Roman" panose="02020603050405020304" pitchFamily="18" charset="0"/>
-                        </a:rPr>
-                        <a:t>輸入影像卷積核的大小（通常設為 </a:t>
-                      </a:r>
-                      <a:r>
-                        <a:rPr lang="en-US" altLang="zh-TW" dirty="0">
-                          <a:latin typeface="Times New Roman" panose="02020603050405020304" pitchFamily="18" charset="0"/>
-                          <a:ea typeface="標楷體" panose="03000509000000000000" pitchFamily="65" charset="-120"/>
-                          <a:cs typeface="Times New Roman" panose="02020603050405020304" pitchFamily="18" charset="0"/>
-                        </a:rPr>
-                        <a:t>3</a:t>
+                        <a:t>3x3</a:t>
                       </a:r>
                       <a:r>
                         <a:rPr lang="zh-TW" altLang="en-US" dirty="0">
@@ -15291,7 +13870,7 @@
                           <a:ea typeface="標楷體" panose="03000509000000000000" pitchFamily="65" charset="-120"/>
                           <a:cs typeface="Times New Roman" panose="02020603050405020304" pitchFamily="18" charset="0"/>
                         </a:rPr>
-                        <a:t>Method</a:t>
+                        <a:t>Description</a:t>
                       </a:r>
                       <a:r>
                         <a:rPr lang="zh-TW" altLang="en-US" dirty="0">
@@ -15350,13 +13929,32 @@
                     <a:bodyPr/>
                     <a:lstStyle/>
                     <a:p>
+                      <a:pPr marL="0" marR="0" lvl="0" indent="0" algn="l" defTabSz="914400" rtl="0" eaLnBrk="1" fontAlgn="auto" latinLnBrk="0" hangingPunct="1">
+                        <a:lnSpc>
+                          <a:spcPct val="100000"/>
+                        </a:lnSpc>
+                        <a:spcBef>
+                          <a:spcPts val="0"/>
+                        </a:spcBef>
+                        <a:spcAft>
+                          <a:spcPts val="0"/>
+                        </a:spcAft>
+                        <a:buClr>
+                          <a:srgbClr val="000000"/>
+                        </a:buClr>
+                        <a:buSzTx/>
+                        <a:buFont typeface="Arial"/>
+                        <a:buNone/>
+                        <a:tabLst/>
+                        <a:defRPr/>
+                      </a:pPr>
                       <a:r>
                         <a:rPr lang="en-US" altLang="zh-TW" dirty="0">
                           <a:latin typeface="Times New Roman" panose="02020603050405020304" pitchFamily="18" charset="0"/>
                           <a:ea typeface="標楷體" panose="03000509000000000000" pitchFamily="65" charset="-120"/>
                           <a:cs typeface="Times New Roman" panose="02020603050405020304" pitchFamily="18" charset="0"/>
                         </a:rPr>
-                        <a:t>Description</a:t>
+                        <a:t>Method</a:t>
                       </a:r>
                       <a:r>
                         <a:rPr lang="zh-TW" altLang="en-US" dirty="0">
@@ -15376,20 +13974,186 @@
                     <a:lstStyle/>
                     <a:p>
                       <a:r>
+                        <a:rPr lang="en-US" altLang="zh-TW" dirty="0" err="1">
+                          <a:latin typeface="Times New Roman" panose="02020603050405020304" pitchFamily="18" charset="0"/>
+                          <a:ea typeface="標楷體" panose="03000509000000000000" pitchFamily="65" charset="-120"/>
+                          <a:cs typeface="Times New Roman" panose="02020603050405020304" pitchFamily="18" charset="0"/>
+                        </a:rPr>
+                        <a:t>sobel_x_kernel</a:t>
+                      </a:r>
+                      <a:r>
                         <a:rPr lang="en-US" altLang="zh-TW" dirty="0">
                           <a:latin typeface="Times New Roman" panose="02020603050405020304" pitchFamily="18" charset="0"/>
                           <a:ea typeface="標楷體" panose="03000509000000000000" pitchFamily="65" charset="-120"/>
                           <a:cs typeface="Times New Roman" panose="02020603050405020304" pitchFamily="18" charset="0"/>
                         </a:rPr>
-                        <a:t>Sobel </a:t>
+                        <a:t> = </a:t>
                       </a:r>
                       <a:r>
-                        <a:rPr lang="zh-TW" altLang="en-US" dirty="0">
+                        <a:rPr lang="en-US" altLang="zh-TW" dirty="0" err="1">
                           <a:latin typeface="Times New Roman" panose="02020603050405020304" pitchFamily="18" charset="0"/>
                           <a:ea typeface="標楷體" panose="03000509000000000000" pitchFamily="65" charset="-120"/>
                           <a:cs typeface="Times New Roman" panose="02020603050405020304" pitchFamily="18" charset="0"/>
                         </a:rPr>
-                        <a:t>算法用來檢測影像中的邊緣，通過計算水平與垂直方向的變化來檢測邊緣。</a:t>
+                        <a:t>np.array</a:t>
+                      </a:r>
+                      <a:r>
+                        <a:rPr lang="en-US" altLang="zh-TW" dirty="0">
+                          <a:latin typeface="Times New Roman" panose="02020603050405020304" pitchFamily="18" charset="0"/>
+                          <a:ea typeface="標楷體" panose="03000509000000000000" pitchFamily="65" charset="-120"/>
+                          <a:cs typeface="Times New Roman" panose="02020603050405020304" pitchFamily="18" charset="0"/>
+                        </a:rPr>
+                        <a:t>([[-1, 0, 1], [-2, 0, 2], [-1, 0, 1]])</a:t>
+                      </a:r>
+                    </a:p>
+                    <a:p>
+                      <a:r>
+                        <a:rPr lang="en-US" altLang="zh-TW" dirty="0" err="1">
+                          <a:latin typeface="Times New Roman" panose="02020603050405020304" pitchFamily="18" charset="0"/>
+                          <a:ea typeface="標楷體" panose="03000509000000000000" pitchFamily="65" charset="-120"/>
+                          <a:cs typeface="Times New Roman" panose="02020603050405020304" pitchFamily="18" charset="0"/>
+                        </a:rPr>
+                        <a:t>sobel_y_kernel</a:t>
+                      </a:r>
+                      <a:r>
+                        <a:rPr lang="en-US" altLang="zh-TW" dirty="0">
+                          <a:latin typeface="Times New Roman" panose="02020603050405020304" pitchFamily="18" charset="0"/>
+                          <a:ea typeface="標楷體" panose="03000509000000000000" pitchFamily="65" charset="-120"/>
+                          <a:cs typeface="Times New Roman" panose="02020603050405020304" pitchFamily="18" charset="0"/>
+                        </a:rPr>
+                        <a:t> = </a:t>
+                      </a:r>
+                      <a:r>
+                        <a:rPr lang="en-US" altLang="zh-TW" dirty="0" err="1">
+                          <a:latin typeface="Times New Roman" panose="02020603050405020304" pitchFamily="18" charset="0"/>
+                          <a:ea typeface="標楷體" panose="03000509000000000000" pitchFamily="65" charset="-120"/>
+                          <a:cs typeface="Times New Roman" panose="02020603050405020304" pitchFamily="18" charset="0"/>
+                        </a:rPr>
+                        <a:t>np.array</a:t>
+                      </a:r>
+                      <a:r>
+                        <a:rPr lang="en-US" altLang="zh-TW" dirty="0">
+                          <a:latin typeface="Times New Roman" panose="02020603050405020304" pitchFamily="18" charset="0"/>
+                          <a:ea typeface="標楷體" panose="03000509000000000000" pitchFamily="65" charset="-120"/>
+                          <a:cs typeface="Times New Roman" panose="02020603050405020304" pitchFamily="18" charset="0"/>
+                        </a:rPr>
+                        <a:t>([[-1, -2, -1], [0, 0, 0], [1, 2, 1]])</a:t>
+                      </a:r>
+                    </a:p>
+                    <a:p>
+                      <a:r>
+                        <a:rPr lang="en-US" altLang="zh-TW" dirty="0" err="1">
+                          <a:latin typeface="Times New Roman" panose="02020603050405020304" pitchFamily="18" charset="0"/>
+                          <a:ea typeface="標楷體" panose="03000509000000000000" pitchFamily="65" charset="-120"/>
+                          <a:cs typeface="Times New Roman" panose="02020603050405020304" pitchFamily="18" charset="0"/>
+                        </a:rPr>
+                        <a:t>sobel_magnitude</a:t>
+                      </a:r>
+                      <a:r>
+                        <a:rPr lang="en-US" altLang="zh-TW" dirty="0">
+                          <a:latin typeface="Times New Roman" panose="02020603050405020304" pitchFamily="18" charset="0"/>
+                          <a:ea typeface="標楷體" panose="03000509000000000000" pitchFamily="65" charset="-120"/>
+                          <a:cs typeface="Times New Roman" panose="02020603050405020304" pitchFamily="18" charset="0"/>
+                        </a:rPr>
+                        <a:t> = </a:t>
+                      </a:r>
+                      <a:r>
+                        <a:rPr lang="en-US" altLang="zh-TW" dirty="0" err="1">
+                          <a:latin typeface="Times New Roman" panose="02020603050405020304" pitchFamily="18" charset="0"/>
+                          <a:ea typeface="標楷體" panose="03000509000000000000" pitchFamily="65" charset="-120"/>
+                          <a:cs typeface="Times New Roman" panose="02020603050405020304" pitchFamily="18" charset="0"/>
+                        </a:rPr>
+                        <a:t>np.sqrt</a:t>
+                      </a:r>
+                      <a:r>
+                        <a:rPr lang="en-US" altLang="zh-TW" dirty="0">
+                          <a:latin typeface="Times New Roman" panose="02020603050405020304" pitchFamily="18" charset="0"/>
+                          <a:ea typeface="標楷體" panose="03000509000000000000" pitchFamily="65" charset="-120"/>
+                          <a:cs typeface="Times New Roman" panose="02020603050405020304" pitchFamily="18" charset="0"/>
+                        </a:rPr>
+                        <a:t>(</a:t>
+                      </a:r>
+                      <a:r>
+                        <a:rPr lang="en-US" altLang="zh-TW" dirty="0" err="1">
+                          <a:latin typeface="Times New Roman" panose="02020603050405020304" pitchFamily="18" charset="0"/>
+                          <a:ea typeface="標楷體" panose="03000509000000000000" pitchFamily="65" charset="-120"/>
+                          <a:cs typeface="Times New Roman" panose="02020603050405020304" pitchFamily="18" charset="0"/>
+                        </a:rPr>
+                        <a:t>sobel_x</a:t>
+                      </a:r>
+                      <a:r>
+                        <a:rPr lang="en-US" altLang="zh-TW" dirty="0">
+                          <a:latin typeface="Times New Roman" panose="02020603050405020304" pitchFamily="18" charset="0"/>
+                          <a:ea typeface="標楷體" panose="03000509000000000000" pitchFamily="65" charset="-120"/>
+                          <a:cs typeface="Times New Roman" panose="02020603050405020304" pitchFamily="18" charset="0"/>
+                        </a:rPr>
+                        <a:t> ** 2 + </a:t>
+                      </a:r>
+                      <a:r>
+                        <a:rPr lang="en-US" altLang="zh-TW" dirty="0" err="1">
+                          <a:latin typeface="Times New Roman" panose="02020603050405020304" pitchFamily="18" charset="0"/>
+                          <a:ea typeface="標楷體" panose="03000509000000000000" pitchFamily="65" charset="-120"/>
+                          <a:cs typeface="Times New Roman" panose="02020603050405020304" pitchFamily="18" charset="0"/>
+                        </a:rPr>
+                        <a:t>sobel_y</a:t>
+                      </a:r>
+                      <a:r>
+                        <a:rPr lang="en-US" altLang="zh-TW" dirty="0">
+                          <a:latin typeface="Times New Roman" panose="02020603050405020304" pitchFamily="18" charset="0"/>
+                          <a:ea typeface="標楷體" panose="03000509000000000000" pitchFamily="65" charset="-120"/>
+                          <a:cs typeface="Times New Roman" panose="02020603050405020304" pitchFamily="18" charset="0"/>
+                        </a:rPr>
+                        <a:t> ** 2)</a:t>
+                      </a:r>
+                    </a:p>
+                    <a:p>
+                      <a:r>
+                        <a:rPr lang="en-US" altLang="zh-TW" dirty="0" err="1">
+                          <a:latin typeface="Times New Roman" panose="02020603050405020304" pitchFamily="18" charset="0"/>
+                          <a:ea typeface="標楷體" panose="03000509000000000000" pitchFamily="65" charset="-120"/>
+                          <a:cs typeface="Times New Roman" panose="02020603050405020304" pitchFamily="18" charset="0"/>
+                        </a:rPr>
+                        <a:t>sobel_magnitude</a:t>
+                      </a:r>
+                      <a:r>
+                        <a:rPr lang="en-US" altLang="zh-TW" dirty="0">
+                          <a:latin typeface="Times New Roman" panose="02020603050405020304" pitchFamily="18" charset="0"/>
+                          <a:ea typeface="標楷體" panose="03000509000000000000" pitchFamily="65" charset="-120"/>
+                          <a:cs typeface="Times New Roman" panose="02020603050405020304" pitchFamily="18" charset="0"/>
+                        </a:rPr>
+                        <a:t> = np.uint8(</a:t>
+                      </a:r>
+                      <a:r>
+                        <a:rPr lang="en-US" altLang="zh-TW" dirty="0" err="1">
+                          <a:latin typeface="Times New Roman" panose="02020603050405020304" pitchFamily="18" charset="0"/>
+                          <a:ea typeface="標楷體" panose="03000509000000000000" pitchFamily="65" charset="-120"/>
+                          <a:cs typeface="Times New Roman" panose="02020603050405020304" pitchFamily="18" charset="0"/>
+                        </a:rPr>
+                        <a:t>sobel_magnitude</a:t>
+                      </a:r>
+                      <a:r>
+                        <a:rPr lang="en-US" altLang="zh-TW" dirty="0">
+                          <a:latin typeface="Times New Roman" panose="02020603050405020304" pitchFamily="18" charset="0"/>
+                          <a:ea typeface="標楷體" panose="03000509000000000000" pitchFamily="65" charset="-120"/>
+                          <a:cs typeface="Times New Roman" panose="02020603050405020304" pitchFamily="18" charset="0"/>
+                        </a:rPr>
+                        <a:t> / </a:t>
+                      </a:r>
+                      <a:r>
+                        <a:rPr lang="en-US" altLang="zh-TW" dirty="0" err="1">
+                          <a:latin typeface="Times New Roman" panose="02020603050405020304" pitchFamily="18" charset="0"/>
+                          <a:ea typeface="標楷體" panose="03000509000000000000" pitchFamily="65" charset="-120"/>
+                          <a:cs typeface="Times New Roman" panose="02020603050405020304" pitchFamily="18" charset="0"/>
+                        </a:rPr>
+                        <a:t>sobel_magnitude.max</a:t>
+                      </a:r>
+                      <a:r>
+                        <a:rPr lang="en-US" altLang="zh-TW" dirty="0">
+                          <a:latin typeface="Times New Roman" panose="02020603050405020304" pitchFamily="18" charset="0"/>
+                          <a:ea typeface="標楷體" panose="03000509000000000000" pitchFamily="65" charset="-120"/>
+                          <a:cs typeface="Times New Roman" panose="02020603050405020304" pitchFamily="18" charset="0"/>
+                        </a:rPr>
+                        <a:t>() * 255)</a:t>
                       </a:r>
                     </a:p>
                   </a:txBody>
@@ -15397,7 +14161,7 @@
                 </a:tc>
                 <a:extLst>
                   <a:ext uri="{0D108BD9-81ED-4DB2-BD59-A6C34878D82A}">
-                    <a16:rowId xmlns:a16="http://schemas.microsoft.com/office/drawing/2014/main" val="1743228921"/>
+                    <a16:rowId xmlns:a16="http://schemas.microsoft.com/office/drawing/2014/main" val="3505090747"/>
                   </a:ext>
                 </a:extLst>
               </a:tr>
@@ -15413,7 +14177,7 @@
 </p:sld>
 </file>
 
-<file path=ppt/slides/slide8.xml><?xml version="1.0" encoding="utf-8"?>
+<file path=ppt/slides/slide6.xml><?xml version="1.0" encoding="utf-8"?>
 <p:sld xmlns:a="http://schemas.openxmlformats.org/drawingml/2006/main" xmlns:r="http://schemas.openxmlformats.org/officeDocument/2006/relationships" xmlns:p="http://schemas.openxmlformats.org/presentationml/2006/main">
   <p:cSld>
     <p:spTree>
@@ -15558,14 +14322,14 @@
           <p:nvPr>
             <p:extLst>
               <p:ext uri="{D42A27DB-BD31-4B8C-83A1-F6EECF244321}">
-                <p14:modId xmlns:p14="http://schemas.microsoft.com/office/powerpoint/2010/main" val="860795703"/>
+                <p14:modId xmlns:p14="http://schemas.microsoft.com/office/powerpoint/2010/main" val="2323526515"/>
               </p:ext>
             </p:extLst>
           </p:nvPr>
         </p:nvGraphicFramePr>
         <p:xfrm>
           <a:off x="838200" y="1195946"/>
-          <a:ext cx="10515600" cy="2273215"/>
+          <a:ext cx="10515600" cy="1922204"/>
         </p:xfrm>
         <a:graphic>
           <a:graphicData uri="http://schemas.openxmlformats.org/drawingml/2006/table">
@@ -15621,24 +14385,6 @@
                     <a:lstStyle/>
                     <a:p>
                       <a:r>
-                        <a:rPr lang="en-US" altLang="zh-TW" dirty="0" err="1">
-                          <a:latin typeface="Times New Roman" panose="02020603050405020304" pitchFamily="18" charset="0"/>
-                          <a:cs typeface="Times New Roman" panose="02020603050405020304" pitchFamily="18" charset="0"/>
-                        </a:rPr>
-                        <a:t>skimage.feature.local_binary_pattern</a:t>
-                      </a:r>
-                      <a:r>
-                        <a:rPr lang="zh-TW" altLang="en-US" dirty="0">
-                          <a:latin typeface="Times New Roman" panose="02020603050405020304" pitchFamily="18" charset="0"/>
-                          <a:cs typeface="Times New Roman" panose="02020603050405020304" pitchFamily="18" charset="0"/>
-                        </a:rPr>
-                        <a:t> </a:t>
-                      </a:r>
-                      <a:r>
-                        <a:rPr lang="en-US" altLang="zh-TW" dirty="0"/>
-                        <a:t>(</a:t>
-                      </a:r>
-                      <a:r>
                         <a:rPr lang="en-US" altLang="zh-TW" dirty="0">
                           <a:latin typeface="Times New Roman" panose="02020603050405020304" pitchFamily="18" charset="0"/>
                           <a:ea typeface="標楷體" panose="03000509000000000000" pitchFamily="65" charset="-120"/>
@@ -15654,19 +14400,6 @@
                         </a:rPr>
                         <a:t>編碼</a:t>
                       </a:r>
-                      <a:r>
-                        <a:rPr lang="en-US" altLang="zh-TW" dirty="0">
-                          <a:latin typeface="Times New Roman" panose="02020603050405020304" pitchFamily="18" charset="0"/>
-                          <a:ea typeface="標楷體" panose="03000509000000000000" pitchFamily="65" charset="-120"/>
-                          <a:cs typeface="Times New Roman" panose="02020603050405020304" pitchFamily="18" charset="0"/>
-                        </a:rPr>
-                        <a:t>)</a:t>
-                      </a:r>
-                      <a:endParaRPr lang="zh-TW" altLang="en-US" dirty="0">
-                        <a:latin typeface="Times New Roman" panose="02020603050405020304" pitchFamily="18" charset="0"/>
-                        <a:ea typeface="標楷體" panose="03000509000000000000" pitchFamily="65" charset="-120"/>
-                        <a:cs typeface="Times New Roman" panose="02020603050405020304" pitchFamily="18" charset="0"/>
-                      </a:endParaRPr>
                     </a:p>
                   </a:txBody>
                   <a:tcPr/>
@@ -15730,39 +14463,7 @@
                           <a:ea typeface="標楷體" panose="03000509000000000000" pitchFamily="65" charset="-120"/>
                           <a:cs typeface="Times New Roman" panose="02020603050405020304" pitchFamily="18" charset="0"/>
                         </a:rPr>
-                        <a:t>(Sobel </a:t>
-                      </a:r>
-                      <a:r>
-                        <a:rPr lang="zh-TW" altLang="en-US" dirty="0">
-                          <a:latin typeface="Times New Roman" panose="02020603050405020304" pitchFamily="18" charset="0"/>
-                          <a:ea typeface="標楷體" panose="03000509000000000000" pitchFamily="65" charset="-120"/>
-                          <a:cs typeface="Times New Roman" panose="02020603050405020304" pitchFamily="18" charset="0"/>
-                        </a:rPr>
-                        <a:t>邊緣檢測結果 </a:t>
-                      </a:r>
-                      <a:r>
-                        <a:rPr lang="en-US" altLang="zh-TW" dirty="0">
-                          <a:latin typeface="Times New Roman" panose="02020603050405020304" pitchFamily="18" charset="0"/>
-                          <a:ea typeface="標楷體" panose="03000509000000000000" pitchFamily="65" charset="-120"/>
-                          <a:cs typeface="Times New Roman" panose="02020603050405020304" pitchFamily="18" charset="0"/>
-                        </a:rPr>
-                        <a:t>(</a:t>
-                      </a:r>
-                      <a:r>
-                        <a:rPr lang="zh-TW" altLang="en-US" dirty="0">
-                          <a:latin typeface="Times New Roman" panose="02020603050405020304" pitchFamily="18" charset="0"/>
-                          <a:ea typeface="標楷體" panose="03000509000000000000" pitchFamily="65" charset="-120"/>
-                          <a:cs typeface="Times New Roman" panose="02020603050405020304" pitchFamily="18" charset="0"/>
-                        </a:rPr>
-                        <a:t>通常為邊緣圖像</a:t>
-                      </a:r>
-                      <a:r>
-                        <a:rPr lang="en-US" altLang="zh-TW" dirty="0">
-                          <a:latin typeface="Times New Roman" panose="02020603050405020304" pitchFamily="18" charset="0"/>
-                          <a:ea typeface="標楷體" panose="03000509000000000000" pitchFamily="65" charset="-120"/>
-                          <a:cs typeface="Times New Roman" panose="02020603050405020304" pitchFamily="18" charset="0"/>
-                        </a:rPr>
-                        <a:t>))</a:t>
+                        <a:t>(jpg, 490x350)</a:t>
                       </a:r>
                       <a:endParaRPr lang="zh-TW" altLang="en-US" dirty="0">
                         <a:latin typeface="Times New Roman" panose="02020603050405020304" pitchFamily="18" charset="0"/>
@@ -15832,23 +14533,7 @@
                           <a:ea typeface="標楷體" panose="03000509000000000000" pitchFamily="65" charset="-120"/>
                           <a:cs typeface="Times New Roman" panose="02020603050405020304" pitchFamily="18" charset="0"/>
                         </a:rPr>
-                        <a:t>(LBP </a:t>
-                      </a:r>
-                      <a:r>
-                        <a:rPr lang="zh-TW" altLang="en-US" dirty="0">
-                          <a:latin typeface="Times New Roman" panose="02020603050405020304" pitchFamily="18" charset="0"/>
-                          <a:ea typeface="標楷體" panose="03000509000000000000" pitchFamily="65" charset="-120"/>
-                          <a:cs typeface="Times New Roman" panose="02020603050405020304" pitchFamily="18" charset="0"/>
-                        </a:rPr>
-                        <a:t>編碼影像</a:t>
-                      </a:r>
-                      <a:r>
-                        <a:rPr lang="en-US" altLang="zh-TW" dirty="0">
-                          <a:latin typeface="Times New Roman" panose="02020603050405020304" pitchFamily="18" charset="0"/>
-                          <a:ea typeface="標楷體" panose="03000509000000000000" pitchFamily="65" charset="-120"/>
-                          <a:cs typeface="Times New Roman" panose="02020603050405020304" pitchFamily="18" charset="0"/>
-                        </a:rPr>
-                        <a:t>)</a:t>
+                        <a:t>(jpg, 490x350)</a:t>
                       </a:r>
                       <a:endParaRPr lang="zh-TW" altLang="en-US" dirty="0">
                         <a:latin typeface="Times New Roman" panose="02020603050405020304" pitchFamily="18" charset="0"/>
@@ -15897,12 +14582,20 @@
                     <a:lstStyle/>
                     <a:p>
                       <a:r>
+                        <a:rPr lang="en-US" altLang="zh-TW" dirty="0" err="1">
+                          <a:latin typeface="Times New Roman" panose="02020603050405020304" pitchFamily="18" charset="0"/>
+                          <a:ea typeface="標楷體" panose="03000509000000000000" pitchFamily="65" charset="-120"/>
+                          <a:cs typeface="Times New Roman" panose="02020603050405020304" pitchFamily="18" charset="0"/>
+                        </a:rPr>
+                        <a:t>n_points</a:t>
+                      </a:r>
+                      <a:r>
                         <a:rPr lang="en-US" altLang="zh-TW" dirty="0">
                           <a:latin typeface="Times New Roman" panose="02020603050405020304" pitchFamily="18" charset="0"/>
                           <a:ea typeface="標楷體" panose="03000509000000000000" pitchFamily="65" charset="-120"/>
                           <a:cs typeface="Times New Roman" panose="02020603050405020304" pitchFamily="18" charset="0"/>
                         </a:rPr>
-                        <a:t>P: LBP </a:t>
+                        <a:t>: LBP </a:t>
                       </a:r>
                       <a:r>
                         <a:rPr lang="zh-TW" altLang="en-US" dirty="0">
@@ -15910,7 +14603,7 @@
                           <a:ea typeface="標楷體" panose="03000509000000000000" pitchFamily="65" charset="-120"/>
                           <a:cs typeface="Times New Roman" panose="02020603050405020304" pitchFamily="18" charset="0"/>
                         </a:rPr>
-                        <a:t>編碼的點數 </a:t>
+                        <a:t>編碼的周圍取樣點數 </a:t>
                       </a:r>
                       <a:r>
                         <a:rPr lang="en-US" altLang="zh-TW" dirty="0">
@@ -15926,7 +14619,7 @@
                           <a:ea typeface="標楷體" panose="03000509000000000000" pitchFamily="65" charset="-120"/>
                           <a:cs typeface="Times New Roman" panose="02020603050405020304" pitchFamily="18" charset="0"/>
                         </a:rPr>
-                        <a:t>例如，</a:t>
+                        <a:t>設為：</a:t>
                       </a:r>
                       <a:r>
                         <a:rPr lang="en-US" altLang="zh-TW" dirty="0">
@@ -15934,7 +14627,7 @@
                           <a:ea typeface="標楷體" panose="03000509000000000000" pitchFamily="65" charset="-120"/>
                           <a:cs typeface="Times New Roman" panose="02020603050405020304" pitchFamily="18" charset="0"/>
                         </a:rPr>
-                        <a:t>8 * radius)</a:t>
+                        <a:t>8 )</a:t>
                       </a:r>
                     </a:p>
                     <a:p>
@@ -15944,7 +14637,7 @@
                           <a:ea typeface="標楷體" panose="03000509000000000000" pitchFamily="65" charset="-120"/>
                           <a:cs typeface="Times New Roman" panose="02020603050405020304" pitchFamily="18" charset="0"/>
                         </a:rPr>
-                        <a:t>R: LBP </a:t>
+                        <a:t>radius: LBP </a:t>
                       </a:r>
                       <a:r>
                         <a:rPr lang="zh-TW" altLang="en-US" dirty="0">
@@ -15952,7 +14645,7 @@
                           <a:ea typeface="標楷體" panose="03000509000000000000" pitchFamily="65" charset="-120"/>
                           <a:cs typeface="Times New Roman" panose="02020603050405020304" pitchFamily="18" charset="0"/>
                         </a:rPr>
-                        <a:t>編碼的半徑（例如，</a:t>
+                        <a:t>編碼的半徑（設為：</a:t>
                       </a:r>
                       <a:r>
                         <a:rPr lang="en-US" altLang="zh-TW" dirty="0">
@@ -15991,13 +14684,32 @@
                     <a:bodyPr/>
                     <a:lstStyle/>
                     <a:p>
+                      <a:pPr marL="0" marR="0" lvl="0" indent="0" algn="l" defTabSz="914400" rtl="0" eaLnBrk="1" fontAlgn="auto" latinLnBrk="0" hangingPunct="1">
+                        <a:lnSpc>
+                          <a:spcPct val="100000"/>
+                        </a:lnSpc>
+                        <a:spcBef>
+                          <a:spcPts val="0"/>
+                        </a:spcBef>
+                        <a:spcAft>
+                          <a:spcPts val="0"/>
+                        </a:spcAft>
+                        <a:buClr>
+                          <a:srgbClr val="000000"/>
+                        </a:buClr>
+                        <a:buSzTx/>
+                        <a:buFont typeface="Arial"/>
+                        <a:buNone/>
+                        <a:tabLst/>
+                        <a:defRPr/>
+                      </a:pPr>
                       <a:r>
                         <a:rPr lang="en-US" altLang="zh-TW" dirty="0">
                           <a:latin typeface="Times New Roman" panose="02020603050405020304" pitchFamily="18" charset="0"/>
                           <a:ea typeface="標楷體" panose="03000509000000000000" pitchFamily="65" charset="-120"/>
                           <a:cs typeface="Times New Roman" panose="02020603050405020304" pitchFamily="18" charset="0"/>
                         </a:rPr>
-                        <a:t>Method</a:t>
+                        <a:t>Description</a:t>
                       </a:r>
                       <a:r>
                         <a:rPr lang="zh-TW" altLang="en-US" dirty="0">
@@ -16042,55 +14754,6 @@
                   </a:ext>
                 </a:extLst>
               </a:tr>
-              <a:tr h="351011">
-                <a:tc>
-                  <a:txBody>
-                    <a:bodyPr/>
-                    <a:lstStyle/>
-                    <a:p>
-                      <a:r>
-                        <a:rPr lang="en-US" altLang="zh-TW" dirty="0">
-                          <a:latin typeface="Times New Roman" panose="02020603050405020304" pitchFamily="18" charset="0"/>
-                          <a:ea typeface="標楷體" panose="03000509000000000000" pitchFamily="65" charset="-120"/>
-                          <a:cs typeface="Times New Roman" panose="02020603050405020304" pitchFamily="18" charset="0"/>
-                        </a:rPr>
-                        <a:t>Description</a:t>
-                      </a:r>
-                      <a:r>
-                        <a:rPr lang="zh-TW" altLang="en-US" dirty="0">
-                          <a:latin typeface="Times New Roman" panose="02020603050405020304" pitchFamily="18" charset="0"/>
-                          <a:ea typeface="標楷體" panose="03000509000000000000" pitchFamily="65" charset="-120"/>
-                          <a:cs typeface="Times New Roman" panose="02020603050405020304" pitchFamily="18" charset="0"/>
-                        </a:rPr>
-                        <a:t>：</a:t>
-                      </a:r>
-                    </a:p>
-                  </a:txBody>
-                  <a:tcPr/>
-                </a:tc>
-                <a:tc>
-                  <a:txBody>
-                    <a:bodyPr/>
-                    <a:lstStyle/>
-                    <a:p>
-                      <a:r>
-                        <a:rPr lang="zh-TW" altLang="en-US" dirty="0">
-                          <a:latin typeface="Times New Roman" panose="02020603050405020304" pitchFamily="18" charset="0"/>
-                          <a:ea typeface="標楷體" panose="03000509000000000000" pitchFamily="65" charset="-120"/>
-                          <a:cs typeface="Times New Roman" panose="02020603050405020304" pitchFamily="18" charset="0"/>
-                        </a:rPr>
-                        <a:t>通過比較每個像素與其周圍像素的強度，來計算出二進位編碼。</a:t>
-                      </a:r>
-                    </a:p>
-                  </a:txBody>
-                  <a:tcPr/>
-                </a:tc>
-                <a:extLst>
-                  <a:ext uri="{0D108BD9-81ED-4DB2-BD59-A6C34878D82A}">
-                    <a16:rowId xmlns:a16="http://schemas.microsoft.com/office/drawing/2014/main" val="1743228921"/>
-                  </a:ext>
-                </a:extLst>
-              </a:tr>
             </a:tbl>
           </a:graphicData>
         </a:graphic>
@@ -16110,14 +14773,14 @@
           <p:nvPr>
             <p:extLst>
               <p:ext uri="{D42A27DB-BD31-4B8C-83A1-F6EECF244321}">
-                <p14:modId xmlns:p14="http://schemas.microsoft.com/office/powerpoint/2010/main" val="3759387106"/>
+                <p14:modId xmlns:p14="http://schemas.microsoft.com/office/powerpoint/2010/main" val="3719529159"/>
               </p:ext>
             </p:extLst>
           </p:nvPr>
         </p:nvGraphicFramePr>
         <p:xfrm>
           <a:off x="838200" y="3960105"/>
-          <a:ext cx="10515600" cy="2106066"/>
+          <a:ext cx="10515600" cy="1922204"/>
         </p:xfrm>
         <a:graphic>
           <a:graphicData uri="http://schemas.openxmlformats.org/drawingml/2006/table">
@@ -16173,30 +14836,12 @@
                     <a:lstStyle/>
                     <a:p>
                       <a:r>
-                        <a:rPr lang="en-US" altLang="zh-TW" dirty="0" err="1">
-                          <a:latin typeface="Times New Roman" panose="02020603050405020304" pitchFamily="18" charset="0"/>
-                          <a:cs typeface="Times New Roman" panose="02020603050405020304" pitchFamily="18" charset="0"/>
-                        </a:rPr>
-                        <a:t>numpy.histogram</a:t>
-                      </a:r>
-                      <a:r>
-                        <a:rPr lang="zh-TW" altLang="en-US" dirty="0">
-                          <a:latin typeface="Times New Roman" panose="02020603050405020304" pitchFamily="18" charset="0"/>
-                          <a:cs typeface="Times New Roman" panose="02020603050405020304" pitchFamily="18" charset="0"/>
-                        </a:rPr>
-                        <a:t> </a:t>
-                      </a:r>
-                      <a:r>
-                        <a:rPr lang="en-US" altLang="zh-TW" dirty="0"/>
-                        <a:t>(</a:t>
-                      </a:r>
-                      <a:r>
                         <a:rPr lang="en-US" altLang="zh-TW" dirty="0">
                           <a:latin typeface="Times New Roman" panose="02020603050405020304" pitchFamily="18" charset="0"/>
                           <a:ea typeface="標楷體" panose="03000509000000000000" pitchFamily="65" charset="-120"/>
                           <a:cs typeface="Times New Roman" panose="02020603050405020304" pitchFamily="18" charset="0"/>
                         </a:rPr>
-                        <a:t>histogram)</a:t>
+                        <a:t>histogram</a:t>
                       </a:r>
                       <a:endParaRPr lang="zh-TW" altLang="en-US" dirty="0">
                         <a:latin typeface="Times New Roman" panose="02020603050405020304" pitchFamily="18" charset="0"/>
@@ -16266,23 +14911,7 @@
                           <a:ea typeface="標楷體" panose="03000509000000000000" pitchFamily="65" charset="-120"/>
                           <a:cs typeface="Times New Roman" panose="02020603050405020304" pitchFamily="18" charset="0"/>
                         </a:rPr>
-                        <a:t>(LBP </a:t>
-                      </a:r>
-                      <a:r>
-                        <a:rPr lang="zh-TW" altLang="en-US" dirty="0">
-                          <a:latin typeface="Times New Roman" panose="02020603050405020304" pitchFamily="18" charset="0"/>
-                          <a:ea typeface="標楷體" panose="03000509000000000000" pitchFamily="65" charset="-120"/>
-                          <a:cs typeface="Times New Roman" panose="02020603050405020304" pitchFamily="18" charset="0"/>
-                        </a:rPr>
-                        <a:t>編碼影像</a:t>
-                      </a:r>
-                      <a:r>
-                        <a:rPr lang="en-US" altLang="zh-TW" dirty="0">
-                          <a:latin typeface="Times New Roman" panose="02020603050405020304" pitchFamily="18" charset="0"/>
-                          <a:ea typeface="標楷體" panose="03000509000000000000" pitchFamily="65" charset="-120"/>
-                          <a:cs typeface="Times New Roman" panose="02020603050405020304" pitchFamily="18" charset="0"/>
-                        </a:rPr>
-                        <a:t>)</a:t>
+                        <a:t>(jpg, 490x350)</a:t>
                       </a:r>
                       <a:endParaRPr lang="zh-TW" altLang="en-US" dirty="0">
                         <a:latin typeface="Times New Roman" panose="02020603050405020304" pitchFamily="18" charset="0"/>
@@ -16432,71 +15061,25 @@
                     <a:bodyPr/>
                     <a:lstStyle/>
                     <a:p>
-                      <a:r>
-                        <a:rPr lang="en-US" altLang="zh-TW" dirty="0">
-                          <a:latin typeface="Times New Roman" panose="02020603050405020304" pitchFamily="18" charset="0"/>
-                          <a:ea typeface="標楷體" panose="03000509000000000000" pitchFamily="65" charset="-120"/>
-                          <a:cs typeface="Times New Roman" panose="02020603050405020304" pitchFamily="18" charset="0"/>
-                        </a:rPr>
-                        <a:t>Method</a:t>
-                      </a:r>
-                      <a:r>
-                        <a:rPr lang="zh-TW" altLang="en-US" dirty="0">
-                          <a:latin typeface="Times New Roman" panose="02020603050405020304" pitchFamily="18" charset="0"/>
-                          <a:ea typeface="標楷體" panose="03000509000000000000" pitchFamily="65" charset="-120"/>
-                          <a:cs typeface="Times New Roman" panose="02020603050405020304" pitchFamily="18" charset="0"/>
-                        </a:rPr>
-                        <a:t>：</a:t>
-                      </a:r>
-                    </a:p>
-                  </a:txBody>
-                  <a:tcPr/>
-                </a:tc>
-                <a:tc>
-                  <a:txBody>
-                    <a:bodyPr/>
-                    <a:lstStyle/>
-                    <a:p>
-                      <a:r>
-                        <a:rPr lang="zh-TW" altLang="en-US" dirty="0">
-                          <a:latin typeface="Times New Roman" panose="02020603050405020304" pitchFamily="18" charset="0"/>
-                          <a:ea typeface="標楷體" panose="03000509000000000000" pitchFamily="65" charset="-120"/>
-                          <a:cs typeface="Times New Roman" panose="02020603050405020304" pitchFamily="18" charset="0"/>
-                        </a:rPr>
-                        <a:t>使用 </a:t>
-                      </a:r>
-                      <a:r>
-                        <a:rPr lang="en-US" altLang="zh-TW" dirty="0">
-                          <a:latin typeface="Times New Roman" panose="02020603050405020304" pitchFamily="18" charset="0"/>
-                          <a:ea typeface="標楷體" panose="03000509000000000000" pitchFamily="65" charset="-120"/>
-                          <a:cs typeface="Times New Roman" panose="02020603050405020304" pitchFamily="18" charset="0"/>
-                        </a:rPr>
-                        <a:t>NumPy </a:t>
-                      </a:r>
-                      <a:r>
-                        <a:rPr lang="zh-TW" altLang="en-US" dirty="0">
-                          <a:latin typeface="Times New Roman" panose="02020603050405020304" pitchFamily="18" charset="0"/>
-                          <a:ea typeface="標楷體" panose="03000509000000000000" pitchFamily="65" charset="-120"/>
-                          <a:cs typeface="Times New Roman" panose="02020603050405020304" pitchFamily="18" charset="0"/>
-                        </a:rPr>
-                        <a:t>函數計算數據的直方圖</a:t>
-                      </a:r>
-                    </a:p>
-                  </a:txBody>
-                  <a:tcPr/>
-                </a:tc>
-                <a:extLst>
-                  <a:ext uri="{0D108BD9-81ED-4DB2-BD59-A6C34878D82A}">
-                    <a16:rowId xmlns:a16="http://schemas.microsoft.com/office/drawing/2014/main" val="329397043"/>
-                  </a:ext>
-                </a:extLst>
-              </a:tr>
-              <a:tr h="351011">
-                <a:tc>
-                  <a:txBody>
-                    <a:bodyPr/>
-                    <a:lstStyle/>
-                    <a:p>
+                      <a:pPr marL="0" marR="0" lvl="0" indent="0" algn="l" defTabSz="914400" rtl="0" eaLnBrk="1" fontAlgn="auto" latinLnBrk="0" hangingPunct="1">
+                        <a:lnSpc>
+                          <a:spcPct val="100000"/>
+                        </a:lnSpc>
+                        <a:spcBef>
+                          <a:spcPts val="0"/>
+                        </a:spcBef>
+                        <a:spcAft>
+                          <a:spcPts val="0"/>
+                        </a:spcAft>
+                        <a:buClr>
+                          <a:srgbClr val="000000"/>
+                        </a:buClr>
+                        <a:buSzTx/>
+                        <a:buFont typeface="Arial"/>
+                        <a:buNone/>
+                        <a:tabLst/>
+                        <a:defRPr/>
+                      </a:pPr>
                       <a:r>
                         <a:rPr lang="en-US" altLang="zh-TW" dirty="0">
                           <a:latin typeface="Times New Roman" panose="02020603050405020304" pitchFamily="18" charset="0"/>
@@ -16514,6 +15097,13 @@
                         <a:t>：</a:t>
                       </a:r>
                     </a:p>
+                    <a:p>
+                      <a:endParaRPr lang="zh-TW" altLang="en-US" dirty="0">
+                        <a:latin typeface="Times New Roman" panose="02020603050405020304" pitchFamily="18" charset="0"/>
+                        <a:ea typeface="標楷體" panose="03000509000000000000" pitchFamily="65" charset="-120"/>
+                        <a:cs typeface="Times New Roman" panose="02020603050405020304" pitchFamily="18" charset="0"/>
+                      </a:endParaRPr>
+                    </a:p>
                   </a:txBody>
                   <a:tcPr/>
                 </a:tc>
@@ -16522,6 +15112,25 @@
                     <a:bodyPr/>
                     <a:lstStyle/>
                     <a:p>
+                      <a:pPr marL="0" marR="0" lvl="0" indent="0" algn="l" defTabSz="914400" rtl="0" eaLnBrk="1" fontAlgn="auto" latinLnBrk="0" hangingPunct="1">
+                        <a:lnSpc>
+                          <a:spcPct val="100000"/>
+                        </a:lnSpc>
+                        <a:spcBef>
+                          <a:spcPts val="0"/>
+                        </a:spcBef>
+                        <a:spcAft>
+                          <a:spcPts val="0"/>
+                        </a:spcAft>
+                        <a:buClr>
+                          <a:srgbClr val="000000"/>
+                        </a:buClr>
+                        <a:buSzTx/>
+                        <a:buFont typeface="Arial"/>
+                        <a:buNone/>
+                        <a:tabLst/>
+                        <a:defRPr/>
+                      </a:pPr>
                       <a:r>
                         <a:rPr lang="zh-TW" altLang="en-US" dirty="0">
                           <a:latin typeface="Times New Roman" panose="02020603050405020304" pitchFamily="18" charset="0"/>
@@ -16547,12 +15156,19 @@
                         <a:t>特徵的直方圖。</a:t>
                       </a:r>
                     </a:p>
+                    <a:p>
+                      <a:endParaRPr lang="zh-TW" altLang="en-US" dirty="0">
+                        <a:latin typeface="Times New Roman" panose="02020603050405020304" pitchFamily="18" charset="0"/>
+                        <a:ea typeface="標楷體" panose="03000509000000000000" pitchFamily="65" charset="-120"/>
+                        <a:cs typeface="Times New Roman" panose="02020603050405020304" pitchFamily="18" charset="0"/>
+                      </a:endParaRPr>
+                    </a:p>
                   </a:txBody>
                   <a:tcPr/>
                 </a:tc>
                 <a:extLst>
                   <a:ext uri="{0D108BD9-81ED-4DB2-BD59-A6C34878D82A}">
-                    <a16:rowId xmlns:a16="http://schemas.microsoft.com/office/drawing/2014/main" val="1743228921"/>
+                    <a16:rowId xmlns:a16="http://schemas.microsoft.com/office/drawing/2014/main" val="329397043"/>
                   </a:ext>
                 </a:extLst>
               </a:tr>
@@ -16573,7 +15189,7 @@
 </p:sld>
 </file>
 
-<file path=ppt/slides/slide9.xml><?xml version="1.0" encoding="utf-8"?>
+<file path=ppt/slides/slide7.xml><?xml version="1.0" encoding="utf-8"?>
 <p:sld xmlns:a="http://schemas.openxmlformats.org/drawingml/2006/main" xmlns:r="http://schemas.openxmlformats.org/officeDocument/2006/relationships" xmlns:p="http://schemas.openxmlformats.org/presentationml/2006/main">
   <p:cSld>
     <p:spTree>
@@ -16718,14 +15334,14 @@
           <p:nvPr>
             <p:extLst>
               <p:ext uri="{D42A27DB-BD31-4B8C-83A1-F6EECF244321}">
-                <p14:modId xmlns:p14="http://schemas.microsoft.com/office/powerpoint/2010/main" val="3124223485"/>
+                <p14:modId xmlns:p14="http://schemas.microsoft.com/office/powerpoint/2010/main" val="908960378"/>
               </p:ext>
             </p:extLst>
           </p:nvPr>
         </p:nvGraphicFramePr>
         <p:xfrm>
           <a:off x="838200" y="1195544"/>
-          <a:ext cx="10515600" cy="2273215"/>
+          <a:ext cx="10515600" cy="2135564"/>
         </p:xfrm>
         <a:graphic>
           <a:graphicData uri="http://schemas.openxmlformats.org/drawingml/2006/table">
@@ -16781,28 +15397,12 @@
                     <a:lstStyle/>
                     <a:p>
                       <a:r>
-                        <a:rPr lang="en-US" altLang="zh-TW" dirty="0" err="1">
-                          <a:latin typeface="Times New Roman" panose="02020603050405020304" pitchFamily="18" charset="0"/>
-                          <a:ea typeface="標楷體" panose="03000509000000000000" pitchFamily="65" charset="-120"/>
-                          <a:cs typeface="Times New Roman" panose="02020603050405020304" pitchFamily="18" charset="0"/>
-                        </a:rPr>
-                        <a:t>numpy.linalg.norm</a:t>
-                      </a:r>
-                      <a:r>
-                        <a:rPr lang="zh-TW" altLang="en-US" dirty="0">
-                          <a:latin typeface="Times New Roman" panose="02020603050405020304" pitchFamily="18" charset="0"/>
-                          <a:ea typeface="標楷體" panose="03000509000000000000" pitchFamily="65" charset="-120"/>
-                          <a:cs typeface="Times New Roman" panose="02020603050405020304" pitchFamily="18" charset="0"/>
-                        </a:rPr>
-                        <a:t> </a:t>
-                      </a:r>
-                      <a:r>
                         <a:rPr lang="en-US" altLang="zh-TW" dirty="0">
                           <a:latin typeface="Times New Roman" panose="02020603050405020304" pitchFamily="18" charset="0"/>
                           <a:ea typeface="標楷體" panose="03000509000000000000" pitchFamily="65" charset="-120"/>
                           <a:cs typeface="Times New Roman" panose="02020603050405020304" pitchFamily="18" charset="0"/>
                         </a:rPr>
-                        <a:t>(Distance measure)</a:t>
+                        <a:t>Distance measure</a:t>
                       </a:r>
                       <a:endParaRPr lang="zh-TW" altLang="en-US" dirty="0">
                         <a:latin typeface="Times New Roman" panose="02020603050405020304" pitchFamily="18" charset="0"/>
@@ -16987,6 +15587,45 @@
                         </a:rPr>
                         <a:t>第二個直方圖</a:t>
                       </a:r>
+                      <a:endParaRPr lang="en-US" altLang="zh-TW" dirty="0">
+                        <a:latin typeface="Times New Roman" panose="02020603050405020304" pitchFamily="18" charset="0"/>
+                        <a:ea typeface="標楷體" panose="03000509000000000000" pitchFamily="65" charset="-120"/>
+                        <a:cs typeface="Times New Roman" panose="02020603050405020304" pitchFamily="18" charset="0"/>
+                      </a:endParaRPr>
+                    </a:p>
+                    <a:p>
+                      <a:r>
+                        <a:rPr lang="en-US" altLang="zh-TW" dirty="0">
+                          <a:latin typeface="Times New Roman" panose="02020603050405020304" pitchFamily="18" charset="0"/>
+                          <a:ea typeface="標楷體" panose="03000509000000000000" pitchFamily="65" charset="-120"/>
+                          <a:cs typeface="Times New Roman" panose="02020603050405020304" pitchFamily="18" charset="0"/>
+                        </a:rPr>
+                        <a:t>threshold:</a:t>
+                      </a:r>
+                      <a:r>
+                        <a:rPr lang="zh-TW" altLang="en-US" dirty="0">
+                          <a:latin typeface="Times New Roman" panose="02020603050405020304" pitchFamily="18" charset="0"/>
+                          <a:ea typeface="標楷體" panose="03000509000000000000" pitchFamily="65" charset="-120"/>
+                          <a:cs typeface="Times New Roman" panose="02020603050405020304" pitchFamily="18" charset="0"/>
+                        </a:rPr>
+                        <a:t>設定為 </a:t>
+                      </a:r>
+                      <a:r>
+                        <a:rPr lang="en-US" altLang="zh-TW" dirty="0">
+                          <a:latin typeface="Times New Roman" panose="02020603050405020304" pitchFamily="18" charset="0"/>
+                          <a:ea typeface="標楷體" panose="03000509000000000000" pitchFamily="65" charset="-120"/>
+                          <a:cs typeface="Times New Roman" panose="02020603050405020304" pitchFamily="18" charset="0"/>
+                        </a:rPr>
+                        <a:t>0.1</a:t>
+                      </a:r>
+                      <a:r>
+                        <a:rPr lang="zh-TW" altLang="en-US" dirty="0">
+                          <a:latin typeface="Times New Roman" panose="02020603050405020304" pitchFamily="18" charset="0"/>
+                          <a:ea typeface="標楷體" panose="03000509000000000000" pitchFamily="65" charset="-120"/>
+                          <a:cs typeface="Times New Roman" panose="02020603050405020304" pitchFamily="18" charset="0"/>
+                        </a:rPr>
+                        <a:t>，這是搜尋時的閾值</a:t>
+                      </a:r>
                     </a:p>
                   </a:txBody>
                   <a:tcPr/>
@@ -17003,13 +15642,32 @@
                     <a:bodyPr/>
                     <a:lstStyle/>
                     <a:p>
+                      <a:pPr marL="0" marR="0" lvl="0" indent="0" algn="l" defTabSz="914400" rtl="0" eaLnBrk="1" fontAlgn="auto" latinLnBrk="0" hangingPunct="1">
+                        <a:lnSpc>
+                          <a:spcPct val="100000"/>
+                        </a:lnSpc>
+                        <a:spcBef>
+                          <a:spcPts val="0"/>
+                        </a:spcBef>
+                        <a:spcAft>
+                          <a:spcPts val="0"/>
+                        </a:spcAft>
+                        <a:buClr>
+                          <a:srgbClr val="000000"/>
+                        </a:buClr>
+                        <a:buSzTx/>
+                        <a:buFont typeface="Arial"/>
+                        <a:buNone/>
+                        <a:tabLst/>
+                        <a:defRPr/>
+                      </a:pPr>
                       <a:r>
                         <a:rPr lang="en-US" altLang="zh-TW" dirty="0">
                           <a:latin typeface="Times New Roman" panose="02020603050405020304" pitchFamily="18" charset="0"/>
                           <a:ea typeface="標楷體" panose="03000509000000000000" pitchFamily="65" charset="-120"/>
                           <a:cs typeface="Times New Roman" panose="02020603050405020304" pitchFamily="18" charset="0"/>
                         </a:rPr>
-                        <a:t>Method</a:t>
+                        <a:t>Description</a:t>
                       </a:r>
                       <a:r>
                         <a:rPr lang="zh-TW" altLang="en-US" dirty="0">
@@ -17046,55 +15704,6 @@
                   </a:ext>
                 </a:extLst>
               </a:tr>
-              <a:tr h="351011">
-                <a:tc>
-                  <a:txBody>
-                    <a:bodyPr/>
-                    <a:lstStyle/>
-                    <a:p>
-                      <a:r>
-                        <a:rPr lang="en-US" altLang="zh-TW" dirty="0">
-                          <a:latin typeface="Times New Roman" panose="02020603050405020304" pitchFamily="18" charset="0"/>
-                          <a:ea typeface="標楷體" panose="03000509000000000000" pitchFamily="65" charset="-120"/>
-                          <a:cs typeface="Times New Roman" panose="02020603050405020304" pitchFamily="18" charset="0"/>
-                        </a:rPr>
-                        <a:t>Description</a:t>
-                      </a:r>
-                      <a:r>
-                        <a:rPr lang="zh-TW" altLang="en-US" dirty="0">
-                          <a:latin typeface="Times New Roman" panose="02020603050405020304" pitchFamily="18" charset="0"/>
-                          <a:ea typeface="標楷體" panose="03000509000000000000" pitchFamily="65" charset="-120"/>
-                          <a:cs typeface="Times New Roman" panose="02020603050405020304" pitchFamily="18" charset="0"/>
-                        </a:rPr>
-                        <a:t>：</a:t>
-                      </a:r>
-                    </a:p>
-                  </a:txBody>
-                  <a:tcPr/>
-                </a:tc>
-                <a:tc>
-                  <a:txBody>
-                    <a:bodyPr/>
-                    <a:lstStyle/>
-                    <a:p>
-                      <a:r>
-                        <a:rPr lang="zh-TW" altLang="en-US" dirty="0">
-                          <a:latin typeface="Times New Roman" panose="02020603050405020304" pitchFamily="18" charset="0"/>
-                          <a:ea typeface="標楷體" panose="03000509000000000000" pitchFamily="65" charset="-120"/>
-                          <a:cs typeface="Times New Roman" panose="02020603050405020304" pitchFamily="18" charset="0"/>
-                        </a:rPr>
-                        <a:t>歐氏距離用來衡量兩個直方圖之間的差異。</a:t>
-                      </a:r>
-                    </a:p>
-                  </a:txBody>
-                  <a:tcPr/>
-                </a:tc>
-                <a:extLst>
-                  <a:ext uri="{0D108BD9-81ED-4DB2-BD59-A6C34878D82A}">
-                    <a16:rowId xmlns:a16="http://schemas.microsoft.com/office/drawing/2014/main" val="1743228921"/>
-                  </a:ext>
-                </a:extLst>
-              </a:tr>
             </a:tbl>
           </a:graphicData>
         </a:graphic>
@@ -17114,14 +15723,14 @@
           <p:nvPr>
             <p:extLst>
               <p:ext uri="{D42A27DB-BD31-4B8C-83A1-F6EECF244321}">
-                <p14:modId xmlns:p14="http://schemas.microsoft.com/office/powerpoint/2010/main" val="2825151583"/>
+                <p14:modId xmlns:p14="http://schemas.microsoft.com/office/powerpoint/2010/main" val="1290938754"/>
               </p:ext>
             </p:extLst>
           </p:nvPr>
         </p:nvGraphicFramePr>
         <p:xfrm>
           <a:off x="838200" y="4127254"/>
-          <a:ext cx="10515600" cy="2106066"/>
+          <a:ext cx="10515600" cy="1755055"/>
         </p:xfrm>
         <a:graphic>
           <a:graphicData uri="http://schemas.openxmlformats.org/drawingml/2006/table">
@@ -17177,12 +15786,12 @@
                     <a:lstStyle/>
                     <a:p>
                       <a:r>
-                        <a:rPr lang="en-US" altLang="zh-TW" dirty="0" err="1">
+                        <a:rPr lang="en-US" altLang="zh-TW" dirty="0">
                           <a:latin typeface="Times New Roman" panose="02020603050405020304" pitchFamily="18" charset="0"/>
                           <a:ea typeface="標楷體" panose="03000509000000000000" pitchFamily="65" charset="-120"/>
                           <a:cs typeface="Times New Roman" panose="02020603050405020304" pitchFamily="18" charset="0"/>
                         </a:rPr>
-                        <a:t>skimage.measure.label</a:t>
+                        <a:t>Labeling</a:t>
                       </a:r>
                       <a:r>
                         <a:rPr lang="zh-TW" altLang="en-US" dirty="0">
@@ -17190,21 +15799,8 @@
                           <a:ea typeface="標楷體" panose="03000509000000000000" pitchFamily="65" charset="-120"/>
                           <a:cs typeface="Times New Roman" panose="02020603050405020304" pitchFamily="18" charset="0"/>
                         </a:rPr>
-                        <a:t> </a:t>
+                        <a:t>塗色</a:t>
                       </a:r>
-                      <a:r>
-                        <a:rPr lang="en-US" altLang="zh-TW" dirty="0">
-                          <a:latin typeface="Times New Roman" panose="02020603050405020304" pitchFamily="18" charset="0"/>
-                          <a:ea typeface="標楷體" panose="03000509000000000000" pitchFamily="65" charset="-120"/>
-                          <a:cs typeface="Times New Roman" panose="02020603050405020304" pitchFamily="18" charset="0"/>
-                        </a:rPr>
-                        <a:t>(Labeling)</a:t>
-                      </a:r>
-                      <a:endParaRPr lang="zh-TW" altLang="en-US" dirty="0">
-                        <a:latin typeface="Times New Roman" panose="02020603050405020304" pitchFamily="18" charset="0"/>
-                        <a:ea typeface="標楷體" panose="03000509000000000000" pitchFamily="65" charset="-120"/>
-                        <a:cs typeface="Times New Roman" panose="02020603050405020304" pitchFamily="18" charset="0"/>
-                      </a:endParaRPr>
                     </a:p>
                   </a:txBody>
                   <a:tcPr/>
@@ -17252,37 +15848,8 @@
                           <a:ea typeface="標楷體" panose="03000509000000000000" pitchFamily="65" charset="-120"/>
                           <a:cs typeface="Times New Roman" panose="02020603050405020304" pitchFamily="18" charset="0"/>
                         </a:rPr>
-                        <a:t>搜尋結果 </a:t>
+                        <a:t>相似的兩個影像區域</a:t>
                       </a:r>
-                      <a:r>
-                        <a:rPr lang="en-US" altLang="zh-TW" dirty="0">
-                          <a:latin typeface="Times New Roman" panose="02020603050405020304" pitchFamily="18" charset="0"/>
-                          <a:ea typeface="標楷體" panose="03000509000000000000" pitchFamily="65" charset="-120"/>
-                          <a:cs typeface="Times New Roman" panose="02020603050405020304" pitchFamily="18" charset="0"/>
-                        </a:rPr>
-                        <a:t>(</a:t>
-                      </a:r>
-                      <a:r>
-                        <a:rPr lang="zh-TW" altLang="en-US" dirty="0">
-                          <a:latin typeface="Times New Roman" panose="02020603050405020304" pitchFamily="18" charset="0"/>
-                          <a:ea typeface="標楷體" panose="03000509000000000000" pitchFamily="65" charset="-120"/>
-                          <a:cs typeface="Times New Roman" panose="02020603050405020304" pitchFamily="18" charset="0"/>
-                        </a:rPr>
-                        <a:t>二值化圖像，顯示相似區域</a:t>
-                      </a:r>
-                      <a:r>
-                        <a:rPr lang="en-US" altLang="zh-TW" dirty="0">
-                          <a:latin typeface="Times New Roman" panose="02020603050405020304" pitchFamily="18" charset="0"/>
-                          <a:ea typeface="標楷體" panose="03000509000000000000" pitchFamily="65" charset="-120"/>
-                          <a:cs typeface="Times New Roman" panose="02020603050405020304" pitchFamily="18" charset="0"/>
-                        </a:rPr>
-                        <a:t>)</a:t>
-                      </a:r>
-                      <a:endParaRPr lang="zh-TW" altLang="en-US" dirty="0">
-                        <a:latin typeface="Times New Roman" panose="02020603050405020304" pitchFamily="18" charset="0"/>
-                        <a:ea typeface="標楷體" panose="03000509000000000000" pitchFamily="65" charset="-120"/>
-                        <a:cs typeface="Times New Roman" panose="02020603050405020304" pitchFamily="18" charset="0"/>
-                      </a:endParaRPr>
                     </a:p>
                   </a:txBody>
                   <a:tcPr/>
@@ -17330,8 +15897,21 @@
                           <a:ea typeface="標楷體" panose="03000509000000000000" pitchFamily="65" charset="-120"/>
                           <a:cs typeface="Times New Roman" panose="02020603050405020304" pitchFamily="18" charset="0"/>
                         </a:rPr>
-                        <a:t>標註的影像</a:t>
+                        <a:t>馬路塗色影像 </a:t>
                       </a:r>
+                      <a:r>
+                        <a:rPr lang="en-US" altLang="zh-TW" dirty="0">
+                          <a:latin typeface="Times New Roman" panose="02020603050405020304" pitchFamily="18" charset="0"/>
+                          <a:ea typeface="標楷體" panose="03000509000000000000" pitchFamily="65" charset="-120"/>
+                          <a:cs typeface="Times New Roman" panose="02020603050405020304" pitchFamily="18" charset="0"/>
+                        </a:rPr>
+                        <a:t>(jpg, 490x350)</a:t>
+                      </a:r>
+                      <a:endParaRPr lang="zh-TW" altLang="en-US" dirty="0">
+                        <a:latin typeface="Times New Roman" panose="02020603050405020304" pitchFamily="18" charset="0"/>
+                        <a:ea typeface="標楷體" panose="03000509000000000000" pitchFamily="65" charset="-120"/>
+                        <a:cs typeface="Times New Roman" panose="02020603050405020304" pitchFamily="18" charset="0"/>
+                      </a:endParaRPr>
                     </a:p>
                   </a:txBody>
                   <a:tcPr/>
@@ -17379,16 +15959,13 @@
                           <a:ea typeface="標楷體" panose="03000509000000000000" pitchFamily="65" charset="-120"/>
                           <a:cs typeface="Times New Roman" panose="02020603050405020304" pitchFamily="18" charset="0"/>
                         </a:rPr>
-                        <a:t>image: </a:t>
+                        <a:t>None.</a:t>
                       </a:r>
-                      <a:r>
-                        <a:rPr lang="zh-TW" altLang="en-US" dirty="0">
-                          <a:latin typeface="Times New Roman" panose="02020603050405020304" pitchFamily="18" charset="0"/>
-                          <a:ea typeface="標楷體" panose="03000509000000000000" pitchFamily="65" charset="-120"/>
-                          <a:cs typeface="Times New Roman" panose="02020603050405020304" pitchFamily="18" charset="0"/>
-                        </a:rPr>
-                        <a:t>輸入的二值圖像</a:t>
-                      </a:r>
+                      <a:endParaRPr lang="zh-TW" altLang="en-US" dirty="0">
+                        <a:latin typeface="Times New Roman" panose="02020603050405020304" pitchFamily="18" charset="0"/>
+                        <a:ea typeface="標楷體" panose="03000509000000000000" pitchFamily="65" charset="-120"/>
+                        <a:cs typeface="Times New Roman" panose="02020603050405020304" pitchFamily="18" charset="0"/>
+                      </a:endParaRPr>
                     </a:p>
                   </a:txBody>
                   <a:tcPr/>
@@ -17405,55 +15982,25 @@
                     <a:bodyPr/>
                     <a:lstStyle/>
                     <a:p>
-                      <a:r>
-                        <a:rPr lang="en-US" altLang="zh-TW" dirty="0">
-                          <a:latin typeface="Times New Roman" panose="02020603050405020304" pitchFamily="18" charset="0"/>
-                          <a:ea typeface="標楷體" panose="03000509000000000000" pitchFamily="65" charset="-120"/>
-                          <a:cs typeface="Times New Roman" panose="02020603050405020304" pitchFamily="18" charset="0"/>
-                        </a:rPr>
-                        <a:t>Method</a:t>
-                      </a:r>
-                      <a:r>
-                        <a:rPr lang="zh-TW" altLang="en-US" dirty="0">
-                          <a:latin typeface="Times New Roman" panose="02020603050405020304" pitchFamily="18" charset="0"/>
-                          <a:ea typeface="標楷體" panose="03000509000000000000" pitchFamily="65" charset="-120"/>
-                          <a:cs typeface="Times New Roman" panose="02020603050405020304" pitchFamily="18" charset="0"/>
-                        </a:rPr>
-                        <a:t>：</a:t>
-                      </a:r>
-                    </a:p>
-                  </a:txBody>
-                  <a:tcPr/>
-                </a:tc>
-                <a:tc>
-                  <a:txBody>
-                    <a:bodyPr/>
-                    <a:lstStyle/>
-                    <a:p>
-                      <a:r>
-                        <a:rPr lang="zh-TW" altLang="en-US" dirty="0">
-                          <a:latin typeface="Times New Roman" panose="02020603050405020304" pitchFamily="18" charset="0"/>
-                          <a:ea typeface="標楷體" panose="03000509000000000000" pitchFamily="65" charset="-120"/>
-                          <a:cs typeface="Times New Roman" panose="02020603050405020304" pitchFamily="18" charset="0"/>
-                        </a:rPr>
-                        <a:t>使用連通元件分析進行標註</a:t>
-                      </a:r>
-                    </a:p>
-                  </a:txBody>
-                  <a:tcPr/>
-                </a:tc>
-                <a:extLst>
-                  <a:ext uri="{0D108BD9-81ED-4DB2-BD59-A6C34878D82A}">
-                    <a16:rowId xmlns:a16="http://schemas.microsoft.com/office/drawing/2014/main" val="329397043"/>
-                  </a:ext>
-                </a:extLst>
-              </a:tr>
-              <a:tr h="351011">
-                <a:tc>
-                  <a:txBody>
-                    <a:bodyPr/>
-                    <a:lstStyle/>
-                    <a:p>
+                      <a:pPr marL="0" marR="0" lvl="0" indent="0" algn="l" defTabSz="914400" rtl="0" eaLnBrk="1" fontAlgn="auto" latinLnBrk="0" hangingPunct="1">
+                        <a:lnSpc>
+                          <a:spcPct val="100000"/>
+                        </a:lnSpc>
+                        <a:spcBef>
+                          <a:spcPts val="0"/>
+                        </a:spcBef>
+                        <a:spcAft>
+                          <a:spcPts val="0"/>
+                        </a:spcAft>
+                        <a:buClr>
+                          <a:srgbClr val="000000"/>
+                        </a:buClr>
+                        <a:buSzTx/>
+                        <a:buFont typeface="Arial"/>
+                        <a:buNone/>
+                        <a:tabLst/>
+                        <a:defRPr/>
+                      </a:pPr>
                       <a:r>
                         <a:rPr lang="en-US" altLang="zh-TW" dirty="0">
                           <a:latin typeface="Times New Roman" panose="02020603050405020304" pitchFamily="18" charset="0"/>
@@ -17485,7 +16032,7 @@
                           <a:ea typeface="標楷體" panose="03000509000000000000" pitchFamily="65" charset="-120"/>
                           <a:cs typeface="Times New Roman" panose="02020603050405020304" pitchFamily="18" charset="0"/>
                         </a:rPr>
-                        <a:t>對圖像中的連通區域進行標註，將每個區域標上唯一的標籤。</a:t>
+                        <a:t>對相像的區域進行標註並塗色</a:t>
                       </a:r>
                     </a:p>
                   </a:txBody>
@@ -17493,7 +16040,7 @@
                 </a:tc>
                 <a:extLst>
                   <a:ext uri="{0D108BD9-81ED-4DB2-BD59-A6C34878D82A}">
-                    <a16:rowId xmlns:a16="http://schemas.microsoft.com/office/drawing/2014/main" val="1743228921"/>
+                    <a16:rowId xmlns:a16="http://schemas.microsoft.com/office/drawing/2014/main" val="329397043"/>
                   </a:ext>
                 </a:extLst>
               </a:tr>
@@ -17507,6 +16054,144 @@
         <p14:creationId xmlns:p14="http://schemas.microsoft.com/office/powerpoint/2010/main" val="4230327232"/>
       </p:ext>
     </p:extLst>
+  </p:cSld>
+  <p:clrMapOvr>
+    <a:masterClrMapping/>
+  </p:clrMapOvr>
+</p:sld>
+</file>
+
+<file path=ppt/slides/slide8.xml><?xml version="1.0" encoding="utf-8"?>
+<p:sld xmlns:a="http://schemas.openxmlformats.org/drawingml/2006/main" xmlns:r="http://schemas.openxmlformats.org/officeDocument/2006/relationships" xmlns:p="http://schemas.openxmlformats.org/presentationml/2006/main">
+  <p:cSld>
+    <p:spTree>
+      <p:nvGrpSpPr>
+        <p:cNvPr id="1" name="Shape 189"/>
+        <p:cNvGrpSpPr/>
+        <p:nvPr/>
+      </p:nvGrpSpPr>
+      <p:grpSpPr>
+        <a:xfrm>
+          <a:off x="0" y="0"/>
+          <a:ext cx="0" cy="0"/>
+          <a:chOff x="0" y="0"/>
+          <a:chExt cx="0" cy="0"/>
+        </a:xfrm>
+      </p:grpSpPr>
+      <p:sp>
+        <p:nvSpPr>
+          <p:cNvPr id="190" name="Google Shape;190;p30"/>
+          <p:cNvSpPr txBox="1"/>
+          <p:nvPr/>
+        </p:nvSpPr>
+        <p:spPr>
+          <a:xfrm>
+            <a:off x="838200" y="1204421"/>
+            <a:ext cx="10515600" cy="5037776"/>
+          </a:xfrm>
+          <a:prstGeom prst="rect">
+            <a:avLst/>
+          </a:prstGeom>
+          <a:noFill/>
+          <a:ln>
+            <a:noFill/>
+          </a:ln>
+        </p:spPr>
+        <p:txBody>
+          <a:bodyPr spcFirstLastPara="1" wrap="square" lIns="91425" tIns="45700" rIns="91425" bIns="45700" anchor="t" anchorCtr="0">
+            <a:normAutofit/>
+          </a:bodyPr>
+          <a:lstStyle/>
+          <a:p>
+            <a:pPr marL="144000" marR="0" lvl="0" indent="-42400" algn="l" rtl="0">
+              <a:lnSpc>
+                <a:spcPct val="90000"/>
+              </a:lnSpc>
+              <a:spcBef>
+                <a:spcPts val="0"/>
+              </a:spcBef>
+              <a:spcAft>
+                <a:spcPts val="0"/>
+              </a:spcAft>
+              <a:buClr>
+                <a:schemeClr val="dk1"/>
+              </a:buClr>
+              <a:buSzPts val="1600"/>
+              <a:buFont typeface="Arial"/>
+              <a:buNone/>
+            </a:pPr>
+            <a:endParaRPr sz="1600" b="0" i="0" u="none" strike="noStrike" cap="none" dirty="0">
+              <a:solidFill>
+                <a:schemeClr val="dk1"/>
+              </a:solidFill>
+              <a:latin typeface="Times New Roman" panose="02020603050405020304" pitchFamily="18" charset="0"/>
+              <a:ea typeface="標楷體" panose="03000509000000000000" pitchFamily="65" charset="-120"/>
+              <a:cs typeface="Times New Roman" panose="02020603050405020304" pitchFamily="18" charset="0"/>
+              <a:sym typeface="Times New Roman"/>
+            </a:endParaRPr>
+          </a:p>
+        </p:txBody>
+      </p:sp>
+      <p:sp>
+        <p:nvSpPr>
+          <p:cNvPr id="191" name="Google Shape;191;p30"/>
+          <p:cNvSpPr txBox="1">
+            <a:spLocks noGrp="1"/>
+          </p:cNvSpPr>
+          <p:nvPr>
+            <p:ph type="title"/>
+          </p:nvPr>
+        </p:nvSpPr>
+        <p:spPr>
+          <a:xfrm>
+            <a:off x="838200" y="339900"/>
+            <a:ext cx="10515600" cy="720000"/>
+          </a:xfrm>
+          <a:prstGeom prst="rect">
+            <a:avLst/>
+          </a:prstGeom>
+          <a:noFill/>
+          <a:ln>
+            <a:noFill/>
+          </a:ln>
+        </p:spPr>
+        <p:txBody>
+          <a:bodyPr spcFirstLastPara="1" wrap="square" lIns="91425" tIns="45700" rIns="91425" bIns="45700" anchor="ctr" anchorCtr="0">
+            <a:normAutofit/>
+          </a:bodyPr>
+          <a:lstStyle/>
+          <a:p>
+            <a:pPr marL="0" lvl="0" indent="0" algn="ctr" rtl="0">
+              <a:lnSpc>
+                <a:spcPct val="90000"/>
+              </a:lnSpc>
+              <a:spcBef>
+                <a:spcPts val="0"/>
+              </a:spcBef>
+              <a:spcAft>
+                <a:spcPts val="0"/>
+              </a:spcAft>
+              <a:buClr>
+                <a:schemeClr val="dk1"/>
+              </a:buClr>
+              <a:buSzPts val="4400"/>
+              <a:buFont typeface="Times New Roman"/>
+              <a:buNone/>
+            </a:pPr>
+            <a:r>
+              <a:rPr lang="zh-TW" b="1">
+                <a:latin typeface="DFKai-SB"/>
+                <a:ea typeface="DFKai-SB"/>
+                <a:cs typeface="DFKai-SB"/>
+                <a:sym typeface="DFKai-SB"/>
+              </a:rPr>
+              <a:t>參考資料</a:t>
+            </a:r>
+            <a:endParaRPr b="1"/>
+          </a:p>
+        </p:txBody>
+      </p:sp>
+    </p:spTree>
   </p:cSld>
   <p:clrMapOvr>
     <a:masterClrMapping/>

--- a/馬路分割_F112112136_林宸毅.pptx
+++ b/馬路分割_F112112136_林宸毅.pptx
@@ -5,7 +5,7 @@
     <p:sldMasterId id="2147483659" r:id="rId1"/>
   </p:sldMasterIdLst>
   <p:notesMasterIdLst>
-    <p:notesMasterId r:id="rId10"/>
+    <p:notesMasterId r:id="rId11"/>
   </p:notesMasterIdLst>
   <p:sldIdLst>
     <p:sldId id="256" r:id="rId2"/>
@@ -15,7 +15,8 @@
     <p:sldId id="267" r:id="rId6"/>
     <p:sldId id="296" r:id="rId7"/>
     <p:sldId id="297" r:id="rId8"/>
-    <p:sldId id="273" r:id="rId9"/>
+    <p:sldId id="299" r:id="rId9"/>
+    <p:sldId id="273" r:id="rId10"/>
   </p:sldIdLst>
   <p:sldSz cx="12192000" cy="6858000"/>
   <p:notesSz cx="6858000" cy="9144000"/>
@@ -272,6 +273,11 @@
             <p14:sldId id="267"/>
             <p14:sldId id="296"/>
             <p14:sldId id="297"/>
+          </p14:sldIdLst>
+        </p14:section>
+        <p14:section name="成果展示(2024/11/21)" id="{4970DD48-5379-4D85-863E-BEFFF12D051B}">
+          <p14:sldIdLst>
+            <p14:sldId id="299"/>
           </p14:sldIdLst>
         </p14:section>
         <p14:section name="參考資料" id="{27119C38-4F22-4EDC-8E47-011C563D26CA}">
@@ -1473,6 +1479,115 @@
 </file>
 
 <file path=ppt/notesSlides/notesSlide8.xml><?xml version="1.0" encoding="utf-8"?>
+<p:notes xmlns:a="http://schemas.openxmlformats.org/drawingml/2006/main" xmlns:r="http://schemas.openxmlformats.org/officeDocument/2006/relationships" xmlns:p="http://schemas.openxmlformats.org/presentationml/2006/main" showMasterSp="0" showMasterPhAnim="0">
+  <p:cSld>
+    <p:spTree>
+      <p:nvGrpSpPr>
+        <p:cNvPr id="1" name="Shape 151"/>
+        <p:cNvGrpSpPr/>
+        <p:nvPr/>
+      </p:nvGrpSpPr>
+      <p:grpSpPr>
+        <a:xfrm>
+          <a:off x="0" y="0"/>
+          <a:ext cx="0" cy="0"/>
+          <a:chOff x="0" y="0"/>
+          <a:chExt cx="0" cy="0"/>
+        </a:xfrm>
+      </p:grpSpPr>
+      <p:sp>
+        <p:nvSpPr>
+          <p:cNvPr id="152" name="Google Shape;152;p12:notes"/>
+          <p:cNvSpPr txBox="1">
+            <a:spLocks noGrp="1"/>
+          </p:cNvSpPr>
+          <p:nvPr>
+            <p:ph type="body" idx="1"/>
+          </p:nvPr>
+        </p:nvSpPr>
+        <p:spPr>
+          <a:xfrm>
+            <a:off x="685800" y="4343400"/>
+            <a:ext cx="5486400" cy="4114800"/>
+          </a:xfrm>
+          <a:prstGeom prst="rect">
+            <a:avLst/>
+          </a:prstGeom>
+        </p:spPr>
+        <p:txBody>
+          <a:bodyPr spcFirstLastPara="1" wrap="square" lIns="91425" tIns="91425" rIns="91425" bIns="91425" anchor="t" anchorCtr="0">
+            <a:noAutofit/>
+          </a:bodyPr>
+          <a:lstStyle/>
+          <a:p>
+            <a:pPr marL="0" lvl="0" indent="0" algn="l" rtl="0">
+              <a:spcBef>
+                <a:spcPts val="0"/>
+              </a:spcBef>
+              <a:spcAft>
+                <a:spcPts val="0"/>
+              </a:spcAft>
+              <a:buNone/>
+            </a:pPr>
+            <a:endParaRPr/>
+          </a:p>
+        </p:txBody>
+      </p:sp>
+      <p:sp>
+        <p:nvSpPr>
+          <p:cNvPr id="153" name="Google Shape;153;p12:notes"/>
+          <p:cNvSpPr>
+            <a:spLocks noGrp="1" noRot="1" noChangeAspect="1"/>
+          </p:cNvSpPr>
+          <p:nvPr>
+            <p:ph type="sldImg" idx="2"/>
+          </p:nvPr>
+        </p:nvSpPr>
+        <p:spPr>
+          <a:xfrm>
+            <a:off x="381000" y="685800"/>
+            <a:ext cx="6096000" cy="3429000"/>
+          </a:xfrm>
+          <a:custGeom>
+            <a:avLst/>
+            <a:gdLst/>
+            <a:ahLst/>
+            <a:cxnLst/>
+            <a:rect l="l" t="t" r="r" b="b"/>
+            <a:pathLst>
+              <a:path w="120000" h="120000" extrusionOk="0">
+                <a:moveTo>
+                  <a:pt x="0" y="0"/>
+                </a:moveTo>
+                <a:lnTo>
+                  <a:pt x="120000" y="0"/>
+                </a:lnTo>
+                <a:lnTo>
+                  <a:pt x="120000" y="120000"/>
+                </a:lnTo>
+                <a:lnTo>
+                  <a:pt x="0" y="120000"/>
+                </a:lnTo>
+                <a:close/>
+              </a:path>
+            </a:pathLst>
+          </a:custGeom>
+        </p:spPr>
+      </p:sp>
+    </p:spTree>
+    <p:extLst>
+      <p:ext uri="{BB962C8B-B14F-4D97-AF65-F5344CB8AC3E}">
+        <p14:creationId xmlns:p14="http://schemas.microsoft.com/office/powerpoint/2010/main" val="3820697522"/>
+      </p:ext>
+    </p:extLst>
+  </p:cSld>
+  <p:clrMapOvr>
+    <a:masterClrMapping/>
+  </p:clrMapOvr>
+</p:notes>
+</file>
+
+<file path=ppt/notesSlides/notesSlide9.xml><?xml version="1.0" encoding="utf-8"?>
 <p:notes xmlns:a="http://schemas.openxmlformats.org/drawingml/2006/main" xmlns:r="http://schemas.openxmlformats.org/officeDocument/2006/relationships" xmlns:p="http://schemas.openxmlformats.org/presentationml/2006/main" showMasterSp="0" showMasterPhAnim="0">
   <p:cSld>
     <p:spTree>
@@ -12135,11 +12250,11 @@
               <a:t>/</a:t>
             </a:r>
             <a:r>
-              <a:rPr lang="en-US" altLang="zh-TW" dirty="0">
+              <a:rPr lang="en-US" altLang="zh-TW">
                 <a:latin typeface="Times New Roman" panose="02020603050405020304" pitchFamily="18" charset="0"/>
                 <a:cs typeface="Times New Roman" panose="02020603050405020304" pitchFamily="18" charset="0"/>
               </a:rPr>
-              <a:t>11/14</a:t>
+              <a:t>11/21</a:t>
             </a:r>
             <a:endParaRPr dirty="0">
               <a:latin typeface="Times New Roman" panose="02020603050405020304" pitchFamily="18" charset="0"/>
@@ -12736,10 +12851,10 @@
       </p:sp>
       <p:pic>
         <p:nvPicPr>
-          <p:cNvPr id="4" name="圖片 3">
+          <p:cNvPr id="5" name="圖片 4">
             <a:extLst>
               <a:ext uri="{FF2B5EF4-FFF2-40B4-BE49-F238E27FC236}">
-                <a16:creationId xmlns:a16="http://schemas.microsoft.com/office/drawing/2014/main" id="{0739BB56-935B-491F-ADD4-D8EEC06A8883}"/>
+                <a16:creationId xmlns:a16="http://schemas.microsoft.com/office/drawing/2014/main" id="{3F12BF28-8346-43E2-AB82-A9889EEDC552}"/>
               </a:ext>
             </a:extLst>
           </p:cNvPr>
@@ -12748,15 +12863,16 @@
           </p:cNvPicPr>
           <p:nvPr/>
         </p:nvPicPr>
-        <p:blipFill rotWithShape="1">
+        <p:blipFill>
           <a:blip r:embed="rId3"/>
-          <a:srcRect l="809" t="15750" r="259" b="10793"/>
-          <a:stretch/>
+          <a:stretch>
+            <a:fillRect/>
+          </a:stretch>
         </p:blipFill>
         <p:spPr>
           <a:xfrm>
-            <a:off x="1331650" y="1195544"/>
-            <a:ext cx="9046345" cy="5037776"/>
+            <a:off x="574401" y="1658799"/>
+            <a:ext cx="10779399" cy="4111265"/>
           </a:xfrm>
           <a:prstGeom prst="rect">
             <a:avLst/>
@@ -12896,10 +13012,10 @@
       </p:sp>
       <p:pic>
         <p:nvPicPr>
-          <p:cNvPr id="4" name="圖片 3">
+          <p:cNvPr id="5" name="圖片 4">
             <a:extLst>
               <a:ext uri="{FF2B5EF4-FFF2-40B4-BE49-F238E27FC236}">
-                <a16:creationId xmlns:a16="http://schemas.microsoft.com/office/drawing/2014/main" id="{BACB1E5B-8849-4C5D-8699-F7274B169845}"/>
+                <a16:creationId xmlns:a16="http://schemas.microsoft.com/office/drawing/2014/main" id="{9F61D084-4BB3-4FB7-9BCF-A8A361566993}"/>
               </a:ext>
             </a:extLst>
           </p:cNvPr>
@@ -12908,15 +13024,16 @@
           </p:cNvPicPr>
           <p:nvPr/>
         </p:nvPicPr>
-        <p:blipFill rotWithShape="1">
+        <p:blipFill>
           <a:blip r:embed="rId3"/>
-          <a:srcRect l="6579" t="27093" r="648" b="17029"/>
-          <a:stretch/>
+          <a:stretch>
+            <a:fillRect/>
+          </a:stretch>
         </p:blipFill>
         <p:spPr>
           <a:xfrm>
-            <a:off x="838200" y="1344531"/>
-            <a:ext cx="10464183" cy="4739802"/>
+            <a:off x="337258" y="2623890"/>
+            <a:ext cx="11203956" cy="1985947"/>
           </a:xfrm>
           <a:prstGeom prst="rect">
             <a:avLst/>
@@ -13081,7 +13198,7 @@
           <p:nvPr>
             <p:extLst>
               <p:ext uri="{D42A27DB-BD31-4B8C-83A1-F6EECF244321}">
-                <p14:modId xmlns:p14="http://schemas.microsoft.com/office/powerpoint/2010/main" val="866968545"/>
+                <p14:modId xmlns:p14="http://schemas.microsoft.com/office/powerpoint/2010/main" val="821624987"/>
               </p:ext>
             </p:extLst>
           </p:nvPr>
@@ -13193,20 +13310,12 @@
                     <a:lstStyle/>
                     <a:p>
                       <a:r>
-                        <a:rPr lang="en-US" altLang="zh-TW" dirty="0" err="1">
-                          <a:latin typeface="Times New Roman" panose="02020603050405020304" pitchFamily="18" charset="0"/>
-                          <a:ea typeface="標楷體" panose="03000509000000000000" pitchFamily="65" charset="-120"/>
-                          <a:cs typeface="Times New Roman" panose="02020603050405020304" pitchFamily="18" charset="0"/>
-                        </a:rPr>
-                        <a:t>input_image</a:t>
-                      </a:r>
-                      <a:r>
                         <a:rPr lang="zh-TW" altLang="en-US" dirty="0">
                           <a:latin typeface="Times New Roman" panose="02020603050405020304" pitchFamily="18" charset="0"/>
                           <a:ea typeface="標楷體" panose="03000509000000000000" pitchFamily="65" charset="-120"/>
                           <a:cs typeface="Times New Roman" panose="02020603050405020304" pitchFamily="18" charset="0"/>
                         </a:rPr>
-                        <a:t> </a:t>
+                        <a:t>馬路影像 </a:t>
                       </a:r>
                       <a:r>
                         <a:rPr lang="en-US" altLang="zh-TW" dirty="0">
@@ -13263,20 +13372,12 @@
                     <a:lstStyle/>
                     <a:p>
                       <a:r>
-                        <a:rPr lang="en-US" altLang="zh-TW" dirty="0" err="1">
-                          <a:latin typeface="Times New Roman" panose="02020603050405020304" pitchFamily="18" charset="0"/>
-                          <a:ea typeface="標楷體" panose="03000509000000000000" pitchFamily="65" charset="-120"/>
-                          <a:cs typeface="Times New Roman" panose="02020603050405020304" pitchFamily="18" charset="0"/>
-                        </a:rPr>
-                        <a:t>gray_img</a:t>
-                      </a:r>
-                      <a:r>
                         <a:rPr lang="zh-TW" altLang="en-US" dirty="0">
                           <a:latin typeface="Times New Roman" panose="02020603050405020304" pitchFamily="18" charset="0"/>
                           <a:ea typeface="標楷體" panose="03000509000000000000" pitchFamily="65" charset="-120"/>
                           <a:cs typeface="Times New Roman" panose="02020603050405020304" pitchFamily="18" charset="0"/>
                         </a:rPr>
-                        <a:t> </a:t>
+                        <a:t>灰階影像 </a:t>
                       </a:r>
                       <a:r>
                         <a:rPr lang="en-US" altLang="zh-TW" dirty="0">
@@ -13482,25 +13583,17 @@
                           <a:ea typeface="標楷體" panose="03000509000000000000" pitchFamily="65" charset="-120"/>
                           <a:cs typeface="Times New Roman" panose="02020603050405020304" pitchFamily="18" charset="0"/>
                         </a:rPr>
-                        <a:t> = cv2.imread('D:/input_image.jpg’)</a:t>
+                        <a:t> = cv2.imread('D:/input_image.jpg')</a:t>
                       </a:r>
                     </a:p>
                     <a:p>
-                      <a:r>
-                        <a:rPr lang="en-US" altLang="zh-TW" dirty="0" err="1">
-                          <a:latin typeface="Times New Roman" panose="02020603050405020304" pitchFamily="18" charset="0"/>
-                          <a:ea typeface="標楷體" panose="03000509000000000000" pitchFamily="65" charset="-120"/>
-                          <a:cs typeface="Times New Roman" panose="02020603050405020304" pitchFamily="18" charset="0"/>
-                        </a:rPr>
-                        <a:t>gray_img</a:t>
-                      </a:r>
                       <a:r>
                         <a:rPr lang="en-US" altLang="zh-TW" dirty="0">
                           <a:latin typeface="Times New Roman" panose="02020603050405020304" pitchFamily="18" charset="0"/>
                           <a:ea typeface="標楷體" panose="03000509000000000000" pitchFamily="65" charset="-120"/>
                           <a:cs typeface="Times New Roman" panose="02020603050405020304" pitchFamily="18" charset="0"/>
                         </a:rPr>
-                        <a:t> = cv2.cvtColor(</a:t>
+                        <a:t>gray = cv2.cvtColor(</a:t>
                       </a:r>
                       <a:r>
                         <a:rPr lang="en-US" altLang="zh-TW" dirty="0" err="1">
@@ -13516,21 +13609,8 @@
                           <a:ea typeface="標楷體" panose="03000509000000000000" pitchFamily="65" charset="-120"/>
                           <a:cs typeface="Times New Roman" panose="02020603050405020304" pitchFamily="18" charset="0"/>
                         </a:rPr>
-                        <a:t>, cv2.COLOR_BGR2GRAY)  # </a:t>
+                        <a:t>, cv2.COLOR_BGR2GRAY)</a:t>
                       </a:r>
-                      <a:r>
-                        <a:rPr lang="zh-TW" altLang="en-US" dirty="0">
-                          <a:latin typeface="Times New Roman" panose="02020603050405020304" pitchFamily="18" charset="0"/>
-                          <a:ea typeface="標楷體" panose="03000509000000000000" pitchFamily="65" charset="-120"/>
-                          <a:cs typeface="Times New Roman" panose="02020603050405020304" pitchFamily="18" charset="0"/>
-                        </a:rPr>
-                        <a:t>轉換為灰階影像</a:t>
-                      </a:r>
-                      <a:endParaRPr lang="en-US" altLang="zh-TW" dirty="0">
-                        <a:latin typeface="Times New Roman" panose="02020603050405020304" pitchFamily="18" charset="0"/>
-                        <a:ea typeface="標楷體" panose="03000509000000000000" pitchFamily="65" charset="-120"/>
-                        <a:cs typeface="Times New Roman" panose="02020603050405020304" pitchFamily="18" charset="0"/>
-                      </a:endParaRPr>
                     </a:p>
                   </a:txBody>
                   <a:tcPr/>
@@ -13560,7 +13640,7 @@
           <p:nvPr>
             <p:extLst>
               <p:ext uri="{D42A27DB-BD31-4B8C-83A1-F6EECF244321}">
-                <p14:modId xmlns:p14="http://schemas.microsoft.com/office/powerpoint/2010/main" val="13766492"/>
+                <p14:modId xmlns:p14="http://schemas.microsoft.com/office/powerpoint/2010/main" val="1186084081"/>
               </p:ext>
             </p:extLst>
           </p:nvPr>
@@ -13677,20 +13757,12 @@
                     <a:lstStyle/>
                     <a:p>
                       <a:r>
-                        <a:rPr lang="en-US" altLang="zh-TW" dirty="0" err="1">
-                          <a:latin typeface="Times New Roman" panose="02020603050405020304" pitchFamily="18" charset="0"/>
-                          <a:ea typeface="標楷體" panose="03000509000000000000" pitchFamily="65" charset="-120"/>
-                          <a:cs typeface="Times New Roman" panose="02020603050405020304" pitchFamily="18" charset="0"/>
-                        </a:rPr>
-                        <a:t>gray_img</a:t>
-                      </a:r>
-                      <a:r>
                         <a:rPr lang="zh-TW" altLang="en-US" dirty="0">
                           <a:latin typeface="Times New Roman" panose="02020603050405020304" pitchFamily="18" charset="0"/>
                           <a:ea typeface="標楷體" panose="03000509000000000000" pitchFamily="65" charset="-120"/>
                           <a:cs typeface="Times New Roman" panose="02020603050405020304" pitchFamily="18" charset="0"/>
                         </a:rPr>
-                        <a:t> </a:t>
+                        <a:t>灰階影像 </a:t>
                       </a:r>
                       <a:r>
                         <a:rPr lang="en-US" altLang="zh-TW" dirty="0">
@@ -13752,7 +13824,7 @@
                           <a:ea typeface="標楷體" panose="03000509000000000000" pitchFamily="65" charset="-120"/>
                           <a:cs typeface="Times New Roman" panose="02020603050405020304" pitchFamily="18" charset="0"/>
                         </a:rPr>
-                        <a:t>sobel_image</a:t>
+                        <a:t>sobel</a:t>
                       </a:r>
                       <a:r>
                         <a:rPr lang="zh-TW" altLang="en-US" dirty="0">
@@ -13768,7 +13840,7 @@
                           <a:ea typeface="標楷體" panose="03000509000000000000" pitchFamily="65" charset="-120"/>
                           <a:cs typeface="Times New Roman" panose="02020603050405020304" pitchFamily="18" charset="0"/>
                         </a:rPr>
-                        <a:t>(jpg, 490x350)</a:t>
+                        <a:t>(uint8)</a:t>
                       </a:r>
                       <a:endParaRPr lang="zh-TW" altLang="en-US" dirty="0">
                         <a:latin typeface="Times New Roman" panose="02020603050405020304" pitchFamily="18" charset="0"/>
@@ -13979,7 +14051,7 @@
                           <a:ea typeface="標楷體" panose="03000509000000000000" pitchFamily="65" charset="-120"/>
                           <a:cs typeface="Times New Roman" panose="02020603050405020304" pitchFamily="18" charset="0"/>
                         </a:rPr>
-                        <a:t>sobel_x_kernel</a:t>
+                        <a:t>sobel_x</a:t>
                       </a:r>
                       <a:r>
                         <a:rPr lang="en-US" altLang="zh-TW" dirty="0">
@@ -13987,7 +14059,7 @@
                           <a:ea typeface="標楷體" panose="03000509000000000000" pitchFamily="65" charset="-120"/>
                           <a:cs typeface="Times New Roman" panose="02020603050405020304" pitchFamily="18" charset="0"/>
                         </a:rPr>
-                        <a:t> = </a:t>
+                        <a:t> = cv2.Sobel(gray, cv2.CV_64F, 1, 0, </a:t>
                       </a:r>
                       <a:r>
                         <a:rPr lang="en-US" altLang="zh-TW" dirty="0" err="1">
@@ -13995,7 +14067,7 @@
                           <a:ea typeface="標楷體" panose="03000509000000000000" pitchFamily="65" charset="-120"/>
                           <a:cs typeface="Times New Roman" panose="02020603050405020304" pitchFamily="18" charset="0"/>
                         </a:rPr>
-                        <a:t>np.array</a:t>
+                        <a:t>ksize</a:t>
                       </a:r>
                       <a:r>
                         <a:rPr lang="en-US" altLang="zh-TW" dirty="0">
@@ -14003,7 +14075,7 @@
                           <a:ea typeface="標楷體" panose="03000509000000000000" pitchFamily="65" charset="-120"/>
                           <a:cs typeface="Times New Roman" panose="02020603050405020304" pitchFamily="18" charset="0"/>
                         </a:rPr>
-                        <a:t>([[-1, 0, 1], [-2, 0, 2], [-1, 0, 1]])</a:t>
+                        <a:t>=3)</a:t>
                       </a:r>
                     </a:p>
                     <a:p>
@@ -14013,7 +14085,7 @@
                           <a:ea typeface="標楷體" panose="03000509000000000000" pitchFamily="65" charset="-120"/>
                           <a:cs typeface="Times New Roman" panose="02020603050405020304" pitchFamily="18" charset="0"/>
                         </a:rPr>
-                        <a:t>sobel_y_kernel</a:t>
+                        <a:t>sobel_y</a:t>
                       </a:r>
                       <a:r>
                         <a:rPr lang="en-US" altLang="zh-TW" dirty="0">
@@ -14021,7 +14093,7 @@
                           <a:ea typeface="標楷體" panose="03000509000000000000" pitchFamily="65" charset="-120"/>
                           <a:cs typeface="Times New Roman" panose="02020603050405020304" pitchFamily="18" charset="0"/>
                         </a:rPr>
-                        <a:t> = </a:t>
+                        <a:t> = cv2.Sobel(gray, cv2.CV_64F, 0, 1, </a:t>
                       </a:r>
                       <a:r>
                         <a:rPr lang="en-US" altLang="zh-TW" dirty="0" err="1">
@@ -14029,7 +14101,7 @@
                           <a:ea typeface="標楷體" panose="03000509000000000000" pitchFamily="65" charset="-120"/>
                           <a:cs typeface="Times New Roman" panose="02020603050405020304" pitchFamily="18" charset="0"/>
                         </a:rPr>
-                        <a:t>np.array</a:t>
+                        <a:t>ksize</a:t>
                       </a:r>
                       <a:r>
                         <a:rPr lang="en-US" altLang="zh-TW" dirty="0">
@@ -14037,7 +14109,7 @@
                           <a:ea typeface="標楷體" panose="03000509000000000000" pitchFamily="65" charset="-120"/>
                           <a:cs typeface="Times New Roman" panose="02020603050405020304" pitchFamily="18" charset="0"/>
                         </a:rPr>
-                        <a:t>([[-1, -2, -1], [0, 0, 0], [1, 2, 1]])</a:t>
+                        <a:t>=3)</a:t>
                       </a:r>
                     </a:p>
                     <a:p>
@@ -14047,7 +14119,7 @@
                           <a:ea typeface="標楷體" panose="03000509000000000000" pitchFamily="65" charset="-120"/>
                           <a:cs typeface="Times New Roman" panose="02020603050405020304" pitchFamily="18" charset="0"/>
                         </a:rPr>
-                        <a:t>sobel_magnitude</a:t>
+                        <a:t>sobel</a:t>
                       </a:r>
                       <a:r>
                         <a:rPr lang="en-US" altLang="zh-TW" dirty="0">
@@ -14055,23 +14127,7 @@
                           <a:ea typeface="標楷體" panose="03000509000000000000" pitchFamily="65" charset="-120"/>
                           <a:cs typeface="Times New Roman" panose="02020603050405020304" pitchFamily="18" charset="0"/>
                         </a:rPr>
-                        <a:t> = </a:t>
-                      </a:r>
-                      <a:r>
-                        <a:rPr lang="en-US" altLang="zh-TW" dirty="0" err="1">
-                          <a:latin typeface="Times New Roman" panose="02020603050405020304" pitchFamily="18" charset="0"/>
-                          <a:ea typeface="標楷體" panose="03000509000000000000" pitchFamily="65" charset="-120"/>
-                          <a:cs typeface="Times New Roman" panose="02020603050405020304" pitchFamily="18" charset="0"/>
-                        </a:rPr>
-                        <a:t>np.sqrt</a:t>
-                      </a:r>
-                      <a:r>
-                        <a:rPr lang="en-US" altLang="zh-TW" dirty="0">
-                          <a:latin typeface="Times New Roman" panose="02020603050405020304" pitchFamily="18" charset="0"/>
-                          <a:ea typeface="標楷體" panose="03000509000000000000" pitchFamily="65" charset="-120"/>
-                          <a:cs typeface="Times New Roman" panose="02020603050405020304" pitchFamily="18" charset="0"/>
-                        </a:rPr>
-                        <a:t>(</a:t>
+                        <a:t> = cv2.magnitude(</a:t>
                       </a:r>
                       <a:r>
                         <a:rPr lang="en-US" altLang="zh-TW" dirty="0" err="1">
@@ -14087,7 +14143,7 @@
                           <a:ea typeface="標楷體" panose="03000509000000000000" pitchFamily="65" charset="-120"/>
                           <a:cs typeface="Times New Roman" panose="02020603050405020304" pitchFamily="18" charset="0"/>
                         </a:rPr>
-                        <a:t> ** 2 + </a:t>
+                        <a:t>, </a:t>
                       </a:r>
                       <a:r>
                         <a:rPr lang="en-US" altLang="zh-TW" dirty="0" err="1">
@@ -14103,7 +14159,7 @@
                           <a:ea typeface="標楷體" panose="03000509000000000000" pitchFamily="65" charset="-120"/>
                           <a:cs typeface="Times New Roman" panose="02020603050405020304" pitchFamily="18" charset="0"/>
                         </a:rPr>
-                        <a:t> ** 2)</a:t>
+                        <a:t>)</a:t>
                       </a:r>
                     </a:p>
                     <a:p>
@@ -14113,7 +14169,7 @@
                           <a:ea typeface="標楷體" panose="03000509000000000000" pitchFamily="65" charset="-120"/>
                           <a:cs typeface="Times New Roman" panose="02020603050405020304" pitchFamily="18" charset="0"/>
                         </a:rPr>
-                        <a:t>sobel_magnitude</a:t>
+                        <a:t>sobel</a:t>
                       </a:r>
                       <a:r>
                         <a:rPr lang="en-US" altLang="zh-TW" dirty="0">
@@ -14121,7 +14177,7 @@
                           <a:ea typeface="標楷體" panose="03000509000000000000" pitchFamily="65" charset="-120"/>
                           <a:cs typeface="Times New Roman" panose="02020603050405020304" pitchFamily="18" charset="0"/>
                         </a:rPr>
-                        <a:t> = np.uint8(</a:t>
+                        <a:t> = cv2.convertScaleAbs(</a:t>
                       </a:r>
                       <a:r>
                         <a:rPr lang="en-US" altLang="zh-TW" dirty="0" err="1">
@@ -14129,7 +14185,7 @@
                           <a:ea typeface="標楷體" panose="03000509000000000000" pitchFamily="65" charset="-120"/>
                           <a:cs typeface="Times New Roman" panose="02020603050405020304" pitchFamily="18" charset="0"/>
                         </a:rPr>
-                        <a:t>sobel_magnitude</a:t>
+                        <a:t>sobel</a:t>
                       </a:r>
                       <a:r>
                         <a:rPr lang="en-US" altLang="zh-TW" dirty="0">
@@ -14137,23 +14193,7 @@
                           <a:ea typeface="標楷體" panose="03000509000000000000" pitchFamily="65" charset="-120"/>
                           <a:cs typeface="Times New Roman" panose="02020603050405020304" pitchFamily="18" charset="0"/>
                         </a:rPr>
-                        <a:t> / </a:t>
-                      </a:r>
-                      <a:r>
-                        <a:rPr lang="en-US" altLang="zh-TW" dirty="0" err="1">
-                          <a:latin typeface="Times New Roman" panose="02020603050405020304" pitchFamily="18" charset="0"/>
-                          <a:ea typeface="標楷體" panose="03000509000000000000" pitchFamily="65" charset="-120"/>
-                          <a:cs typeface="Times New Roman" panose="02020603050405020304" pitchFamily="18" charset="0"/>
-                        </a:rPr>
-                        <a:t>sobel_magnitude.max</a:t>
-                      </a:r>
-                      <a:r>
-                        <a:rPr lang="en-US" altLang="zh-TW" dirty="0">
-                          <a:latin typeface="Times New Roman" panose="02020603050405020304" pitchFamily="18" charset="0"/>
-                          <a:ea typeface="標楷體" panose="03000509000000000000" pitchFamily="65" charset="-120"/>
-                          <a:cs typeface="Times New Roman" panose="02020603050405020304" pitchFamily="18" charset="0"/>
-                        </a:rPr>
-                        <a:t>() * 255)</a:t>
+                        <a:t>)</a:t>
                       </a:r>
                     </a:p>
                   </a:txBody>
@@ -14322,7 +14362,7 @@
           <p:nvPr>
             <p:extLst>
               <p:ext uri="{D42A27DB-BD31-4B8C-83A1-F6EECF244321}">
-                <p14:modId xmlns:p14="http://schemas.microsoft.com/office/powerpoint/2010/main" val="2323526515"/>
+                <p14:modId xmlns:p14="http://schemas.microsoft.com/office/powerpoint/2010/main" val="4238044896"/>
               </p:ext>
             </p:extLst>
           </p:nvPr>
@@ -14447,7 +14487,7 @@
                           <a:ea typeface="標楷體" panose="03000509000000000000" pitchFamily="65" charset="-120"/>
                           <a:cs typeface="Times New Roman" panose="02020603050405020304" pitchFamily="18" charset="0"/>
                         </a:rPr>
-                        <a:t>sobel_img</a:t>
+                        <a:t>sobel</a:t>
                       </a:r>
                       <a:r>
                         <a:rPr lang="zh-TW" altLang="en-US" dirty="0">
@@ -14517,7 +14557,7 @@
                           <a:ea typeface="標楷體" panose="03000509000000000000" pitchFamily="65" charset="-120"/>
                           <a:cs typeface="Times New Roman" panose="02020603050405020304" pitchFamily="18" charset="0"/>
                         </a:rPr>
-                        <a:t>lbp_img</a:t>
+                        <a:t>lbp</a:t>
                       </a:r>
                       <a:r>
                         <a:rPr lang="zh-TW" altLang="en-US" dirty="0">
@@ -14533,7 +14573,7 @@
                           <a:ea typeface="標楷體" panose="03000509000000000000" pitchFamily="65" charset="-120"/>
                           <a:cs typeface="Times New Roman" panose="02020603050405020304" pitchFamily="18" charset="0"/>
                         </a:rPr>
-                        <a:t>(jpg, 490x350)</a:t>
+                        <a:t>(uint8)</a:t>
                       </a:r>
                       <a:endParaRPr lang="zh-TW" altLang="en-US" dirty="0">
                         <a:latin typeface="Times New Roman" panose="02020603050405020304" pitchFamily="18" charset="0"/>
@@ -14587,23 +14627,7 @@
                           <a:ea typeface="標楷體" panose="03000509000000000000" pitchFamily="65" charset="-120"/>
                           <a:cs typeface="Times New Roman" panose="02020603050405020304" pitchFamily="18" charset="0"/>
                         </a:rPr>
-                        <a:t>n_points</a:t>
-                      </a:r>
-                      <a:r>
-                        <a:rPr lang="en-US" altLang="zh-TW" dirty="0">
-                          <a:latin typeface="Times New Roman" panose="02020603050405020304" pitchFamily="18" charset="0"/>
-                          <a:ea typeface="標楷體" panose="03000509000000000000" pitchFamily="65" charset="-120"/>
-                          <a:cs typeface="Times New Roman" panose="02020603050405020304" pitchFamily="18" charset="0"/>
-                        </a:rPr>
-                        <a:t>: LBP </a:t>
-                      </a:r>
-                      <a:r>
-                        <a:rPr lang="zh-TW" altLang="en-US" dirty="0">
-                          <a:latin typeface="Times New Roman" panose="02020603050405020304" pitchFamily="18" charset="0"/>
-                          <a:ea typeface="標楷體" panose="03000509000000000000" pitchFamily="65" charset="-120"/>
-                          <a:cs typeface="Times New Roman" panose="02020603050405020304" pitchFamily="18" charset="0"/>
-                        </a:rPr>
-                        <a:t>編碼的周圍取樣點數 </a:t>
+                        <a:t>block_size</a:t>
                       </a:r>
                       <a:r>
                         <a:rPr lang="en-US" altLang="zh-TW" dirty="0">
@@ -14614,12 +14638,11 @@
                         <a:t>(</a:t>
                       </a:r>
                       <a:r>
-                        <a:rPr lang="zh-TW" altLang="en-US" dirty="0">
+                        <a:rPr lang="en-US" altLang="zh-TW" dirty="0">
                           <a:latin typeface="Times New Roman" panose="02020603050405020304" pitchFamily="18" charset="0"/>
-                          <a:ea typeface="標楷體" panose="03000509000000000000" pitchFamily="65" charset="-120"/>
                           <a:cs typeface="Times New Roman" panose="02020603050405020304" pitchFamily="18" charset="0"/>
                         </a:rPr>
-                        <a:t>設為：</a:t>
+                        <a:t>int</a:t>
                       </a:r>
                       <a:r>
                         <a:rPr lang="en-US" altLang="zh-TW" dirty="0">
@@ -14627,8 +14650,37 @@
                           <a:ea typeface="標楷體" panose="03000509000000000000" pitchFamily="65" charset="-120"/>
                           <a:cs typeface="Times New Roman" panose="02020603050405020304" pitchFamily="18" charset="0"/>
                         </a:rPr>
-                        <a:t>8 )</a:t>
+                        <a:t>)</a:t>
                       </a:r>
+                      <a:r>
+                        <a:rPr lang="zh-TW" altLang="en-US" dirty="0">
+                          <a:latin typeface="Times New Roman" panose="02020603050405020304" pitchFamily="18" charset="0"/>
+                          <a:ea typeface="標楷體" panose="03000509000000000000" pitchFamily="65" charset="-120"/>
+                          <a:cs typeface="Times New Roman" panose="02020603050405020304" pitchFamily="18" charset="0"/>
+                        </a:rPr>
+                        <a:t>：單一區塊的邊長，設定為 </a:t>
+                      </a:r>
+                      <a:r>
+                        <a:rPr lang="en-US" altLang="zh-TW" dirty="0">
+                          <a:latin typeface="Times New Roman" panose="02020603050405020304" pitchFamily="18" charset="0"/>
+                          <a:ea typeface="標楷體" panose="03000509000000000000" pitchFamily="65" charset="-120"/>
+                          <a:cs typeface="Times New Roman" panose="02020603050405020304" pitchFamily="18" charset="0"/>
+                        </a:rPr>
+                        <a:t>16</a:t>
+                      </a:r>
+                      <a:r>
+                        <a:rPr lang="zh-TW" altLang="en-US" dirty="0">
+                          <a:latin typeface="Times New Roman" panose="02020603050405020304" pitchFamily="18" charset="0"/>
+                          <a:ea typeface="標楷體" panose="03000509000000000000" pitchFamily="65" charset="-120"/>
+                          <a:cs typeface="Times New Roman" panose="02020603050405020304" pitchFamily="18" charset="0"/>
+                        </a:rPr>
+                        <a:t>。</a:t>
+                      </a:r>
+                      <a:endParaRPr lang="en-US" altLang="zh-TW" dirty="0">
+                        <a:latin typeface="Times New Roman" panose="02020603050405020304" pitchFamily="18" charset="0"/>
+                        <a:ea typeface="標楷體" panose="03000509000000000000" pitchFamily="65" charset="-120"/>
+                        <a:cs typeface="Times New Roman" panose="02020603050405020304" pitchFamily="18" charset="0"/>
+                      </a:endParaRPr>
                     </a:p>
                     <a:p>
                       <a:r>
@@ -14637,7 +14689,7 @@
                           <a:ea typeface="標楷體" panose="03000509000000000000" pitchFamily="65" charset="-120"/>
                           <a:cs typeface="Times New Roman" panose="02020603050405020304" pitchFamily="18" charset="0"/>
                         </a:rPr>
-                        <a:t>radius: LBP </a:t>
+                        <a:t>Blocks(uint8)</a:t>
                       </a:r>
                       <a:r>
                         <a:rPr lang="zh-TW" altLang="en-US" dirty="0">
@@ -14645,23 +14697,7 @@
                           <a:ea typeface="標楷體" panose="03000509000000000000" pitchFamily="65" charset="-120"/>
                           <a:cs typeface="Times New Roman" panose="02020603050405020304" pitchFamily="18" charset="0"/>
                         </a:rPr>
-                        <a:t>編碼的半徑（設為：</a:t>
-                      </a:r>
-                      <a:r>
-                        <a:rPr lang="en-US" altLang="zh-TW" dirty="0">
-                          <a:latin typeface="Times New Roman" panose="02020603050405020304" pitchFamily="18" charset="0"/>
-                          <a:ea typeface="標楷體" panose="03000509000000000000" pitchFamily="65" charset="-120"/>
-                          <a:cs typeface="Times New Roman" panose="02020603050405020304" pitchFamily="18" charset="0"/>
-                        </a:rPr>
-                        <a:t>1</a:t>
-                      </a:r>
-                      <a:r>
-                        <a:rPr lang="zh-TW" altLang="en-US" dirty="0">
-                          <a:latin typeface="Times New Roman" panose="02020603050405020304" pitchFamily="18" charset="0"/>
-                          <a:ea typeface="標楷體" panose="03000509000000000000" pitchFamily="65" charset="-120"/>
-                          <a:cs typeface="Times New Roman" panose="02020603050405020304" pitchFamily="18" charset="0"/>
-                        </a:rPr>
-                        <a:t>）</a:t>
+                        <a:t>：影像分割後的所有區塊。</a:t>
                       </a:r>
                       <a:endParaRPr lang="en-US" altLang="zh-TW" dirty="0">
                         <a:latin typeface="Times New Roman" panose="02020603050405020304" pitchFamily="18" charset="0"/>
@@ -14773,7 +14809,7 @@
           <p:nvPr>
             <p:extLst>
               <p:ext uri="{D42A27DB-BD31-4B8C-83A1-F6EECF244321}">
-                <p14:modId xmlns:p14="http://schemas.microsoft.com/office/powerpoint/2010/main" val="3719529159"/>
+                <p14:modId xmlns:p14="http://schemas.microsoft.com/office/powerpoint/2010/main" val="1132092530"/>
               </p:ext>
             </p:extLst>
           </p:nvPr>
@@ -14895,7 +14931,7 @@
                           <a:ea typeface="標楷體" panose="03000509000000000000" pitchFamily="65" charset="-120"/>
                           <a:cs typeface="Times New Roman" panose="02020603050405020304" pitchFamily="18" charset="0"/>
                         </a:rPr>
-                        <a:t>lbp_img</a:t>
+                        <a:t>lbp</a:t>
                       </a:r>
                       <a:r>
                         <a:rPr lang="zh-TW" altLang="en-US" dirty="0">
@@ -14911,7 +14947,7 @@
                           <a:ea typeface="標楷體" panose="03000509000000000000" pitchFamily="65" charset="-120"/>
                           <a:cs typeface="Times New Roman" panose="02020603050405020304" pitchFamily="18" charset="0"/>
                         </a:rPr>
-                        <a:t>(jpg, 490x350)</a:t>
+                        <a:t>(uint8)</a:t>
                       </a:r>
                       <a:endParaRPr lang="zh-TW" altLang="en-US" dirty="0">
                         <a:latin typeface="Times New Roman" panose="02020603050405020304" pitchFamily="18" charset="0"/>
@@ -14965,7 +15001,7 @@
                           <a:ea typeface="標楷體" panose="03000509000000000000" pitchFamily="65" charset="-120"/>
                           <a:cs typeface="Times New Roman" panose="02020603050405020304" pitchFamily="18" charset="0"/>
                         </a:rPr>
-                        <a:t>histogram</a:t>
+                        <a:t>hist</a:t>
                       </a:r>
                       <a:r>
                         <a:rPr lang="zh-TW" altLang="en-US" dirty="0">
@@ -14975,6 +15011,19 @@
                         </a:rPr>
                         <a:t>直方圖</a:t>
                       </a:r>
+                      <a:r>
+                        <a:rPr lang="en-US" altLang="zh-TW" dirty="0">
+                          <a:latin typeface="Times New Roman" panose="02020603050405020304" pitchFamily="18" charset="0"/>
+                          <a:ea typeface="標楷體" panose="03000509000000000000" pitchFamily="65" charset="-120"/>
+                          <a:cs typeface="Times New Roman" panose="02020603050405020304" pitchFamily="18" charset="0"/>
+                        </a:rPr>
+                        <a:t>(float32)</a:t>
+                      </a:r>
+                      <a:endParaRPr lang="zh-TW" altLang="en-US" dirty="0">
+                        <a:latin typeface="Times New Roman" panose="02020603050405020304" pitchFamily="18" charset="0"/>
+                        <a:ea typeface="標楷體" panose="03000509000000000000" pitchFamily="65" charset="-120"/>
+                        <a:cs typeface="Times New Roman" panose="02020603050405020304" pitchFamily="18" charset="0"/>
+                      </a:endParaRPr>
                     </a:p>
                   </a:txBody>
                   <a:tcPr/>
@@ -15022,23 +15071,7 @@
                           <a:ea typeface="標楷體" panose="03000509000000000000" pitchFamily="65" charset="-120"/>
                           <a:cs typeface="Times New Roman" panose="02020603050405020304" pitchFamily="18" charset="0"/>
                         </a:rPr>
-                        <a:t>range: </a:t>
-                      </a:r>
-                      <a:r>
-                        <a:rPr lang="zh-TW" altLang="en-US" dirty="0">
-                          <a:latin typeface="Times New Roman" panose="02020603050405020304" pitchFamily="18" charset="0"/>
-                          <a:ea typeface="標楷體" panose="03000509000000000000" pitchFamily="65" charset="-120"/>
-                          <a:cs typeface="Times New Roman" panose="02020603050405020304" pitchFamily="18" charset="0"/>
-                        </a:rPr>
-                        <a:t>直方圖的數據範圍</a:t>
-                      </a:r>
-                      <a:r>
-                        <a:rPr lang="en-US" altLang="zh-TW" dirty="0">
-                          <a:latin typeface="Times New Roman" panose="02020603050405020304" pitchFamily="18" charset="0"/>
-                          <a:ea typeface="標楷體" panose="03000509000000000000" pitchFamily="65" charset="-120"/>
-                          <a:cs typeface="Times New Roman" panose="02020603050405020304" pitchFamily="18" charset="0"/>
-                        </a:rPr>
-                        <a:t>(float[0, 256])</a:t>
+                        <a:t>None</a:t>
                       </a:r>
                       <a:endParaRPr lang="zh-TW" altLang="en-US" dirty="0">
                         <a:latin typeface="Times New Roman" panose="02020603050405020304" pitchFamily="18" charset="0"/>
@@ -15334,14 +15367,14 @@
           <p:nvPr>
             <p:extLst>
               <p:ext uri="{D42A27DB-BD31-4B8C-83A1-F6EECF244321}">
-                <p14:modId xmlns:p14="http://schemas.microsoft.com/office/powerpoint/2010/main" val="908960378"/>
+                <p14:modId xmlns:p14="http://schemas.microsoft.com/office/powerpoint/2010/main" val="3761274682"/>
               </p:ext>
             </p:extLst>
           </p:nvPr>
         </p:nvGraphicFramePr>
         <p:xfrm>
           <a:off x="838200" y="1195544"/>
-          <a:ext cx="10515600" cy="2135564"/>
+          <a:ext cx="10515600" cy="1922204"/>
         </p:xfrm>
         <a:graphic>
           <a:graphicData uri="http://schemas.openxmlformats.org/drawingml/2006/table">
@@ -15402,7 +15435,7 @@
                           <a:ea typeface="標楷體" panose="03000509000000000000" pitchFamily="65" charset="-120"/>
                           <a:cs typeface="Times New Roman" panose="02020603050405020304" pitchFamily="18" charset="0"/>
                         </a:rPr>
-                        <a:t>Distance measure</a:t>
+                        <a:t>BFS</a:t>
                       </a:r>
                       <a:endParaRPr lang="zh-TW" altLang="en-US" dirty="0">
                         <a:latin typeface="Times New Roman" panose="02020603050405020304" pitchFamily="18" charset="0"/>
@@ -15456,7 +15489,7 @@
                           <a:ea typeface="標楷體" panose="03000509000000000000" pitchFamily="65" charset="-120"/>
                           <a:cs typeface="Times New Roman" panose="02020603050405020304" pitchFamily="18" charset="0"/>
                         </a:rPr>
-                        <a:t>兩個直方圖</a:t>
+                        <a:t>直方圖</a:t>
                       </a:r>
                     </a:p>
                   </a:txBody>
@@ -15505,7 +15538,7 @@
                           <a:ea typeface="標楷體" panose="03000509000000000000" pitchFamily="65" charset="-120"/>
                           <a:cs typeface="Times New Roman" panose="02020603050405020304" pitchFamily="18" charset="0"/>
                         </a:rPr>
-                        <a:t>兩個直方圖之間的歐氏距離</a:t>
+                        <a:t>相似區塊</a:t>
                       </a:r>
                     </a:p>
                   </a:txBody>
@@ -15554,7 +15587,7 @@
                           <a:ea typeface="標楷體" panose="03000509000000000000" pitchFamily="65" charset="-120"/>
                           <a:cs typeface="Times New Roman" panose="02020603050405020304" pitchFamily="18" charset="0"/>
                         </a:rPr>
-                        <a:t>x: </a:t>
+                        <a:t>hist(float32)</a:t>
                       </a:r>
                       <a:r>
                         <a:rPr lang="zh-TW" altLang="en-US" dirty="0">
@@ -15562,13 +15595,32 @@
                           <a:ea typeface="標楷體" panose="03000509000000000000" pitchFamily="65" charset="-120"/>
                           <a:cs typeface="Times New Roman" panose="02020603050405020304" pitchFamily="18" charset="0"/>
                         </a:rPr>
-                        <a:t>第一個直方圖</a:t>
+                        <a:t>：每個區塊的 </a:t>
                       </a:r>
-                      <a:endParaRPr lang="en-US" altLang="zh-TW" dirty="0">
-                        <a:latin typeface="Times New Roman" panose="02020603050405020304" pitchFamily="18" charset="0"/>
-                        <a:ea typeface="標楷體" panose="03000509000000000000" pitchFamily="65" charset="-120"/>
-                        <a:cs typeface="Times New Roman" panose="02020603050405020304" pitchFamily="18" charset="0"/>
-                      </a:endParaRPr>
+                      <a:r>
+                        <a:rPr lang="en-US" altLang="zh-TW" dirty="0">
+                          <a:latin typeface="Times New Roman" panose="02020603050405020304" pitchFamily="18" charset="0"/>
+                          <a:ea typeface="標楷體" panose="03000509000000000000" pitchFamily="65" charset="-120"/>
+                          <a:cs typeface="Times New Roman" panose="02020603050405020304" pitchFamily="18" charset="0"/>
+                        </a:rPr>
+                        <a:t>LBP </a:t>
+                      </a:r>
+                      <a:r>
+                        <a:rPr lang="zh-TW" altLang="en-US" dirty="0">
+                          <a:latin typeface="Times New Roman" panose="02020603050405020304" pitchFamily="18" charset="0"/>
+                          <a:ea typeface="標楷體" panose="03000509000000000000" pitchFamily="65" charset="-120"/>
+                          <a:cs typeface="Times New Roman" panose="02020603050405020304" pitchFamily="18" charset="0"/>
+                        </a:rPr>
+                        <a:t>特徵直方圖。</a:t>
+                      </a:r>
+                      <a:r>
+                        <a:rPr lang="en-US" altLang="zh-TW" dirty="0">
+                          <a:latin typeface="Times New Roman" panose="02020603050405020304" pitchFamily="18" charset="0"/>
+                          <a:ea typeface="標楷體" panose="03000509000000000000" pitchFamily="65" charset="-120"/>
+                          <a:cs typeface="Times New Roman" panose="02020603050405020304" pitchFamily="18" charset="0"/>
+                        </a:rPr>
+                        <a:t> </a:t>
+                      </a:r>
                     </a:p>
                     <a:p>
                       <a:r>
@@ -15577,7 +15629,7 @@
                           <a:ea typeface="標楷體" panose="03000509000000000000" pitchFamily="65" charset="-120"/>
                           <a:cs typeface="Times New Roman" panose="02020603050405020304" pitchFamily="18" charset="0"/>
                         </a:rPr>
-                        <a:t>y: </a:t>
+                        <a:t>Threshold(float):</a:t>
                       </a:r>
                       <a:r>
                         <a:rPr lang="zh-TW" altLang="en-US" dirty="0">
@@ -15585,46 +15637,7 @@
                           <a:ea typeface="標楷體" panose="03000509000000000000" pitchFamily="65" charset="-120"/>
                           <a:cs typeface="Times New Roman" panose="02020603050405020304" pitchFamily="18" charset="0"/>
                         </a:rPr>
-                        <a:t>第二個直方圖</a:t>
-                      </a:r>
-                      <a:endParaRPr lang="en-US" altLang="zh-TW" dirty="0">
-                        <a:latin typeface="Times New Roman" panose="02020603050405020304" pitchFamily="18" charset="0"/>
-                        <a:ea typeface="標楷體" panose="03000509000000000000" pitchFamily="65" charset="-120"/>
-                        <a:cs typeface="Times New Roman" panose="02020603050405020304" pitchFamily="18" charset="0"/>
-                      </a:endParaRPr>
-                    </a:p>
-                    <a:p>
-                      <a:r>
-                        <a:rPr lang="en-US" altLang="zh-TW" dirty="0">
-                          <a:latin typeface="Times New Roman" panose="02020603050405020304" pitchFamily="18" charset="0"/>
-                          <a:ea typeface="標楷體" panose="03000509000000000000" pitchFamily="65" charset="-120"/>
-                          <a:cs typeface="Times New Roman" panose="02020603050405020304" pitchFamily="18" charset="0"/>
-                        </a:rPr>
-                        <a:t>threshold:</a:t>
-                      </a:r>
-                      <a:r>
-                        <a:rPr lang="zh-TW" altLang="en-US" dirty="0">
-                          <a:latin typeface="Times New Roman" panose="02020603050405020304" pitchFamily="18" charset="0"/>
-                          <a:ea typeface="標楷體" panose="03000509000000000000" pitchFamily="65" charset="-120"/>
-                          <a:cs typeface="Times New Roman" panose="02020603050405020304" pitchFamily="18" charset="0"/>
-                        </a:rPr>
-                        <a:t>設定為 </a:t>
-                      </a:r>
-                      <a:r>
-                        <a:rPr lang="en-US" altLang="zh-TW" dirty="0">
-                          <a:latin typeface="Times New Roman" panose="02020603050405020304" pitchFamily="18" charset="0"/>
-                          <a:ea typeface="標楷體" panose="03000509000000000000" pitchFamily="65" charset="-120"/>
-                          <a:cs typeface="Times New Roman" panose="02020603050405020304" pitchFamily="18" charset="0"/>
-                        </a:rPr>
-                        <a:t>0.1</a:t>
-                      </a:r>
-                      <a:r>
-                        <a:rPr lang="zh-TW" altLang="en-US" dirty="0">
-                          <a:latin typeface="Times New Roman" panose="02020603050405020304" pitchFamily="18" charset="0"/>
-                          <a:ea typeface="標楷體" panose="03000509000000000000" pitchFamily="65" charset="-120"/>
-                          <a:cs typeface="Times New Roman" panose="02020603050405020304" pitchFamily="18" charset="0"/>
-                        </a:rPr>
-                        <a:t>，這是搜尋時的閾值</a:t>
+                        <a:t>設定閾值</a:t>
                       </a:r>
                     </a:p>
                   </a:txBody>
@@ -15692,81 +15705,15 @@
                           <a:ea typeface="標楷體" panose="03000509000000000000" pitchFamily="65" charset="-120"/>
                           <a:cs typeface="Times New Roman" panose="02020603050405020304" pitchFamily="18" charset="0"/>
                         </a:rPr>
-                        <a:t>使用歐氏距離計算兩個向量之間的相似度</a:t>
+                        <a:t>以 </a:t>
                       </a:r>
-                    </a:p>
-                  </a:txBody>
-                  <a:tcPr/>
-                </a:tc>
-                <a:extLst>
-                  <a:ext uri="{0D108BD9-81ED-4DB2-BD59-A6C34878D82A}">
-                    <a16:rowId xmlns:a16="http://schemas.microsoft.com/office/drawing/2014/main" val="329397043"/>
-                  </a:ext>
-                </a:extLst>
-              </a:tr>
-            </a:tbl>
-          </a:graphicData>
-        </a:graphic>
-      </p:graphicFrame>
-      <p:graphicFrame>
-        <p:nvGraphicFramePr>
-          <p:cNvPr id="50" name="表格 2">
-            <a:extLst>
-              <a:ext uri="{FF2B5EF4-FFF2-40B4-BE49-F238E27FC236}">
-                <a16:creationId xmlns:a16="http://schemas.microsoft.com/office/drawing/2014/main" id="{431EC9A0-674E-4D1E-A257-FDE5EEB1DC17}"/>
-              </a:ext>
-            </a:extLst>
-          </p:cNvPr>
-          <p:cNvGraphicFramePr>
-            <a:graphicFrameLocks noGrp="1"/>
-          </p:cNvGraphicFramePr>
-          <p:nvPr>
-            <p:extLst>
-              <p:ext uri="{D42A27DB-BD31-4B8C-83A1-F6EECF244321}">
-                <p14:modId xmlns:p14="http://schemas.microsoft.com/office/powerpoint/2010/main" val="1290938754"/>
-              </p:ext>
-            </p:extLst>
-          </p:nvPr>
-        </p:nvGraphicFramePr>
-        <p:xfrm>
-          <a:off x="838200" y="4127254"/>
-          <a:ext cx="10515600" cy="1755055"/>
-        </p:xfrm>
-        <a:graphic>
-          <a:graphicData uri="http://schemas.openxmlformats.org/drawingml/2006/table">
-            <a:tbl>
-              <a:tblPr firstRow="1" bandRow="1">
-                <a:tableStyleId>{5C22544A-7EE6-4342-B048-85BDC9FD1C3A}</a:tableStyleId>
-              </a:tblPr>
-              <a:tblGrid>
-                <a:gridCol w="2087880">
-                  <a:extLst>
-                    <a:ext uri="{9D8B030D-6E8A-4147-A177-3AD203B41FA5}">
-                      <a16:colId xmlns:a16="http://schemas.microsoft.com/office/drawing/2014/main" val="2144424883"/>
-                    </a:ext>
-                  </a:extLst>
-                </a:gridCol>
-                <a:gridCol w="8427720">
-                  <a:extLst>
-                    <a:ext uri="{9D8B030D-6E8A-4147-A177-3AD203B41FA5}">
-                      <a16:colId xmlns:a16="http://schemas.microsoft.com/office/drawing/2014/main" val="3707820108"/>
-                    </a:ext>
-                  </a:extLst>
-                </a:gridCol>
-              </a:tblGrid>
-              <a:tr h="351011">
-                <a:tc>
-                  <a:txBody>
-                    <a:bodyPr/>
-                    <a:lstStyle/>
-                    <a:p>
                       <a:r>
                         <a:rPr lang="en-US" altLang="zh-TW" dirty="0">
                           <a:latin typeface="Times New Roman" panose="02020603050405020304" pitchFamily="18" charset="0"/>
                           <a:ea typeface="標楷體" panose="03000509000000000000" pitchFamily="65" charset="-120"/>
                           <a:cs typeface="Times New Roman" panose="02020603050405020304" pitchFamily="18" charset="0"/>
                         </a:rPr>
-                        <a:t>Function</a:t>
+                        <a:t>LBP </a:t>
                       </a:r>
                       <a:r>
                         <a:rPr lang="zh-TW" altLang="en-US" dirty="0">
@@ -15774,265 +15721,7 @@
                           <a:ea typeface="標楷體" panose="03000509000000000000" pitchFamily="65" charset="-120"/>
                           <a:cs typeface="Times New Roman" panose="02020603050405020304" pitchFamily="18" charset="0"/>
                         </a:rPr>
-                        <a:t>：</a:t>
-                      </a:r>
-                    </a:p>
-                  </a:txBody>
-                  <a:tcPr/>
-                </a:tc>
-                <a:tc>
-                  <a:txBody>
-                    <a:bodyPr/>
-                    <a:lstStyle/>
-                    <a:p>
-                      <a:r>
-                        <a:rPr lang="en-US" altLang="zh-TW" dirty="0">
-                          <a:latin typeface="Times New Roman" panose="02020603050405020304" pitchFamily="18" charset="0"/>
-                          <a:ea typeface="標楷體" panose="03000509000000000000" pitchFamily="65" charset="-120"/>
-                          <a:cs typeface="Times New Roman" panose="02020603050405020304" pitchFamily="18" charset="0"/>
-                        </a:rPr>
-                        <a:t>Labeling</a:t>
-                      </a:r>
-                      <a:r>
-                        <a:rPr lang="zh-TW" altLang="en-US" dirty="0">
-                          <a:latin typeface="Times New Roman" panose="02020603050405020304" pitchFamily="18" charset="0"/>
-                          <a:ea typeface="標楷體" panose="03000509000000000000" pitchFamily="65" charset="-120"/>
-                          <a:cs typeface="Times New Roman" panose="02020603050405020304" pitchFamily="18" charset="0"/>
-                        </a:rPr>
-                        <a:t>塗色</a:t>
-                      </a:r>
-                    </a:p>
-                  </a:txBody>
-                  <a:tcPr/>
-                </a:tc>
-                <a:extLst>
-                  <a:ext uri="{0D108BD9-81ED-4DB2-BD59-A6C34878D82A}">
-                    <a16:rowId xmlns:a16="http://schemas.microsoft.com/office/drawing/2014/main" val="780994351"/>
-                  </a:ext>
-                </a:extLst>
-              </a:tr>
-              <a:tr h="351011">
-                <a:tc>
-                  <a:txBody>
-                    <a:bodyPr/>
-                    <a:lstStyle/>
-                    <a:p>
-                      <a:r>
-                        <a:rPr lang="en-US" altLang="zh-TW" dirty="0">
-                          <a:latin typeface="Times New Roman" panose="02020603050405020304" pitchFamily="18" charset="0"/>
-                          <a:ea typeface="標楷體" panose="03000509000000000000" pitchFamily="65" charset="-120"/>
-                          <a:cs typeface="Times New Roman" panose="02020603050405020304" pitchFamily="18" charset="0"/>
-                        </a:rPr>
-                        <a:t>Input</a:t>
-                      </a:r>
-                      <a:r>
-                        <a:rPr lang="zh-TW" altLang="en-US" dirty="0">
-                          <a:latin typeface="Times New Roman" panose="02020603050405020304" pitchFamily="18" charset="0"/>
-                          <a:ea typeface="標楷體" panose="03000509000000000000" pitchFamily="65" charset="-120"/>
-                          <a:cs typeface="Times New Roman" panose="02020603050405020304" pitchFamily="18" charset="0"/>
-                        </a:rPr>
-                        <a:t>：</a:t>
-                      </a:r>
-                    </a:p>
-                  </a:txBody>
-                  <a:tcPr/>
-                </a:tc>
-                <a:tc>
-                  <a:txBody>
-                    <a:bodyPr/>
-                    <a:lstStyle/>
-                    <a:p>
-                      <a:r>
-                        <a:rPr lang="zh-TW" altLang="en-US" dirty="0">
-                          <a:latin typeface="Times New Roman" panose="02020603050405020304" pitchFamily="18" charset="0"/>
-                          <a:ea typeface="標楷體" panose="03000509000000000000" pitchFamily="65" charset="-120"/>
-                          <a:cs typeface="Times New Roman" panose="02020603050405020304" pitchFamily="18" charset="0"/>
-                        </a:rPr>
-                        <a:t>相似的兩個影像區域</a:t>
-                      </a:r>
-                    </a:p>
-                  </a:txBody>
-                  <a:tcPr/>
-                </a:tc>
-                <a:extLst>
-                  <a:ext uri="{0D108BD9-81ED-4DB2-BD59-A6C34878D82A}">
-                    <a16:rowId xmlns:a16="http://schemas.microsoft.com/office/drawing/2014/main" val="2574774029"/>
-                  </a:ext>
-                </a:extLst>
-              </a:tr>
-              <a:tr h="351011">
-                <a:tc>
-                  <a:txBody>
-                    <a:bodyPr/>
-                    <a:lstStyle/>
-                    <a:p>
-                      <a:r>
-                        <a:rPr lang="en-US" altLang="zh-TW" dirty="0">
-                          <a:latin typeface="Times New Roman" panose="02020603050405020304" pitchFamily="18" charset="0"/>
-                          <a:ea typeface="標楷體" panose="03000509000000000000" pitchFamily="65" charset="-120"/>
-                          <a:cs typeface="Times New Roman" panose="02020603050405020304" pitchFamily="18" charset="0"/>
-                        </a:rPr>
-                        <a:t>Output</a:t>
-                      </a:r>
-                      <a:r>
-                        <a:rPr lang="zh-TW" altLang="en-US" dirty="0">
-                          <a:latin typeface="Times New Roman" panose="02020603050405020304" pitchFamily="18" charset="0"/>
-                          <a:ea typeface="標楷體" panose="03000509000000000000" pitchFamily="65" charset="-120"/>
-                          <a:cs typeface="Times New Roman" panose="02020603050405020304" pitchFamily="18" charset="0"/>
-                        </a:rPr>
-                        <a:t>：</a:t>
-                      </a:r>
-                    </a:p>
-                  </a:txBody>
-                  <a:tcPr/>
-                </a:tc>
-                <a:tc>
-                  <a:txBody>
-                    <a:bodyPr/>
-                    <a:lstStyle/>
-                    <a:p>
-                      <a:r>
-                        <a:rPr lang="zh-TW" altLang="en-US" dirty="0">
-                          <a:latin typeface="Times New Roman" panose="02020603050405020304" pitchFamily="18" charset="0"/>
-                          <a:ea typeface="標楷體" panose="03000509000000000000" pitchFamily="65" charset="-120"/>
-                          <a:cs typeface="Times New Roman" panose="02020603050405020304" pitchFamily="18" charset="0"/>
-                        </a:rPr>
-                        <a:t>馬路塗色影像 </a:t>
-                      </a:r>
-                      <a:r>
-                        <a:rPr lang="en-US" altLang="zh-TW" dirty="0">
-                          <a:latin typeface="Times New Roman" panose="02020603050405020304" pitchFamily="18" charset="0"/>
-                          <a:ea typeface="標楷體" panose="03000509000000000000" pitchFamily="65" charset="-120"/>
-                          <a:cs typeface="Times New Roman" panose="02020603050405020304" pitchFamily="18" charset="0"/>
-                        </a:rPr>
-                        <a:t>(jpg, 490x350)</a:t>
-                      </a:r>
-                      <a:endParaRPr lang="zh-TW" altLang="en-US" dirty="0">
-                        <a:latin typeface="Times New Roman" panose="02020603050405020304" pitchFamily="18" charset="0"/>
-                        <a:ea typeface="標楷體" panose="03000509000000000000" pitchFamily="65" charset="-120"/>
-                        <a:cs typeface="Times New Roman" panose="02020603050405020304" pitchFamily="18" charset="0"/>
-                      </a:endParaRPr>
-                    </a:p>
-                  </a:txBody>
-                  <a:tcPr/>
-                </a:tc>
-                <a:extLst>
-                  <a:ext uri="{0D108BD9-81ED-4DB2-BD59-A6C34878D82A}">
-                    <a16:rowId xmlns:a16="http://schemas.microsoft.com/office/drawing/2014/main" val="1358840004"/>
-                  </a:ext>
-                </a:extLst>
-              </a:tr>
-              <a:tr h="351011">
-                <a:tc>
-                  <a:txBody>
-                    <a:bodyPr/>
-                    <a:lstStyle/>
-                    <a:p>
-                      <a:r>
-                        <a:rPr lang="en-US" altLang="zh-TW" dirty="0">
-                          <a:latin typeface="Times New Roman" panose="02020603050405020304" pitchFamily="18" charset="0"/>
-                          <a:ea typeface="標楷體" panose="03000509000000000000" pitchFamily="65" charset="-120"/>
-                          <a:cs typeface="Times New Roman" panose="02020603050405020304" pitchFamily="18" charset="0"/>
-                        </a:rPr>
-                        <a:t>Parameters</a:t>
-                      </a:r>
-                      <a:r>
-                        <a:rPr lang="zh-TW" altLang="en-US" dirty="0">
-                          <a:latin typeface="Times New Roman" panose="02020603050405020304" pitchFamily="18" charset="0"/>
-                          <a:ea typeface="標楷體" panose="03000509000000000000" pitchFamily="65" charset="-120"/>
-                          <a:cs typeface="Times New Roman" panose="02020603050405020304" pitchFamily="18" charset="0"/>
-                        </a:rPr>
-                        <a:t>：</a:t>
-                      </a:r>
-                    </a:p>
-                  </a:txBody>
-                  <a:tcPr/>
-                </a:tc>
-                <a:tc>
-                  <a:txBody>
-                    <a:bodyPr/>
-                    <a:lstStyle/>
-                    <a:p>
-                      <a:r>
-                        <a:rPr lang="en-US" altLang="zh-TW" dirty="0">
-                          <a:latin typeface="Times New Roman" panose="02020603050405020304" pitchFamily="18" charset="0"/>
-                          <a:ea typeface="標楷體" panose="03000509000000000000" pitchFamily="65" charset="-120"/>
-                          <a:cs typeface="Times New Roman" panose="02020603050405020304" pitchFamily="18" charset="0"/>
-                        </a:rPr>
-                        <a:t>None.</a:t>
-                      </a:r>
-                      <a:endParaRPr lang="zh-TW" altLang="en-US" dirty="0">
-                        <a:latin typeface="Times New Roman" panose="02020603050405020304" pitchFamily="18" charset="0"/>
-                        <a:ea typeface="標楷體" panose="03000509000000000000" pitchFamily="65" charset="-120"/>
-                        <a:cs typeface="Times New Roman" panose="02020603050405020304" pitchFamily="18" charset="0"/>
-                      </a:endParaRPr>
-                    </a:p>
-                  </a:txBody>
-                  <a:tcPr/>
-                </a:tc>
-                <a:extLst>
-                  <a:ext uri="{0D108BD9-81ED-4DB2-BD59-A6C34878D82A}">
-                    <a16:rowId xmlns:a16="http://schemas.microsoft.com/office/drawing/2014/main" val="74156603"/>
-                  </a:ext>
-                </a:extLst>
-              </a:tr>
-              <a:tr h="351011">
-                <a:tc>
-                  <a:txBody>
-                    <a:bodyPr/>
-                    <a:lstStyle/>
-                    <a:p>
-                      <a:pPr marL="0" marR="0" lvl="0" indent="0" algn="l" defTabSz="914400" rtl="0" eaLnBrk="1" fontAlgn="auto" latinLnBrk="0" hangingPunct="1">
-                        <a:lnSpc>
-                          <a:spcPct val="100000"/>
-                        </a:lnSpc>
-                        <a:spcBef>
-                          <a:spcPts val="0"/>
-                        </a:spcBef>
-                        <a:spcAft>
-                          <a:spcPts val="0"/>
-                        </a:spcAft>
-                        <a:buClr>
-                          <a:srgbClr val="000000"/>
-                        </a:buClr>
-                        <a:buSzTx/>
-                        <a:buFont typeface="Arial"/>
-                        <a:buNone/>
-                        <a:tabLst/>
-                        <a:defRPr/>
-                      </a:pPr>
-                      <a:r>
-                        <a:rPr lang="en-US" altLang="zh-TW" dirty="0">
-                          <a:latin typeface="Times New Roman" panose="02020603050405020304" pitchFamily="18" charset="0"/>
-                          <a:ea typeface="標楷體" panose="03000509000000000000" pitchFamily="65" charset="-120"/>
-                          <a:cs typeface="Times New Roman" panose="02020603050405020304" pitchFamily="18" charset="0"/>
-                        </a:rPr>
-                        <a:t>Description</a:t>
-                      </a:r>
-                      <a:r>
-                        <a:rPr lang="zh-TW" altLang="en-US" dirty="0">
-                          <a:latin typeface="Times New Roman" panose="02020603050405020304" pitchFamily="18" charset="0"/>
-                          <a:ea typeface="標楷體" panose="03000509000000000000" pitchFamily="65" charset="-120"/>
-                          <a:cs typeface="Times New Roman" panose="02020603050405020304" pitchFamily="18" charset="0"/>
-                        </a:rPr>
-                        <a:t>：</a:t>
-                      </a:r>
-                    </a:p>
-                  </a:txBody>
-                  <a:tcPr/>
-                </a:tc>
-                <a:tc>
-                  <a:txBody>
-                    <a:bodyPr/>
-                    <a:lstStyle/>
-                    <a:p>
-                      <a:r>
-                        <a:rPr lang="zh-TW" altLang="en-US" dirty="0">
-                          <a:latin typeface="Times New Roman" panose="02020603050405020304" pitchFamily="18" charset="0"/>
-                          <a:ea typeface="標楷體" panose="03000509000000000000" pitchFamily="65" charset="-120"/>
-                          <a:cs typeface="Times New Roman" panose="02020603050405020304" pitchFamily="18" charset="0"/>
-                        </a:rPr>
-                        <a:t>對相像的區域進行標註並塗色</a:t>
+                        <a:t>特徵直方圖的區塊網格，再根據指定的目標特徵與閾值，找到具有相似特徵的相鄰區塊。</a:t>
                       </a:r>
                     </a:p>
                   </a:txBody>
@@ -16062,6 +15751,179 @@
 </file>
 
 <file path=ppt/slides/slide8.xml><?xml version="1.0" encoding="utf-8"?>
+<p:sld xmlns:a="http://schemas.openxmlformats.org/drawingml/2006/main" xmlns:r="http://schemas.openxmlformats.org/officeDocument/2006/relationships" xmlns:p="http://schemas.openxmlformats.org/presentationml/2006/main">
+  <p:cSld>
+    <p:spTree>
+      <p:nvGrpSpPr>
+        <p:cNvPr id="1" name="Shape 154"/>
+        <p:cNvGrpSpPr/>
+        <p:nvPr/>
+      </p:nvGrpSpPr>
+      <p:grpSpPr>
+        <a:xfrm>
+          <a:off x="0" y="0"/>
+          <a:ext cx="0" cy="0"/>
+          <a:chOff x="0" y="0"/>
+          <a:chExt cx="0" cy="0"/>
+        </a:xfrm>
+      </p:grpSpPr>
+      <p:sp>
+        <p:nvSpPr>
+          <p:cNvPr id="155" name="Google Shape;155;p24"/>
+          <p:cNvSpPr txBox="1"/>
+          <p:nvPr/>
+        </p:nvSpPr>
+        <p:spPr>
+          <a:xfrm>
+            <a:off x="838200" y="365125"/>
+            <a:ext cx="10515600" cy="720000"/>
+          </a:xfrm>
+          <a:prstGeom prst="rect">
+            <a:avLst/>
+          </a:prstGeom>
+          <a:noFill/>
+          <a:ln>
+            <a:noFill/>
+          </a:ln>
+        </p:spPr>
+        <p:txBody>
+          <a:bodyPr spcFirstLastPara="1" wrap="square" lIns="91425" tIns="45700" rIns="91425" bIns="45700" anchor="ctr" anchorCtr="0">
+            <a:normAutofit/>
+          </a:bodyPr>
+          <a:lstStyle/>
+          <a:p>
+            <a:pPr marL="0" marR="0" lvl="0" indent="0" algn="ctr" rtl="0">
+              <a:lnSpc>
+                <a:spcPct val="90000"/>
+              </a:lnSpc>
+              <a:spcBef>
+                <a:spcPts val="0"/>
+              </a:spcBef>
+              <a:spcAft>
+                <a:spcPts val="0"/>
+              </a:spcAft>
+              <a:buClr>
+                <a:schemeClr val="dk1"/>
+              </a:buClr>
+              <a:buSzPts val="4000"/>
+              <a:buFont typeface="Times New Roman"/>
+              <a:buNone/>
+            </a:pPr>
+            <a:r>
+              <a:rPr lang="zh-TW" altLang="en-US" sz="4000" b="1" dirty="0">
+                <a:solidFill>
+                  <a:schemeClr val="dk1"/>
+                </a:solidFill>
+                <a:latin typeface="Times New Roman" panose="02020603050405020304" pitchFamily="18" charset="0"/>
+                <a:ea typeface="DFKai-SB"/>
+                <a:cs typeface="Times New Roman" panose="02020603050405020304" pitchFamily="18" charset="0"/>
+                <a:sym typeface="DFKai-SB"/>
+              </a:rPr>
+              <a:t>成果展示</a:t>
+            </a:r>
+            <a:endParaRPr sz="4000" b="1" i="0" u="none" strike="noStrike" cap="none" dirty="0">
+              <a:solidFill>
+                <a:schemeClr val="dk1"/>
+              </a:solidFill>
+              <a:latin typeface="Times New Roman" panose="02020603050405020304" pitchFamily="18" charset="0"/>
+              <a:ea typeface="DFKai-SB"/>
+              <a:cs typeface="Times New Roman" panose="02020603050405020304" pitchFamily="18" charset="0"/>
+              <a:sym typeface="DFKai-SB"/>
+            </a:endParaRPr>
+          </a:p>
+        </p:txBody>
+      </p:sp>
+      <p:sp>
+        <p:nvSpPr>
+          <p:cNvPr id="48" name="Google Shape;121;p18">
+            <a:extLst>
+              <a:ext uri="{FF2B5EF4-FFF2-40B4-BE49-F238E27FC236}">
+                <a16:creationId xmlns:a16="http://schemas.microsoft.com/office/drawing/2014/main" id="{F8F828CC-B0FE-424C-AECC-54D728B33A50}"/>
+              </a:ext>
+            </a:extLst>
+          </p:cNvPr>
+          <p:cNvSpPr txBox="1"/>
+          <p:nvPr/>
+        </p:nvSpPr>
+        <p:spPr>
+          <a:xfrm>
+            <a:off x="838200" y="1195544"/>
+            <a:ext cx="10515600" cy="5037776"/>
+          </a:xfrm>
+          <a:prstGeom prst="rect">
+            <a:avLst/>
+          </a:prstGeom>
+          <a:noFill/>
+          <a:ln>
+            <a:noFill/>
+          </a:ln>
+        </p:spPr>
+        <p:txBody>
+          <a:bodyPr spcFirstLastPara="1" wrap="square" lIns="91425" tIns="45700" rIns="91425" bIns="45700" anchor="t" anchorCtr="0">
+            <a:normAutofit/>
+          </a:bodyPr>
+          <a:lstStyle/>
+          <a:p>
+            <a:pPr rtl="0" fontAlgn="base">
+              <a:spcBef>
+                <a:spcPts val="0"/>
+              </a:spcBef>
+              <a:spcAft>
+                <a:spcPts val="0"/>
+              </a:spcAft>
+            </a:pPr>
+            <a:endParaRPr dirty="0">
+              <a:latin typeface="Times New Roman" panose="02020603050405020304" pitchFamily="18" charset="0"/>
+              <a:ea typeface="標楷體" panose="03000509000000000000" pitchFamily="65" charset="-120"/>
+              <a:cs typeface="Times New Roman" panose="02020603050405020304" pitchFamily="18" charset="0"/>
+            </a:endParaRPr>
+          </a:p>
+        </p:txBody>
+      </p:sp>
+      <p:pic>
+        <p:nvPicPr>
+          <p:cNvPr id="4" name="圖片 3">
+            <a:extLst>
+              <a:ext uri="{FF2B5EF4-FFF2-40B4-BE49-F238E27FC236}">
+                <a16:creationId xmlns:a16="http://schemas.microsoft.com/office/drawing/2014/main" id="{EDDDC04B-68E5-4793-B441-8280A2881FEF}"/>
+              </a:ext>
+            </a:extLst>
+          </p:cNvPr>
+          <p:cNvPicPr>
+            <a:picLocks noChangeAspect="1"/>
+          </p:cNvPicPr>
+          <p:nvPr/>
+        </p:nvPicPr>
+        <p:blipFill>
+          <a:blip r:embed="rId3"/>
+          <a:stretch>
+            <a:fillRect/>
+          </a:stretch>
+        </p:blipFill>
+        <p:spPr>
+          <a:xfrm>
+            <a:off x="3052337" y="1324017"/>
+            <a:ext cx="6087325" cy="4563112"/>
+          </a:xfrm>
+          <a:prstGeom prst="rect">
+            <a:avLst/>
+          </a:prstGeom>
+        </p:spPr>
+      </p:pic>
+    </p:spTree>
+    <p:extLst>
+      <p:ext uri="{BB962C8B-B14F-4D97-AF65-F5344CB8AC3E}">
+        <p14:creationId xmlns:p14="http://schemas.microsoft.com/office/powerpoint/2010/main" val="1903004222"/>
+      </p:ext>
+    </p:extLst>
+  </p:cSld>
+  <p:clrMapOvr>
+    <a:masterClrMapping/>
+  </p:clrMapOvr>
+</p:sld>
+</file>
+
+<file path=ppt/slides/slide9.xml><?xml version="1.0" encoding="utf-8"?>
 <p:sld xmlns:a="http://schemas.openxmlformats.org/drawingml/2006/main" xmlns:r="http://schemas.openxmlformats.org/officeDocument/2006/relationships" xmlns:p="http://schemas.openxmlformats.org/presentationml/2006/main">
   <p:cSld>
     <p:spTree>

--- a/馬路分割_F112112136_林宸毅.pptx
+++ b/馬路分割_F112112136_林宸毅.pptx
@@ -5,7 +5,7 @@
     <p:sldMasterId id="2147483659" r:id="rId1"/>
   </p:sldMasterIdLst>
   <p:notesMasterIdLst>
-    <p:notesMasterId r:id="rId11"/>
+    <p:notesMasterId r:id="rId10"/>
   </p:notesMasterIdLst>
   <p:sldIdLst>
     <p:sldId id="256" r:id="rId2"/>
@@ -16,7 +16,6 @@
     <p:sldId id="296" r:id="rId7"/>
     <p:sldId id="297" r:id="rId8"/>
     <p:sldId id="299" r:id="rId9"/>
-    <p:sldId id="273" r:id="rId10"/>
   </p:sldIdLst>
   <p:sldSz cx="12192000" cy="6858000"/>
   <p:notesSz cx="6858000" cy="9144000"/>
@@ -275,14 +274,9 @@
             <p14:sldId id="297"/>
           </p14:sldIdLst>
         </p14:section>
-        <p14:section name="成果展示(2024/11/21)" id="{4970DD48-5379-4D85-863E-BEFFF12D051B}">
+        <p14:section name="成果展示(2025/01/09)" id="{4970DD48-5379-4D85-863E-BEFFF12D051B}">
           <p14:sldIdLst>
             <p14:sldId id="299"/>
-          </p14:sldIdLst>
-        </p14:section>
-        <p14:section name="參考資料" id="{27119C38-4F22-4EDC-8E47-011C563D26CA}">
-          <p14:sldIdLst>
-            <p14:sldId id="273"/>
           </p14:sldIdLst>
         </p14:section>
       </p14:sectionLst>
@@ -1580,110 +1574,6 @@
         <p14:creationId xmlns:p14="http://schemas.microsoft.com/office/powerpoint/2010/main" val="3820697522"/>
       </p:ext>
     </p:extLst>
-  </p:cSld>
-  <p:clrMapOvr>
-    <a:masterClrMapping/>
-  </p:clrMapOvr>
-</p:notes>
-</file>
-
-<file path=ppt/notesSlides/notesSlide9.xml><?xml version="1.0" encoding="utf-8"?>
-<p:notes xmlns:a="http://schemas.openxmlformats.org/drawingml/2006/main" xmlns:r="http://schemas.openxmlformats.org/officeDocument/2006/relationships" xmlns:p="http://schemas.openxmlformats.org/presentationml/2006/main" showMasterSp="0" showMasterPhAnim="0">
-  <p:cSld>
-    <p:spTree>
-      <p:nvGrpSpPr>
-        <p:cNvPr id="1" name="Shape 186"/>
-        <p:cNvGrpSpPr/>
-        <p:nvPr/>
-      </p:nvGrpSpPr>
-      <p:grpSpPr>
-        <a:xfrm>
-          <a:off x="0" y="0"/>
-          <a:ext cx="0" cy="0"/>
-          <a:chOff x="0" y="0"/>
-          <a:chExt cx="0" cy="0"/>
-        </a:xfrm>
-      </p:grpSpPr>
-      <p:sp>
-        <p:nvSpPr>
-          <p:cNvPr id="187" name="Google Shape;187;p18:notes"/>
-          <p:cNvSpPr txBox="1">
-            <a:spLocks noGrp="1"/>
-          </p:cNvSpPr>
-          <p:nvPr>
-            <p:ph type="body" idx="1"/>
-          </p:nvPr>
-        </p:nvSpPr>
-        <p:spPr>
-          <a:xfrm>
-            <a:off x="685800" y="4343400"/>
-            <a:ext cx="5486400" cy="4114800"/>
-          </a:xfrm>
-          <a:prstGeom prst="rect">
-            <a:avLst/>
-          </a:prstGeom>
-        </p:spPr>
-        <p:txBody>
-          <a:bodyPr spcFirstLastPara="1" wrap="square" lIns="91425" tIns="91425" rIns="91425" bIns="91425" anchor="t" anchorCtr="0">
-            <a:noAutofit/>
-          </a:bodyPr>
-          <a:lstStyle/>
-          <a:p>
-            <a:pPr marL="0" lvl="0" indent="0" algn="l" rtl="0">
-              <a:spcBef>
-                <a:spcPts val="0"/>
-              </a:spcBef>
-              <a:spcAft>
-                <a:spcPts val="0"/>
-              </a:spcAft>
-              <a:buNone/>
-            </a:pPr>
-            <a:endParaRPr/>
-          </a:p>
-        </p:txBody>
-      </p:sp>
-      <p:sp>
-        <p:nvSpPr>
-          <p:cNvPr id="188" name="Google Shape;188;p18:notes"/>
-          <p:cNvSpPr>
-            <a:spLocks noGrp="1" noRot="1" noChangeAspect="1"/>
-          </p:cNvSpPr>
-          <p:nvPr>
-            <p:ph type="sldImg" idx="2"/>
-          </p:nvPr>
-        </p:nvSpPr>
-        <p:spPr>
-          <a:xfrm>
-            <a:off x="381000" y="685800"/>
-            <a:ext cx="6096000" cy="3429000"/>
-          </a:xfrm>
-          <a:custGeom>
-            <a:avLst/>
-            <a:gdLst/>
-            <a:ahLst/>
-            <a:cxnLst/>
-            <a:rect l="l" t="t" r="r" b="b"/>
-            <a:pathLst>
-              <a:path w="120000" h="120000" extrusionOk="0">
-                <a:moveTo>
-                  <a:pt x="0" y="0"/>
-                </a:moveTo>
-                <a:lnTo>
-                  <a:pt x="120000" y="0"/>
-                </a:lnTo>
-                <a:lnTo>
-                  <a:pt x="120000" y="120000"/>
-                </a:lnTo>
-                <a:lnTo>
-                  <a:pt x="0" y="120000"/>
-                </a:lnTo>
-                <a:close/>
-              </a:path>
-            </a:pathLst>
-          </a:custGeom>
-        </p:spPr>
-      </p:sp>
-    </p:spTree>
   </p:cSld>
   <p:clrMapOvr>
     <a:masterClrMapping/>
@@ -12240,7 +12130,7 @@
                 <a:latin typeface="Times New Roman" panose="02020603050405020304" pitchFamily="18" charset="0"/>
                 <a:cs typeface="Times New Roman" panose="02020603050405020304" pitchFamily="18" charset="0"/>
               </a:rPr>
-              <a:t>4</a:t>
+              <a:t>5</a:t>
             </a:r>
             <a:r>
               <a:rPr lang="zh-TW" dirty="0">
@@ -12250,11 +12140,11 @@
               <a:t>/</a:t>
             </a:r>
             <a:r>
-              <a:rPr lang="en-US" altLang="zh-TW">
+              <a:rPr lang="en-US" altLang="zh-TW" dirty="0">
                 <a:latin typeface="Times New Roman" panose="02020603050405020304" pitchFamily="18" charset="0"/>
                 <a:cs typeface="Times New Roman" panose="02020603050405020304" pitchFamily="18" charset="0"/>
               </a:rPr>
-              <a:t>11/21</a:t>
+              <a:t>01/09</a:t>
             </a:r>
             <a:endParaRPr dirty="0">
               <a:latin typeface="Times New Roman" panose="02020603050405020304" pitchFamily="18" charset="0"/>
@@ -12631,7 +12521,27 @@
                 <a:ea typeface="標楷體" panose="03000509000000000000" pitchFamily="65" charset="-120"/>
                 <a:cs typeface="Times New Roman" panose="02020603050405020304" pitchFamily="18" charset="0"/>
               </a:rPr>
-              <a:t>驗收：需求之功能。</a:t>
+              <a:t>驗收：</a:t>
+            </a:r>
+            <a:r>
+              <a:rPr lang="zh-TW" altLang="en-US" sz="2000" dirty="0">
+                <a:latin typeface="Times New Roman" panose="02020603050405020304" pitchFamily="18" charset="0"/>
+                <a:ea typeface="標楷體" panose="03000509000000000000" pitchFamily="65" charset="-120"/>
+                <a:cs typeface="Times New Roman" panose="02020603050405020304" pitchFamily="18" charset="0"/>
+              </a:rPr>
+              <a:t>馬路部分有被正確地塗色</a:t>
+            </a:r>
+            <a:r>
+              <a:rPr lang="zh-TW" altLang="en-US" sz="2000" b="0" i="0" u="none" strike="noStrike" dirty="0">
+                <a:solidFill>
+                  <a:srgbClr val="000000"/>
+                </a:solidFill>
+                <a:effectLst/>
+                <a:latin typeface="Times New Roman" panose="02020603050405020304" pitchFamily="18" charset="0"/>
+                <a:ea typeface="標楷體" panose="03000509000000000000" pitchFamily="65" charset="-120"/>
+                <a:cs typeface="Times New Roman" panose="02020603050405020304" pitchFamily="18" charset="0"/>
+              </a:rPr>
+              <a:t>。</a:t>
             </a:r>
             <a:br>
               <a:rPr lang="zh-TW" altLang="en-US" sz="2000" b="0" i="0" u="none" strike="noStrike" dirty="0">
@@ -12851,10 +12761,10 @@
       </p:sp>
       <p:pic>
         <p:nvPicPr>
-          <p:cNvPr id="5" name="圖片 4">
+          <p:cNvPr id="7" name="圖片 6">
             <a:extLst>
               <a:ext uri="{FF2B5EF4-FFF2-40B4-BE49-F238E27FC236}">
-                <a16:creationId xmlns:a16="http://schemas.microsoft.com/office/drawing/2014/main" id="{3F12BF28-8346-43E2-AB82-A9889EEDC552}"/>
+                <a16:creationId xmlns:a16="http://schemas.microsoft.com/office/drawing/2014/main" id="{A955A626-67FF-4A8B-9E30-B0A07323C718}"/>
               </a:ext>
             </a:extLst>
           </p:cNvPr>
@@ -12871,8 +12781,8 @@
         </p:blipFill>
         <p:spPr>
           <a:xfrm>
-            <a:off x="574401" y="1658799"/>
-            <a:ext cx="10779399" cy="4111265"/>
+            <a:off x="5450" y="1684160"/>
+            <a:ext cx="12186550" cy="3731217"/>
           </a:xfrm>
           <a:prstGeom prst="rect">
             <a:avLst/>
@@ -13012,10 +12922,10 @@
       </p:sp>
       <p:pic>
         <p:nvPicPr>
-          <p:cNvPr id="5" name="圖片 4">
+          <p:cNvPr id="7" name="圖片 6">
             <a:extLst>
               <a:ext uri="{FF2B5EF4-FFF2-40B4-BE49-F238E27FC236}">
-                <a16:creationId xmlns:a16="http://schemas.microsoft.com/office/drawing/2014/main" id="{9F61D084-4BB3-4FB7-9BCF-A8A361566993}"/>
+                <a16:creationId xmlns:a16="http://schemas.microsoft.com/office/drawing/2014/main" id="{CBED8BD0-B8D4-4B17-A9AE-2C7FB6F04019}"/>
               </a:ext>
             </a:extLst>
           </p:cNvPr>
@@ -13032,8 +12942,8 @@
         </p:blipFill>
         <p:spPr>
           <a:xfrm>
-            <a:off x="337258" y="2623890"/>
-            <a:ext cx="11203956" cy="1985947"/>
+            <a:off x="0" y="2895169"/>
+            <a:ext cx="12192000" cy="1067661"/>
           </a:xfrm>
           <a:prstGeom prst="rect">
             <a:avLst/>
@@ -13198,14 +13108,14 @@
           <p:nvPr>
             <p:extLst>
               <p:ext uri="{D42A27DB-BD31-4B8C-83A1-F6EECF244321}">
-                <p14:modId xmlns:p14="http://schemas.microsoft.com/office/powerpoint/2010/main" val="821624987"/>
+                <p14:modId xmlns:p14="http://schemas.microsoft.com/office/powerpoint/2010/main" val="789557924"/>
               </p:ext>
             </p:extLst>
           </p:nvPr>
         </p:nvGraphicFramePr>
         <p:xfrm>
-          <a:off x="838200" y="1195544"/>
-          <a:ext cx="10515600" cy="2273215"/>
+          <a:off x="838200" y="3034906"/>
+          <a:ext cx="10515600" cy="1755055"/>
         </p:xfrm>
         <a:graphic>
           <a:graphicData uri="http://schemas.openxmlformats.org/drawingml/2006/table">
@@ -13457,13 +13367,32 @@
                     <a:bodyPr/>
                     <a:lstStyle/>
                     <a:p>
+                      <a:pPr marL="0" marR="0" lvl="0" indent="0" algn="l" defTabSz="914400" rtl="0" eaLnBrk="1" fontAlgn="auto" latinLnBrk="0" hangingPunct="1">
+                        <a:lnSpc>
+                          <a:spcPct val="100000"/>
+                        </a:lnSpc>
+                        <a:spcBef>
+                          <a:spcPts val="0"/>
+                        </a:spcBef>
+                        <a:spcAft>
+                          <a:spcPts val="0"/>
+                        </a:spcAft>
+                        <a:buClr>
+                          <a:srgbClr val="000000"/>
+                        </a:buClr>
+                        <a:buSzTx/>
+                        <a:buFont typeface="Arial"/>
+                        <a:buNone/>
+                        <a:tabLst/>
+                        <a:defRPr/>
+                      </a:pPr>
                       <a:r>
                         <a:rPr lang="en-US" altLang="zh-TW" dirty="0">
                           <a:latin typeface="Times New Roman" panose="02020603050405020304" pitchFamily="18" charset="0"/>
                           <a:ea typeface="標楷體" panose="03000509000000000000" pitchFamily="65" charset="-120"/>
                           <a:cs typeface="Times New Roman" panose="02020603050405020304" pitchFamily="18" charset="0"/>
                         </a:rPr>
-                        <a:t>Description</a:t>
+                        <a:t>Method</a:t>
                       </a:r>
                       <a:r>
                         <a:rPr lang="zh-TW" altLang="en-US" dirty="0">
@@ -13519,6 +13448,288 @@
                   </a:ext>
                 </a:extLst>
               </a:tr>
+            </a:tbl>
+          </a:graphicData>
+        </a:graphic>
+      </p:graphicFrame>
+      <p:graphicFrame>
+        <p:nvGraphicFramePr>
+          <p:cNvPr id="8" name="表格 2">
+            <a:extLst>
+              <a:ext uri="{FF2B5EF4-FFF2-40B4-BE49-F238E27FC236}">
+                <a16:creationId xmlns:a16="http://schemas.microsoft.com/office/drawing/2014/main" id="{1D36C57A-1AFF-4BD6-B9CE-DE0498CA270A}"/>
+              </a:ext>
+            </a:extLst>
+          </p:cNvPr>
+          <p:cNvGraphicFramePr>
+            <a:graphicFrameLocks noGrp="1"/>
+          </p:cNvGraphicFramePr>
+          <p:nvPr>
+            <p:extLst>
+              <p:ext uri="{D42A27DB-BD31-4B8C-83A1-F6EECF244321}">
+                <p14:modId xmlns:p14="http://schemas.microsoft.com/office/powerpoint/2010/main" val="4259488241"/>
+              </p:ext>
+            </p:extLst>
+          </p:nvPr>
+        </p:nvGraphicFramePr>
+        <p:xfrm>
+          <a:off x="838200" y="1205608"/>
+          <a:ext cx="10515600" cy="1755055"/>
+        </p:xfrm>
+        <a:graphic>
+          <a:graphicData uri="http://schemas.openxmlformats.org/drawingml/2006/table">
+            <a:tbl>
+              <a:tblPr firstRow="1" bandRow="1">
+                <a:tableStyleId>{5C22544A-7EE6-4342-B048-85BDC9FD1C3A}</a:tableStyleId>
+              </a:tblPr>
+              <a:tblGrid>
+                <a:gridCol w="2094186">
+                  <a:extLst>
+                    <a:ext uri="{9D8B030D-6E8A-4147-A177-3AD203B41FA5}">
+                      <a16:colId xmlns:a16="http://schemas.microsoft.com/office/drawing/2014/main" val="2144424883"/>
+                    </a:ext>
+                  </a:extLst>
+                </a:gridCol>
+                <a:gridCol w="8421414">
+                  <a:extLst>
+                    <a:ext uri="{9D8B030D-6E8A-4147-A177-3AD203B41FA5}">
+                      <a16:colId xmlns:a16="http://schemas.microsoft.com/office/drawing/2014/main" val="3707820108"/>
+                    </a:ext>
+                  </a:extLst>
+                </a:gridCol>
+              </a:tblGrid>
+              <a:tr h="351011">
+                <a:tc>
+                  <a:txBody>
+                    <a:bodyPr/>
+                    <a:lstStyle/>
+                    <a:p>
+                      <a:r>
+                        <a:rPr lang="en-US" altLang="zh-TW" dirty="0">
+                          <a:latin typeface="Times New Roman" panose="02020603050405020304" pitchFamily="18" charset="0"/>
+                          <a:ea typeface="標楷體" panose="03000509000000000000" pitchFamily="65" charset="-120"/>
+                          <a:cs typeface="Times New Roman" panose="02020603050405020304" pitchFamily="18" charset="0"/>
+                        </a:rPr>
+                        <a:t>Function</a:t>
+                      </a:r>
+                      <a:r>
+                        <a:rPr lang="zh-TW" altLang="en-US" dirty="0">
+                          <a:latin typeface="Times New Roman" panose="02020603050405020304" pitchFamily="18" charset="0"/>
+                          <a:ea typeface="標楷體" panose="03000509000000000000" pitchFamily="65" charset="-120"/>
+                          <a:cs typeface="Times New Roman" panose="02020603050405020304" pitchFamily="18" charset="0"/>
+                        </a:rPr>
+                        <a:t>：</a:t>
+                      </a:r>
+                    </a:p>
+                  </a:txBody>
+                  <a:tcPr/>
+                </a:tc>
+                <a:tc>
+                  <a:txBody>
+                    <a:bodyPr/>
+                    <a:lstStyle/>
+                    <a:p>
+                      <a:r>
+                        <a:rPr lang="en-US" altLang="zh-TW" dirty="0">
+                          <a:latin typeface="Times New Roman" panose="02020603050405020304" pitchFamily="18" charset="0"/>
+                          <a:ea typeface="標楷體" panose="03000509000000000000" pitchFamily="65" charset="-120"/>
+                          <a:cs typeface="Times New Roman" panose="02020603050405020304" pitchFamily="18" charset="0"/>
+                        </a:rPr>
+                        <a:t>HSV</a:t>
+                      </a:r>
+                      <a:endParaRPr lang="zh-TW" altLang="en-US" dirty="0">
+                        <a:latin typeface="Times New Roman" panose="02020603050405020304" pitchFamily="18" charset="0"/>
+                        <a:ea typeface="標楷體" panose="03000509000000000000" pitchFamily="65" charset="-120"/>
+                        <a:cs typeface="Times New Roman" panose="02020603050405020304" pitchFamily="18" charset="0"/>
+                      </a:endParaRPr>
+                    </a:p>
+                  </a:txBody>
+                  <a:tcPr/>
+                </a:tc>
+                <a:extLst>
+                  <a:ext uri="{0D108BD9-81ED-4DB2-BD59-A6C34878D82A}">
+                    <a16:rowId xmlns:a16="http://schemas.microsoft.com/office/drawing/2014/main" val="780994351"/>
+                  </a:ext>
+                </a:extLst>
+              </a:tr>
+              <a:tr h="351011">
+                <a:tc>
+                  <a:txBody>
+                    <a:bodyPr/>
+                    <a:lstStyle/>
+                    <a:p>
+                      <a:r>
+                        <a:rPr lang="en-US" altLang="zh-TW" dirty="0">
+                          <a:latin typeface="Times New Roman" panose="02020603050405020304" pitchFamily="18" charset="0"/>
+                          <a:ea typeface="標楷體" panose="03000509000000000000" pitchFamily="65" charset="-120"/>
+                          <a:cs typeface="Times New Roman" panose="02020603050405020304" pitchFamily="18" charset="0"/>
+                        </a:rPr>
+                        <a:t>Input</a:t>
+                      </a:r>
+                      <a:r>
+                        <a:rPr lang="zh-TW" altLang="en-US" dirty="0">
+                          <a:latin typeface="Times New Roman" panose="02020603050405020304" pitchFamily="18" charset="0"/>
+                          <a:ea typeface="標楷體" panose="03000509000000000000" pitchFamily="65" charset="-120"/>
+                          <a:cs typeface="Times New Roman" panose="02020603050405020304" pitchFamily="18" charset="0"/>
+                        </a:rPr>
+                        <a:t>：</a:t>
+                      </a:r>
+                    </a:p>
+                  </a:txBody>
+                  <a:tcPr/>
+                </a:tc>
+                <a:tc>
+                  <a:txBody>
+                    <a:bodyPr/>
+                    <a:lstStyle/>
+                    <a:p>
+                      <a:r>
+                        <a:rPr lang="zh-TW" altLang="en-US" dirty="0">
+                          <a:latin typeface="Times New Roman" panose="02020603050405020304" pitchFamily="18" charset="0"/>
+                          <a:ea typeface="標楷體" panose="03000509000000000000" pitchFamily="65" charset="-120"/>
+                          <a:cs typeface="Times New Roman" panose="02020603050405020304" pitchFamily="18" charset="0"/>
+                        </a:rPr>
+                        <a:t>馬路影像</a:t>
+                      </a:r>
+                      <a:r>
+                        <a:rPr lang="en-US" altLang="zh-TW" dirty="0">
+                          <a:latin typeface="Times New Roman" panose="02020603050405020304" pitchFamily="18" charset="0"/>
+                          <a:ea typeface="標楷體" panose="03000509000000000000" pitchFamily="65" charset="-120"/>
+                          <a:cs typeface="Times New Roman" panose="02020603050405020304" pitchFamily="18" charset="0"/>
+                        </a:rPr>
+                        <a:t>(jpg, 490x350)</a:t>
+                      </a:r>
+                      <a:endParaRPr lang="zh-TW" altLang="en-US" dirty="0">
+                        <a:latin typeface="Times New Roman" panose="02020603050405020304" pitchFamily="18" charset="0"/>
+                        <a:ea typeface="標楷體" panose="03000509000000000000" pitchFamily="65" charset="-120"/>
+                        <a:cs typeface="Times New Roman" panose="02020603050405020304" pitchFamily="18" charset="0"/>
+                      </a:endParaRPr>
+                    </a:p>
+                  </a:txBody>
+                  <a:tcPr/>
+                </a:tc>
+                <a:extLst>
+                  <a:ext uri="{0D108BD9-81ED-4DB2-BD59-A6C34878D82A}">
+                    <a16:rowId xmlns:a16="http://schemas.microsoft.com/office/drawing/2014/main" val="2574774029"/>
+                  </a:ext>
+                </a:extLst>
+              </a:tr>
+              <a:tr h="351011">
+                <a:tc>
+                  <a:txBody>
+                    <a:bodyPr/>
+                    <a:lstStyle/>
+                    <a:p>
+                      <a:r>
+                        <a:rPr lang="en-US" altLang="zh-TW" dirty="0">
+                          <a:latin typeface="Times New Roman" panose="02020603050405020304" pitchFamily="18" charset="0"/>
+                          <a:ea typeface="標楷體" panose="03000509000000000000" pitchFamily="65" charset="-120"/>
+                          <a:cs typeface="Times New Roman" panose="02020603050405020304" pitchFamily="18" charset="0"/>
+                        </a:rPr>
+                        <a:t>Output</a:t>
+                      </a:r>
+                      <a:r>
+                        <a:rPr lang="zh-TW" altLang="en-US" dirty="0">
+                          <a:latin typeface="Times New Roman" panose="02020603050405020304" pitchFamily="18" charset="0"/>
+                          <a:ea typeface="標楷體" panose="03000509000000000000" pitchFamily="65" charset="-120"/>
+                          <a:cs typeface="Times New Roman" panose="02020603050405020304" pitchFamily="18" charset="0"/>
+                        </a:rPr>
+                        <a:t>：</a:t>
+                      </a:r>
+                    </a:p>
+                  </a:txBody>
+                  <a:tcPr/>
+                </a:tc>
+                <a:tc>
+                  <a:txBody>
+                    <a:bodyPr/>
+                    <a:lstStyle/>
+                    <a:p>
+                      <a:r>
+                        <a:rPr lang="zh-TW" altLang="en-US" dirty="0">
+                          <a:latin typeface="Times New Roman" panose="02020603050405020304" pitchFamily="18" charset="0"/>
+                          <a:ea typeface="標楷體" panose="03000509000000000000" pitchFamily="65" charset="-120"/>
+                          <a:cs typeface="Times New Roman" panose="02020603050405020304" pitchFamily="18" charset="0"/>
+                        </a:rPr>
+                        <a:t>色彩空間轉換後影像 </a:t>
+                      </a:r>
+                      <a:r>
+                        <a:rPr lang="en-US" altLang="zh-TW" dirty="0">
+                          <a:latin typeface="Times New Roman" panose="02020603050405020304" pitchFamily="18" charset="0"/>
+                          <a:ea typeface="標楷體" panose="03000509000000000000" pitchFamily="65" charset="-120"/>
+                          <a:cs typeface="Times New Roman" panose="02020603050405020304" pitchFamily="18" charset="0"/>
+                        </a:rPr>
+                        <a:t>(jpg, 490x350)</a:t>
+                      </a:r>
+                      <a:endParaRPr lang="zh-TW" altLang="en-US" dirty="0">
+                        <a:latin typeface="Times New Roman" panose="02020603050405020304" pitchFamily="18" charset="0"/>
+                        <a:ea typeface="標楷體" panose="03000509000000000000" pitchFamily="65" charset="-120"/>
+                        <a:cs typeface="Times New Roman" panose="02020603050405020304" pitchFamily="18" charset="0"/>
+                      </a:endParaRPr>
+                    </a:p>
+                  </a:txBody>
+                  <a:tcPr/>
+                </a:tc>
+                <a:extLst>
+                  <a:ext uri="{0D108BD9-81ED-4DB2-BD59-A6C34878D82A}">
+                    <a16:rowId xmlns:a16="http://schemas.microsoft.com/office/drawing/2014/main" val="1358840004"/>
+                  </a:ext>
+                </a:extLst>
+              </a:tr>
+              <a:tr h="351011">
+                <a:tc>
+                  <a:txBody>
+                    <a:bodyPr/>
+                    <a:lstStyle/>
+                    <a:p>
+                      <a:r>
+                        <a:rPr lang="en-US" altLang="zh-TW" dirty="0">
+                          <a:latin typeface="Times New Roman" panose="02020603050405020304" pitchFamily="18" charset="0"/>
+                          <a:ea typeface="標楷體" panose="03000509000000000000" pitchFamily="65" charset="-120"/>
+                          <a:cs typeface="Times New Roman" panose="02020603050405020304" pitchFamily="18" charset="0"/>
+                        </a:rPr>
+                        <a:t>Parameters</a:t>
+                      </a:r>
+                      <a:r>
+                        <a:rPr lang="zh-TW" altLang="en-US" dirty="0">
+                          <a:latin typeface="Times New Roman" panose="02020603050405020304" pitchFamily="18" charset="0"/>
+                          <a:ea typeface="標楷體" panose="03000509000000000000" pitchFamily="65" charset="-120"/>
+                          <a:cs typeface="Times New Roman" panose="02020603050405020304" pitchFamily="18" charset="0"/>
+                        </a:rPr>
+                        <a:t>：</a:t>
+                      </a:r>
+                    </a:p>
+                  </a:txBody>
+                  <a:tcPr/>
+                </a:tc>
+                <a:tc>
+                  <a:txBody>
+                    <a:bodyPr/>
+                    <a:lstStyle/>
+                    <a:p>
+                      <a:r>
+                        <a:rPr lang="en-US" altLang="zh-TW" dirty="0">
+                          <a:latin typeface="Times New Roman" panose="02020603050405020304" pitchFamily="18" charset="0"/>
+                          <a:ea typeface="標楷體" panose="03000509000000000000" pitchFamily="65" charset="-120"/>
+                          <a:cs typeface="Times New Roman" panose="02020603050405020304" pitchFamily="18" charset="0"/>
+                        </a:rPr>
+                        <a:t>None</a:t>
+                      </a:r>
+                      <a:endParaRPr lang="zh-TW" altLang="en-US" dirty="0">
+                        <a:latin typeface="Times New Roman" panose="02020603050405020304" pitchFamily="18" charset="0"/>
+                        <a:ea typeface="標楷體" panose="03000509000000000000" pitchFamily="65" charset="-120"/>
+                        <a:cs typeface="Times New Roman" panose="02020603050405020304" pitchFamily="18" charset="0"/>
+                      </a:endParaRPr>
+                    </a:p>
+                  </a:txBody>
+                  <a:tcPr/>
+                </a:tc>
+                <a:extLst>
+                  <a:ext uri="{0D108BD9-81ED-4DB2-BD59-A6C34878D82A}">
+                    <a16:rowId xmlns:a16="http://schemas.microsoft.com/office/drawing/2014/main" val="74156603"/>
+                  </a:ext>
+                </a:extLst>
+              </a:tr>
               <a:tr h="351011">
                 <a:tc>
                   <a:txBody>
@@ -13570,12 +13781,12 @@
                     <a:lstStyle/>
                     <a:p>
                       <a:r>
-                        <a:rPr lang="en-US" altLang="zh-TW" dirty="0" err="1">
+                        <a:rPr lang="zh-TW" altLang="en-US" dirty="0">
                           <a:latin typeface="Times New Roman" panose="02020603050405020304" pitchFamily="18" charset="0"/>
                           <a:ea typeface="標楷體" panose="03000509000000000000" pitchFamily="65" charset="-120"/>
                           <a:cs typeface="Times New Roman" panose="02020603050405020304" pitchFamily="18" charset="0"/>
                         </a:rPr>
-                        <a:t>img</a:t>
+                        <a:t>使用 </a:t>
                       </a:r>
                       <a:r>
                         <a:rPr lang="en-US" altLang="zh-TW" dirty="0">
@@ -13583,33 +13794,15 @@
                           <a:ea typeface="標楷體" panose="03000509000000000000" pitchFamily="65" charset="-120"/>
                           <a:cs typeface="Times New Roman" panose="02020603050405020304" pitchFamily="18" charset="0"/>
                         </a:rPr>
-                        <a:t> = cv2.imread('D:/input_image.jpg')</a:t>
+                        <a:t>HSV </a:t>
                       </a:r>
-                    </a:p>
-                    <a:p>
                       <a:r>
-                        <a:rPr lang="en-US" altLang="zh-TW" dirty="0">
+                        <a:rPr lang="zh-TW" altLang="en-US" dirty="0">
                           <a:latin typeface="Times New Roman" panose="02020603050405020304" pitchFamily="18" charset="0"/>
                           <a:ea typeface="標楷體" panose="03000509000000000000" pitchFamily="65" charset="-120"/>
                           <a:cs typeface="Times New Roman" panose="02020603050405020304" pitchFamily="18" charset="0"/>
                         </a:rPr>
-                        <a:t>gray = cv2.cvtColor(</a:t>
-                      </a:r>
-                      <a:r>
-                        <a:rPr lang="en-US" altLang="zh-TW" dirty="0" err="1">
-                          <a:latin typeface="Times New Roman" panose="02020603050405020304" pitchFamily="18" charset="0"/>
-                          <a:ea typeface="標楷體" panose="03000509000000000000" pitchFamily="65" charset="-120"/>
-                          <a:cs typeface="Times New Roman" panose="02020603050405020304" pitchFamily="18" charset="0"/>
-                        </a:rPr>
-                        <a:t>img</a:t>
-                      </a:r>
-                      <a:r>
-                        <a:rPr lang="en-US" altLang="zh-TW" dirty="0">
-                          <a:latin typeface="Times New Roman" panose="02020603050405020304" pitchFamily="18" charset="0"/>
-                          <a:ea typeface="標楷體" panose="03000509000000000000" pitchFamily="65" charset="-120"/>
-                          <a:cs typeface="Times New Roman" panose="02020603050405020304" pitchFamily="18" charset="0"/>
-                        </a:rPr>
-                        <a:t>, cv2.COLOR_BGR2GRAY)</a:t>
+                        <a:t>進行色彩範圍檢測</a:t>
                       </a:r>
                     </a:p>
                   </a:txBody>
@@ -13617,7 +13810,7 @@
                 </a:tc>
                 <a:extLst>
                   <a:ext uri="{0D108BD9-81ED-4DB2-BD59-A6C34878D82A}">
-                    <a16:rowId xmlns:a16="http://schemas.microsoft.com/office/drawing/2014/main" val="3505090747"/>
+                    <a16:rowId xmlns:a16="http://schemas.microsoft.com/office/drawing/2014/main" val="329397043"/>
                   </a:ext>
                 </a:extLst>
               </a:tr>
@@ -13627,10 +13820,10 @@
       </p:graphicFrame>
       <p:graphicFrame>
         <p:nvGraphicFramePr>
-          <p:cNvPr id="8" name="表格 2">
+          <p:cNvPr id="6" name="表格 2">
             <a:extLst>
               <a:ext uri="{FF2B5EF4-FFF2-40B4-BE49-F238E27FC236}">
-                <a16:creationId xmlns:a16="http://schemas.microsoft.com/office/drawing/2014/main" id="{1D36C57A-1AFF-4BD6-B9CE-DE0498CA270A}"/>
+                <a16:creationId xmlns:a16="http://schemas.microsoft.com/office/drawing/2014/main" id="{14EEF718-FCB7-4631-A3A4-5D5AB218FD03}"/>
               </a:ext>
             </a:extLst>
           </p:cNvPr>
@@ -13640,14 +13833,14 @@
           <p:nvPr>
             <p:extLst>
               <p:ext uri="{D42A27DB-BD31-4B8C-83A1-F6EECF244321}">
-                <p14:modId xmlns:p14="http://schemas.microsoft.com/office/powerpoint/2010/main" val="1186084081"/>
+                <p14:modId xmlns:p14="http://schemas.microsoft.com/office/powerpoint/2010/main" val="2018898327"/>
               </p:ext>
             </p:extLst>
           </p:nvPr>
         </p:nvGraphicFramePr>
         <p:xfrm>
-          <a:off x="838200" y="3533385"/>
-          <a:ext cx="10515600" cy="2699935"/>
+          <a:off x="838200" y="4864204"/>
+          <a:ext cx="10515600" cy="1755055"/>
         </p:xfrm>
         <a:graphic>
           <a:graphicData uri="http://schemas.openxmlformats.org/drawingml/2006/table">
@@ -13936,13 +14129,32 @@
                     <a:bodyPr/>
                     <a:lstStyle/>
                     <a:p>
+                      <a:pPr marL="0" marR="0" lvl="0" indent="0" algn="l" defTabSz="914400" rtl="0" eaLnBrk="1" fontAlgn="auto" latinLnBrk="0" hangingPunct="1">
+                        <a:lnSpc>
+                          <a:spcPct val="100000"/>
+                        </a:lnSpc>
+                        <a:spcBef>
+                          <a:spcPts val="0"/>
+                        </a:spcBef>
+                        <a:spcAft>
+                          <a:spcPts val="0"/>
+                        </a:spcAft>
+                        <a:buClr>
+                          <a:srgbClr val="000000"/>
+                        </a:buClr>
+                        <a:buSzTx/>
+                        <a:buFont typeface="Arial"/>
+                        <a:buNone/>
+                        <a:tabLst/>
+                        <a:defRPr/>
+                      </a:pPr>
                       <a:r>
                         <a:rPr lang="en-US" altLang="zh-TW" dirty="0">
                           <a:latin typeface="Times New Roman" panose="02020603050405020304" pitchFamily="18" charset="0"/>
                           <a:ea typeface="標楷體" panose="03000509000000000000" pitchFamily="65" charset="-120"/>
                           <a:cs typeface="Times New Roman" panose="02020603050405020304" pitchFamily="18" charset="0"/>
                         </a:rPr>
-                        <a:t>Description</a:t>
+                        <a:t>Method</a:t>
                       </a:r>
                       <a:r>
                         <a:rPr lang="zh-TW" altLang="en-US" dirty="0">
@@ -13992,216 +14204,6 @@
                 <a:extLst>
                   <a:ext uri="{0D108BD9-81ED-4DB2-BD59-A6C34878D82A}">
                     <a16:rowId xmlns:a16="http://schemas.microsoft.com/office/drawing/2014/main" val="329397043"/>
-                  </a:ext>
-                </a:extLst>
-              </a:tr>
-              <a:tr h="351011">
-                <a:tc>
-                  <a:txBody>
-                    <a:bodyPr/>
-                    <a:lstStyle/>
-                    <a:p>
-                      <a:pPr marL="0" marR="0" lvl="0" indent="0" algn="l" defTabSz="914400" rtl="0" eaLnBrk="1" fontAlgn="auto" latinLnBrk="0" hangingPunct="1">
-                        <a:lnSpc>
-                          <a:spcPct val="100000"/>
-                        </a:lnSpc>
-                        <a:spcBef>
-                          <a:spcPts val="0"/>
-                        </a:spcBef>
-                        <a:spcAft>
-                          <a:spcPts val="0"/>
-                        </a:spcAft>
-                        <a:buClr>
-                          <a:srgbClr val="000000"/>
-                        </a:buClr>
-                        <a:buSzTx/>
-                        <a:buFont typeface="Arial"/>
-                        <a:buNone/>
-                        <a:tabLst/>
-                        <a:defRPr/>
-                      </a:pPr>
-                      <a:r>
-                        <a:rPr lang="en-US" altLang="zh-TW" dirty="0">
-                          <a:latin typeface="Times New Roman" panose="02020603050405020304" pitchFamily="18" charset="0"/>
-                          <a:ea typeface="標楷體" panose="03000509000000000000" pitchFamily="65" charset="-120"/>
-                          <a:cs typeface="Times New Roman" panose="02020603050405020304" pitchFamily="18" charset="0"/>
-                        </a:rPr>
-                        <a:t>Method</a:t>
-                      </a:r>
-                      <a:r>
-                        <a:rPr lang="zh-TW" altLang="en-US" dirty="0">
-                          <a:latin typeface="Times New Roman" panose="02020603050405020304" pitchFamily="18" charset="0"/>
-                          <a:ea typeface="標楷體" panose="03000509000000000000" pitchFamily="65" charset="-120"/>
-                          <a:cs typeface="Times New Roman" panose="02020603050405020304" pitchFamily="18" charset="0"/>
-                        </a:rPr>
-                        <a:t>：</a:t>
-                      </a:r>
-                    </a:p>
-                  </a:txBody>
-                  <a:tcPr/>
-                </a:tc>
-                <a:tc>
-                  <a:txBody>
-                    <a:bodyPr/>
-                    <a:lstStyle/>
-                    <a:p>
-                      <a:r>
-                        <a:rPr lang="en-US" altLang="zh-TW" dirty="0" err="1">
-                          <a:latin typeface="Times New Roman" panose="02020603050405020304" pitchFamily="18" charset="0"/>
-                          <a:ea typeface="標楷體" panose="03000509000000000000" pitchFamily="65" charset="-120"/>
-                          <a:cs typeface="Times New Roman" panose="02020603050405020304" pitchFamily="18" charset="0"/>
-                        </a:rPr>
-                        <a:t>sobel_x</a:t>
-                      </a:r>
-                      <a:r>
-                        <a:rPr lang="en-US" altLang="zh-TW" dirty="0">
-                          <a:latin typeface="Times New Roman" panose="02020603050405020304" pitchFamily="18" charset="0"/>
-                          <a:ea typeface="標楷體" panose="03000509000000000000" pitchFamily="65" charset="-120"/>
-                          <a:cs typeface="Times New Roman" panose="02020603050405020304" pitchFamily="18" charset="0"/>
-                        </a:rPr>
-                        <a:t> = cv2.Sobel(gray, cv2.CV_64F, 1, 0, </a:t>
-                      </a:r>
-                      <a:r>
-                        <a:rPr lang="en-US" altLang="zh-TW" dirty="0" err="1">
-                          <a:latin typeface="Times New Roman" panose="02020603050405020304" pitchFamily="18" charset="0"/>
-                          <a:ea typeface="標楷體" panose="03000509000000000000" pitchFamily="65" charset="-120"/>
-                          <a:cs typeface="Times New Roman" panose="02020603050405020304" pitchFamily="18" charset="0"/>
-                        </a:rPr>
-                        <a:t>ksize</a:t>
-                      </a:r>
-                      <a:r>
-                        <a:rPr lang="en-US" altLang="zh-TW" dirty="0">
-                          <a:latin typeface="Times New Roman" panose="02020603050405020304" pitchFamily="18" charset="0"/>
-                          <a:ea typeface="標楷體" panose="03000509000000000000" pitchFamily="65" charset="-120"/>
-                          <a:cs typeface="Times New Roman" panose="02020603050405020304" pitchFamily="18" charset="0"/>
-                        </a:rPr>
-                        <a:t>=3)</a:t>
-                      </a:r>
-                    </a:p>
-                    <a:p>
-                      <a:r>
-                        <a:rPr lang="en-US" altLang="zh-TW" dirty="0" err="1">
-                          <a:latin typeface="Times New Roman" panose="02020603050405020304" pitchFamily="18" charset="0"/>
-                          <a:ea typeface="標楷體" panose="03000509000000000000" pitchFamily="65" charset="-120"/>
-                          <a:cs typeface="Times New Roman" panose="02020603050405020304" pitchFamily="18" charset="0"/>
-                        </a:rPr>
-                        <a:t>sobel_y</a:t>
-                      </a:r>
-                      <a:r>
-                        <a:rPr lang="en-US" altLang="zh-TW" dirty="0">
-                          <a:latin typeface="Times New Roman" panose="02020603050405020304" pitchFamily="18" charset="0"/>
-                          <a:ea typeface="標楷體" panose="03000509000000000000" pitchFamily="65" charset="-120"/>
-                          <a:cs typeface="Times New Roman" panose="02020603050405020304" pitchFamily="18" charset="0"/>
-                        </a:rPr>
-                        <a:t> = cv2.Sobel(gray, cv2.CV_64F, 0, 1, </a:t>
-                      </a:r>
-                      <a:r>
-                        <a:rPr lang="en-US" altLang="zh-TW" dirty="0" err="1">
-                          <a:latin typeface="Times New Roman" panose="02020603050405020304" pitchFamily="18" charset="0"/>
-                          <a:ea typeface="標楷體" panose="03000509000000000000" pitchFamily="65" charset="-120"/>
-                          <a:cs typeface="Times New Roman" panose="02020603050405020304" pitchFamily="18" charset="0"/>
-                        </a:rPr>
-                        <a:t>ksize</a:t>
-                      </a:r>
-                      <a:r>
-                        <a:rPr lang="en-US" altLang="zh-TW" dirty="0">
-                          <a:latin typeface="Times New Roman" panose="02020603050405020304" pitchFamily="18" charset="0"/>
-                          <a:ea typeface="標楷體" panose="03000509000000000000" pitchFamily="65" charset="-120"/>
-                          <a:cs typeface="Times New Roman" panose="02020603050405020304" pitchFamily="18" charset="0"/>
-                        </a:rPr>
-                        <a:t>=3)</a:t>
-                      </a:r>
-                    </a:p>
-                    <a:p>
-                      <a:r>
-                        <a:rPr lang="en-US" altLang="zh-TW" dirty="0" err="1">
-                          <a:latin typeface="Times New Roman" panose="02020603050405020304" pitchFamily="18" charset="0"/>
-                          <a:ea typeface="標楷體" panose="03000509000000000000" pitchFamily="65" charset="-120"/>
-                          <a:cs typeface="Times New Roman" panose="02020603050405020304" pitchFamily="18" charset="0"/>
-                        </a:rPr>
-                        <a:t>sobel</a:t>
-                      </a:r>
-                      <a:r>
-                        <a:rPr lang="en-US" altLang="zh-TW" dirty="0">
-                          <a:latin typeface="Times New Roman" panose="02020603050405020304" pitchFamily="18" charset="0"/>
-                          <a:ea typeface="標楷體" panose="03000509000000000000" pitchFamily="65" charset="-120"/>
-                          <a:cs typeface="Times New Roman" panose="02020603050405020304" pitchFamily="18" charset="0"/>
-                        </a:rPr>
-                        <a:t> = cv2.magnitude(</a:t>
-                      </a:r>
-                      <a:r>
-                        <a:rPr lang="en-US" altLang="zh-TW" dirty="0" err="1">
-                          <a:latin typeface="Times New Roman" panose="02020603050405020304" pitchFamily="18" charset="0"/>
-                          <a:ea typeface="標楷體" panose="03000509000000000000" pitchFamily="65" charset="-120"/>
-                          <a:cs typeface="Times New Roman" panose="02020603050405020304" pitchFamily="18" charset="0"/>
-                        </a:rPr>
-                        <a:t>sobel_x</a:t>
-                      </a:r>
-                      <a:r>
-                        <a:rPr lang="en-US" altLang="zh-TW" dirty="0">
-                          <a:latin typeface="Times New Roman" panose="02020603050405020304" pitchFamily="18" charset="0"/>
-                          <a:ea typeface="標楷體" panose="03000509000000000000" pitchFamily="65" charset="-120"/>
-                          <a:cs typeface="Times New Roman" panose="02020603050405020304" pitchFamily="18" charset="0"/>
-                        </a:rPr>
-                        <a:t>, </a:t>
-                      </a:r>
-                      <a:r>
-                        <a:rPr lang="en-US" altLang="zh-TW" dirty="0" err="1">
-                          <a:latin typeface="Times New Roman" panose="02020603050405020304" pitchFamily="18" charset="0"/>
-                          <a:ea typeface="標楷體" panose="03000509000000000000" pitchFamily="65" charset="-120"/>
-                          <a:cs typeface="Times New Roman" panose="02020603050405020304" pitchFamily="18" charset="0"/>
-                        </a:rPr>
-                        <a:t>sobel_y</a:t>
-                      </a:r>
-                      <a:r>
-                        <a:rPr lang="en-US" altLang="zh-TW" dirty="0">
-                          <a:latin typeface="Times New Roman" panose="02020603050405020304" pitchFamily="18" charset="0"/>
-                          <a:ea typeface="標楷體" panose="03000509000000000000" pitchFamily="65" charset="-120"/>
-                          <a:cs typeface="Times New Roman" panose="02020603050405020304" pitchFamily="18" charset="0"/>
-                        </a:rPr>
-                        <a:t>)</a:t>
-                      </a:r>
-                    </a:p>
-                    <a:p>
-                      <a:r>
-                        <a:rPr lang="en-US" altLang="zh-TW" dirty="0" err="1">
-                          <a:latin typeface="Times New Roman" panose="02020603050405020304" pitchFamily="18" charset="0"/>
-                          <a:ea typeface="標楷體" panose="03000509000000000000" pitchFamily="65" charset="-120"/>
-                          <a:cs typeface="Times New Roman" panose="02020603050405020304" pitchFamily="18" charset="0"/>
-                        </a:rPr>
-                        <a:t>sobel</a:t>
-                      </a:r>
-                      <a:r>
-                        <a:rPr lang="en-US" altLang="zh-TW" dirty="0">
-                          <a:latin typeface="Times New Roman" panose="02020603050405020304" pitchFamily="18" charset="0"/>
-                          <a:ea typeface="標楷體" panose="03000509000000000000" pitchFamily="65" charset="-120"/>
-                          <a:cs typeface="Times New Roman" panose="02020603050405020304" pitchFamily="18" charset="0"/>
-                        </a:rPr>
-                        <a:t> = cv2.convertScaleAbs(</a:t>
-                      </a:r>
-                      <a:r>
-                        <a:rPr lang="en-US" altLang="zh-TW" dirty="0" err="1">
-                          <a:latin typeface="Times New Roman" panose="02020603050405020304" pitchFamily="18" charset="0"/>
-                          <a:ea typeface="標楷體" panose="03000509000000000000" pitchFamily="65" charset="-120"/>
-                          <a:cs typeface="Times New Roman" panose="02020603050405020304" pitchFamily="18" charset="0"/>
-                        </a:rPr>
-                        <a:t>sobel</a:t>
-                      </a:r>
-                      <a:r>
-                        <a:rPr lang="en-US" altLang="zh-TW" dirty="0">
-                          <a:latin typeface="Times New Roman" panose="02020603050405020304" pitchFamily="18" charset="0"/>
-                          <a:ea typeface="標楷體" panose="03000509000000000000" pitchFamily="65" charset="-120"/>
-                          <a:cs typeface="Times New Roman" panose="02020603050405020304" pitchFamily="18" charset="0"/>
-                        </a:rPr>
-                        <a:t>)</a:t>
-                      </a:r>
-                    </a:p>
-                  </a:txBody>
-                  <a:tcPr/>
-                </a:tc>
-                <a:extLst>
-                  <a:ext uri="{0D108BD9-81ED-4DB2-BD59-A6C34878D82A}">
-                    <a16:rowId xmlns:a16="http://schemas.microsoft.com/office/drawing/2014/main" val="3505090747"/>
                   </a:ext>
                 </a:extLst>
               </a:tr>
@@ -14362,7 +14364,7 @@
           <p:nvPr>
             <p:extLst>
               <p:ext uri="{D42A27DB-BD31-4B8C-83A1-F6EECF244321}">
-                <p14:modId xmlns:p14="http://schemas.microsoft.com/office/powerpoint/2010/main" val="4238044896"/>
+                <p14:modId xmlns:p14="http://schemas.microsoft.com/office/powerpoint/2010/main" val="2183150672"/>
               </p:ext>
             </p:extLst>
           </p:nvPr>
@@ -14487,7 +14489,7 @@
                           <a:ea typeface="標楷體" panose="03000509000000000000" pitchFamily="65" charset="-120"/>
                           <a:cs typeface="Times New Roman" panose="02020603050405020304" pitchFamily="18" charset="0"/>
                         </a:rPr>
-                        <a:t>sobel</a:t>
+                        <a:t>Sobel_image</a:t>
                       </a:r>
                       <a:r>
                         <a:rPr lang="zh-TW" altLang="en-US" dirty="0">
@@ -14552,12 +14554,12 @@
                     <a:lstStyle/>
                     <a:p>
                       <a:r>
-                        <a:rPr lang="en-US" altLang="zh-TW" dirty="0" err="1">
+                        <a:rPr lang="en-US" altLang="zh-TW" dirty="0">
                           <a:latin typeface="Times New Roman" panose="02020603050405020304" pitchFamily="18" charset="0"/>
                           <a:ea typeface="標楷體" panose="03000509000000000000" pitchFamily="65" charset="-120"/>
                           <a:cs typeface="Times New Roman" panose="02020603050405020304" pitchFamily="18" charset="0"/>
                         </a:rPr>
-                        <a:t>lbp</a:t>
+                        <a:t>LBP</a:t>
                       </a:r>
                       <a:r>
                         <a:rPr lang="zh-TW" altLang="en-US" dirty="0">
@@ -14565,7 +14567,7 @@
                           <a:ea typeface="標楷體" panose="03000509000000000000" pitchFamily="65" charset="-120"/>
                           <a:cs typeface="Times New Roman" panose="02020603050405020304" pitchFamily="18" charset="0"/>
                         </a:rPr>
-                        <a:t> </a:t>
+                        <a:t>特徵值 </a:t>
                       </a:r>
                       <a:r>
                         <a:rPr lang="en-US" altLang="zh-TW" dirty="0">
@@ -14622,27 +14624,20 @@
                     <a:lstStyle/>
                     <a:p>
                       <a:r>
-                        <a:rPr lang="en-US" altLang="zh-TW" dirty="0" err="1">
-                          <a:latin typeface="Times New Roman" panose="02020603050405020304" pitchFamily="18" charset="0"/>
-                          <a:ea typeface="標楷體" panose="03000509000000000000" pitchFamily="65" charset="-120"/>
-                          <a:cs typeface="Times New Roman" panose="02020603050405020304" pitchFamily="18" charset="0"/>
-                        </a:rPr>
-                        <a:t>block_size</a:t>
-                      </a:r>
-                      <a:r>
                         <a:rPr lang="en-US" altLang="zh-TW" dirty="0">
                           <a:latin typeface="Times New Roman" panose="02020603050405020304" pitchFamily="18" charset="0"/>
                           <a:ea typeface="標楷體" panose="03000509000000000000" pitchFamily="65" charset="-120"/>
                           <a:cs typeface="Times New Roman" panose="02020603050405020304" pitchFamily="18" charset="0"/>
                         </a:rPr>
-                        <a:t>(</a:t>
+                        <a:t>radius = 1  (LBP </a:t>
                       </a:r>
                       <a:r>
-                        <a:rPr lang="en-US" altLang="zh-TW" dirty="0">
+                        <a:rPr lang="zh-TW" altLang="en-US" dirty="0">
                           <a:latin typeface="Times New Roman" panose="02020603050405020304" pitchFamily="18" charset="0"/>
+                          <a:ea typeface="標楷體" panose="03000509000000000000" pitchFamily="65" charset="-120"/>
                           <a:cs typeface="Times New Roman" panose="02020603050405020304" pitchFamily="18" charset="0"/>
                         </a:rPr>
-                        <a:t>int</a:t>
+                        <a:t>半徑</a:t>
                       </a:r>
                       <a:r>
                         <a:rPr lang="en-US" altLang="zh-TW" dirty="0">
@@ -14652,13 +14647,20 @@
                         </a:rPr>
                         <a:t>)</a:t>
                       </a:r>
-                      <a:r>
-                        <a:rPr lang="zh-TW" altLang="en-US" dirty="0">
+                      <a:br>
+                        <a:rPr lang="en-US" altLang="zh-TW" dirty="0">
                           <a:latin typeface="Times New Roman" panose="02020603050405020304" pitchFamily="18" charset="0"/>
                           <a:ea typeface="標楷體" panose="03000509000000000000" pitchFamily="65" charset="-120"/>
                           <a:cs typeface="Times New Roman" panose="02020603050405020304" pitchFamily="18" charset="0"/>
                         </a:rPr>
-                        <a:t>：單一區塊的邊長，設定為 </a:t>
+                      </a:br>
+                      <a:r>
+                        <a:rPr lang="en-US" altLang="zh-TW" dirty="0" err="1">
+                          <a:latin typeface="Times New Roman" panose="02020603050405020304" pitchFamily="18" charset="0"/>
+                          <a:ea typeface="標楷體" panose="03000509000000000000" pitchFamily="65" charset="-120"/>
+                          <a:cs typeface="Times New Roman" panose="02020603050405020304" pitchFamily="18" charset="0"/>
+                        </a:rPr>
+                        <a:t>n_points</a:t>
                       </a:r>
                       <a:r>
                         <a:rPr lang="en-US" altLang="zh-TW" dirty="0">
@@ -14666,7 +14668,7 @@
                           <a:ea typeface="標楷體" panose="03000509000000000000" pitchFamily="65" charset="-120"/>
                           <a:cs typeface="Times New Roman" panose="02020603050405020304" pitchFamily="18" charset="0"/>
                         </a:rPr>
-                        <a:t>16</a:t>
+                        <a:t> = 8 * radius  (LBP </a:t>
                       </a:r>
                       <a:r>
                         <a:rPr lang="zh-TW" altLang="en-US" dirty="0">
@@ -14674,36 +14676,16 @@
                           <a:ea typeface="標楷體" panose="03000509000000000000" pitchFamily="65" charset="-120"/>
                           <a:cs typeface="Times New Roman" panose="02020603050405020304" pitchFamily="18" charset="0"/>
                         </a:rPr>
-                        <a:t>。</a:t>
+                        <a:t>的取樣點數量</a:t>
                       </a:r>
-                      <a:endParaRPr lang="en-US" altLang="zh-TW" dirty="0">
-                        <a:latin typeface="Times New Roman" panose="02020603050405020304" pitchFamily="18" charset="0"/>
-                        <a:ea typeface="標楷體" panose="03000509000000000000" pitchFamily="65" charset="-120"/>
-                        <a:cs typeface="Times New Roman" panose="02020603050405020304" pitchFamily="18" charset="0"/>
-                      </a:endParaRPr>
-                    </a:p>
-                    <a:p>
                       <a:r>
                         <a:rPr lang="en-US" altLang="zh-TW" dirty="0">
                           <a:latin typeface="Times New Roman" panose="02020603050405020304" pitchFamily="18" charset="0"/>
                           <a:ea typeface="標楷體" panose="03000509000000000000" pitchFamily="65" charset="-120"/>
                           <a:cs typeface="Times New Roman" panose="02020603050405020304" pitchFamily="18" charset="0"/>
                         </a:rPr>
-                        <a:t>Blocks(uint8)</a:t>
+                        <a:t>)</a:t>
                       </a:r>
-                      <a:r>
-                        <a:rPr lang="zh-TW" altLang="en-US" dirty="0">
-                          <a:latin typeface="Times New Roman" panose="02020603050405020304" pitchFamily="18" charset="0"/>
-                          <a:ea typeface="標楷體" panose="03000509000000000000" pitchFamily="65" charset="-120"/>
-                          <a:cs typeface="Times New Roman" panose="02020603050405020304" pitchFamily="18" charset="0"/>
-                        </a:rPr>
-                        <a:t>：影像分割後的所有區塊。</a:t>
-                      </a:r>
-                      <a:endParaRPr lang="en-US" altLang="zh-TW" dirty="0">
-                        <a:latin typeface="Times New Roman" panose="02020603050405020304" pitchFamily="18" charset="0"/>
-                        <a:ea typeface="標楷體" panose="03000509000000000000" pitchFamily="65" charset="-120"/>
-                        <a:cs typeface="Times New Roman" panose="02020603050405020304" pitchFamily="18" charset="0"/>
-                      </a:endParaRPr>
                     </a:p>
                   </a:txBody>
                   <a:tcPr/>
@@ -14745,7 +14727,7 @@
                           <a:ea typeface="標楷體" panose="03000509000000000000" pitchFamily="65" charset="-120"/>
                           <a:cs typeface="Times New Roman" panose="02020603050405020304" pitchFamily="18" charset="0"/>
                         </a:rPr>
-                        <a:t>Description</a:t>
+                        <a:t>Method</a:t>
                       </a:r>
                       <a:r>
                         <a:rPr lang="zh-TW" altLang="en-US" dirty="0">
@@ -14809,7 +14791,7 @@
           <p:nvPr>
             <p:extLst>
               <p:ext uri="{D42A27DB-BD31-4B8C-83A1-F6EECF244321}">
-                <p14:modId xmlns:p14="http://schemas.microsoft.com/office/powerpoint/2010/main" val="1132092530"/>
+                <p14:modId xmlns:p14="http://schemas.microsoft.com/office/powerpoint/2010/main" val="3715672477"/>
               </p:ext>
             </p:extLst>
           </p:nvPr>
@@ -14926,12 +14908,12 @@
                     <a:lstStyle/>
                     <a:p>
                       <a:r>
-                        <a:rPr lang="en-US" altLang="zh-TW" dirty="0" err="1">
+                        <a:rPr lang="en-US" altLang="zh-TW" dirty="0">
                           <a:latin typeface="Times New Roman" panose="02020603050405020304" pitchFamily="18" charset="0"/>
                           <a:ea typeface="標楷體" panose="03000509000000000000" pitchFamily="65" charset="-120"/>
                           <a:cs typeface="Times New Roman" panose="02020603050405020304" pitchFamily="18" charset="0"/>
                         </a:rPr>
-                        <a:t>lbp</a:t>
+                        <a:t>LBP</a:t>
                       </a:r>
                       <a:r>
                         <a:rPr lang="zh-TW" altLang="en-US" dirty="0">
@@ -14939,7 +14921,7 @@
                           <a:ea typeface="標楷體" panose="03000509000000000000" pitchFamily="65" charset="-120"/>
                           <a:cs typeface="Times New Roman" panose="02020603050405020304" pitchFamily="18" charset="0"/>
                         </a:rPr>
-                        <a:t> </a:t>
+                        <a:t>特徵值 </a:t>
                       </a:r>
                       <a:r>
                         <a:rPr lang="en-US" altLang="zh-TW" dirty="0">
@@ -15119,7 +15101,7 @@
                           <a:ea typeface="標楷體" panose="03000509000000000000" pitchFamily="65" charset="-120"/>
                           <a:cs typeface="Times New Roman" panose="02020603050405020304" pitchFamily="18" charset="0"/>
                         </a:rPr>
-                        <a:t>Description</a:t>
+                        <a:t>Method</a:t>
                       </a:r>
                       <a:r>
                         <a:rPr lang="zh-TW" altLang="en-US" dirty="0">
@@ -15129,13 +15111,6 @@
                         </a:rPr>
                         <a:t>：</a:t>
                       </a:r>
-                    </a:p>
-                    <a:p>
-                      <a:endParaRPr lang="zh-TW" altLang="en-US" dirty="0">
-                        <a:latin typeface="Times New Roman" panose="02020603050405020304" pitchFamily="18" charset="0"/>
-                        <a:ea typeface="標楷體" panose="03000509000000000000" pitchFamily="65" charset="-120"/>
-                        <a:cs typeface="Times New Roman" panose="02020603050405020304" pitchFamily="18" charset="0"/>
-                      </a:endParaRPr>
                     </a:p>
                   </a:txBody>
                   <a:tcPr/>
@@ -15367,14 +15342,14 @@
           <p:nvPr>
             <p:extLst>
               <p:ext uri="{D42A27DB-BD31-4B8C-83A1-F6EECF244321}">
-                <p14:modId xmlns:p14="http://schemas.microsoft.com/office/powerpoint/2010/main" val="3761274682"/>
+                <p14:modId xmlns:p14="http://schemas.microsoft.com/office/powerpoint/2010/main" val="3702229608"/>
               </p:ext>
             </p:extLst>
           </p:nvPr>
         </p:nvGraphicFramePr>
         <p:xfrm>
           <a:off x="838200" y="1195544"/>
-          <a:ext cx="10515600" cy="1922204"/>
+          <a:ext cx="10515600" cy="1755055"/>
         </p:xfrm>
         <a:graphic>
           <a:graphicData uri="http://schemas.openxmlformats.org/drawingml/2006/table">
@@ -15435,7 +15410,23 @@
                           <a:ea typeface="標楷體" panose="03000509000000000000" pitchFamily="65" charset="-120"/>
                           <a:cs typeface="Times New Roman" panose="02020603050405020304" pitchFamily="18" charset="0"/>
                         </a:rPr>
-                        <a:t>BFS</a:t>
+                        <a:t>1</a:t>
+                      </a:r>
+                      <a:r>
+                        <a:rPr lang="zh-TW" altLang="en-US" dirty="0">
+                          <a:latin typeface="Times New Roman" panose="02020603050405020304" pitchFamily="18" charset="0"/>
+                          <a:ea typeface="標楷體" panose="03000509000000000000" pitchFamily="65" charset="-120"/>
+                          <a:cs typeface="Times New Roman" panose="02020603050405020304" pitchFamily="18" charset="0"/>
+                        </a:rPr>
+                        <a:t> </a:t>
+                      </a:r>
+                      <a:r>
+                        <a:rPr lang="en-US" altLang="zh-TW" dirty="0">
+                          <a:latin typeface="Times New Roman" panose="02020603050405020304" pitchFamily="18" charset="0"/>
+                          <a:ea typeface="標楷體" panose="03000509000000000000" pitchFamily="65" charset="-120"/>
+                          <a:cs typeface="Times New Roman" panose="02020603050405020304" pitchFamily="18" charset="0"/>
+                        </a:rPr>
+                        <a:t>norm distance</a:t>
                       </a:r>
                       <a:endParaRPr lang="zh-TW" altLang="en-US" dirty="0">
                         <a:latin typeface="Times New Roman" panose="02020603050405020304" pitchFamily="18" charset="0"/>
@@ -15484,12 +15475,20 @@
                     <a:lstStyle/>
                     <a:p>
                       <a:r>
+                        <a:rPr lang="en-US" altLang="zh-TW" dirty="0">
+                          <a:latin typeface="Times New Roman" panose="02020603050405020304" pitchFamily="18" charset="0"/>
+                          <a:ea typeface="標楷體" panose="03000509000000000000" pitchFamily="65" charset="-120"/>
+                          <a:cs typeface="Times New Roman" panose="02020603050405020304" pitchFamily="18" charset="0"/>
+                        </a:rPr>
+                        <a:t>LBP</a:t>
+                      </a:r>
+                      <a:r>
                         <a:rPr lang="zh-TW" altLang="en-US" dirty="0">
                           <a:latin typeface="Times New Roman" panose="02020603050405020304" pitchFamily="18" charset="0"/>
                           <a:ea typeface="標楷體" panose="03000509000000000000" pitchFamily="65" charset="-120"/>
                           <a:cs typeface="Times New Roman" panose="02020603050405020304" pitchFamily="18" charset="0"/>
                         </a:rPr>
-                        <a:t>直方圖</a:t>
+                        <a:t>特徵值</a:t>
                       </a:r>
                     </a:p>
                   </a:txBody>
@@ -15582,12 +15581,20 @@
                     <a:lstStyle/>
                     <a:p>
                       <a:r>
+                        <a:rPr lang="en-US" altLang="zh-TW" dirty="0" err="1">
+                          <a:latin typeface="Times New Roman" panose="02020603050405020304" pitchFamily="18" charset="0"/>
+                          <a:ea typeface="標楷體" panose="03000509000000000000" pitchFamily="65" charset="-120"/>
+                          <a:cs typeface="Times New Roman" panose="02020603050405020304" pitchFamily="18" charset="0"/>
+                        </a:rPr>
+                        <a:t>road_template</a:t>
+                      </a:r>
+                      <a:r>
                         <a:rPr lang="en-US" altLang="zh-TW" dirty="0">
                           <a:latin typeface="Times New Roman" panose="02020603050405020304" pitchFamily="18" charset="0"/>
                           <a:ea typeface="標楷體" panose="03000509000000000000" pitchFamily="65" charset="-120"/>
                           <a:cs typeface="Times New Roman" panose="02020603050405020304" pitchFamily="18" charset="0"/>
                         </a:rPr>
-                        <a:t>hist(float32)</a:t>
+                        <a:t> = 3  (</a:t>
                       </a:r>
                       <a:r>
                         <a:rPr lang="zh-TW" altLang="en-US" dirty="0">
@@ -15595,7 +15602,7 @@
                           <a:ea typeface="標楷體" panose="03000509000000000000" pitchFamily="65" charset="-120"/>
                           <a:cs typeface="Times New Roman" panose="02020603050405020304" pitchFamily="18" charset="0"/>
                         </a:rPr>
-                        <a:t>：每個區塊的 </a:t>
+                        <a:t>假設目標區域的 </a:t>
                       </a:r>
                       <a:r>
                         <a:rPr lang="en-US" altLang="zh-TW" dirty="0">
@@ -15611,7 +15618,7 @@
                           <a:ea typeface="標楷體" panose="03000509000000000000" pitchFamily="65" charset="-120"/>
                           <a:cs typeface="Times New Roman" panose="02020603050405020304" pitchFamily="18" charset="0"/>
                         </a:rPr>
-                        <a:t>特徵直方圖。</a:t>
+                        <a:t>值為 </a:t>
                       </a:r>
                       <a:r>
                         <a:rPr lang="en-US" altLang="zh-TW" dirty="0">
@@ -15619,26 +15626,13 @@
                           <a:ea typeface="標楷體" panose="03000509000000000000" pitchFamily="65" charset="-120"/>
                           <a:cs typeface="Times New Roman" panose="02020603050405020304" pitchFamily="18" charset="0"/>
                         </a:rPr>
-                        <a:t> </a:t>
+                        <a:t>3)</a:t>
                       </a:r>
-                    </a:p>
-                    <a:p>
-                      <a:r>
-                        <a:rPr lang="en-US" altLang="zh-TW" dirty="0">
-                          <a:latin typeface="Times New Roman" panose="02020603050405020304" pitchFamily="18" charset="0"/>
-                          <a:ea typeface="標楷體" panose="03000509000000000000" pitchFamily="65" charset="-120"/>
-                          <a:cs typeface="Times New Roman" panose="02020603050405020304" pitchFamily="18" charset="0"/>
-                        </a:rPr>
-                        <a:t>Threshold(float):</a:t>
-                      </a:r>
-                      <a:r>
-                        <a:rPr lang="zh-TW" altLang="en-US" dirty="0">
-                          <a:latin typeface="Times New Roman" panose="02020603050405020304" pitchFamily="18" charset="0"/>
-                          <a:ea typeface="標楷體" panose="03000509000000000000" pitchFamily="65" charset="-120"/>
-                          <a:cs typeface="Times New Roman" panose="02020603050405020304" pitchFamily="18" charset="0"/>
-                        </a:rPr>
-                        <a:t>設定閾值</a:t>
-                      </a:r>
+                      <a:endParaRPr lang="zh-TW" altLang="en-US" dirty="0">
+                        <a:latin typeface="Times New Roman" panose="02020603050405020304" pitchFamily="18" charset="0"/>
+                        <a:ea typeface="標楷體" panose="03000509000000000000" pitchFamily="65" charset="-120"/>
+                        <a:cs typeface="Times New Roman" panose="02020603050405020304" pitchFamily="18" charset="0"/>
+                      </a:endParaRPr>
                     </a:p>
                   </a:txBody>
                   <a:tcPr/>
@@ -15680,7 +15674,7 @@
                           <a:ea typeface="標楷體" panose="03000509000000000000" pitchFamily="65" charset="-120"/>
                           <a:cs typeface="Times New Roman" panose="02020603050405020304" pitchFamily="18" charset="0"/>
                         </a:rPr>
-                        <a:t>Description</a:t>
+                        <a:t>Method</a:t>
                       </a:r>
                       <a:r>
                         <a:rPr lang="zh-TW" altLang="en-US" dirty="0">
@@ -15722,6 +15716,330 @@
                           <a:cs typeface="Times New Roman" panose="02020603050405020304" pitchFamily="18" charset="0"/>
                         </a:rPr>
                         <a:t>特徵直方圖的區塊網格，再根據指定的目標特徵與閾值，找到具有相似特徵的相鄰區塊。</a:t>
+                      </a:r>
+                    </a:p>
+                  </a:txBody>
+                  <a:tcPr/>
+                </a:tc>
+                <a:extLst>
+                  <a:ext uri="{0D108BD9-81ED-4DB2-BD59-A6C34878D82A}">
+                    <a16:rowId xmlns:a16="http://schemas.microsoft.com/office/drawing/2014/main" val="329397043"/>
+                  </a:ext>
+                </a:extLst>
+              </a:tr>
+            </a:tbl>
+          </a:graphicData>
+        </a:graphic>
+      </p:graphicFrame>
+      <p:graphicFrame>
+        <p:nvGraphicFramePr>
+          <p:cNvPr id="5" name="表格 2">
+            <a:extLst>
+              <a:ext uri="{FF2B5EF4-FFF2-40B4-BE49-F238E27FC236}">
+                <a16:creationId xmlns:a16="http://schemas.microsoft.com/office/drawing/2014/main" id="{43C8FD72-3ADE-45AC-B12E-18A4D3522B14}"/>
+              </a:ext>
+            </a:extLst>
+          </p:cNvPr>
+          <p:cNvGraphicFramePr>
+            <a:graphicFrameLocks noGrp="1"/>
+          </p:cNvGraphicFramePr>
+          <p:nvPr>
+            <p:extLst>
+              <p:ext uri="{D42A27DB-BD31-4B8C-83A1-F6EECF244321}">
+                <p14:modId xmlns:p14="http://schemas.microsoft.com/office/powerpoint/2010/main" val="1372697902"/>
+              </p:ext>
+            </p:extLst>
+          </p:nvPr>
+        </p:nvGraphicFramePr>
+        <p:xfrm>
+          <a:off x="838200" y="3429000"/>
+          <a:ext cx="10515600" cy="1755055"/>
+        </p:xfrm>
+        <a:graphic>
+          <a:graphicData uri="http://schemas.openxmlformats.org/drawingml/2006/table">
+            <a:tbl>
+              <a:tblPr firstRow="1" bandRow="1">
+                <a:tableStyleId>{5C22544A-7EE6-4342-B048-85BDC9FD1C3A}</a:tableStyleId>
+              </a:tblPr>
+              <a:tblGrid>
+                <a:gridCol w="2094186">
+                  <a:extLst>
+                    <a:ext uri="{9D8B030D-6E8A-4147-A177-3AD203B41FA5}">
+                      <a16:colId xmlns:a16="http://schemas.microsoft.com/office/drawing/2014/main" val="2144424883"/>
+                    </a:ext>
+                  </a:extLst>
+                </a:gridCol>
+                <a:gridCol w="8421414">
+                  <a:extLst>
+                    <a:ext uri="{9D8B030D-6E8A-4147-A177-3AD203B41FA5}">
+                      <a16:colId xmlns:a16="http://schemas.microsoft.com/office/drawing/2014/main" val="3707820108"/>
+                    </a:ext>
+                  </a:extLst>
+                </a:gridCol>
+              </a:tblGrid>
+              <a:tr h="351011">
+                <a:tc>
+                  <a:txBody>
+                    <a:bodyPr/>
+                    <a:lstStyle/>
+                    <a:p>
+                      <a:r>
+                        <a:rPr lang="en-US" altLang="zh-TW" dirty="0">
+                          <a:latin typeface="Times New Roman" panose="02020603050405020304" pitchFamily="18" charset="0"/>
+                          <a:ea typeface="標楷體" panose="03000509000000000000" pitchFamily="65" charset="-120"/>
+                          <a:cs typeface="Times New Roman" panose="02020603050405020304" pitchFamily="18" charset="0"/>
+                        </a:rPr>
+                        <a:t>Function</a:t>
+                      </a:r>
+                      <a:r>
+                        <a:rPr lang="zh-TW" altLang="en-US" dirty="0">
+                          <a:latin typeface="Times New Roman" panose="02020603050405020304" pitchFamily="18" charset="0"/>
+                          <a:ea typeface="標楷體" panose="03000509000000000000" pitchFamily="65" charset="-120"/>
+                          <a:cs typeface="Times New Roman" panose="02020603050405020304" pitchFamily="18" charset="0"/>
+                        </a:rPr>
+                        <a:t>：</a:t>
+                      </a:r>
+                    </a:p>
+                  </a:txBody>
+                  <a:tcPr/>
+                </a:tc>
+                <a:tc>
+                  <a:txBody>
+                    <a:bodyPr/>
+                    <a:lstStyle/>
+                    <a:p>
+                      <a:r>
+                        <a:rPr lang="en-US" altLang="zh-TW" dirty="0" err="1">
+                          <a:latin typeface="Times New Roman" panose="02020603050405020304" pitchFamily="18" charset="0"/>
+                          <a:ea typeface="標楷體" panose="03000509000000000000" pitchFamily="65" charset="-120"/>
+                          <a:cs typeface="Times New Roman" panose="02020603050405020304" pitchFamily="18" charset="0"/>
+                        </a:rPr>
+                        <a:t>Lobeling</a:t>
+                      </a:r>
+                      <a:endParaRPr lang="zh-TW" altLang="en-US" dirty="0">
+                        <a:latin typeface="Times New Roman" panose="02020603050405020304" pitchFamily="18" charset="0"/>
+                        <a:ea typeface="標楷體" panose="03000509000000000000" pitchFamily="65" charset="-120"/>
+                        <a:cs typeface="Times New Roman" panose="02020603050405020304" pitchFamily="18" charset="0"/>
+                      </a:endParaRPr>
+                    </a:p>
+                  </a:txBody>
+                  <a:tcPr/>
+                </a:tc>
+                <a:extLst>
+                  <a:ext uri="{0D108BD9-81ED-4DB2-BD59-A6C34878D82A}">
+                    <a16:rowId xmlns:a16="http://schemas.microsoft.com/office/drawing/2014/main" val="780994351"/>
+                  </a:ext>
+                </a:extLst>
+              </a:tr>
+              <a:tr h="351011">
+                <a:tc>
+                  <a:txBody>
+                    <a:bodyPr/>
+                    <a:lstStyle/>
+                    <a:p>
+                      <a:r>
+                        <a:rPr lang="en-US" altLang="zh-TW" dirty="0">
+                          <a:latin typeface="Times New Roman" panose="02020603050405020304" pitchFamily="18" charset="0"/>
+                          <a:ea typeface="標楷體" panose="03000509000000000000" pitchFamily="65" charset="-120"/>
+                          <a:cs typeface="Times New Roman" panose="02020603050405020304" pitchFamily="18" charset="0"/>
+                        </a:rPr>
+                        <a:t>Input</a:t>
+                      </a:r>
+                      <a:r>
+                        <a:rPr lang="zh-TW" altLang="en-US" dirty="0">
+                          <a:latin typeface="Times New Roman" panose="02020603050405020304" pitchFamily="18" charset="0"/>
+                          <a:ea typeface="標楷體" panose="03000509000000000000" pitchFamily="65" charset="-120"/>
+                          <a:cs typeface="Times New Roman" panose="02020603050405020304" pitchFamily="18" charset="0"/>
+                        </a:rPr>
+                        <a:t>：</a:t>
+                      </a:r>
+                    </a:p>
+                  </a:txBody>
+                  <a:tcPr/>
+                </a:tc>
+                <a:tc>
+                  <a:txBody>
+                    <a:bodyPr/>
+                    <a:lstStyle/>
+                    <a:p>
+                      <a:r>
+                        <a:rPr lang="zh-TW" altLang="en-US" dirty="0">
+                          <a:latin typeface="Times New Roman" panose="02020603050405020304" pitchFamily="18" charset="0"/>
+                          <a:ea typeface="標楷體" panose="03000509000000000000" pitchFamily="65" charset="-120"/>
+                          <a:cs typeface="Times New Roman" panose="02020603050405020304" pitchFamily="18" charset="0"/>
+                        </a:rPr>
+                        <a:t>相似區塊</a:t>
+                      </a:r>
+                    </a:p>
+                  </a:txBody>
+                  <a:tcPr/>
+                </a:tc>
+                <a:extLst>
+                  <a:ext uri="{0D108BD9-81ED-4DB2-BD59-A6C34878D82A}">
+                    <a16:rowId xmlns:a16="http://schemas.microsoft.com/office/drawing/2014/main" val="2574774029"/>
+                  </a:ext>
+                </a:extLst>
+              </a:tr>
+              <a:tr h="351011">
+                <a:tc>
+                  <a:txBody>
+                    <a:bodyPr/>
+                    <a:lstStyle/>
+                    <a:p>
+                      <a:r>
+                        <a:rPr lang="en-US" altLang="zh-TW" dirty="0">
+                          <a:latin typeface="Times New Roman" panose="02020603050405020304" pitchFamily="18" charset="0"/>
+                          <a:ea typeface="標楷體" panose="03000509000000000000" pitchFamily="65" charset="-120"/>
+                          <a:cs typeface="Times New Roman" panose="02020603050405020304" pitchFamily="18" charset="0"/>
+                        </a:rPr>
+                        <a:t>Output</a:t>
+                      </a:r>
+                      <a:r>
+                        <a:rPr lang="zh-TW" altLang="en-US" dirty="0">
+                          <a:latin typeface="Times New Roman" panose="02020603050405020304" pitchFamily="18" charset="0"/>
+                          <a:ea typeface="標楷體" panose="03000509000000000000" pitchFamily="65" charset="-120"/>
+                          <a:cs typeface="Times New Roman" panose="02020603050405020304" pitchFamily="18" charset="0"/>
+                        </a:rPr>
+                        <a:t>：</a:t>
+                      </a:r>
+                    </a:p>
+                  </a:txBody>
+                  <a:tcPr/>
+                </a:tc>
+                <a:tc>
+                  <a:txBody>
+                    <a:bodyPr/>
+                    <a:lstStyle/>
+                    <a:p>
+                      <a:r>
+                        <a:rPr lang="zh-TW" altLang="en-US" dirty="0">
+                          <a:latin typeface="Times New Roman" panose="02020603050405020304" pitchFamily="18" charset="0"/>
+                          <a:ea typeface="標楷體" panose="03000509000000000000" pitchFamily="65" charset="-120"/>
+                          <a:cs typeface="Times New Roman" panose="02020603050405020304" pitchFamily="18" charset="0"/>
+                        </a:rPr>
+                        <a:t>上色區塊</a:t>
+                      </a:r>
+                    </a:p>
+                  </a:txBody>
+                  <a:tcPr/>
+                </a:tc>
+                <a:extLst>
+                  <a:ext uri="{0D108BD9-81ED-4DB2-BD59-A6C34878D82A}">
+                    <a16:rowId xmlns:a16="http://schemas.microsoft.com/office/drawing/2014/main" val="1358840004"/>
+                  </a:ext>
+                </a:extLst>
+              </a:tr>
+              <a:tr h="351011">
+                <a:tc>
+                  <a:txBody>
+                    <a:bodyPr/>
+                    <a:lstStyle/>
+                    <a:p>
+                      <a:r>
+                        <a:rPr lang="en-US" altLang="zh-TW" dirty="0">
+                          <a:latin typeface="Times New Roman" panose="02020603050405020304" pitchFamily="18" charset="0"/>
+                          <a:ea typeface="標楷體" panose="03000509000000000000" pitchFamily="65" charset="-120"/>
+                          <a:cs typeface="Times New Roman" panose="02020603050405020304" pitchFamily="18" charset="0"/>
+                        </a:rPr>
+                        <a:t>Parameters</a:t>
+                      </a:r>
+                      <a:r>
+                        <a:rPr lang="zh-TW" altLang="en-US" dirty="0">
+                          <a:latin typeface="Times New Roman" panose="02020603050405020304" pitchFamily="18" charset="0"/>
+                          <a:ea typeface="標楷體" panose="03000509000000000000" pitchFamily="65" charset="-120"/>
+                          <a:cs typeface="Times New Roman" panose="02020603050405020304" pitchFamily="18" charset="0"/>
+                        </a:rPr>
+                        <a:t>：</a:t>
+                      </a:r>
+                    </a:p>
+                  </a:txBody>
+                  <a:tcPr/>
+                </a:tc>
+                <a:tc>
+                  <a:txBody>
+                    <a:bodyPr/>
+                    <a:lstStyle/>
+                    <a:p>
+                      <a:r>
+                        <a:rPr lang="en-US" altLang="zh-TW" dirty="0">
+                          <a:latin typeface="Times New Roman" panose="02020603050405020304" pitchFamily="18" charset="0"/>
+                          <a:ea typeface="標楷體" panose="03000509000000000000" pitchFamily="65" charset="-120"/>
+                          <a:cs typeface="Times New Roman" panose="02020603050405020304" pitchFamily="18" charset="0"/>
+                        </a:rPr>
+                        <a:t>None</a:t>
+                      </a:r>
+                      <a:endParaRPr lang="zh-TW" altLang="en-US" dirty="0">
+                        <a:latin typeface="Times New Roman" panose="02020603050405020304" pitchFamily="18" charset="0"/>
+                        <a:ea typeface="標楷體" panose="03000509000000000000" pitchFamily="65" charset="-120"/>
+                        <a:cs typeface="Times New Roman" panose="02020603050405020304" pitchFamily="18" charset="0"/>
+                      </a:endParaRPr>
+                    </a:p>
+                  </a:txBody>
+                  <a:tcPr/>
+                </a:tc>
+                <a:extLst>
+                  <a:ext uri="{0D108BD9-81ED-4DB2-BD59-A6C34878D82A}">
+                    <a16:rowId xmlns:a16="http://schemas.microsoft.com/office/drawing/2014/main" val="74156603"/>
+                  </a:ext>
+                </a:extLst>
+              </a:tr>
+              <a:tr h="351011">
+                <a:tc>
+                  <a:txBody>
+                    <a:bodyPr/>
+                    <a:lstStyle/>
+                    <a:p>
+                      <a:pPr marL="0" marR="0" lvl="0" indent="0" algn="l" defTabSz="914400" rtl="0" eaLnBrk="1" fontAlgn="auto" latinLnBrk="0" hangingPunct="1">
+                        <a:lnSpc>
+                          <a:spcPct val="100000"/>
+                        </a:lnSpc>
+                        <a:spcBef>
+                          <a:spcPts val="0"/>
+                        </a:spcBef>
+                        <a:spcAft>
+                          <a:spcPts val="0"/>
+                        </a:spcAft>
+                        <a:buClr>
+                          <a:srgbClr val="000000"/>
+                        </a:buClr>
+                        <a:buSzTx/>
+                        <a:buFont typeface="Arial"/>
+                        <a:buNone/>
+                        <a:tabLst/>
+                        <a:defRPr/>
+                      </a:pPr>
+                      <a:r>
+                        <a:rPr lang="en-US" altLang="zh-TW" dirty="0">
+                          <a:latin typeface="Times New Roman" panose="02020603050405020304" pitchFamily="18" charset="0"/>
+                          <a:ea typeface="標楷體" panose="03000509000000000000" pitchFamily="65" charset="-120"/>
+                          <a:cs typeface="Times New Roman" panose="02020603050405020304" pitchFamily="18" charset="0"/>
+                        </a:rPr>
+                        <a:t>Method</a:t>
+                      </a:r>
+                      <a:r>
+                        <a:rPr lang="zh-TW" altLang="en-US" dirty="0">
+                          <a:latin typeface="Times New Roman" panose="02020603050405020304" pitchFamily="18" charset="0"/>
+                          <a:ea typeface="標楷體" panose="03000509000000000000" pitchFamily="65" charset="-120"/>
+                          <a:cs typeface="Times New Roman" panose="02020603050405020304" pitchFamily="18" charset="0"/>
+                        </a:rPr>
+                        <a:t>：</a:t>
+                      </a:r>
+                    </a:p>
+                  </a:txBody>
+                  <a:tcPr/>
+                </a:tc>
+                <a:tc>
+                  <a:txBody>
+                    <a:bodyPr/>
+                    <a:lstStyle/>
+                    <a:p>
+                      <a:r>
+                        <a:rPr lang="zh-TW" altLang="en-US" dirty="0">
+                          <a:latin typeface="Times New Roman" panose="02020603050405020304" pitchFamily="18" charset="0"/>
+                          <a:ea typeface="標楷體" panose="03000509000000000000" pitchFamily="65" charset="-120"/>
+                          <a:cs typeface="Times New Roman" panose="02020603050405020304" pitchFamily="18" charset="0"/>
+                        </a:rPr>
+                        <a:t>對相似區塊進行上色。</a:t>
                       </a:r>
                     </a:p>
                   </a:txBody>
@@ -15819,7 +16137,20 @@
                 <a:cs typeface="Times New Roman" panose="02020603050405020304" pitchFamily="18" charset="0"/>
                 <a:sym typeface="DFKai-SB"/>
               </a:rPr>
-              <a:t>成果展示</a:t>
+              <a:t>成果展示 </a:t>
+            </a:r>
+            <a:r>
+              <a:rPr lang="en-US" altLang="zh-TW" sz="4000" b="1" dirty="0">
+                <a:solidFill>
+                  <a:schemeClr val="dk1"/>
+                </a:solidFill>
+                <a:latin typeface="Times New Roman" panose="02020603050405020304" pitchFamily="18" charset="0"/>
+                <a:ea typeface="DFKai-SB"/>
+                <a:cs typeface="Times New Roman" panose="02020603050405020304" pitchFamily="18" charset="0"/>
+                <a:sym typeface="DFKai-SB"/>
+                <a:hlinkClick r:id="rId3"/>
+              </a:rPr>
+              <a:t>Demo</a:t>
             </a:r>
             <a:endParaRPr sz="4000" b="1" i="0" u="none" strike="noStrike" cap="none" dirty="0">
               <a:solidFill>
@@ -15833,59 +16164,12 @@
           </a:p>
         </p:txBody>
       </p:sp>
-      <p:sp>
-        <p:nvSpPr>
-          <p:cNvPr id="48" name="Google Shape;121;p18">
+      <p:pic>
+        <p:nvPicPr>
+          <p:cNvPr id="9" name="圖片 8">
             <a:extLst>
               <a:ext uri="{FF2B5EF4-FFF2-40B4-BE49-F238E27FC236}">
-                <a16:creationId xmlns:a16="http://schemas.microsoft.com/office/drawing/2014/main" id="{F8F828CC-B0FE-424C-AECC-54D728B33A50}"/>
-              </a:ext>
-            </a:extLst>
-          </p:cNvPr>
-          <p:cNvSpPr txBox="1"/>
-          <p:nvPr/>
-        </p:nvSpPr>
-        <p:spPr>
-          <a:xfrm>
-            <a:off x="838200" y="1195544"/>
-            <a:ext cx="10515600" cy="5037776"/>
-          </a:xfrm>
-          <a:prstGeom prst="rect">
-            <a:avLst/>
-          </a:prstGeom>
-          <a:noFill/>
-          <a:ln>
-            <a:noFill/>
-          </a:ln>
-        </p:spPr>
-        <p:txBody>
-          <a:bodyPr spcFirstLastPara="1" wrap="square" lIns="91425" tIns="45700" rIns="91425" bIns="45700" anchor="t" anchorCtr="0">
-            <a:normAutofit/>
-          </a:bodyPr>
-          <a:lstStyle/>
-          <a:p>
-            <a:pPr rtl="0" fontAlgn="base">
-              <a:spcBef>
-                <a:spcPts val="0"/>
-              </a:spcBef>
-              <a:spcAft>
-                <a:spcPts val="0"/>
-              </a:spcAft>
-            </a:pPr>
-            <a:endParaRPr dirty="0">
-              <a:latin typeface="Times New Roman" panose="02020603050405020304" pitchFamily="18" charset="0"/>
-              <a:ea typeface="標楷體" panose="03000509000000000000" pitchFamily="65" charset="-120"/>
-              <a:cs typeface="Times New Roman" panose="02020603050405020304" pitchFamily="18" charset="0"/>
-            </a:endParaRPr>
-          </a:p>
-        </p:txBody>
-      </p:sp>
-      <p:pic>
-        <p:nvPicPr>
-          <p:cNvPr id="4" name="圖片 3">
-            <a:extLst>
-              <a:ext uri="{FF2B5EF4-FFF2-40B4-BE49-F238E27FC236}">
-                <a16:creationId xmlns:a16="http://schemas.microsoft.com/office/drawing/2014/main" id="{EDDDC04B-68E5-4793-B441-8280A2881FEF}"/>
+                <a16:creationId xmlns:a16="http://schemas.microsoft.com/office/drawing/2014/main" id="{DC0A8CC6-5255-4D15-AC15-E68CB5FA9B8D}"/>
               </a:ext>
             </a:extLst>
           </p:cNvPr>
@@ -15895,15 +16179,15 @@
           <p:nvPr/>
         </p:nvPicPr>
         <p:blipFill>
-          <a:blip r:embed="rId3"/>
+          <a:blip r:embed="rId4"/>
           <a:stretch>
             <a:fillRect/>
           </a:stretch>
         </p:blipFill>
         <p:spPr>
           <a:xfrm>
-            <a:off x="3052337" y="1324017"/>
-            <a:ext cx="6087325" cy="4563112"/>
+            <a:off x="1164453" y="1199829"/>
+            <a:ext cx="9863093" cy="5037797"/>
           </a:xfrm>
           <a:prstGeom prst="rect">
             <a:avLst/>
@@ -15916,144 +16200,6 @@
         <p14:creationId xmlns:p14="http://schemas.microsoft.com/office/powerpoint/2010/main" val="1903004222"/>
       </p:ext>
     </p:extLst>
-  </p:cSld>
-  <p:clrMapOvr>
-    <a:masterClrMapping/>
-  </p:clrMapOvr>
-</p:sld>
-</file>
-
-<file path=ppt/slides/slide9.xml><?xml version="1.0" encoding="utf-8"?>
-<p:sld xmlns:a="http://schemas.openxmlformats.org/drawingml/2006/main" xmlns:r="http://schemas.openxmlformats.org/officeDocument/2006/relationships" xmlns:p="http://schemas.openxmlformats.org/presentationml/2006/main">
-  <p:cSld>
-    <p:spTree>
-      <p:nvGrpSpPr>
-        <p:cNvPr id="1" name="Shape 189"/>
-        <p:cNvGrpSpPr/>
-        <p:nvPr/>
-      </p:nvGrpSpPr>
-      <p:grpSpPr>
-        <a:xfrm>
-          <a:off x="0" y="0"/>
-          <a:ext cx="0" cy="0"/>
-          <a:chOff x="0" y="0"/>
-          <a:chExt cx="0" cy="0"/>
-        </a:xfrm>
-      </p:grpSpPr>
-      <p:sp>
-        <p:nvSpPr>
-          <p:cNvPr id="190" name="Google Shape;190;p30"/>
-          <p:cNvSpPr txBox="1"/>
-          <p:nvPr/>
-        </p:nvSpPr>
-        <p:spPr>
-          <a:xfrm>
-            <a:off x="838200" y="1204421"/>
-            <a:ext cx="10515600" cy="5037776"/>
-          </a:xfrm>
-          <a:prstGeom prst="rect">
-            <a:avLst/>
-          </a:prstGeom>
-          <a:noFill/>
-          <a:ln>
-            <a:noFill/>
-          </a:ln>
-        </p:spPr>
-        <p:txBody>
-          <a:bodyPr spcFirstLastPara="1" wrap="square" lIns="91425" tIns="45700" rIns="91425" bIns="45700" anchor="t" anchorCtr="0">
-            <a:normAutofit/>
-          </a:bodyPr>
-          <a:lstStyle/>
-          <a:p>
-            <a:pPr marL="144000" marR="0" lvl="0" indent="-42400" algn="l" rtl="0">
-              <a:lnSpc>
-                <a:spcPct val="90000"/>
-              </a:lnSpc>
-              <a:spcBef>
-                <a:spcPts val="0"/>
-              </a:spcBef>
-              <a:spcAft>
-                <a:spcPts val="0"/>
-              </a:spcAft>
-              <a:buClr>
-                <a:schemeClr val="dk1"/>
-              </a:buClr>
-              <a:buSzPts val="1600"/>
-              <a:buFont typeface="Arial"/>
-              <a:buNone/>
-            </a:pPr>
-            <a:endParaRPr sz="1600" b="0" i="0" u="none" strike="noStrike" cap="none" dirty="0">
-              <a:solidFill>
-                <a:schemeClr val="dk1"/>
-              </a:solidFill>
-              <a:latin typeface="Times New Roman" panose="02020603050405020304" pitchFamily="18" charset="0"/>
-              <a:ea typeface="標楷體" panose="03000509000000000000" pitchFamily="65" charset="-120"/>
-              <a:cs typeface="Times New Roman" panose="02020603050405020304" pitchFamily="18" charset="0"/>
-              <a:sym typeface="Times New Roman"/>
-            </a:endParaRPr>
-          </a:p>
-        </p:txBody>
-      </p:sp>
-      <p:sp>
-        <p:nvSpPr>
-          <p:cNvPr id="191" name="Google Shape;191;p30"/>
-          <p:cNvSpPr txBox="1">
-            <a:spLocks noGrp="1"/>
-          </p:cNvSpPr>
-          <p:nvPr>
-            <p:ph type="title"/>
-          </p:nvPr>
-        </p:nvSpPr>
-        <p:spPr>
-          <a:xfrm>
-            <a:off x="838200" y="339900"/>
-            <a:ext cx="10515600" cy="720000"/>
-          </a:xfrm>
-          <a:prstGeom prst="rect">
-            <a:avLst/>
-          </a:prstGeom>
-          <a:noFill/>
-          <a:ln>
-            <a:noFill/>
-          </a:ln>
-        </p:spPr>
-        <p:txBody>
-          <a:bodyPr spcFirstLastPara="1" wrap="square" lIns="91425" tIns="45700" rIns="91425" bIns="45700" anchor="ctr" anchorCtr="0">
-            <a:normAutofit/>
-          </a:bodyPr>
-          <a:lstStyle/>
-          <a:p>
-            <a:pPr marL="0" lvl="0" indent="0" algn="ctr" rtl="0">
-              <a:lnSpc>
-                <a:spcPct val="90000"/>
-              </a:lnSpc>
-              <a:spcBef>
-                <a:spcPts val="0"/>
-              </a:spcBef>
-              <a:spcAft>
-                <a:spcPts val="0"/>
-              </a:spcAft>
-              <a:buClr>
-                <a:schemeClr val="dk1"/>
-              </a:buClr>
-              <a:buSzPts val="4400"/>
-              <a:buFont typeface="Times New Roman"/>
-              <a:buNone/>
-            </a:pPr>
-            <a:r>
-              <a:rPr lang="zh-TW" b="1">
-                <a:latin typeface="DFKai-SB"/>
-                <a:ea typeface="DFKai-SB"/>
-                <a:cs typeface="DFKai-SB"/>
-                <a:sym typeface="DFKai-SB"/>
-              </a:rPr>
-              <a:t>參考資料</a:t>
-            </a:r>
-            <a:endParaRPr b="1"/>
-          </a:p>
-        </p:txBody>
-      </p:sp>
-    </p:spTree>
   </p:cSld>
   <p:clrMapOvr>
     <a:masterClrMapping/>
